--- a/Riid.pptx
+++ b/Riid.pptx
@@ -1,33 +1,674 @@
 
 <file path=ppt/presentation.xml><?xml version="1.0" encoding="utf-8"?>
-<p:presentation xmlns:a="http://schemas.openxmlformats.org/drawingml/2006/main" xmlns:p="http://schemas.openxmlformats.org/presentationml/2006/main" xmlns:r="http://schemas.openxmlformats.org/officeDocument/2006/relationships" xmlns:p14="http://schemas.microsoft.com/office/powerpoint/2010/main" xmlns:p15="http://schemas.microsoft.com/office/powerpoint/2012/main" xmlns:mc="http://schemas.openxmlformats.org/markup-compatibility/2006">
+<p:presentation xmlns:a="http://schemas.openxmlformats.org/drawingml/2006/main" xmlns:r="http://schemas.openxmlformats.org/officeDocument/2006/relationships" xmlns:p="http://schemas.openxmlformats.org/presentationml/2006/main" showSpecialPlsOnTitleSld="0">
   <p:sldMasterIdLst>
-    <p:sldMasterId id="2147483648" r:id="rId2"/>
-    <p:sldMasterId id="2147483661" r:id="rId3"/>
-    <p:sldMasterId id="2147483674" r:id="rId4"/>
+    <p:sldMasterId id="2147483648" r:id="rId1"/>
+    <p:sldMasterId id="2147483661" r:id="rId2"/>
+    <p:sldMasterId id="2147483674" r:id="rId3"/>
   </p:sldMasterIdLst>
+  <p:notesMasterIdLst>
+    <p:notesMasterId r:id="rId17"/>
+  </p:notesMasterIdLst>
+  <p:handoutMasterIdLst>
+    <p:handoutMasterId r:id="rId18"/>
+  </p:handoutMasterIdLst>
   <p:sldIdLst>
-    <p:sldId id="256" r:id="rId5"/>
-    <p:sldId id="257" r:id="rId6"/>
-    <p:sldId id="258" r:id="rId7"/>
-    <p:sldId id="259" r:id="rId8"/>
-    <p:sldId id="260" r:id="rId9"/>
-    <p:sldId id="261" r:id="rId10"/>
-    <p:sldId id="262" r:id="rId11"/>
-    <p:sldId id="263" r:id="rId12"/>
-    <p:sldId id="264" r:id="rId13"/>
-    <p:sldId id="265" r:id="rId14"/>
-    <p:sldId id="266" r:id="rId15"/>
-    <p:sldId id="267" r:id="rId16"/>
-    <p:sldId id="268" r:id="rId17"/>
+    <p:sldId id="256" r:id="rId4"/>
+    <p:sldId id="257" r:id="rId5"/>
+    <p:sldId id="258" r:id="rId6"/>
+    <p:sldId id="259" r:id="rId7"/>
+    <p:sldId id="260" r:id="rId8"/>
+    <p:sldId id="261" r:id="rId9"/>
+    <p:sldId id="262" r:id="rId10"/>
+    <p:sldId id="263" r:id="rId11"/>
+    <p:sldId id="264" r:id="rId12"/>
+    <p:sldId id="265" r:id="rId13"/>
+    <p:sldId id="266" r:id="rId14"/>
+    <p:sldId id="267" r:id="rId15"/>
+    <p:sldId id="268" r:id="rId16"/>
   </p:sldIdLst>
   <p:sldSz cx="12192000" cy="6858000"/>
-  <p:notesSz cx="7559675" cy="10691812"/>
+  <p:notesSz cx="7559675" cy="10691813"/>
+  <p:defaultTextStyle>
+    <a:defPPr>
+      <a:defRPr lang="ru-RU"/>
+    </a:defPPr>
+    <a:lvl1pPr marL="0" algn="l" defTabSz="914400" rtl="0" eaLnBrk="1" latinLnBrk="0" hangingPunct="1">
+      <a:defRPr sz="1800" kern="1200">
+        <a:solidFill>
+          <a:schemeClr val="tx1"/>
+        </a:solidFill>
+        <a:latin typeface="+mn-lt"/>
+        <a:ea typeface="+mn-ea"/>
+        <a:cs typeface="+mn-cs"/>
+      </a:defRPr>
+    </a:lvl1pPr>
+    <a:lvl2pPr marL="457200" algn="l" defTabSz="914400" rtl="0" eaLnBrk="1" latinLnBrk="0" hangingPunct="1">
+      <a:defRPr sz="1800" kern="1200">
+        <a:solidFill>
+          <a:schemeClr val="tx1"/>
+        </a:solidFill>
+        <a:latin typeface="+mn-lt"/>
+        <a:ea typeface="+mn-ea"/>
+        <a:cs typeface="+mn-cs"/>
+      </a:defRPr>
+    </a:lvl2pPr>
+    <a:lvl3pPr marL="914400" algn="l" defTabSz="914400" rtl="0" eaLnBrk="1" latinLnBrk="0" hangingPunct="1">
+      <a:defRPr sz="1800" kern="1200">
+        <a:solidFill>
+          <a:schemeClr val="tx1"/>
+        </a:solidFill>
+        <a:latin typeface="+mn-lt"/>
+        <a:ea typeface="+mn-ea"/>
+        <a:cs typeface="+mn-cs"/>
+      </a:defRPr>
+    </a:lvl3pPr>
+    <a:lvl4pPr marL="1371600" algn="l" defTabSz="914400" rtl="0" eaLnBrk="1" latinLnBrk="0" hangingPunct="1">
+      <a:defRPr sz="1800" kern="1200">
+        <a:solidFill>
+          <a:schemeClr val="tx1"/>
+        </a:solidFill>
+        <a:latin typeface="+mn-lt"/>
+        <a:ea typeface="+mn-ea"/>
+        <a:cs typeface="+mn-cs"/>
+      </a:defRPr>
+    </a:lvl4pPr>
+    <a:lvl5pPr marL="1828800" algn="l" defTabSz="914400" rtl="0" eaLnBrk="1" latinLnBrk="0" hangingPunct="1">
+      <a:defRPr sz="1800" kern="1200">
+        <a:solidFill>
+          <a:schemeClr val="tx1"/>
+        </a:solidFill>
+        <a:latin typeface="+mn-lt"/>
+        <a:ea typeface="+mn-ea"/>
+        <a:cs typeface="+mn-cs"/>
+      </a:defRPr>
+    </a:lvl5pPr>
+    <a:lvl6pPr marL="2286000" algn="l" defTabSz="914400" rtl="0" eaLnBrk="1" latinLnBrk="0" hangingPunct="1">
+      <a:defRPr sz="1800" kern="1200">
+        <a:solidFill>
+          <a:schemeClr val="tx1"/>
+        </a:solidFill>
+        <a:latin typeface="+mn-lt"/>
+        <a:ea typeface="+mn-ea"/>
+        <a:cs typeface="+mn-cs"/>
+      </a:defRPr>
+    </a:lvl6pPr>
+    <a:lvl7pPr marL="2743200" algn="l" defTabSz="914400" rtl="0" eaLnBrk="1" latinLnBrk="0" hangingPunct="1">
+      <a:defRPr sz="1800" kern="1200">
+        <a:solidFill>
+          <a:schemeClr val="tx1"/>
+        </a:solidFill>
+        <a:latin typeface="+mn-lt"/>
+        <a:ea typeface="+mn-ea"/>
+        <a:cs typeface="+mn-cs"/>
+      </a:defRPr>
+    </a:lvl7pPr>
+    <a:lvl8pPr marL="3200400" algn="l" defTabSz="914400" rtl="0" eaLnBrk="1" latinLnBrk="0" hangingPunct="1">
+      <a:defRPr sz="1800" kern="1200">
+        <a:solidFill>
+          <a:schemeClr val="tx1"/>
+        </a:solidFill>
+        <a:latin typeface="+mn-lt"/>
+        <a:ea typeface="+mn-ea"/>
+        <a:cs typeface="+mn-cs"/>
+      </a:defRPr>
+    </a:lvl8pPr>
+    <a:lvl9pPr marL="3657600" algn="l" defTabSz="914400" rtl="0" eaLnBrk="1" latinLnBrk="0" hangingPunct="1">
+      <a:defRPr sz="1800" kern="1200">
+        <a:solidFill>
+          <a:schemeClr val="tx1"/>
+        </a:solidFill>
+        <a:latin typeface="+mn-lt"/>
+        <a:ea typeface="+mn-ea"/>
+        <a:cs typeface="+mn-cs"/>
+      </a:defRPr>
+    </a:lvl9pPr>
+  </p:defaultTextStyle>
 </p:presentation>
 </file>
 
+<file path=ppt/handoutMasters/handoutMaster1.xml><?xml version="1.0" encoding="utf-8"?>
+<p:handoutMaster xmlns:a="http://schemas.openxmlformats.org/drawingml/2006/main" xmlns:r="http://schemas.openxmlformats.org/officeDocument/2006/relationships" xmlns:p="http://schemas.openxmlformats.org/presentationml/2006/main">
+  <p:cSld>
+    <p:bg>
+      <p:bgRef idx="1001">
+        <a:schemeClr val="bg1"/>
+      </p:bgRef>
+    </p:bg>
+    <p:spTree>
+      <p:nvGrpSpPr>
+        <p:cNvPr id="1" name=""/>
+        <p:cNvGrpSpPr/>
+        <p:nvPr/>
+      </p:nvGrpSpPr>
+      <p:grpSpPr>
+        <a:xfrm>
+          <a:off x="0" y="0"/>
+          <a:ext cx="0" cy="0"/>
+          <a:chOff x="0" y="0"/>
+          <a:chExt cx="0" cy="0"/>
+        </a:xfrm>
+      </p:grpSpPr>
+      <p:sp>
+        <p:nvSpPr>
+          <p:cNvPr id="2" name="Верхний колонтитул 1">
+            <a:extLst>
+              <a:ext uri="{FF2B5EF4-FFF2-40B4-BE49-F238E27FC236}">
+                <a16:creationId xmlns:a16="http://schemas.microsoft.com/office/drawing/2014/main" id="{707D10D5-E7B9-42B4-993E-5B6CA9A5883C}"/>
+              </a:ext>
+            </a:extLst>
+          </p:cNvPr>
+          <p:cNvSpPr>
+            <a:spLocks noGrp="1"/>
+          </p:cNvSpPr>
+          <p:nvPr>
+            <p:ph type="hdr" sz="quarter"/>
+          </p:nvPr>
+        </p:nvSpPr>
+        <p:spPr>
+          <a:xfrm>
+            <a:off x="0" y="0"/>
+            <a:ext cx="3276600" cy="536575"/>
+          </a:xfrm>
+          <a:prstGeom prst="rect">
+            <a:avLst/>
+          </a:prstGeom>
+        </p:spPr>
+        <p:txBody>
+          <a:bodyPr vert="horz" lIns="91440" tIns="45720" rIns="91440" bIns="45720" rtlCol="0"/>
+          <a:lstStyle>
+            <a:lvl1pPr algn="l">
+              <a:defRPr sz="1200"/>
+            </a:lvl1pPr>
+          </a:lstStyle>
+          <a:p>
+            <a:endParaRPr lang="ru-RU"/>
+          </a:p>
+        </p:txBody>
+      </p:sp>
+      <p:sp>
+        <p:nvSpPr>
+          <p:cNvPr id="3" name="Дата 2">
+            <a:extLst>
+              <a:ext uri="{FF2B5EF4-FFF2-40B4-BE49-F238E27FC236}">
+                <a16:creationId xmlns:a16="http://schemas.microsoft.com/office/drawing/2014/main" id="{EA4A798A-CE26-4D6A-90DD-373CD9F91D1B}"/>
+              </a:ext>
+            </a:extLst>
+          </p:cNvPr>
+          <p:cNvSpPr>
+            <a:spLocks noGrp="1"/>
+          </p:cNvSpPr>
+          <p:nvPr>
+            <p:ph type="dt" sz="quarter" idx="1"/>
+          </p:nvPr>
+        </p:nvSpPr>
+        <p:spPr>
+          <a:xfrm>
+            <a:off x="4281488" y="0"/>
+            <a:ext cx="3276600" cy="536575"/>
+          </a:xfrm>
+          <a:prstGeom prst="rect">
+            <a:avLst/>
+          </a:prstGeom>
+        </p:spPr>
+        <p:txBody>
+          <a:bodyPr vert="horz" lIns="91440" tIns="45720" rIns="91440" bIns="45720" rtlCol="0"/>
+          <a:lstStyle>
+            <a:lvl1pPr algn="r">
+              <a:defRPr sz="1200"/>
+            </a:lvl1pPr>
+          </a:lstStyle>
+          <a:p>
+            <a:fld id="{849383B6-77D1-45E6-83E2-3EED7AC22D5D}" type="datetimeFigureOut">
+              <a:rPr lang="ru-RU" smtClean="0"/>
+              <a:t>11.01.2021</a:t>
+            </a:fld>
+            <a:endParaRPr lang="ru-RU"/>
+          </a:p>
+        </p:txBody>
+      </p:sp>
+      <p:sp>
+        <p:nvSpPr>
+          <p:cNvPr id="4" name="Нижний колонтитул 3">
+            <a:extLst>
+              <a:ext uri="{FF2B5EF4-FFF2-40B4-BE49-F238E27FC236}">
+                <a16:creationId xmlns:a16="http://schemas.microsoft.com/office/drawing/2014/main" id="{971603EC-D937-4C7C-B8B5-3B8FE87BABB9}"/>
+              </a:ext>
+            </a:extLst>
+          </p:cNvPr>
+          <p:cNvSpPr>
+            <a:spLocks noGrp="1"/>
+          </p:cNvSpPr>
+          <p:nvPr>
+            <p:ph type="ftr" sz="quarter" idx="2"/>
+          </p:nvPr>
+        </p:nvSpPr>
+        <p:spPr>
+          <a:xfrm>
+            <a:off x="0" y="10155238"/>
+            <a:ext cx="3276600" cy="536575"/>
+          </a:xfrm>
+          <a:prstGeom prst="rect">
+            <a:avLst/>
+          </a:prstGeom>
+        </p:spPr>
+        <p:txBody>
+          <a:bodyPr vert="horz" lIns="91440" tIns="45720" rIns="91440" bIns="45720" rtlCol="0" anchor="b"/>
+          <a:lstStyle>
+            <a:lvl1pPr algn="l">
+              <a:defRPr sz="1200"/>
+            </a:lvl1pPr>
+          </a:lstStyle>
+          <a:p>
+            <a:endParaRPr lang="ru-RU"/>
+          </a:p>
+        </p:txBody>
+      </p:sp>
+      <p:sp>
+        <p:nvSpPr>
+          <p:cNvPr id="5" name="Номер слайда 4">
+            <a:extLst>
+              <a:ext uri="{FF2B5EF4-FFF2-40B4-BE49-F238E27FC236}">
+                <a16:creationId xmlns:a16="http://schemas.microsoft.com/office/drawing/2014/main" id="{2C1B9107-F036-43BA-B88C-F6A671DF930F}"/>
+              </a:ext>
+            </a:extLst>
+          </p:cNvPr>
+          <p:cNvSpPr>
+            <a:spLocks noGrp="1"/>
+          </p:cNvSpPr>
+          <p:nvPr>
+            <p:ph type="sldNum" sz="quarter" idx="3"/>
+          </p:nvPr>
+        </p:nvSpPr>
+        <p:spPr>
+          <a:xfrm>
+            <a:off x="4281488" y="10155238"/>
+            <a:ext cx="3276600" cy="536575"/>
+          </a:xfrm>
+          <a:prstGeom prst="rect">
+            <a:avLst/>
+          </a:prstGeom>
+        </p:spPr>
+        <p:txBody>
+          <a:bodyPr vert="horz" lIns="91440" tIns="45720" rIns="91440" bIns="45720" rtlCol="0" anchor="b"/>
+          <a:lstStyle>
+            <a:lvl1pPr algn="r">
+              <a:defRPr sz="1200"/>
+            </a:lvl1pPr>
+          </a:lstStyle>
+          <a:p>
+            <a:fld id="{625FB14E-0C3A-45CE-94AA-50874D457B7C}" type="slidenum">
+              <a:rPr lang="ru-RU" smtClean="0"/>
+              <a:t>‹#›</a:t>
+            </a:fld>
+            <a:endParaRPr lang="ru-RU"/>
+          </a:p>
+        </p:txBody>
+      </p:sp>
+    </p:spTree>
+    <p:extLst>
+      <p:ext uri="{BB962C8B-B14F-4D97-AF65-F5344CB8AC3E}">
+        <p14:creationId xmlns:p14="http://schemas.microsoft.com/office/powerpoint/2010/main" val="2081019693"/>
+      </p:ext>
+    </p:extLst>
+  </p:cSld>
+  <p:clrMap bg1="lt1" tx1="dk1" bg2="lt2" tx2="dk2" accent1="accent1" accent2="accent2" accent3="accent3" accent4="accent4" accent5="accent5" accent6="accent6" hlink="hlink" folHlink="folHlink"/>
+  <p:hf hdr="0" ftr="0" dt="0"/>
+</p:handoutMaster>
+</file>
+
+<file path=ppt/notesMasters/notesMaster1.xml><?xml version="1.0" encoding="utf-8"?>
+<p:notesMaster xmlns:a="http://schemas.openxmlformats.org/drawingml/2006/main" xmlns:r="http://schemas.openxmlformats.org/officeDocument/2006/relationships" xmlns:p="http://schemas.openxmlformats.org/presentationml/2006/main">
+  <p:cSld>
+    <p:bg>
+      <p:bgRef idx="1001">
+        <a:schemeClr val="bg1"/>
+      </p:bgRef>
+    </p:bg>
+    <p:spTree>
+      <p:nvGrpSpPr>
+        <p:cNvPr id="1" name=""/>
+        <p:cNvGrpSpPr/>
+        <p:nvPr/>
+      </p:nvGrpSpPr>
+      <p:grpSpPr>
+        <a:xfrm>
+          <a:off x="0" y="0"/>
+          <a:ext cx="0" cy="0"/>
+          <a:chOff x="0" y="0"/>
+          <a:chExt cx="0" cy="0"/>
+        </a:xfrm>
+      </p:grpSpPr>
+      <p:sp>
+        <p:nvSpPr>
+          <p:cNvPr id="2" name="Верхний колонтитул 1"/>
+          <p:cNvSpPr>
+            <a:spLocks noGrp="1"/>
+          </p:cNvSpPr>
+          <p:nvPr>
+            <p:ph type="hdr" sz="quarter"/>
+          </p:nvPr>
+        </p:nvSpPr>
+        <p:spPr>
+          <a:xfrm>
+            <a:off x="0" y="0"/>
+            <a:ext cx="3276600" cy="536575"/>
+          </a:xfrm>
+          <a:prstGeom prst="rect">
+            <a:avLst/>
+          </a:prstGeom>
+        </p:spPr>
+        <p:txBody>
+          <a:bodyPr vert="horz" lIns="91440" tIns="45720" rIns="91440" bIns="45720" rtlCol="0"/>
+          <a:lstStyle>
+            <a:lvl1pPr algn="l">
+              <a:defRPr sz="1200"/>
+            </a:lvl1pPr>
+          </a:lstStyle>
+          <a:p>
+            <a:endParaRPr lang="ru-RU"/>
+          </a:p>
+        </p:txBody>
+      </p:sp>
+      <p:sp>
+        <p:nvSpPr>
+          <p:cNvPr id="3" name="Дата 2"/>
+          <p:cNvSpPr>
+            <a:spLocks noGrp="1"/>
+          </p:cNvSpPr>
+          <p:nvPr>
+            <p:ph type="dt" idx="1"/>
+          </p:nvPr>
+        </p:nvSpPr>
+        <p:spPr>
+          <a:xfrm>
+            <a:off x="4281488" y="0"/>
+            <a:ext cx="3276600" cy="536575"/>
+          </a:xfrm>
+          <a:prstGeom prst="rect">
+            <a:avLst/>
+          </a:prstGeom>
+        </p:spPr>
+        <p:txBody>
+          <a:bodyPr vert="horz" lIns="91440" tIns="45720" rIns="91440" bIns="45720" rtlCol="0"/>
+          <a:lstStyle>
+            <a:lvl1pPr algn="r">
+              <a:defRPr sz="1200"/>
+            </a:lvl1pPr>
+          </a:lstStyle>
+          <a:p>
+            <a:fld id="{BDC1568A-22FA-4CC9-B9E8-A88A7D4FFE88}" type="datetimeFigureOut">
+              <a:rPr lang="ru-RU" smtClean="0"/>
+              <a:t>11.01.2021</a:t>
+            </a:fld>
+            <a:endParaRPr lang="ru-RU"/>
+          </a:p>
+        </p:txBody>
+      </p:sp>
+      <p:sp>
+        <p:nvSpPr>
+          <p:cNvPr id="4" name="Образ слайда 3"/>
+          <p:cNvSpPr>
+            <a:spLocks noGrp="1" noRot="1" noChangeAspect="1"/>
+          </p:cNvSpPr>
+          <p:nvPr>
+            <p:ph type="sldImg" idx="2"/>
+          </p:nvPr>
+        </p:nvSpPr>
+        <p:spPr>
+          <a:xfrm>
+            <a:off x="573088" y="1336675"/>
+            <a:ext cx="6413500" cy="3608388"/>
+          </a:xfrm>
+          <a:prstGeom prst="rect">
+            <a:avLst/>
+          </a:prstGeom>
+          <a:noFill/>
+          <a:ln w="12700">
+            <a:solidFill>
+              <a:prstClr val="black"/>
+            </a:solidFill>
+          </a:ln>
+        </p:spPr>
+        <p:txBody>
+          <a:bodyPr vert="horz" lIns="91440" tIns="45720" rIns="91440" bIns="45720" rtlCol="0" anchor="ctr"/>
+          <a:lstStyle/>
+          <a:p>
+            <a:endParaRPr lang="ru-RU"/>
+          </a:p>
+        </p:txBody>
+      </p:sp>
+      <p:sp>
+        <p:nvSpPr>
+          <p:cNvPr id="5" name="Заметки 4"/>
+          <p:cNvSpPr>
+            <a:spLocks noGrp="1"/>
+          </p:cNvSpPr>
+          <p:nvPr>
+            <p:ph type="body" sz="quarter" idx="3"/>
+          </p:nvPr>
+        </p:nvSpPr>
+        <p:spPr>
+          <a:xfrm>
+            <a:off x="755650" y="5145088"/>
+            <a:ext cx="6048375" cy="4210050"/>
+          </a:xfrm>
+          <a:prstGeom prst="rect">
+            <a:avLst/>
+          </a:prstGeom>
+        </p:spPr>
+        <p:txBody>
+          <a:bodyPr vert="horz" lIns="91440" tIns="45720" rIns="91440" bIns="45720" rtlCol="0"/>
+          <a:lstStyle/>
+          <a:p>
+            <a:pPr lvl="0"/>
+            <a:r>
+              <a:rPr lang="ru-RU"/>
+              <a:t>Образец текста</a:t>
+            </a:r>
+          </a:p>
+          <a:p>
+            <a:pPr lvl="1"/>
+            <a:r>
+              <a:rPr lang="ru-RU"/>
+              <a:t>Второй уровень</a:t>
+            </a:r>
+          </a:p>
+          <a:p>
+            <a:pPr lvl="2"/>
+            <a:r>
+              <a:rPr lang="ru-RU"/>
+              <a:t>Третий уровень</a:t>
+            </a:r>
+          </a:p>
+          <a:p>
+            <a:pPr lvl="3"/>
+            <a:r>
+              <a:rPr lang="ru-RU"/>
+              <a:t>Четвертый уровень</a:t>
+            </a:r>
+          </a:p>
+          <a:p>
+            <a:pPr lvl="4"/>
+            <a:r>
+              <a:rPr lang="ru-RU"/>
+              <a:t>Пятый уровень</a:t>
+            </a:r>
+          </a:p>
+        </p:txBody>
+      </p:sp>
+      <p:sp>
+        <p:nvSpPr>
+          <p:cNvPr id="6" name="Нижний колонтитул 5"/>
+          <p:cNvSpPr>
+            <a:spLocks noGrp="1"/>
+          </p:cNvSpPr>
+          <p:nvPr>
+            <p:ph type="ftr" sz="quarter" idx="4"/>
+          </p:nvPr>
+        </p:nvSpPr>
+        <p:spPr>
+          <a:xfrm>
+            <a:off x="0" y="10155238"/>
+            <a:ext cx="3276600" cy="536575"/>
+          </a:xfrm>
+          <a:prstGeom prst="rect">
+            <a:avLst/>
+          </a:prstGeom>
+        </p:spPr>
+        <p:txBody>
+          <a:bodyPr vert="horz" lIns="91440" tIns="45720" rIns="91440" bIns="45720" rtlCol="0" anchor="b"/>
+          <a:lstStyle>
+            <a:lvl1pPr algn="l">
+              <a:defRPr sz="1200"/>
+            </a:lvl1pPr>
+          </a:lstStyle>
+          <a:p>
+            <a:endParaRPr lang="ru-RU"/>
+          </a:p>
+        </p:txBody>
+      </p:sp>
+      <p:sp>
+        <p:nvSpPr>
+          <p:cNvPr id="7" name="Номер слайда 6"/>
+          <p:cNvSpPr>
+            <a:spLocks noGrp="1"/>
+          </p:cNvSpPr>
+          <p:nvPr>
+            <p:ph type="sldNum" sz="quarter" idx="5"/>
+          </p:nvPr>
+        </p:nvSpPr>
+        <p:spPr>
+          <a:xfrm>
+            <a:off x="4281488" y="10155238"/>
+            <a:ext cx="3276600" cy="536575"/>
+          </a:xfrm>
+          <a:prstGeom prst="rect">
+            <a:avLst/>
+          </a:prstGeom>
+        </p:spPr>
+        <p:txBody>
+          <a:bodyPr vert="horz" lIns="91440" tIns="45720" rIns="91440" bIns="45720" rtlCol="0" anchor="b"/>
+          <a:lstStyle>
+            <a:lvl1pPr algn="r">
+              <a:defRPr sz="1200"/>
+            </a:lvl1pPr>
+          </a:lstStyle>
+          <a:p>
+            <a:fld id="{7A028012-78A5-403F-A637-1CDC773F607C}" type="slidenum">
+              <a:rPr lang="ru-RU" smtClean="0"/>
+              <a:t>‹#›</a:t>
+            </a:fld>
+            <a:endParaRPr lang="ru-RU"/>
+          </a:p>
+        </p:txBody>
+      </p:sp>
+    </p:spTree>
+    <p:extLst>
+      <p:ext uri="{BB962C8B-B14F-4D97-AF65-F5344CB8AC3E}">
+        <p14:creationId xmlns:p14="http://schemas.microsoft.com/office/powerpoint/2010/main" val="1074418804"/>
+      </p:ext>
+    </p:extLst>
+  </p:cSld>
+  <p:clrMap bg1="lt1" tx1="dk1" bg2="lt2" tx2="dk2" accent1="accent1" accent2="accent2" accent3="accent3" accent4="accent4" accent5="accent5" accent6="accent6" hlink="hlink" folHlink="folHlink"/>
+  <p:hf hdr="0" ftr="0" dt="0"/>
+  <p:notesStyle>
+    <a:lvl1pPr marL="0" algn="l" defTabSz="914400" rtl="0" eaLnBrk="1" latinLnBrk="0" hangingPunct="1">
+      <a:defRPr sz="1200" kern="1200">
+        <a:solidFill>
+          <a:schemeClr val="tx1"/>
+        </a:solidFill>
+        <a:latin typeface="+mn-lt"/>
+        <a:ea typeface="+mn-ea"/>
+        <a:cs typeface="+mn-cs"/>
+      </a:defRPr>
+    </a:lvl1pPr>
+    <a:lvl2pPr marL="457200" algn="l" defTabSz="914400" rtl="0" eaLnBrk="1" latinLnBrk="0" hangingPunct="1">
+      <a:defRPr sz="1200" kern="1200">
+        <a:solidFill>
+          <a:schemeClr val="tx1"/>
+        </a:solidFill>
+        <a:latin typeface="+mn-lt"/>
+        <a:ea typeface="+mn-ea"/>
+        <a:cs typeface="+mn-cs"/>
+      </a:defRPr>
+    </a:lvl2pPr>
+    <a:lvl3pPr marL="914400" algn="l" defTabSz="914400" rtl="0" eaLnBrk="1" latinLnBrk="0" hangingPunct="1">
+      <a:defRPr sz="1200" kern="1200">
+        <a:solidFill>
+          <a:schemeClr val="tx1"/>
+        </a:solidFill>
+        <a:latin typeface="+mn-lt"/>
+        <a:ea typeface="+mn-ea"/>
+        <a:cs typeface="+mn-cs"/>
+      </a:defRPr>
+    </a:lvl3pPr>
+    <a:lvl4pPr marL="1371600" algn="l" defTabSz="914400" rtl="0" eaLnBrk="1" latinLnBrk="0" hangingPunct="1">
+      <a:defRPr sz="1200" kern="1200">
+        <a:solidFill>
+          <a:schemeClr val="tx1"/>
+        </a:solidFill>
+        <a:latin typeface="+mn-lt"/>
+        <a:ea typeface="+mn-ea"/>
+        <a:cs typeface="+mn-cs"/>
+      </a:defRPr>
+    </a:lvl4pPr>
+    <a:lvl5pPr marL="1828800" algn="l" defTabSz="914400" rtl="0" eaLnBrk="1" latinLnBrk="0" hangingPunct="1">
+      <a:defRPr sz="1200" kern="1200">
+        <a:solidFill>
+          <a:schemeClr val="tx1"/>
+        </a:solidFill>
+        <a:latin typeface="+mn-lt"/>
+        <a:ea typeface="+mn-ea"/>
+        <a:cs typeface="+mn-cs"/>
+      </a:defRPr>
+    </a:lvl5pPr>
+    <a:lvl6pPr marL="2286000" algn="l" defTabSz="914400" rtl="0" eaLnBrk="1" latinLnBrk="0" hangingPunct="1">
+      <a:defRPr sz="1200" kern="1200">
+        <a:solidFill>
+          <a:schemeClr val="tx1"/>
+        </a:solidFill>
+        <a:latin typeface="+mn-lt"/>
+        <a:ea typeface="+mn-ea"/>
+        <a:cs typeface="+mn-cs"/>
+      </a:defRPr>
+    </a:lvl6pPr>
+    <a:lvl7pPr marL="2743200" algn="l" defTabSz="914400" rtl="0" eaLnBrk="1" latinLnBrk="0" hangingPunct="1">
+      <a:defRPr sz="1200" kern="1200">
+        <a:solidFill>
+          <a:schemeClr val="tx1"/>
+        </a:solidFill>
+        <a:latin typeface="+mn-lt"/>
+        <a:ea typeface="+mn-ea"/>
+        <a:cs typeface="+mn-cs"/>
+      </a:defRPr>
+    </a:lvl7pPr>
+    <a:lvl8pPr marL="3200400" algn="l" defTabSz="914400" rtl="0" eaLnBrk="1" latinLnBrk="0" hangingPunct="1">
+      <a:defRPr sz="1200" kern="1200">
+        <a:solidFill>
+          <a:schemeClr val="tx1"/>
+        </a:solidFill>
+        <a:latin typeface="+mn-lt"/>
+        <a:ea typeface="+mn-ea"/>
+        <a:cs typeface="+mn-cs"/>
+      </a:defRPr>
+    </a:lvl8pPr>
+    <a:lvl9pPr marL="3657600" algn="l" defTabSz="914400" rtl="0" eaLnBrk="1" latinLnBrk="0" hangingPunct="1">
+      <a:defRPr sz="1200" kern="1200">
+        <a:solidFill>
+          <a:schemeClr val="tx1"/>
+        </a:solidFill>
+        <a:latin typeface="+mn-lt"/>
+        <a:ea typeface="+mn-ea"/>
+        <a:cs typeface="+mn-cs"/>
+      </a:defRPr>
+    </a:lvl9pPr>
+  </p:notesStyle>
+</p:notesMaster>
+</file>
+
 <file path=ppt/slideLayouts/slideLayout1.xml><?xml version="1.0" encoding="utf-8"?>
-<p:sldLayout xmlns:a="http://schemas.openxmlformats.org/drawingml/2006/main" xmlns:p="http://schemas.openxmlformats.org/presentationml/2006/main" xmlns:r="http://schemas.openxmlformats.org/officeDocument/2006/relationships" xmlns:p14="http://schemas.microsoft.com/office/powerpoint/2010/main" xmlns:p15="http://schemas.microsoft.com/office/powerpoint/2012/main" xmlns:mc="http://schemas.openxmlformats.org/markup-compatibility/2006" type="blank" preserve="1">
+<p:sldLayout xmlns:a="http://schemas.openxmlformats.org/drawingml/2006/main" xmlns:r="http://schemas.openxmlformats.org/officeDocument/2006/relationships" xmlns:p="http://schemas.openxmlformats.org/presentationml/2006/main" type="blank" preserve="1">
   <p:cSld name="Blank Slide">
     <p:spTree>
       <p:nvGrpSpPr>
@@ -45,11 +686,14 @@
       </p:grpSpPr>
     </p:spTree>
   </p:cSld>
+  <p:clrMapOvr>
+    <a:masterClrMapping/>
+  </p:clrMapOvr>
 </p:sldLayout>
 </file>
 
 <file path=ppt/slideLayouts/slideLayout10.xml><?xml version="1.0" encoding="utf-8"?>
-<p:sldLayout xmlns:a="http://schemas.openxmlformats.org/drawingml/2006/main" xmlns:p="http://schemas.openxmlformats.org/presentationml/2006/main" xmlns:r="http://schemas.openxmlformats.org/officeDocument/2006/relationships" xmlns:p14="http://schemas.microsoft.com/office/powerpoint/2010/main" xmlns:p15="http://schemas.microsoft.com/office/powerpoint/2012/main" xmlns:mc="http://schemas.openxmlformats.org/markup-compatibility/2006" type="objOverTx" preserve="1">
+<p:sldLayout xmlns:a="http://schemas.openxmlformats.org/drawingml/2006/main" xmlns:r="http://schemas.openxmlformats.org/officeDocument/2006/relationships" xmlns:p="http://schemas.openxmlformats.org/presentationml/2006/main" type="objOverTx" preserve="1">
   <p:cSld name="Title, Content over Content">
     <p:spTree>
       <p:nvGrpSpPr>
@@ -85,12 +729,13 @@
           </a:prstGeom>
         </p:spPr>
         <p:txBody>
-          <a:bodyPr lIns="0" rIns="0" tIns="0" bIns="0" anchor="ctr">
+          <a:bodyPr lIns="0" tIns="0" rIns="0" bIns="0" anchor="ctr">
             <a:noAutofit/>
           </a:bodyPr>
+          <a:lstStyle/>
           <a:p>
             <a:pPr algn="ctr"/>
-            <a:endParaRPr b="0" lang="ru-RU" sz="4400" spc="-1" strike="noStrike">
+            <a:endParaRPr lang="ru-RU" sz="4400" b="0" strike="noStrike" spc="-1">
               <a:latin typeface="Arial"/>
             </a:endParaRPr>
           </a:p>
@@ -116,11 +761,12 @@
           </a:prstGeom>
         </p:spPr>
         <p:txBody>
-          <a:bodyPr lIns="0" rIns="0" tIns="0" bIns="0">
+          <a:bodyPr lIns="0" tIns="0" rIns="0" bIns="0">
             <a:normAutofit/>
           </a:bodyPr>
-          <a:p>
-            <a:endParaRPr b="0" lang="ru-RU" sz="3200" spc="-1" strike="noStrike">
+          <a:lstStyle/>
+          <a:p>
+            <a:endParaRPr lang="ru-RU" sz="3200" b="0" strike="noStrike" spc="-1">
               <a:latin typeface="Arial"/>
             </a:endParaRPr>
           </a:p>
@@ -146,11 +792,12 @@
           </a:prstGeom>
         </p:spPr>
         <p:txBody>
-          <a:bodyPr lIns="0" rIns="0" tIns="0" bIns="0">
+          <a:bodyPr lIns="0" tIns="0" rIns="0" bIns="0">
             <a:normAutofit/>
           </a:bodyPr>
-          <a:p>
-            <a:endParaRPr b="0" lang="ru-RU" sz="3200" spc="-1" strike="noStrike">
+          <a:lstStyle/>
+          <a:p>
+            <a:endParaRPr lang="ru-RU" sz="3200" b="0" strike="noStrike" spc="-1">
               <a:latin typeface="Arial"/>
             </a:endParaRPr>
           </a:p>
@@ -158,11 +805,14 @@
       </p:sp>
     </p:spTree>
   </p:cSld>
+  <p:clrMapOvr>
+    <a:masterClrMapping/>
+  </p:clrMapOvr>
 </p:sldLayout>
 </file>
 
 <file path=ppt/slideLayouts/slideLayout11.xml><?xml version="1.0" encoding="utf-8"?>
-<p:sldLayout xmlns:a="http://schemas.openxmlformats.org/drawingml/2006/main" xmlns:p="http://schemas.openxmlformats.org/presentationml/2006/main" xmlns:r="http://schemas.openxmlformats.org/officeDocument/2006/relationships" xmlns:p14="http://schemas.microsoft.com/office/powerpoint/2010/main" xmlns:p15="http://schemas.microsoft.com/office/powerpoint/2012/main" xmlns:mc="http://schemas.openxmlformats.org/markup-compatibility/2006" type="fourObj" preserve="1">
+<p:sldLayout xmlns:a="http://schemas.openxmlformats.org/drawingml/2006/main" xmlns:r="http://schemas.openxmlformats.org/officeDocument/2006/relationships" xmlns:p="http://schemas.openxmlformats.org/presentationml/2006/main" type="fourObj" preserve="1">
   <p:cSld name="Title, 4 Content">
     <p:spTree>
       <p:nvGrpSpPr>
@@ -198,12 +848,13 @@
           </a:prstGeom>
         </p:spPr>
         <p:txBody>
-          <a:bodyPr lIns="0" rIns="0" tIns="0" bIns="0" anchor="ctr">
+          <a:bodyPr lIns="0" tIns="0" rIns="0" bIns="0" anchor="ctr">
             <a:noAutofit/>
           </a:bodyPr>
+          <a:lstStyle/>
           <a:p>
             <a:pPr algn="ctr"/>
-            <a:endParaRPr b="0" lang="ru-RU" sz="4400" spc="-1" strike="noStrike">
+            <a:endParaRPr lang="ru-RU" sz="4400" b="0" strike="noStrike" spc="-1">
               <a:latin typeface="Arial"/>
             </a:endParaRPr>
           </a:p>
@@ -229,11 +880,12 @@
           </a:prstGeom>
         </p:spPr>
         <p:txBody>
-          <a:bodyPr lIns="0" rIns="0" tIns="0" bIns="0">
+          <a:bodyPr lIns="0" tIns="0" rIns="0" bIns="0">
             <a:normAutofit/>
           </a:bodyPr>
-          <a:p>
-            <a:endParaRPr b="0" lang="ru-RU" sz="3200" spc="-1" strike="noStrike">
+          <a:lstStyle/>
+          <a:p>
+            <a:endParaRPr lang="ru-RU" sz="3200" b="0" strike="noStrike" spc="-1">
               <a:latin typeface="Arial"/>
             </a:endParaRPr>
           </a:p>
@@ -259,11 +911,12 @@
           </a:prstGeom>
         </p:spPr>
         <p:txBody>
-          <a:bodyPr lIns="0" rIns="0" tIns="0" bIns="0">
+          <a:bodyPr lIns="0" tIns="0" rIns="0" bIns="0">
             <a:normAutofit/>
           </a:bodyPr>
-          <a:p>
-            <a:endParaRPr b="0" lang="ru-RU" sz="3200" spc="-1" strike="noStrike">
+          <a:lstStyle/>
+          <a:p>
+            <a:endParaRPr lang="ru-RU" sz="3200" b="0" strike="noStrike" spc="-1">
               <a:latin typeface="Arial"/>
             </a:endParaRPr>
           </a:p>
@@ -289,11 +942,12 @@
           </a:prstGeom>
         </p:spPr>
         <p:txBody>
-          <a:bodyPr lIns="0" rIns="0" tIns="0" bIns="0">
+          <a:bodyPr lIns="0" tIns="0" rIns="0" bIns="0">
             <a:normAutofit/>
           </a:bodyPr>
-          <a:p>
-            <a:endParaRPr b="0" lang="ru-RU" sz="3200" spc="-1" strike="noStrike">
+          <a:lstStyle/>
+          <a:p>
+            <a:endParaRPr lang="ru-RU" sz="3200" b="0" strike="noStrike" spc="-1">
               <a:latin typeface="Arial"/>
             </a:endParaRPr>
           </a:p>
@@ -319,11 +973,12 @@
           </a:prstGeom>
         </p:spPr>
         <p:txBody>
-          <a:bodyPr lIns="0" rIns="0" tIns="0" bIns="0">
+          <a:bodyPr lIns="0" tIns="0" rIns="0" bIns="0">
             <a:normAutofit/>
           </a:bodyPr>
-          <a:p>
-            <a:endParaRPr b="0" lang="ru-RU" sz="3200" spc="-1" strike="noStrike">
+          <a:lstStyle/>
+          <a:p>
+            <a:endParaRPr lang="ru-RU" sz="3200" b="0" strike="noStrike" spc="-1">
               <a:latin typeface="Arial"/>
             </a:endParaRPr>
           </a:p>
@@ -331,11 +986,14 @@
       </p:sp>
     </p:spTree>
   </p:cSld>
+  <p:clrMapOvr>
+    <a:masterClrMapping/>
+  </p:clrMapOvr>
 </p:sldLayout>
 </file>
 
 <file path=ppt/slideLayouts/slideLayout12.xml><?xml version="1.0" encoding="utf-8"?>
-<p:sldLayout xmlns:a="http://schemas.openxmlformats.org/drawingml/2006/main" xmlns:p="http://schemas.openxmlformats.org/presentationml/2006/main" xmlns:r="http://schemas.openxmlformats.org/officeDocument/2006/relationships" xmlns:p14="http://schemas.microsoft.com/office/powerpoint/2010/main" xmlns:p15="http://schemas.microsoft.com/office/powerpoint/2012/main" xmlns:mc="http://schemas.openxmlformats.org/markup-compatibility/2006" type="blank" preserve="1">
+<p:sldLayout xmlns:a="http://schemas.openxmlformats.org/drawingml/2006/main" xmlns:r="http://schemas.openxmlformats.org/officeDocument/2006/relationships" xmlns:p="http://schemas.openxmlformats.org/presentationml/2006/main" type="blank" preserve="1">
   <p:cSld name="Title, 6 Content">
     <p:spTree>
       <p:nvGrpSpPr>
@@ -371,12 +1029,13 @@
           </a:prstGeom>
         </p:spPr>
         <p:txBody>
-          <a:bodyPr lIns="0" rIns="0" tIns="0" bIns="0" anchor="ctr">
+          <a:bodyPr lIns="0" tIns="0" rIns="0" bIns="0" anchor="ctr">
             <a:noAutofit/>
           </a:bodyPr>
+          <a:lstStyle/>
           <a:p>
             <a:pPr algn="ctr"/>
-            <a:endParaRPr b="0" lang="ru-RU" sz="4400" spc="-1" strike="noStrike">
+            <a:endParaRPr lang="ru-RU" sz="4400" b="0" strike="noStrike" spc="-1">
               <a:latin typeface="Arial"/>
             </a:endParaRPr>
           </a:p>
@@ -402,11 +1061,12 @@
           </a:prstGeom>
         </p:spPr>
         <p:txBody>
-          <a:bodyPr lIns="0" rIns="0" tIns="0" bIns="0">
+          <a:bodyPr lIns="0" tIns="0" rIns="0" bIns="0">
             <a:normAutofit/>
           </a:bodyPr>
-          <a:p>
-            <a:endParaRPr b="0" lang="ru-RU" sz="3200" spc="-1" strike="noStrike">
+          <a:lstStyle/>
+          <a:p>
+            <a:endParaRPr lang="ru-RU" sz="3200" b="0" strike="noStrike" spc="-1">
               <a:latin typeface="Arial"/>
             </a:endParaRPr>
           </a:p>
@@ -432,11 +1092,12 @@
           </a:prstGeom>
         </p:spPr>
         <p:txBody>
-          <a:bodyPr lIns="0" rIns="0" tIns="0" bIns="0">
+          <a:bodyPr lIns="0" tIns="0" rIns="0" bIns="0">
             <a:normAutofit/>
           </a:bodyPr>
-          <a:p>
-            <a:endParaRPr b="0" lang="ru-RU" sz="3200" spc="-1" strike="noStrike">
+          <a:lstStyle/>
+          <a:p>
+            <a:endParaRPr lang="ru-RU" sz="3200" b="0" strike="noStrike" spc="-1">
               <a:latin typeface="Arial"/>
             </a:endParaRPr>
           </a:p>
@@ -462,11 +1123,12 @@
           </a:prstGeom>
         </p:spPr>
         <p:txBody>
-          <a:bodyPr lIns="0" rIns="0" tIns="0" bIns="0">
+          <a:bodyPr lIns="0" tIns="0" rIns="0" bIns="0">
             <a:normAutofit/>
           </a:bodyPr>
-          <a:p>
-            <a:endParaRPr b="0" lang="ru-RU" sz="3200" spc="-1" strike="noStrike">
+          <a:lstStyle/>
+          <a:p>
+            <a:endParaRPr lang="ru-RU" sz="3200" b="0" strike="noStrike" spc="-1">
               <a:latin typeface="Arial"/>
             </a:endParaRPr>
           </a:p>
@@ -492,11 +1154,12 @@
           </a:prstGeom>
         </p:spPr>
         <p:txBody>
-          <a:bodyPr lIns="0" rIns="0" tIns="0" bIns="0">
+          <a:bodyPr lIns="0" tIns="0" rIns="0" bIns="0">
             <a:normAutofit/>
           </a:bodyPr>
-          <a:p>
-            <a:endParaRPr b="0" lang="ru-RU" sz="3200" spc="-1" strike="noStrike">
+          <a:lstStyle/>
+          <a:p>
+            <a:endParaRPr lang="ru-RU" sz="3200" b="0" strike="noStrike" spc="-1">
               <a:latin typeface="Arial"/>
             </a:endParaRPr>
           </a:p>
@@ -522,11 +1185,12 @@
           </a:prstGeom>
         </p:spPr>
         <p:txBody>
-          <a:bodyPr lIns="0" rIns="0" tIns="0" bIns="0">
+          <a:bodyPr lIns="0" tIns="0" rIns="0" bIns="0">
             <a:normAutofit/>
           </a:bodyPr>
-          <a:p>
-            <a:endParaRPr b="0" lang="ru-RU" sz="3200" spc="-1" strike="noStrike">
+          <a:lstStyle/>
+          <a:p>
+            <a:endParaRPr lang="ru-RU" sz="3200" b="0" strike="noStrike" spc="-1">
               <a:latin typeface="Arial"/>
             </a:endParaRPr>
           </a:p>
@@ -552,11 +1216,12 @@
           </a:prstGeom>
         </p:spPr>
         <p:txBody>
-          <a:bodyPr lIns="0" rIns="0" tIns="0" bIns="0">
+          <a:bodyPr lIns="0" tIns="0" rIns="0" bIns="0">
             <a:normAutofit/>
           </a:bodyPr>
-          <a:p>
-            <a:endParaRPr b="0" lang="ru-RU" sz="3200" spc="-1" strike="noStrike">
+          <a:lstStyle/>
+          <a:p>
+            <a:endParaRPr lang="ru-RU" sz="3200" b="0" strike="noStrike" spc="-1">
               <a:latin typeface="Arial"/>
             </a:endParaRPr>
           </a:p>
@@ -564,11 +1229,14 @@
       </p:sp>
     </p:spTree>
   </p:cSld>
+  <p:clrMapOvr>
+    <a:masterClrMapping/>
+  </p:clrMapOvr>
 </p:sldLayout>
 </file>
 
 <file path=ppt/slideLayouts/slideLayout13.xml><?xml version="1.0" encoding="utf-8"?>
-<p:sldLayout xmlns:a="http://schemas.openxmlformats.org/drawingml/2006/main" xmlns:p="http://schemas.openxmlformats.org/presentationml/2006/main" xmlns:r="http://schemas.openxmlformats.org/officeDocument/2006/relationships" xmlns:p14="http://schemas.microsoft.com/office/powerpoint/2010/main" xmlns:p15="http://schemas.microsoft.com/office/powerpoint/2012/main" xmlns:mc="http://schemas.openxmlformats.org/markup-compatibility/2006" type="blank" preserve="1">
+<p:sldLayout xmlns:a="http://schemas.openxmlformats.org/drawingml/2006/main" xmlns:r="http://schemas.openxmlformats.org/officeDocument/2006/relationships" xmlns:p="http://schemas.openxmlformats.org/presentationml/2006/main" type="blank" preserve="1">
   <p:cSld name="Blank Slide">
     <p:spTree>
       <p:nvGrpSpPr>
@@ -586,11 +1254,14 @@
       </p:grpSpPr>
     </p:spTree>
   </p:cSld>
+  <p:clrMapOvr>
+    <a:masterClrMapping/>
+  </p:clrMapOvr>
 </p:sldLayout>
 </file>
 
 <file path=ppt/slideLayouts/slideLayout14.xml><?xml version="1.0" encoding="utf-8"?>
-<p:sldLayout xmlns:a="http://schemas.openxmlformats.org/drawingml/2006/main" xmlns:p="http://schemas.openxmlformats.org/presentationml/2006/main" xmlns:r="http://schemas.openxmlformats.org/officeDocument/2006/relationships" xmlns:p14="http://schemas.microsoft.com/office/powerpoint/2010/main" xmlns:p15="http://schemas.microsoft.com/office/powerpoint/2012/main" xmlns:mc="http://schemas.openxmlformats.org/markup-compatibility/2006" type="tx" preserve="1">
+<p:sldLayout xmlns:a="http://schemas.openxmlformats.org/drawingml/2006/main" xmlns:r="http://schemas.openxmlformats.org/officeDocument/2006/relationships" xmlns:p="http://schemas.openxmlformats.org/presentationml/2006/main" type="tx" preserve="1">
   <p:cSld name="Title Slide">
     <p:spTree>
       <p:nvGrpSpPr>
@@ -626,12 +1297,13 @@
           </a:prstGeom>
         </p:spPr>
         <p:txBody>
-          <a:bodyPr lIns="0" rIns="0" tIns="0" bIns="0" anchor="ctr">
+          <a:bodyPr lIns="0" tIns="0" rIns="0" bIns="0" anchor="ctr">
             <a:noAutofit/>
           </a:bodyPr>
+          <a:lstStyle/>
           <a:p>
             <a:pPr algn="ctr"/>
-            <a:endParaRPr b="0" lang="ru-RU" sz="4400" spc="-1" strike="noStrike">
+            <a:endParaRPr lang="ru-RU" sz="4400" b="0" strike="noStrike" spc="-1">
               <a:latin typeface="Arial"/>
             </a:endParaRPr>
           </a:p>
@@ -657,12 +1329,13 @@
           </a:prstGeom>
         </p:spPr>
         <p:txBody>
-          <a:bodyPr lIns="0" rIns="0" tIns="0" bIns="0" anchor="ctr">
+          <a:bodyPr lIns="0" tIns="0" rIns="0" bIns="0" anchor="ctr">
             <a:noAutofit/>
           </a:bodyPr>
+          <a:lstStyle/>
           <a:p>
             <a:pPr algn="ctr"/>
-            <a:endParaRPr b="0" lang="ru-RU" sz="3200" spc="-1" strike="noStrike">
+            <a:endParaRPr lang="ru-RU" sz="3200" b="0" strike="noStrike" spc="-1">
               <a:latin typeface="Arial"/>
             </a:endParaRPr>
           </a:p>
@@ -670,11 +1343,14 @@
       </p:sp>
     </p:spTree>
   </p:cSld>
+  <p:clrMapOvr>
+    <a:masterClrMapping/>
+  </p:clrMapOvr>
 </p:sldLayout>
 </file>
 
 <file path=ppt/slideLayouts/slideLayout15.xml><?xml version="1.0" encoding="utf-8"?>
-<p:sldLayout xmlns:a="http://schemas.openxmlformats.org/drawingml/2006/main" xmlns:p="http://schemas.openxmlformats.org/presentationml/2006/main" xmlns:r="http://schemas.openxmlformats.org/officeDocument/2006/relationships" xmlns:p14="http://schemas.microsoft.com/office/powerpoint/2010/main" xmlns:p15="http://schemas.microsoft.com/office/powerpoint/2012/main" xmlns:mc="http://schemas.openxmlformats.org/markup-compatibility/2006" type="obj" preserve="1">
+<p:sldLayout xmlns:a="http://schemas.openxmlformats.org/drawingml/2006/main" xmlns:r="http://schemas.openxmlformats.org/officeDocument/2006/relationships" xmlns:p="http://schemas.openxmlformats.org/presentationml/2006/main" type="obj" preserve="1">
   <p:cSld name="Title, Content">
     <p:spTree>
       <p:nvGrpSpPr>
@@ -710,12 +1386,13 @@
           </a:prstGeom>
         </p:spPr>
         <p:txBody>
-          <a:bodyPr lIns="0" rIns="0" tIns="0" bIns="0" anchor="ctr">
+          <a:bodyPr lIns="0" tIns="0" rIns="0" bIns="0" anchor="ctr">
             <a:noAutofit/>
           </a:bodyPr>
+          <a:lstStyle/>
           <a:p>
             <a:pPr algn="ctr"/>
-            <a:endParaRPr b="0" lang="ru-RU" sz="4400" spc="-1" strike="noStrike">
+            <a:endParaRPr lang="ru-RU" sz="4400" b="0" strike="noStrike" spc="-1">
               <a:latin typeface="Arial"/>
             </a:endParaRPr>
           </a:p>
@@ -741,11 +1418,12 @@
           </a:prstGeom>
         </p:spPr>
         <p:txBody>
-          <a:bodyPr lIns="0" rIns="0" tIns="0" bIns="0">
+          <a:bodyPr lIns="0" tIns="0" rIns="0" bIns="0">
             <a:normAutofit/>
           </a:bodyPr>
-          <a:p>
-            <a:endParaRPr b="0" lang="ru-RU" sz="3200" spc="-1" strike="noStrike">
+          <a:lstStyle/>
+          <a:p>
+            <a:endParaRPr lang="ru-RU" sz="3200" b="0" strike="noStrike" spc="-1">
               <a:latin typeface="Arial"/>
             </a:endParaRPr>
           </a:p>
@@ -753,11 +1431,14 @@
       </p:sp>
     </p:spTree>
   </p:cSld>
+  <p:clrMapOvr>
+    <a:masterClrMapping/>
+  </p:clrMapOvr>
 </p:sldLayout>
 </file>
 
 <file path=ppt/slideLayouts/slideLayout16.xml><?xml version="1.0" encoding="utf-8"?>
-<p:sldLayout xmlns:a="http://schemas.openxmlformats.org/drawingml/2006/main" xmlns:p="http://schemas.openxmlformats.org/presentationml/2006/main" xmlns:r="http://schemas.openxmlformats.org/officeDocument/2006/relationships" xmlns:p14="http://schemas.microsoft.com/office/powerpoint/2010/main" xmlns:p15="http://schemas.microsoft.com/office/powerpoint/2012/main" xmlns:mc="http://schemas.openxmlformats.org/markup-compatibility/2006" type="twoObj" preserve="1">
+<p:sldLayout xmlns:a="http://schemas.openxmlformats.org/drawingml/2006/main" xmlns:r="http://schemas.openxmlformats.org/officeDocument/2006/relationships" xmlns:p="http://schemas.openxmlformats.org/presentationml/2006/main" type="twoObj" preserve="1">
   <p:cSld name="Title, 2 Content">
     <p:spTree>
       <p:nvGrpSpPr>
@@ -793,12 +1474,13 @@
           </a:prstGeom>
         </p:spPr>
         <p:txBody>
-          <a:bodyPr lIns="0" rIns="0" tIns="0" bIns="0" anchor="ctr">
+          <a:bodyPr lIns="0" tIns="0" rIns="0" bIns="0" anchor="ctr">
             <a:noAutofit/>
           </a:bodyPr>
+          <a:lstStyle/>
           <a:p>
             <a:pPr algn="ctr"/>
-            <a:endParaRPr b="0" lang="ru-RU" sz="4400" spc="-1" strike="noStrike">
+            <a:endParaRPr lang="ru-RU" sz="4400" b="0" strike="noStrike" spc="-1">
               <a:latin typeface="Arial"/>
             </a:endParaRPr>
           </a:p>
@@ -824,11 +1506,12 @@
           </a:prstGeom>
         </p:spPr>
         <p:txBody>
-          <a:bodyPr lIns="0" rIns="0" tIns="0" bIns="0">
+          <a:bodyPr lIns="0" tIns="0" rIns="0" bIns="0">
             <a:normAutofit/>
           </a:bodyPr>
-          <a:p>
-            <a:endParaRPr b="0" lang="ru-RU" sz="3200" spc="-1" strike="noStrike">
+          <a:lstStyle/>
+          <a:p>
+            <a:endParaRPr lang="ru-RU" sz="3200" b="0" strike="noStrike" spc="-1">
               <a:latin typeface="Arial"/>
             </a:endParaRPr>
           </a:p>
@@ -854,11 +1537,12 @@
           </a:prstGeom>
         </p:spPr>
         <p:txBody>
-          <a:bodyPr lIns="0" rIns="0" tIns="0" bIns="0">
+          <a:bodyPr lIns="0" tIns="0" rIns="0" bIns="0">
             <a:normAutofit/>
           </a:bodyPr>
-          <a:p>
-            <a:endParaRPr b="0" lang="ru-RU" sz="3200" spc="-1" strike="noStrike">
+          <a:lstStyle/>
+          <a:p>
+            <a:endParaRPr lang="ru-RU" sz="3200" b="0" strike="noStrike" spc="-1">
               <a:latin typeface="Arial"/>
             </a:endParaRPr>
           </a:p>
@@ -866,11 +1550,14 @@
       </p:sp>
     </p:spTree>
   </p:cSld>
+  <p:clrMapOvr>
+    <a:masterClrMapping/>
+  </p:clrMapOvr>
 </p:sldLayout>
 </file>
 
 <file path=ppt/slideLayouts/slideLayout17.xml><?xml version="1.0" encoding="utf-8"?>
-<p:sldLayout xmlns:a="http://schemas.openxmlformats.org/drawingml/2006/main" xmlns:p="http://schemas.openxmlformats.org/presentationml/2006/main" xmlns:r="http://schemas.openxmlformats.org/officeDocument/2006/relationships" xmlns:p14="http://schemas.microsoft.com/office/powerpoint/2010/main" xmlns:p15="http://schemas.microsoft.com/office/powerpoint/2012/main" xmlns:mc="http://schemas.openxmlformats.org/markup-compatibility/2006" type="titleOnly" preserve="1">
+<p:sldLayout xmlns:a="http://schemas.openxmlformats.org/drawingml/2006/main" xmlns:r="http://schemas.openxmlformats.org/officeDocument/2006/relationships" xmlns:p="http://schemas.openxmlformats.org/presentationml/2006/main" type="titleOnly" preserve="1">
   <p:cSld name="Title Only">
     <p:spTree>
       <p:nvGrpSpPr>
@@ -906,12 +1593,13 @@
           </a:prstGeom>
         </p:spPr>
         <p:txBody>
-          <a:bodyPr lIns="0" rIns="0" tIns="0" bIns="0" anchor="ctr">
+          <a:bodyPr lIns="0" tIns="0" rIns="0" bIns="0" anchor="ctr">
             <a:noAutofit/>
           </a:bodyPr>
+          <a:lstStyle/>
           <a:p>
             <a:pPr algn="ctr"/>
-            <a:endParaRPr b="0" lang="ru-RU" sz="4400" spc="-1" strike="noStrike">
+            <a:endParaRPr lang="ru-RU" sz="4400" b="0" strike="noStrike" spc="-1">
               <a:latin typeface="Arial"/>
             </a:endParaRPr>
           </a:p>
@@ -919,11 +1607,14 @@
       </p:sp>
     </p:spTree>
   </p:cSld>
+  <p:clrMapOvr>
+    <a:masterClrMapping/>
+  </p:clrMapOvr>
 </p:sldLayout>
 </file>
 
 <file path=ppt/slideLayouts/slideLayout18.xml><?xml version="1.0" encoding="utf-8"?>
-<p:sldLayout xmlns:a="http://schemas.openxmlformats.org/drawingml/2006/main" xmlns:p="http://schemas.openxmlformats.org/presentationml/2006/main" xmlns:r="http://schemas.openxmlformats.org/officeDocument/2006/relationships" xmlns:p14="http://schemas.microsoft.com/office/powerpoint/2010/main" xmlns:p15="http://schemas.microsoft.com/office/powerpoint/2012/main" xmlns:mc="http://schemas.openxmlformats.org/markup-compatibility/2006" type="objOnly" preserve="1">
+<p:sldLayout xmlns:a="http://schemas.openxmlformats.org/drawingml/2006/main" xmlns:r="http://schemas.openxmlformats.org/officeDocument/2006/relationships" xmlns:p="http://schemas.openxmlformats.org/presentationml/2006/main" type="objOnly" preserve="1">
   <p:cSld name="Centered Text">
     <p:spTree>
       <p:nvGrpSpPr>
@@ -959,12 +1650,13 @@
           </a:prstGeom>
         </p:spPr>
         <p:txBody>
-          <a:bodyPr lIns="0" rIns="0" tIns="0" bIns="0" anchor="ctr">
+          <a:bodyPr lIns="0" tIns="0" rIns="0" bIns="0" anchor="ctr">
             <a:noAutofit/>
           </a:bodyPr>
+          <a:lstStyle/>
           <a:p>
             <a:pPr algn="ctr"/>
-            <a:endParaRPr b="0" lang="ru-RU" sz="3200" spc="-1" strike="noStrike">
+            <a:endParaRPr lang="ru-RU" sz="3200" b="0" strike="noStrike" spc="-1">
               <a:latin typeface="Arial"/>
             </a:endParaRPr>
           </a:p>
@@ -972,11 +1664,14 @@
       </p:sp>
     </p:spTree>
   </p:cSld>
+  <p:clrMapOvr>
+    <a:masterClrMapping/>
+  </p:clrMapOvr>
 </p:sldLayout>
 </file>
 
 <file path=ppt/slideLayouts/slideLayout19.xml><?xml version="1.0" encoding="utf-8"?>
-<p:sldLayout xmlns:a="http://schemas.openxmlformats.org/drawingml/2006/main" xmlns:p="http://schemas.openxmlformats.org/presentationml/2006/main" xmlns:r="http://schemas.openxmlformats.org/officeDocument/2006/relationships" xmlns:p14="http://schemas.microsoft.com/office/powerpoint/2010/main" xmlns:p15="http://schemas.microsoft.com/office/powerpoint/2012/main" xmlns:mc="http://schemas.openxmlformats.org/markup-compatibility/2006" type="twoObjAndObj" preserve="1">
+<p:sldLayout xmlns:a="http://schemas.openxmlformats.org/drawingml/2006/main" xmlns:r="http://schemas.openxmlformats.org/officeDocument/2006/relationships" xmlns:p="http://schemas.openxmlformats.org/presentationml/2006/main" type="twoObjAndObj" preserve="1">
   <p:cSld name="Title, 2 Content and Content">
     <p:spTree>
       <p:nvGrpSpPr>
@@ -1012,12 +1707,13 @@
           </a:prstGeom>
         </p:spPr>
         <p:txBody>
-          <a:bodyPr lIns="0" rIns="0" tIns="0" bIns="0" anchor="ctr">
+          <a:bodyPr lIns="0" tIns="0" rIns="0" bIns="0" anchor="ctr">
             <a:noAutofit/>
           </a:bodyPr>
+          <a:lstStyle/>
           <a:p>
             <a:pPr algn="ctr"/>
-            <a:endParaRPr b="0" lang="ru-RU" sz="4400" spc="-1" strike="noStrike">
+            <a:endParaRPr lang="ru-RU" sz="4400" b="0" strike="noStrike" spc="-1">
               <a:latin typeface="Arial"/>
             </a:endParaRPr>
           </a:p>
@@ -1043,11 +1739,12 @@
           </a:prstGeom>
         </p:spPr>
         <p:txBody>
-          <a:bodyPr lIns="0" rIns="0" tIns="0" bIns="0">
+          <a:bodyPr lIns="0" tIns="0" rIns="0" bIns="0">
             <a:normAutofit/>
           </a:bodyPr>
-          <a:p>
-            <a:endParaRPr b="0" lang="ru-RU" sz="3200" spc="-1" strike="noStrike">
+          <a:lstStyle/>
+          <a:p>
+            <a:endParaRPr lang="ru-RU" sz="3200" b="0" strike="noStrike" spc="-1">
               <a:latin typeface="Arial"/>
             </a:endParaRPr>
           </a:p>
@@ -1073,11 +1770,12 @@
           </a:prstGeom>
         </p:spPr>
         <p:txBody>
-          <a:bodyPr lIns="0" rIns="0" tIns="0" bIns="0">
+          <a:bodyPr lIns="0" tIns="0" rIns="0" bIns="0">
             <a:normAutofit/>
           </a:bodyPr>
-          <a:p>
-            <a:endParaRPr b="0" lang="ru-RU" sz="3200" spc="-1" strike="noStrike">
+          <a:lstStyle/>
+          <a:p>
+            <a:endParaRPr lang="ru-RU" sz="3200" b="0" strike="noStrike" spc="-1">
               <a:latin typeface="Arial"/>
             </a:endParaRPr>
           </a:p>
@@ -1103,11 +1801,12 @@
           </a:prstGeom>
         </p:spPr>
         <p:txBody>
-          <a:bodyPr lIns="0" rIns="0" tIns="0" bIns="0">
+          <a:bodyPr lIns="0" tIns="0" rIns="0" bIns="0">
             <a:normAutofit/>
           </a:bodyPr>
-          <a:p>
-            <a:endParaRPr b="0" lang="ru-RU" sz="3200" spc="-1" strike="noStrike">
+          <a:lstStyle/>
+          <a:p>
+            <a:endParaRPr lang="ru-RU" sz="3200" b="0" strike="noStrike" spc="-1">
               <a:latin typeface="Arial"/>
             </a:endParaRPr>
           </a:p>
@@ -1115,11 +1814,14 @@
       </p:sp>
     </p:spTree>
   </p:cSld>
+  <p:clrMapOvr>
+    <a:masterClrMapping/>
+  </p:clrMapOvr>
 </p:sldLayout>
 </file>
 
 <file path=ppt/slideLayouts/slideLayout2.xml><?xml version="1.0" encoding="utf-8"?>
-<p:sldLayout xmlns:a="http://schemas.openxmlformats.org/drawingml/2006/main" xmlns:p="http://schemas.openxmlformats.org/presentationml/2006/main" xmlns:r="http://schemas.openxmlformats.org/officeDocument/2006/relationships" xmlns:p14="http://schemas.microsoft.com/office/powerpoint/2010/main" xmlns:p15="http://schemas.microsoft.com/office/powerpoint/2012/main" xmlns:mc="http://schemas.openxmlformats.org/markup-compatibility/2006" type="tx" preserve="1">
+<p:sldLayout xmlns:a="http://schemas.openxmlformats.org/drawingml/2006/main" xmlns:r="http://schemas.openxmlformats.org/officeDocument/2006/relationships" xmlns:p="http://schemas.openxmlformats.org/presentationml/2006/main" type="tx" preserve="1">
   <p:cSld name="Title Slide">
     <p:spTree>
       <p:nvGrpSpPr>
@@ -1155,12 +1857,13 @@
           </a:prstGeom>
         </p:spPr>
         <p:txBody>
-          <a:bodyPr lIns="0" rIns="0" tIns="0" bIns="0" anchor="ctr">
+          <a:bodyPr lIns="0" tIns="0" rIns="0" bIns="0" anchor="ctr">
             <a:noAutofit/>
           </a:bodyPr>
+          <a:lstStyle/>
           <a:p>
             <a:pPr algn="ctr"/>
-            <a:endParaRPr b="0" lang="ru-RU" sz="4400" spc="-1" strike="noStrike">
+            <a:endParaRPr lang="ru-RU" sz="4400" b="0" strike="noStrike" spc="-1">
               <a:latin typeface="Arial"/>
             </a:endParaRPr>
           </a:p>
@@ -1186,12 +1889,13 @@
           </a:prstGeom>
         </p:spPr>
         <p:txBody>
-          <a:bodyPr lIns="0" rIns="0" tIns="0" bIns="0" anchor="ctr">
+          <a:bodyPr lIns="0" tIns="0" rIns="0" bIns="0" anchor="ctr">
             <a:noAutofit/>
           </a:bodyPr>
+          <a:lstStyle/>
           <a:p>
             <a:pPr algn="ctr"/>
-            <a:endParaRPr b="0" lang="ru-RU" sz="3200" spc="-1" strike="noStrike">
+            <a:endParaRPr lang="ru-RU" sz="3200" b="0" strike="noStrike" spc="-1">
               <a:latin typeface="Arial"/>
             </a:endParaRPr>
           </a:p>
@@ -1199,11 +1903,14 @@
       </p:sp>
     </p:spTree>
   </p:cSld>
+  <p:clrMapOvr>
+    <a:masterClrMapping/>
+  </p:clrMapOvr>
 </p:sldLayout>
 </file>
 
 <file path=ppt/slideLayouts/slideLayout20.xml><?xml version="1.0" encoding="utf-8"?>
-<p:sldLayout xmlns:a="http://schemas.openxmlformats.org/drawingml/2006/main" xmlns:p="http://schemas.openxmlformats.org/presentationml/2006/main" xmlns:r="http://schemas.openxmlformats.org/officeDocument/2006/relationships" xmlns:p14="http://schemas.microsoft.com/office/powerpoint/2010/main" xmlns:p15="http://schemas.microsoft.com/office/powerpoint/2012/main" xmlns:mc="http://schemas.openxmlformats.org/markup-compatibility/2006" type="objAndTwoObj" preserve="1">
+<p:sldLayout xmlns:a="http://schemas.openxmlformats.org/drawingml/2006/main" xmlns:r="http://schemas.openxmlformats.org/officeDocument/2006/relationships" xmlns:p="http://schemas.openxmlformats.org/presentationml/2006/main" type="objAndTwoObj" preserve="1">
   <p:cSld name="Title Content and 2 Content">
     <p:spTree>
       <p:nvGrpSpPr>
@@ -1239,12 +1946,13 @@
           </a:prstGeom>
         </p:spPr>
         <p:txBody>
-          <a:bodyPr lIns="0" rIns="0" tIns="0" bIns="0" anchor="ctr">
+          <a:bodyPr lIns="0" tIns="0" rIns="0" bIns="0" anchor="ctr">
             <a:noAutofit/>
           </a:bodyPr>
+          <a:lstStyle/>
           <a:p>
             <a:pPr algn="ctr"/>
-            <a:endParaRPr b="0" lang="ru-RU" sz="4400" spc="-1" strike="noStrike">
+            <a:endParaRPr lang="ru-RU" sz="4400" b="0" strike="noStrike" spc="-1">
               <a:latin typeface="Arial"/>
             </a:endParaRPr>
           </a:p>
@@ -1270,11 +1978,12 @@
           </a:prstGeom>
         </p:spPr>
         <p:txBody>
-          <a:bodyPr lIns="0" rIns="0" tIns="0" bIns="0">
+          <a:bodyPr lIns="0" tIns="0" rIns="0" bIns="0">
             <a:normAutofit/>
           </a:bodyPr>
-          <a:p>
-            <a:endParaRPr b="0" lang="ru-RU" sz="3200" spc="-1" strike="noStrike">
+          <a:lstStyle/>
+          <a:p>
+            <a:endParaRPr lang="ru-RU" sz="3200" b="0" strike="noStrike" spc="-1">
               <a:latin typeface="Arial"/>
             </a:endParaRPr>
           </a:p>
@@ -1300,11 +2009,12 @@
           </a:prstGeom>
         </p:spPr>
         <p:txBody>
-          <a:bodyPr lIns="0" rIns="0" tIns="0" bIns="0">
+          <a:bodyPr lIns="0" tIns="0" rIns="0" bIns="0">
             <a:normAutofit/>
           </a:bodyPr>
-          <a:p>
-            <a:endParaRPr b="0" lang="ru-RU" sz="3200" spc="-1" strike="noStrike">
+          <a:lstStyle/>
+          <a:p>
+            <a:endParaRPr lang="ru-RU" sz="3200" b="0" strike="noStrike" spc="-1">
               <a:latin typeface="Arial"/>
             </a:endParaRPr>
           </a:p>
@@ -1330,11 +2040,12 @@
           </a:prstGeom>
         </p:spPr>
         <p:txBody>
-          <a:bodyPr lIns="0" rIns="0" tIns="0" bIns="0">
+          <a:bodyPr lIns="0" tIns="0" rIns="0" bIns="0">
             <a:normAutofit/>
           </a:bodyPr>
-          <a:p>
-            <a:endParaRPr b="0" lang="ru-RU" sz="3200" spc="-1" strike="noStrike">
+          <a:lstStyle/>
+          <a:p>
+            <a:endParaRPr lang="ru-RU" sz="3200" b="0" strike="noStrike" spc="-1">
               <a:latin typeface="Arial"/>
             </a:endParaRPr>
           </a:p>
@@ -1342,11 +2053,14 @@
       </p:sp>
     </p:spTree>
   </p:cSld>
+  <p:clrMapOvr>
+    <a:masterClrMapping/>
+  </p:clrMapOvr>
 </p:sldLayout>
 </file>
 
 <file path=ppt/slideLayouts/slideLayout21.xml><?xml version="1.0" encoding="utf-8"?>
-<p:sldLayout xmlns:a="http://schemas.openxmlformats.org/drawingml/2006/main" xmlns:p="http://schemas.openxmlformats.org/presentationml/2006/main" xmlns:r="http://schemas.openxmlformats.org/officeDocument/2006/relationships" xmlns:p14="http://schemas.microsoft.com/office/powerpoint/2010/main" xmlns:p15="http://schemas.microsoft.com/office/powerpoint/2012/main" xmlns:mc="http://schemas.openxmlformats.org/markup-compatibility/2006" type="twoObjOverTx" preserve="1">
+<p:sldLayout xmlns:a="http://schemas.openxmlformats.org/drawingml/2006/main" xmlns:r="http://schemas.openxmlformats.org/officeDocument/2006/relationships" xmlns:p="http://schemas.openxmlformats.org/presentationml/2006/main" type="twoObjOverTx" preserve="1">
   <p:cSld name="Title, 2 Content over Content">
     <p:spTree>
       <p:nvGrpSpPr>
@@ -1382,12 +2096,13 @@
           </a:prstGeom>
         </p:spPr>
         <p:txBody>
-          <a:bodyPr lIns="0" rIns="0" tIns="0" bIns="0" anchor="ctr">
+          <a:bodyPr lIns="0" tIns="0" rIns="0" bIns="0" anchor="ctr">
             <a:noAutofit/>
           </a:bodyPr>
+          <a:lstStyle/>
           <a:p>
             <a:pPr algn="ctr"/>
-            <a:endParaRPr b="0" lang="ru-RU" sz="4400" spc="-1" strike="noStrike">
+            <a:endParaRPr lang="ru-RU" sz="4400" b="0" strike="noStrike" spc="-1">
               <a:latin typeface="Arial"/>
             </a:endParaRPr>
           </a:p>
@@ -1413,11 +2128,12 @@
           </a:prstGeom>
         </p:spPr>
         <p:txBody>
-          <a:bodyPr lIns="0" rIns="0" tIns="0" bIns="0">
+          <a:bodyPr lIns="0" tIns="0" rIns="0" bIns="0">
             <a:normAutofit/>
           </a:bodyPr>
-          <a:p>
-            <a:endParaRPr b="0" lang="ru-RU" sz="3200" spc="-1" strike="noStrike">
+          <a:lstStyle/>
+          <a:p>
+            <a:endParaRPr lang="ru-RU" sz="3200" b="0" strike="noStrike" spc="-1">
               <a:latin typeface="Arial"/>
             </a:endParaRPr>
           </a:p>
@@ -1443,11 +2159,12 @@
           </a:prstGeom>
         </p:spPr>
         <p:txBody>
-          <a:bodyPr lIns="0" rIns="0" tIns="0" bIns="0">
+          <a:bodyPr lIns="0" tIns="0" rIns="0" bIns="0">
             <a:normAutofit/>
           </a:bodyPr>
-          <a:p>
-            <a:endParaRPr b="0" lang="ru-RU" sz="3200" spc="-1" strike="noStrike">
+          <a:lstStyle/>
+          <a:p>
+            <a:endParaRPr lang="ru-RU" sz="3200" b="0" strike="noStrike" spc="-1">
               <a:latin typeface="Arial"/>
             </a:endParaRPr>
           </a:p>
@@ -1473,11 +2190,12 @@
           </a:prstGeom>
         </p:spPr>
         <p:txBody>
-          <a:bodyPr lIns="0" rIns="0" tIns="0" bIns="0">
+          <a:bodyPr lIns="0" tIns="0" rIns="0" bIns="0">
             <a:normAutofit/>
           </a:bodyPr>
-          <a:p>
-            <a:endParaRPr b="0" lang="ru-RU" sz="3200" spc="-1" strike="noStrike">
+          <a:lstStyle/>
+          <a:p>
+            <a:endParaRPr lang="ru-RU" sz="3200" b="0" strike="noStrike" spc="-1">
               <a:latin typeface="Arial"/>
             </a:endParaRPr>
           </a:p>
@@ -1485,11 +2203,14 @@
       </p:sp>
     </p:spTree>
   </p:cSld>
+  <p:clrMapOvr>
+    <a:masterClrMapping/>
+  </p:clrMapOvr>
 </p:sldLayout>
 </file>
 
 <file path=ppt/slideLayouts/slideLayout22.xml><?xml version="1.0" encoding="utf-8"?>
-<p:sldLayout xmlns:a="http://schemas.openxmlformats.org/drawingml/2006/main" xmlns:p="http://schemas.openxmlformats.org/presentationml/2006/main" xmlns:r="http://schemas.openxmlformats.org/officeDocument/2006/relationships" xmlns:p14="http://schemas.microsoft.com/office/powerpoint/2010/main" xmlns:p15="http://schemas.microsoft.com/office/powerpoint/2012/main" xmlns:mc="http://schemas.openxmlformats.org/markup-compatibility/2006" type="objOverTx" preserve="1">
+<p:sldLayout xmlns:a="http://schemas.openxmlformats.org/drawingml/2006/main" xmlns:r="http://schemas.openxmlformats.org/officeDocument/2006/relationships" xmlns:p="http://schemas.openxmlformats.org/presentationml/2006/main" type="objOverTx" preserve="1">
   <p:cSld name="Title, Content over Content">
     <p:spTree>
       <p:nvGrpSpPr>
@@ -1525,12 +2246,13 @@
           </a:prstGeom>
         </p:spPr>
         <p:txBody>
-          <a:bodyPr lIns="0" rIns="0" tIns="0" bIns="0" anchor="ctr">
+          <a:bodyPr lIns="0" tIns="0" rIns="0" bIns="0" anchor="ctr">
             <a:noAutofit/>
           </a:bodyPr>
+          <a:lstStyle/>
           <a:p>
             <a:pPr algn="ctr"/>
-            <a:endParaRPr b="0" lang="ru-RU" sz="4400" spc="-1" strike="noStrike">
+            <a:endParaRPr lang="ru-RU" sz="4400" b="0" strike="noStrike" spc="-1">
               <a:latin typeface="Arial"/>
             </a:endParaRPr>
           </a:p>
@@ -1556,11 +2278,12 @@
           </a:prstGeom>
         </p:spPr>
         <p:txBody>
-          <a:bodyPr lIns="0" rIns="0" tIns="0" bIns="0">
+          <a:bodyPr lIns="0" tIns="0" rIns="0" bIns="0">
             <a:normAutofit/>
           </a:bodyPr>
-          <a:p>
-            <a:endParaRPr b="0" lang="ru-RU" sz="3200" spc="-1" strike="noStrike">
+          <a:lstStyle/>
+          <a:p>
+            <a:endParaRPr lang="ru-RU" sz="3200" b="0" strike="noStrike" spc="-1">
               <a:latin typeface="Arial"/>
             </a:endParaRPr>
           </a:p>
@@ -1586,11 +2309,12 @@
           </a:prstGeom>
         </p:spPr>
         <p:txBody>
-          <a:bodyPr lIns="0" rIns="0" tIns="0" bIns="0">
+          <a:bodyPr lIns="0" tIns="0" rIns="0" bIns="0">
             <a:normAutofit/>
           </a:bodyPr>
-          <a:p>
-            <a:endParaRPr b="0" lang="ru-RU" sz="3200" spc="-1" strike="noStrike">
+          <a:lstStyle/>
+          <a:p>
+            <a:endParaRPr lang="ru-RU" sz="3200" b="0" strike="noStrike" spc="-1">
               <a:latin typeface="Arial"/>
             </a:endParaRPr>
           </a:p>
@@ -1598,11 +2322,14 @@
       </p:sp>
     </p:spTree>
   </p:cSld>
+  <p:clrMapOvr>
+    <a:masterClrMapping/>
+  </p:clrMapOvr>
 </p:sldLayout>
 </file>
 
 <file path=ppt/slideLayouts/slideLayout23.xml><?xml version="1.0" encoding="utf-8"?>
-<p:sldLayout xmlns:a="http://schemas.openxmlformats.org/drawingml/2006/main" xmlns:p="http://schemas.openxmlformats.org/presentationml/2006/main" xmlns:r="http://schemas.openxmlformats.org/officeDocument/2006/relationships" xmlns:p14="http://schemas.microsoft.com/office/powerpoint/2010/main" xmlns:p15="http://schemas.microsoft.com/office/powerpoint/2012/main" xmlns:mc="http://schemas.openxmlformats.org/markup-compatibility/2006" type="fourObj" preserve="1">
+<p:sldLayout xmlns:a="http://schemas.openxmlformats.org/drawingml/2006/main" xmlns:r="http://schemas.openxmlformats.org/officeDocument/2006/relationships" xmlns:p="http://schemas.openxmlformats.org/presentationml/2006/main" type="fourObj" preserve="1">
   <p:cSld name="Title, 4 Content">
     <p:spTree>
       <p:nvGrpSpPr>
@@ -1638,12 +2365,13 @@
           </a:prstGeom>
         </p:spPr>
         <p:txBody>
-          <a:bodyPr lIns="0" rIns="0" tIns="0" bIns="0" anchor="ctr">
+          <a:bodyPr lIns="0" tIns="0" rIns="0" bIns="0" anchor="ctr">
             <a:noAutofit/>
           </a:bodyPr>
+          <a:lstStyle/>
           <a:p>
             <a:pPr algn="ctr"/>
-            <a:endParaRPr b="0" lang="ru-RU" sz="4400" spc="-1" strike="noStrike">
+            <a:endParaRPr lang="ru-RU" sz="4400" b="0" strike="noStrike" spc="-1">
               <a:latin typeface="Arial"/>
             </a:endParaRPr>
           </a:p>
@@ -1669,11 +2397,12 @@
           </a:prstGeom>
         </p:spPr>
         <p:txBody>
-          <a:bodyPr lIns="0" rIns="0" tIns="0" bIns="0">
+          <a:bodyPr lIns="0" tIns="0" rIns="0" bIns="0">
             <a:normAutofit/>
           </a:bodyPr>
-          <a:p>
-            <a:endParaRPr b="0" lang="ru-RU" sz="3200" spc="-1" strike="noStrike">
+          <a:lstStyle/>
+          <a:p>
+            <a:endParaRPr lang="ru-RU" sz="3200" b="0" strike="noStrike" spc="-1">
               <a:latin typeface="Arial"/>
             </a:endParaRPr>
           </a:p>
@@ -1699,11 +2428,12 @@
           </a:prstGeom>
         </p:spPr>
         <p:txBody>
-          <a:bodyPr lIns="0" rIns="0" tIns="0" bIns="0">
+          <a:bodyPr lIns="0" tIns="0" rIns="0" bIns="0">
             <a:normAutofit/>
           </a:bodyPr>
-          <a:p>
-            <a:endParaRPr b="0" lang="ru-RU" sz="3200" spc="-1" strike="noStrike">
+          <a:lstStyle/>
+          <a:p>
+            <a:endParaRPr lang="ru-RU" sz="3200" b="0" strike="noStrike" spc="-1">
               <a:latin typeface="Arial"/>
             </a:endParaRPr>
           </a:p>
@@ -1729,11 +2459,12 @@
           </a:prstGeom>
         </p:spPr>
         <p:txBody>
-          <a:bodyPr lIns="0" rIns="0" tIns="0" bIns="0">
+          <a:bodyPr lIns="0" tIns="0" rIns="0" bIns="0">
             <a:normAutofit/>
           </a:bodyPr>
-          <a:p>
-            <a:endParaRPr b="0" lang="ru-RU" sz="3200" spc="-1" strike="noStrike">
+          <a:lstStyle/>
+          <a:p>
+            <a:endParaRPr lang="ru-RU" sz="3200" b="0" strike="noStrike" spc="-1">
               <a:latin typeface="Arial"/>
             </a:endParaRPr>
           </a:p>
@@ -1759,11 +2490,12 @@
           </a:prstGeom>
         </p:spPr>
         <p:txBody>
-          <a:bodyPr lIns="0" rIns="0" tIns="0" bIns="0">
+          <a:bodyPr lIns="0" tIns="0" rIns="0" bIns="0">
             <a:normAutofit/>
           </a:bodyPr>
-          <a:p>
-            <a:endParaRPr b="0" lang="ru-RU" sz="3200" spc="-1" strike="noStrike">
+          <a:lstStyle/>
+          <a:p>
+            <a:endParaRPr lang="ru-RU" sz="3200" b="0" strike="noStrike" spc="-1">
               <a:latin typeface="Arial"/>
             </a:endParaRPr>
           </a:p>
@@ -1771,11 +2503,14 @@
       </p:sp>
     </p:spTree>
   </p:cSld>
+  <p:clrMapOvr>
+    <a:masterClrMapping/>
+  </p:clrMapOvr>
 </p:sldLayout>
 </file>
 
 <file path=ppt/slideLayouts/slideLayout24.xml><?xml version="1.0" encoding="utf-8"?>
-<p:sldLayout xmlns:a="http://schemas.openxmlformats.org/drawingml/2006/main" xmlns:p="http://schemas.openxmlformats.org/presentationml/2006/main" xmlns:r="http://schemas.openxmlformats.org/officeDocument/2006/relationships" xmlns:p14="http://schemas.microsoft.com/office/powerpoint/2010/main" xmlns:p15="http://schemas.microsoft.com/office/powerpoint/2012/main" xmlns:mc="http://schemas.openxmlformats.org/markup-compatibility/2006" type="blank" preserve="1">
+<p:sldLayout xmlns:a="http://schemas.openxmlformats.org/drawingml/2006/main" xmlns:r="http://schemas.openxmlformats.org/officeDocument/2006/relationships" xmlns:p="http://schemas.openxmlformats.org/presentationml/2006/main" type="blank" preserve="1">
   <p:cSld name="Title, 6 Content">
     <p:spTree>
       <p:nvGrpSpPr>
@@ -1811,12 +2546,13 @@
           </a:prstGeom>
         </p:spPr>
         <p:txBody>
-          <a:bodyPr lIns="0" rIns="0" tIns="0" bIns="0" anchor="ctr">
+          <a:bodyPr lIns="0" tIns="0" rIns="0" bIns="0" anchor="ctr">
             <a:noAutofit/>
           </a:bodyPr>
+          <a:lstStyle/>
           <a:p>
             <a:pPr algn="ctr"/>
-            <a:endParaRPr b="0" lang="ru-RU" sz="4400" spc="-1" strike="noStrike">
+            <a:endParaRPr lang="ru-RU" sz="4400" b="0" strike="noStrike" spc="-1">
               <a:latin typeface="Arial"/>
             </a:endParaRPr>
           </a:p>
@@ -1842,11 +2578,12 @@
           </a:prstGeom>
         </p:spPr>
         <p:txBody>
-          <a:bodyPr lIns="0" rIns="0" tIns="0" bIns="0">
+          <a:bodyPr lIns="0" tIns="0" rIns="0" bIns="0">
             <a:normAutofit/>
           </a:bodyPr>
-          <a:p>
-            <a:endParaRPr b="0" lang="ru-RU" sz="3200" spc="-1" strike="noStrike">
+          <a:lstStyle/>
+          <a:p>
+            <a:endParaRPr lang="ru-RU" sz="3200" b="0" strike="noStrike" spc="-1">
               <a:latin typeface="Arial"/>
             </a:endParaRPr>
           </a:p>
@@ -1872,11 +2609,12 @@
           </a:prstGeom>
         </p:spPr>
         <p:txBody>
-          <a:bodyPr lIns="0" rIns="0" tIns="0" bIns="0">
+          <a:bodyPr lIns="0" tIns="0" rIns="0" bIns="0">
             <a:normAutofit/>
           </a:bodyPr>
-          <a:p>
-            <a:endParaRPr b="0" lang="ru-RU" sz="3200" spc="-1" strike="noStrike">
+          <a:lstStyle/>
+          <a:p>
+            <a:endParaRPr lang="ru-RU" sz="3200" b="0" strike="noStrike" spc="-1">
               <a:latin typeface="Arial"/>
             </a:endParaRPr>
           </a:p>
@@ -1902,11 +2640,12 @@
           </a:prstGeom>
         </p:spPr>
         <p:txBody>
-          <a:bodyPr lIns="0" rIns="0" tIns="0" bIns="0">
+          <a:bodyPr lIns="0" tIns="0" rIns="0" bIns="0">
             <a:normAutofit/>
           </a:bodyPr>
-          <a:p>
-            <a:endParaRPr b="0" lang="ru-RU" sz="3200" spc="-1" strike="noStrike">
+          <a:lstStyle/>
+          <a:p>
+            <a:endParaRPr lang="ru-RU" sz="3200" b="0" strike="noStrike" spc="-1">
               <a:latin typeface="Arial"/>
             </a:endParaRPr>
           </a:p>
@@ -1932,11 +2671,12 @@
           </a:prstGeom>
         </p:spPr>
         <p:txBody>
-          <a:bodyPr lIns="0" rIns="0" tIns="0" bIns="0">
+          <a:bodyPr lIns="0" tIns="0" rIns="0" bIns="0">
             <a:normAutofit/>
           </a:bodyPr>
-          <a:p>
-            <a:endParaRPr b="0" lang="ru-RU" sz="3200" spc="-1" strike="noStrike">
+          <a:lstStyle/>
+          <a:p>
+            <a:endParaRPr lang="ru-RU" sz="3200" b="0" strike="noStrike" spc="-1">
               <a:latin typeface="Arial"/>
             </a:endParaRPr>
           </a:p>
@@ -1962,11 +2702,12 @@
           </a:prstGeom>
         </p:spPr>
         <p:txBody>
-          <a:bodyPr lIns="0" rIns="0" tIns="0" bIns="0">
+          <a:bodyPr lIns="0" tIns="0" rIns="0" bIns="0">
             <a:normAutofit/>
           </a:bodyPr>
-          <a:p>
-            <a:endParaRPr b="0" lang="ru-RU" sz="3200" spc="-1" strike="noStrike">
+          <a:lstStyle/>
+          <a:p>
+            <a:endParaRPr lang="ru-RU" sz="3200" b="0" strike="noStrike" spc="-1">
               <a:latin typeface="Arial"/>
             </a:endParaRPr>
           </a:p>
@@ -1992,11 +2733,12 @@
           </a:prstGeom>
         </p:spPr>
         <p:txBody>
-          <a:bodyPr lIns="0" rIns="0" tIns="0" bIns="0">
+          <a:bodyPr lIns="0" tIns="0" rIns="0" bIns="0">
             <a:normAutofit/>
           </a:bodyPr>
-          <a:p>
-            <a:endParaRPr b="0" lang="ru-RU" sz="3200" spc="-1" strike="noStrike">
+          <a:lstStyle/>
+          <a:p>
+            <a:endParaRPr lang="ru-RU" sz="3200" b="0" strike="noStrike" spc="-1">
               <a:latin typeface="Arial"/>
             </a:endParaRPr>
           </a:p>
@@ -2004,11 +2746,14 @@
       </p:sp>
     </p:spTree>
   </p:cSld>
+  <p:clrMapOvr>
+    <a:masterClrMapping/>
+  </p:clrMapOvr>
 </p:sldLayout>
 </file>
 
 <file path=ppt/slideLayouts/slideLayout25.xml><?xml version="1.0" encoding="utf-8"?>
-<p:sldLayout xmlns:a="http://schemas.openxmlformats.org/drawingml/2006/main" xmlns:p="http://schemas.openxmlformats.org/presentationml/2006/main" xmlns:r="http://schemas.openxmlformats.org/officeDocument/2006/relationships" xmlns:p14="http://schemas.microsoft.com/office/powerpoint/2010/main" xmlns:p15="http://schemas.microsoft.com/office/powerpoint/2012/main" xmlns:mc="http://schemas.openxmlformats.org/markup-compatibility/2006" type="blank" preserve="1">
+<p:sldLayout xmlns:a="http://schemas.openxmlformats.org/drawingml/2006/main" xmlns:r="http://schemas.openxmlformats.org/officeDocument/2006/relationships" xmlns:p="http://schemas.openxmlformats.org/presentationml/2006/main" type="blank" preserve="1">
   <p:cSld name="Blank Slide">
     <p:spTree>
       <p:nvGrpSpPr>
@@ -2026,11 +2771,14 @@
       </p:grpSpPr>
     </p:spTree>
   </p:cSld>
+  <p:clrMapOvr>
+    <a:masterClrMapping/>
+  </p:clrMapOvr>
 </p:sldLayout>
 </file>
 
 <file path=ppt/slideLayouts/slideLayout26.xml><?xml version="1.0" encoding="utf-8"?>
-<p:sldLayout xmlns:a="http://schemas.openxmlformats.org/drawingml/2006/main" xmlns:p="http://schemas.openxmlformats.org/presentationml/2006/main" xmlns:r="http://schemas.openxmlformats.org/officeDocument/2006/relationships" xmlns:p14="http://schemas.microsoft.com/office/powerpoint/2010/main" xmlns:p15="http://schemas.microsoft.com/office/powerpoint/2012/main" xmlns:mc="http://schemas.openxmlformats.org/markup-compatibility/2006" type="tx" preserve="1">
+<p:sldLayout xmlns:a="http://schemas.openxmlformats.org/drawingml/2006/main" xmlns:r="http://schemas.openxmlformats.org/officeDocument/2006/relationships" xmlns:p="http://schemas.openxmlformats.org/presentationml/2006/main" type="tx" preserve="1">
   <p:cSld name="Title Slide">
     <p:spTree>
       <p:nvGrpSpPr>
@@ -2066,12 +2814,13 @@
           </a:prstGeom>
         </p:spPr>
         <p:txBody>
-          <a:bodyPr lIns="0" rIns="0" tIns="0" bIns="0" anchor="ctr">
+          <a:bodyPr lIns="0" tIns="0" rIns="0" bIns="0" anchor="ctr">
             <a:noAutofit/>
           </a:bodyPr>
+          <a:lstStyle/>
           <a:p>
             <a:pPr algn="ctr"/>
-            <a:endParaRPr b="0" lang="ru-RU" sz="4400" spc="-1" strike="noStrike">
+            <a:endParaRPr lang="ru-RU" sz="4400" b="0" strike="noStrike" spc="-1">
               <a:latin typeface="Arial"/>
             </a:endParaRPr>
           </a:p>
@@ -2097,12 +2846,13 @@
           </a:prstGeom>
         </p:spPr>
         <p:txBody>
-          <a:bodyPr lIns="0" rIns="0" tIns="0" bIns="0" anchor="ctr">
+          <a:bodyPr lIns="0" tIns="0" rIns="0" bIns="0" anchor="ctr">
             <a:noAutofit/>
           </a:bodyPr>
+          <a:lstStyle/>
           <a:p>
             <a:pPr algn="ctr"/>
-            <a:endParaRPr b="0" lang="ru-RU" sz="3200" spc="-1" strike="noStrike">
+            <a:endParaRPr lang="ru-RU" sz="3200" b="0" strike="noStrike" spc="-1">
               <a:latin typeface="Arial"/>
             </a:endParaRPr>
           </a:p>
@@ -2110,11 +2860,14 @@
       </p:sp>
     </p:spTree>
   </p:cSld>
+  <p:clrMapOvr>
+    <a:masterClrMapping/>
+  </p:clrMapOvr>
 </p:sldLayout>
 </file>
 
 <file path=ppt/slideLayouts/slideLayout27.xml><?xml version="1.0" encoding="utf-8"?>
-<p:sldLayout xmlns:a="http://schemas.openxmlformats.org/drawingml/2006/main" xmlns:p="http://schemas.openxmlformats.org/presentationml/2006/main" xmlns:r="http://schemas.openxmlformats.org/officeDocument/2006/relationships" xmlns:p14="http://schemas.microsoft.com/office/powerpoint/2010/main" xmlns:p15="http://schemas.microsoft.com/office/powerpoint/2012/main" xmlns:mc="http://schemas.openxmlformats.org/markup-compatibility/2006" type="obj" preserve="1">
+<p:sldLayout xmlns:a="http://schemas.openxmlformats.org/drawingml/2006/main" xmlns:r="http://schemas.openxmlformats.org/officeDocument/2006/relationships" xmlns:p="http://schemas.openxmlformats.org/presentationml/2006/main" type="obj" preserve="1">
   <p:cSld name="Title, Content">
     <p:spTree>
       <p:nvGrpSpPr>
@@ -2150,12 +2903,13 @@
           </a:prstGeom>
         </p:spPr>
         <p:txBody>
-          <a:bodyPr lIns="0" rIns="0" tIns="0" bIns="0" anchor="ctr">
+          <a:bodyPr lIns="0" tIns="0" rIns="0" bIns="0" anchor="ctr">
             <a:noAutofit/>
           </a:bodyPr>
+          <a:lstStyle/>
           <a:p>
             <a:pPr algn="ctr"/>
-            <a:endParaRPr b="0" lang="ru-RU" sz="4400" spc="-1" strike="noStrike">
+            <a:endParaRPr lang="ru-RU" sz="4400" b="0" strike="noStrike" spc="-1">
               <a:latin typeface="Arial"/>
             </a:endParaRPr>
           </a:p>
@@ -2181,11 +2935,12 @@
           </a:prstGeom>
         </p:spPr>
         <p:txBody>
-          <a:bodyPr lIns="0" rIns="0" tIns="0" bIns="0">
+          <a:bodyPr lIns="0" tIns="0" rIns="0" bIns="0">
             <a:normAutofit/>
           </a:bodyPr>
-          <a:p>
-            <a:endParaRPr b="0" lang="ru-RU" sz="3200" spc="-1" strike="noStrike">
+          <a:lstStyle/>
+          <a:p>
+            <a:endParaRPr lang="ru-RU" sz="3200" b="0" strike="noStrike" spc="-1">
               <a:latin typeface="Arial"/>
             </a:endParaRPr>
           </a:p>
@@ -2193,11 +2948,14 @@
       </p:sp>
     </p:spTree>
   </p:cSld>
+  <p:clrMapOvr>
+    <a:masterClrMapping/>
+  </p:clrMapOvr>
 </p:sldLayout>
 </file>
 
 <file path=ppt/slideLayouts/slideLayout28.xml><?xml version="1.0" encoding="utf-8"?>
-<p:sldLayout xmlns:a="http://schemas.openxmlformats.org/drawingml/2006/main" xmlns:p="http://schemas.openxmlformats.org/presentationml/2006/main" xmlns:r="http://schemas.openxmlformats.org/officeDocument/2006/relationships" xmlns:p14="http://schemas.microsoft.com/office/powerpoint/2010/main" xmlns:p15="http://schemas.microsoft.com/office/powerpoint/2012/main" xmlns:mc="http://schemas.openxmlformats.org/markup-compatibility/2006" type="twoObj" preserve="1">
+<p:sldLayout xmlns:a="http://schemas.openxmlformats.org/drawingml/2006/main" xmlns:r="http://schemas.openxmlformats.org/officeDocument/2006/relationships" xmlns:p="http://schemas.openxmlformats.org/presentationml/2006/main" type="twoObj" preserve="1">
   <p:cSld name="Title, 2 Content">
     <p:spTree>
       <p:nvGrpSpPr>
@@ -2233,12 +2991,13 @@
           </a:prstGeom>
         </p:spPr>
         <p:txBody>
-          <a:bodyPr lIns="0" rIns="0" tIns="0" bIns="0" anchor="ctr">
+          <a:bodyPr lIns="0" tIns="0" rIns="0" bIns="0" anchor="ctr">
             <a:noAutofit/>
           </a:bodyPr>
+          <a:lstStyle/>
           <a:p>
             <a:pPr algn="ctr"/>
-            <a:endParaRPr b="0" lang="ru-RU" sz="4400" spc="-1" strike="noStrike">
+            <a:endParaRPr lang="ru-RU" sz="4400" b="0" strike="noStrike" spc="-1">
               <a:latin typeface="Arial"/>
             </a:endParaRPr>
           </a:p>
@@ -2264,11 +3023,12 @@
           </a:prstGeom>
         </p:spPr>
         <p:txBody>
-          <a:bodyPr lIns="0" rIns="0" tIns="0" bIns="0">
+          <a:bodyPr lIns="0" tIns="0" rIns="0" bIns="0">
             <a:normAutofit/>
           </a:bodyPr>
-          <a:p>
-            <a:endParaRPr b="0" lang="ru-RU" sz="3200" spc="-1" strike="noStrike">
+          <a:lstStyle/>
+          <a:p>
+            <a:endParaRPr lang="ru-RU" sz="3200" b="0" strike="noStrike" spc="-1">
               <a:latin typeface="Arial"/>
             </a:endParaRPr>
           </a:p>
@@ -2294,11 +3054,12 @@
           </a:prstGeom>
         </p:spPr>
         <p:txBody>
-          <a:bodyPr lIns="0" rIns="0" tIns="0" bIns="0">
+          <a:bodyPr lIns="0" tIns="0" rIns="0" bIns="0">
             <a:normAutofit/>
           </a:bodyPr>
-          <a:p>
-            <a:endParaRPr b="0" lang="ru-RU" sz="3200" spc="-1" strike="noStrike">
+          <a:lstStyle/>
+          <a:p>
+            <a:endParaRPr lang="ru-RU" sz="3200" b="0" strike="noStrike" spc="-1">
               <a:latin typeface="Arial"/>
             </a:endParaRPr>
           </a:p>
@@ -2306,11 +3067,14 @@
       </p:sp>
     </p:spTree>
   </p:cSld>
+  <p:clrMapOvr>
+    <a:masterClrMapping/>
+  </p:clrMapOvr>
 </p:sldLayout>
 </file>
 
 <file path=ppt/slideLayouts/slideLayout29.xml><?xml version="1.0" encoding="utf-8"?>
-<p:sldLayout xmlns:a="http://schemas.openxmlformats.org/drawingml/2006/main" xmlns:p="http://schemas.openxmlformats.org/presentationml/2006/main" xmlns:r="http://schemas.openxmlformats.org/officeDocument/2006/relationships" xmlns:p14="http://schemas.microsoft.com/office/powerpoint/2010/main" xmlns:p15="http://schemas.microsoft.com/office/powerpoint/2012/main" xmlns:mc="http://schemas.openxmlformats.org/markup-compatibility/2006" type="titleOnly" preserve="1">
+<p:sldLayout xmlns:a="http://schemas.openxmlformats.org/drawingml/2006/main" xmlns:r="http://schemas.openxmlformats.org/officeDocument/2006/relationships" xmlns:p="http://schemas.openxmlformats.org/presentationml/2006/main" type="titleOnly" preserve="1">
   <p:cSld name="Title Only">
     <p:spTree>
       <p:nvGrpSpPr>
@@ -2346,12 +3110,13 @@
           </a:prstGeom>
         </p:spPr>
         <p:txBody>
-          <a:bodyPr lIns="0" rIns="0" tIns="0" bIns="0" anchor="ctr">
+          <a:bodyPr lIns="0" tIns="0" rIns="0" bIns="0" anchor="ctr">
             <a:noAutofit/>
           </a:bodyPr>
+          <a:lstStyle/>
           <a:p>
             <a:pPr algn="ctr"/>
-            <a:endParaRPr b="0" lang="ru-RU" sz="4400" spc="-1" strike="noStrike">
+            <a:endParaRPr lang="ru-RU" sz="4400" b="0" strike="noStrike" spc="-1">
               <a:latin typeface="Arial"/>
             </a:endParaRPr>
           </a:p>
@@ -2359,11 +3124,14 @@
       </p:sp>
     </p:spTree>
   </p:cSld>
+  <p:clrMapOvr>
+    <a:masterClrMapping/>
+  </p:clrMapOvr>
 </p:sldLayout>
 </file>
 
 <file path=ppt/slideLayouts/slideLayout3.xml><?xml version="1.0" encoding="utf-8"?>
-<p:sldLayout xmlns:a="http://schemas.openxmlformats.org/drawingml/2006/main" xmlns:p="http://schemas.openxmlformats.org/presentationml/2006/main" xmlns:r="http://schemas.openxmlformats.org/officeDocument/2006/relationships" xmlns:p14="http://schemas.microsoft.com/office/powerpoint/2010/main" xmlns:p15="http://schemas.microsoft.com/office/powerpoint/2012/main" xmlns:mc="http://schemas.openxmlformats.org/markup-compatibility/2006" type="obj" preserve="1">
+<p:sldLayout xmlns:a="http://schemas.openxmlformats.org/drawingml/2006/main" xmlns:r="http://schemas.openxmlformats.org/officeDocument/2006/relationships" xmlns:p="http://schemas.openxmlformats.org/presentationml/2006/main" type="obj" preserve="1">
   <p:cSld name="Title, Content">
     <p:spTree>
       <p:nvGrpSpPr>
@@ -2399,12 +3167,13 @@
           </a:prstGeom>
         </p:spPr>
         <p:txBody>
-          <a:bodyPr lIns="0" rIns="0" tIns="0" bIns="0" anchor="ctr">
+          <a:bodyPr lIns="0" tIns="0" rIns="0" bIns="0" anchor="ctr">
             <a:noAutofit/>
           </a:bodyPr>
+          <a:lstStyle/>
           <a:p>
             <a:pPr algn="ctr"/>
-            <a:endParaRPr b="0" lang="ru-RU" sz="4400" spc="-1" strike="noStrike">
+            <a:endParaRPr lang="ru-RU" sz="4400" b="0" strike="noStrike" spc="-1">
               <a:latin typeface="Arial"/>
             </a:endParaRPr>
           </a:p>
@@ -2430,11 +3199,12 @@
           </a:prstGeom>
         </p:spPr>
         <p:txBody>
-          <a:bodyPr lIns="0" rIns="0" tIns="0" bIns="0">
+          <a:bodyPr lIns="0" tIns="0" rIns="0" bIns="0">
             <a:normAutofit/>
           </a:bodyPr>
-          <a:p>
-            <a:endParaRPr b="0" lang="ru-RU" sz="3200" spc="-1" strike="noStrike">
+          <a:lstStyle/>
+          <a:p>
+            <a:endParaRPr lang="ru-RU" sz="3200" b="0" strike="noStrike" spc="-1">
               <a:latin typeface="Arial"/>
             </a:endParaRPr>
           </a:p>
@@ -2442,11 +3212,14 @@
       </p:sp>
     </p:spTree>
   </p:cSld>
+  <p:clrMapOvr>
+    <a:masterClrMapping/>
+  </p:clrMapOvr>
 </p:sldLayout>
 </file>
 
 <file path=ppt/slideLayouts/slideLayout30.xml><?xml version="1.0" encoding="utf-8"?>
-<p:sldLayout xmlns:a="http://schemas.openxmlformats.org/drawingml/2006/main" xmlns:p="http://schemas.openxmlformats.org/presentationml/2006/main" xmlns:r="http://schemas.openxmlformats.org/officeDocument/2006/relationships" xmlns:p14="http://schemas.microsoft.com/office/powerpoint/2010/main" xmlns:p15="http://schemas.microsoft.com/office/powerpoint/2012/main" xmlns:mc="http://schemas.openxmlformats.org/markup-compatibility/2006" type="objOnly" preserve="1">
+<p:sldLayout xmlns:a="http://schemas.openxmlformats.org/drawingml/2006/main" xmlns:r="http://schemas.openxmlformats.org/officeDocument/2006/relationships" xmlns:p="http://schemas.openxmlformats.org/presentationml/2006/main" type="objOnly" preserve="1">
   <p:cSld name="Centered Text">
     <p:spTree>
       <p:nvGrpSpPr>
@@ -2482,12 +3255,13 @@
           </a:prstGeom>
         </p:spPr>
         <p:txBody>
-          <a:bodyPr lIns="0" rIns="0" tIns="0" bIns="0" anchor="ctr">
+          <a:bodyPr lIns="0" tIns="0" rIns="0" bIns="0" anchor="ctr">
             <a:noAutofit/>
           </a:bodyPr>
+          <a:lstStyle/>
           <a:p>
             <a:pPr algn="ctr"/>
-            <a:endParaRPr b="0" lang="ru-RU" sz="3200" spc="-1" strike="noStrike">
+            <a:endParaRPr lang="ru-RU" sz="3200" b="0" strike="noStrike" spc="-1">
               <a:latin typeface="Arial"/>
             </a:endParaRPr>
           </a:p>
@@ -2495,11 +3269,14 @@
       </p:sp>
     </p:spTree>
   </p:cSld>
+  <p:clrMapOvr>
+    <a:masterClrMapping/>
+  </p:clrMapOvr>
 </p:sldLayout>
 </file>
 
 <file path=ppt/slideLayouts/slideLayout31.xml><?xml version="1.0" encoding="utf-8"?>
-<p:sldLayout xmlns:a="http://schemas.openxmlformats.org/drawingml/2006/main" xmlns:p="http://schemas.openxmlformats.org/presentationml/2006/main" xmlns:r="http://schemas.openxmlformats.org/officeDocument/2006/relationships" xmlns:p14="http://schemas.microsoft.com/office/powerpoint/2010/main" xmlns:p15="http://schemas.microsoft.com/office/powerpoint/2012/main" xmlns:mc="http://schemas.openxmlformats.org/markup-compatibility/2006" type="twoObjAndObj" preserve="1">
+<p:sldLayout xmlns:a="http://schemas.openxmlformats.org/drawingml/2006/main" xmlns:r="http://schemas.openxmlformats.org/officeDocument/2006/relationships" xmlns:p="http://schemas.openxmlformats.org/presentationml/2006/main" type="twoObjAndObj" preserve="1">
   <p:cSld name="Title, 2 Content and Content">
     <p:spTree>
       <p:nvGrpSpPr>
@@ -2535,12 +3312,13 @@
           </a:prstGeom>
         </p:spPr>
         <p:txBody>
-          <a:bodyPr lIns="0" rIns="0" tIns="0" bIns="0" anchor="ctr">
+          <a:bodyPr lIns="0" tIns="0" rIns="0" bIns="0" anchor="ctr">
             <a:noAutofit/>
           </a:bodyPr>
+          <a:lstStyle/>
           <a:p>
             <a:pPr algn="ctr"/>
-            <a:endParaRPr b="0" lang="ru-RU" sz="4400" spc="-1" strike="noStrike">
+            <a:endParaRPr lang="ru-RU" sz="4400" b="0" strike="noStrike" spc="-1">
               <a:latin typeface="Arial"/>
             </a:endParaRPr>
           </a:p>
@@ -2566,11 +3344,12 @@
           </a:prstGeom>
         </p:spPr>
         <p:txBody>
-          <a:bodyPr lIns="0" rIns="0" tIns="0" bIns="0">
+          <a:bodyPr lIns="0" tIns="0" rIns="0" bIns="0">
             <a:normAutofit/>
           </a:bodyPr>
-          <a:p>
-            <a:endParaRPr b="0" lang="ru-RU" sz="3200" spc="-1" strike="noStrike">
+          <a:lstStyle/>
+          <a:p>
+            <a:endParaRPr lang="ru-RU" sz="3200" b="0" strike="noStrike" spc="-1">
               <a:latin typeface="Arial"/>
             </a:endParaRPr>
           </a:p>
@@ -2596,11 +3375,12 @@
           </a:prstGeom>
         </p:spPr>
         <p:txBody>
-          <a:bodyPr lIns="0" rIns="0" tIns="0" bIns="0">
+          <a:bodyPr lIns="0" tIns="0" rIns="0" bIns="0">
             <a:normAutofit/>
           </a:bodyPr>
-          <a:p>
-            <a:endParaRPr b="0" lang="ru-RU" sz="3200" spc="-1" strike="noStrike">
+          <a:lstStyle/>
+          <a:p>
+            <a:endParaRPr lang="ru-RU" sz="3200" b="0" strike="noStrike" spc="-1">
               <a:latin typeface="Arial"/>
             </a:endParaRPr>
           </a:p>
@@ -2626,11 +3406,12 @@
           </a:prstGeom>
         </p:spPr>
         <p:txBody>
-          <a:bodyPr lIns="0" rIns="0" tIns="0" bIns="0">
+          <a:bodyPr lIns="0" tIns="0" rIns="0" bIns="0">
             <a:normAutofit/>
           </a:bodyPr>
-          <a:p>
-            <a:endParaRPr b="0" lang="ru-RU" sz="3200" spc="-1" strike="noStrike">
+          <a:lstStyle/>
+          <a:p>
+            <a:endParaRPr lang="ru-RU" sz="3200" b="0" strike="noStrike" spc="-1">
               <a:latin typeface="Arial"/>
             </a:endParaRPr>
           </a:p>
@@ -2638,11 +3419,14 @@
       </p:sp>
     </p:spTree>
   </p:cSld>
+  <p:clrMapOvr>
+    <a:masterClrMapping/>
+  </p:clrMapOvr>
 </p:sldLayout>
 </file>
 
 <file path=ppt/slideLayouts/slideLayout32.xml><?xml version="1.0" encoding="utf-8"?>
-<p:sldLayout xmlns:a="http://schemas.openxmlformats.org/drawingml/2006/main" xmlns:p="http://schemas.openxmlformats.org/presentationml/2006/main" xmlns:r="http://schemas.openxmlformats.org/officeDocument/2006/relationships" xmlns:p14="http://schemas.microsoft.com/office/powerpoint/2010/main" xmlns:p15="http://schemas.microsoft.com/office/powerpoint/2012/main" xmlns:mc="http://schemas.openxmlformats.org/markup-compatibility/2006" type="objAndTwoObj" preserve="1">
+<p:sldLayout xmlns:a="http://schemas.openxmlformats.org/drawingml/2006/main" xmlns:r="http://schemas.openxmlformats.org/officeDocument/2006/relationships" xmlns:p="http://schemas.openxmlformats.org/presentationml/2006/main" type="objAndTwoObj" preserve="1">
   <p:cSld name="Title Content and 2 Content">
     <p:spTree>
       <p:nvGrpSpPr>
@@ -2678,12 +3462,13 @@
           </a:prstGeom>
         </p:spPr>
         <p:txBody>
-          <a:bodyPr lIns="0" rIns="0" tIns="0" bIns="0" anchor="ctr">
+          <a:bodyPr lIns="0" tIns="0" rIns="0" bIns="0" anchor="ctr">
             <a:noAutofit/>
           </a:bodyPr>
+          <a:lstStyle/>
           <a:p>
             <a:pPr algn="ctr"/>
-            <a:endParaRPr b="0" lang="ru-RU" sz="4400" spc="-1" strike="noStrike">
+            <a:endParaRPr lang="ru-RU" sz="4400" b="0" strike="noStrike" spc="-1">
               <a:latin typeface="Arial"/>
             </a:endParaRPr>
           </a:p>
@@ -2709,11 +3494,12 @@
           </a:prstGeom>
         </p:spPr>
         <p:txBody>
-          <a:bodyPr lIns="0" rIns="0" tIns="0" bIns="0">
+          <a:bodyPr lIns="0" tIns="0" rIns="0" bIns="0">
             <a:normAutofit/>
           </a:bodyPr>
-          <a:p>
-            <a:endParaRPr b="0" lang="ru-RU" sz="3200" spc="-1" strike="noStrike">
+          <a:lstStyle/>
+          <a:p>
+            <a:endParaRPr lang="ru-RU" sz="3200" b="0" strike="noStrike" spc="-1">
               <a:latin typeface="Arial"/>
             </a:endParaRPr>
           </a:p>
@@ -2739,11 +3525,12 @@
           </a:prstGeom>
         </p:spPr>
         <p:txBody>
-          <a:bodyPr lIns="0" rIns="0" tIns="0" bIns="0">
+          <a:bodyPr lIns="0" tIns="0" rIns="0" bIns="0">
             <a:normAutofit/>
           </a:bodyPr>
-          <a:p>
-            <a:endParaRPr b="0" lang="ru-RU" sz="3200" spc="-1" strike="noStrike">
+          <a:lstStyle/>
+          <a:p>
+            <a:endParaRPr lang="ru-RU" sz="3200" b="0" strike="noStrike" spc="-1">
               <a:latin typeface="Arial"/>
             </a:endParaRPr>
           </a:p>
@@ -2769,11 +3556,12 @@
           </a:prstGeom>
         </p:spPr>
         <p:txBody>
-          <a:bodyPr lIns="0" rIns="0" tIns="0" bIns="0">
+          <a:bodyPr lIns="0" tIns="0" rIns="0" bIns="0">
             <a:normAutofit/>
           </a:bodyPr>
-          <a:p>
-            <a:endParaRPr b="0" lang="ru-RU" sz="3200" spc="-1" strike="noStrike">
+          <a:lstStyle/>
+          <a:p>
+            <a:endParaRPr lang="ru-RU" sz="3200" b="0" strike="noStrike" spc="-1">
               <a:latin typeface="Arial"/>
             </a:endParaRPr>
           </a:p>
@@ -2781,11 +3569,14 @@
       </p:sp>
     </p:spTree>
   </p:cSld>
+  <p:clrMapOvr>
+    <a:masterClrMapping/>
+  </p:clrMapOvr>
 </p:sldLayout>
 </file>
 
 <file path=ppt/slideLayouts/slideLayout33.xml><?xml version="1.0" encoding="utf-8"?>
-<p:sldLayout xmlns:a="http://schemas.openxmlformats.org/drawingml/2006/main" xmlns:p="http://schemas.openxmlformats.org/presentationml/2006/main" xmlns:r="http://schemas.openxmlformats.org/officeDocument/2006/relationships" xmlns:p14="http://schemas.microsoft.com/office/powerpoint/2010/main" xmlns:p15="http://schemas.microsoft.com/office/powerpoint/2012/main" xmlns:mc="http://schemas.openxmlformats.org/markup-compatibility/2006" type="twoObjOverTx" preserve="1">
+<p:sldLayout xmlns:a="http://schemas.openxmlformats.org/drawingml/2006/main" xmlns:r="http://schemas.openxmlformats.org/officeDocument/2006/relationships" xmlns:p="http://schemas.openxmlformats.org/presentationml/2006/main" type="twoObjOverTx" preserve="1">
   <p:cSld name="Title, 2 Content over Content">
     <p:spTree>
       <p:nvGrpSpPr>
@@ -2821,12 +3612,13 @@
           </a:prstGeom>
         </p:spPr>
         <p:txBody>
-          <a:bodyPr lIns="0" rIns="0" tIns="0" bIns="0" anchor="ctr">
+          <a:bodyPr lIns="0" tIns="0" rIns="0" bIns="0" anchor="ctr">
             <a:noAutofit/>
           </a:bodyPr>
+          <a:lstStyle/>
           <a:p>
             <a:pPr algn="ctr"/>
-            <a:endParaRPr b="0" lang="ru-RU" sz="4400" spc="-1" strike="noStrike">
+            <a:endParaRPr lang="ru-RU" sz="4400" b="0" strike="noStrike" spc="-1">
               <a:latin typeface="Arial"/>
             </a:endParaRPr>
           </a:p>
@@ -2852,11 +3644,12 @@
           </a:prstGeom>
         </p:spPr>
         <p:txBody>
-          <a:bodyPr lIns="0" rIns="0" tIns="0" bIns="0">
+          <a:bodyPr lIns="0" tIns="0" rIns="0" bIns="0">
             <a:normAutofit/>
           </a:bodyPr>
-          <a:p>
-            <a:endParaRPr b="0" lang="ru-RU" sz="3200" spc="-1" strike="noStrike">
+          <a:lstStyle/>
+          <a:p>
+            <a:endParaRPr lang="ru-RU" sz="3200" b="0" strike="noStrike" spc="-1">
               <a:latin typeface="Arial"/>
             </a:endParaRPr>
           </a:p>
@@ -2882,11 +3675,12 @@
           </a:prstGeom>
         </p:spPr>
         <p:txBody>
-          <a:bodyPr lIns="0" rIns="0" tIns="0" bIns="0">
+          <a:bodyPr lIns="0" tIns="0" rIns="0" bIns="0">
             <a:normAutofit/>
           </a:bodyPr>
-          <a:p>
-            <a:endParaRPr b="0" lang="ru-RU" sz="3200" spc="-1" strike="noStrike">
+          <a:lstStyle/>
+          <a:p>
+            <a:endParaRPr lang="ru-RU" sz="3200" b="0" strike="noStrike" spc="-1">
               <a:latin typeface="Arial"/>
             </a:endParaRPr>
           </a:p>
@@ -2912,11 +3706,12 @@
           </a:prstGeom>
         </p:spPr>
         <p:txBody>
-          <a:bodyPr lIns="0" rIns="0" tIns="0" bIns="0">
+          <a:bodyPr lIns="0" tIns="0" rIns="0" bIns="0">
             <a:normAutofit/>
           </a:bodyPr>
-          <a:p>
-            <a:endParaRPr b="0" lang="ru-RU" sz="3200" spc="-1" strike="noStrike">
+          <a:lstStyle/>
+          <a:p>
+            <a:endParaRPr lang="ru-RU" sz="3200" b="0" strike="noStrike" spc="-1">
               <a:latin typeface="Arial"/>
             </a:endParaRPr>
           </a:p>
@@ -2924,11 +3719,14 @@
       </p:sp>
     </p:spTree>
   </p:cSld>
+  <p:clrMapOvr>
+    <a:masterClrMapping/>
+  </p:clrMapOvr>
 </p:sldLayout>
 </file>
 
 <file path=ppt/slideLayouts/slideLayout34.xml><?xml version="1.0" encoding="utf-8"?>
-<p:sldLayout xmlns:a="http://schemas.openxmlformats.org/drawingml/2006/main" xmlns:p="http://schemas.openxmlformats.org/presentationml/2006/main" xmlns:r="http://schemas.openxmlformats.org/officeDocument/2006/relationships" xmlns:p14="http://schemas.microsoft.com/office/powerpoint/2010/main" xmlns:p15="http://schemas.microsoft.com/office/powerpoint/2012/main" xmlns:mc="http://schemas.openxmlformats.org/markup-compatibility/2006" type="objOverTx" preserve="1">
+<p:sldLayout xmlns:a="http://schemas.openxmlformats.org/drawingml/2006/main" xmlns:r="http://schemas.openxmlformats.org/officeDocument/2006/relationships" xmlns:p="http://schemas.openxmlformats.org/presentationml/2006/main" type="objOverTx" preserve="1">
   <p:cSld name="Title, Content over Content">
     <p:spTree>
       <p:nvGrpSpPr>
@@ -2964,12 +3762,13 @@
           </a:prstGeom>
         </p:spPr>
         <p:txBody>
-          <a:bodyPr lIns="0" rIns="0" tIns="0" bIns="0" anchor="ctr">
+          <a:bodyPr lIns="0" tIns="0" rIns="0" bIns="0" anchor="ctr">
             <a:noAutofit/>
           </a:bodyPr>
+          <a:lstStyle/>
           <a:p>
             <a:pPr algn="ctr"/>
-            <a:endParaRPr b="0" lang="ru-RU" sz="4400" spc="-1" strike="noStrike">
+            <a:endParaRPr lang="ru-RU" sz="4400" b="0" strike="noStrike" spc="-1">
               <a:latin typeface="Arial"/>
             </a:endParaRPr>
           </a:p>
@@ -2995,11 +3794,12 @@
           </a:prstGeom>
         </p:spPr>
         <p:txBody>
-          <a:bodyPr lIns="0" rIns="0" tIns="0" bIns="0">
+          <a:bodyPr lIns="0" tIns="0" rIns="0" bIns="0">
             <a:normAutofit/>
           </a:bodyPr>
-          <a:p>
-            <a:endParaRPr b="0" lang="ru-RU" sz="3200" spc="-1" strike="noStrike">
+          <a:lstStyle/>
+          <a:p>
+            <a:endParaRPr lang="ru-RU" sz="3200" b="0" strike="noStrike" spc="-1">
               <a:latin typeface="Arial"/>
             </a:endParaRPr>
           </a:p>
@@ -3025,11 +3825,12 @@
           </a:prstGeom>
         </p:spPr>
         <p:txBody>
-          <a:bodyPr lIns="0" rIns="0" tIns="0" bIns="0">
+          <a:bodyPr lIns="0" tIns="0" rIns="0" bIns="0">
             <a:normAutofit/>
           </a:bodyPr>
-          <a:p>
-            <a:endParaRPr b="0" lang="ru-RU" sz="3200" spc="-1" strike="noStrike">
+          <a:lstStyle/>
+          <a:p>
+            <a:endParaRPr lang="ru-RU" sz="3200" b="0" strike="noStrike" spc="-1">
               <a:latin typeface="Arial"/>
             </a:endParaRPr>
           </a:p>
@@ -3037,11 +3838,14 @@
       </p:sp>
     </p:spTree>
   </p:cSld>
+  <p:clrMapOvr>
+    <a:masterClrMapping/>
+  </p:clrMapOvr>
 </p:sldLayout>
 </file>
 
 <file path=ppt/slideLayouts/slideLayout35.xml><?xml version="1.0" encoding="utf-8"?>
-<p:sldLayout xmlns:a="http://schemas.openxmlformats.org/drawingml/2006/main" xmlns:p="http://schemas.openxmlformats.org/presentationml/2006/main" xmlns:r="http://schemas.openxmlformats.org/officeDocument/2006/relationships" xmlns:p14="http://schemas.microsoft.com/office/powerpoint/2010/main" xmlns:p15="http://schemas.microsoft.com/office/powerpoint/2012/main" xmlns:mc="http://schemas.openxmlformats.org/markup-compatibility/2006" type="fourObj" preserve="1">
+<p:sldLayout xmlns:a="http://schemas.openxmlformats.org/drawingml/2006/main" xmlns:r="http://schemas.openxmlformats.org/officeDocument/2006/relationships" xmlns:p="http://schemas.openxmlformats.org/presentationml/2006/main" type="fourObj" preserve="1">
   <p:cSld name="Title, 4 Content">
     <p:spTree>
       <p:nvGrpSpPr>
@@ -3077,12 +3881,13 @@
           </a:prstGeom>
         </p:spPr>
         <p:txBody>
-          <a:bodyPr lIns="0" rIns="0" tIns="0" bIns="0" anchor="ctr">
+          <a:bodyPr lIns="0" tIns="0" rIns="0" bIns="0" anchor="ctr">
             <a:noAutofit/>
           </a:bodyPr>
+          <a:lstStyle/>
           <a:p>
             <a:pPr algn="ctr"/>
-            <a:endParaRPr b="0" lang="ru-RU" sz="4400" spc="-1" strike="noStrike">
+            <a:endParaRPr lang="ru-RU" sz="4400" b="0" strike="noStrike" spc="-1">
               <a:latin typeface="Arial"/>
             </a:endParaRPr>
           </a:p>
@@ -3108,11 +3913,12 @@
           </a:prstGeom>
         </p:spPr>
         <p:txBody>
-          <a:bodyPr lIns="0" rIns="0" tIns="0" bIns="0">
+          <a:bodyPr lIns="0" tIns="0" rIns="0" bIns="0">
             <a:normAutofit/>
           </a:bodyPr>
-          <a:p>
-            <a:endParaRPr b="0" lang="ru-RU" sz="3200" spc="-1" strike="noStrike">
+          <a:lstStyle/>
+          <a:p>
+            <a:endParaRPr lang="ru-RU" sz="3200" b="0" strike="noStrike" spc="-1">
               <a:latin typeface="Arial"/>
             </a:endParaRPr>
           </a:p>
@@ -3138,11 +3944,12 @@
           </a:prstGeom>
         </p:spPr>
         <p:txBody>
-          <a:bodyPr lIns="0" rIns="0" tIns="0" bIns="0">
+          <a:bodyPr lIns="0" tIns="0" rIns="0" bIns="0">
             <a:normAutofit/>
           </a:bodyPr>
-          <a:p>
-            <a:endParaRPr b="0" lang="ru-RU" sz="3200" spc="-1" strike="noStrike">
+          <a:lstStyle/>
+          <a:p>
+            <a:endParaRPr lang="ru-RU" sz="3200" b="0" strike="noStrike" spc="-1">
               <a:latin typeface="Arial"/>
             </a:endParaRPr>
           </a:p>
@@ -3168,11 +3975,12 @@
           </a:prstGeom>
         </p:spPr>
         <p:txBody>
-          <a:bodyPr lIns="0" rIns="0" tIns="0" bIns="0">
+          <a:bodyPr lIns="0" tIns="0" rIns="0" bIns="0">
             <a:normAutofit/>
           </a:bodyPr>
-          <a:p>
-            <a:endParaRPr b="0" lang="ru-RU" sz="3200" spc="-1" strike="noStrike">
+          <a:lstStyle/>
+          <a:p>
+            <a:endParaRPr lang="ru-RU" sz="3200" b="0" strike="noStrike" spc="-1">
               <a:latin typeface="Arial"/>
             </a:endParaRPr>
           </a:p>
@@ -3198,11 +4006,12 @@
           </a:prstGeom>
         </p:spPr>
         <p:txBody>
-          <a:bodyPr lIns="0" rIns="0" tIns="0" bIns="0">
+          <a:bodyPr lIns="0" tIns="0" rIns="0" bIns="0">
             <a:normAutofit/>
           </a:bodyPr>
-          <a:p>
-            <a:endParaRPr b="0" lang="ru-RU" sz="3200" spc="-1" strike="noStrike">
+          <a:lstStyle/>
+          <a:p>
+            <a:endParaRPr lang="ru-RU" sz="3200" b="0" strike="noStrike" spc="-1">
               <a:latin typeface="Arial"/>
             </a:endParaRPr>
           </a:p>
@@ -3210,11 +4019,14 @@
       </p:sp>
     </p:spTree>
   </p:cSld>
+  <p:clrMapOvr>
+    <a:masterClrMapping/>
+  </p:clrMapOvr>
 </p:sldLayout>
 </file>
 
 <file path=ppt/slideLayouts/slideLayout36.xml><?xml version="1.0" encoding="utf-8"?>
-<p:sldLayout xmlns:a="http://schemas.openxmlformats.org/drawingml/2006/main" xmlns:p="http://schemas.openxmlformats.org/presentationml/2006/main" xmlns:r="http://schemas.openxmlformats.org/officeDocument/2006/relationships" xmlns:p14="http://schemas.microsoft.com/office/powerpoint/2010/main" xmlns:p15="http://schemas.microsoft.com/office/powerpoint/2012/main" xmlns:mc="http://schemas.openxmlformats.org/markup-compatibility/2006" type="blank" preserve="1">
+<p:sldLayout xmlns:a="http://schemas.openxmlformats.org/drawingml/2006/main" xmlns:r="http://schemas.openxmlformats.org/officeDocument/2006/relationships" xmlns:p="http://schemas.openxmlformats.org/presentationml/2006/main" type="blank" preserve="1">
   <p:cSld name="Title, 6 Content">
     <p:spTree>
       <p:nvGrpSpPr>
@@ -3250,12 +4062,13 @@
           </a:prstGeom>
         </p:spPr>
         <p:txBody>
-          <a:bodyPr lIns="0" rIns="0" tIns="0" bIns="0" anchor="ctr">
+          <a:bodyPr lIns="0" tIns="0" rIns="0" bIns="0" anchor="ctr">
             <a:noAutofit/>
           </a:bodyPr>
+          <a:lstStyle/>
           <a:p>
             <a:pPr algn="ctr"/>
-            <a:endParaRPr b="0" lang="ru-RU" sz="4400" spc="-1" strike="noStrike">
+            <a:endParaRPr lang="ru-RU" sz="4400" b="0" strike="noStrike" spc="-1">
               <a:latin typeface="Arial"/>
             </a:endParaRPr>
           </a:p>
@@ -3281,11 +4094,12 @@
           </a:prstGeom>
         </p:spPr>
         <p:txBody>
-          <a:bodyPr lIns="0" rIns="0" tIns="0" bIns="0">
+          <a:bodyPr lIns="0" tIns="0" rIns="0" bIns="0">
             <a:normAutofit/>
           </a:bodyPr>
-          <a:p>
-            <a:endParaRPr b="0" lang="ru-RU" sz="3200" spc="-1" strike="noStrike">
+          <a:lstStyle/>
+          <a:p>
+            <a:endParaRPr lang="ru-RU" sz="3200" b="0" strike="noStrike" spc="-1">
               <a:latin typeface="Arial"/>
             </a:endParaRPr>
           </a:p>
@@ -3311,11 +4125,12 @@
           </a:prstGeom>
         </p:spPr>
         <p:txBody>
-          <a:bodyPr lIns="0" rIns="0" tIns="0" bIns="0">
+          <a:bodyPr lIns="0" tIns="0" rIns="0" bIns="0">
             <a:normAutofit/>
           </a:bodyPr>
-          <a:p>
-            <a:endParaRPr b="0" lang="ru-RU" sz="3200" spc="-1" strike="noStrike">
+          <a:lstStyle/>
+          <a:p>
+            <a:endParaRPr lang="ru-RU" sz="3200" b="0" strike="noStrike" spc="-1">
               <a:latin typeface="Arial"/>
             </a:endParaRPr>
           </a:p>
@@ -3341,11 +4156,12 @@
           </a:prstGeom>
         </p:spPr>
         <p:txBody>
-          <a:bodyPr lIns="0" rIns="0" tIns="0" bIns="0">
+          <a:bodyPr lIns="0" tIns="0" rIns="0" bIns="0">
             <a:normAutofit/>
           </a:bodyPr>
-          <a:p>
-            <a:endParaRPr b="0" lang="ru-RU" sz="3200" spc="-1" strike="noStrike">
+          <a:lstStyle/>
+          <a:p>
+            <a:endParaRPr lang="ru-RU" sz="3200" b="0" strike="noStrike" spc="-1">
               <a:latin typeface="Arial"/>
             </a:endParaRPr>
           </a:p>
@@ -3371,11 +4187,12 @@
           </a:prstGeom>
         </p:spPr>
         <p:txBody>
-          <a:bodyPr lIns="0" rIns="0" tIns="0" bIns="0">
+          <a:bodyPr lIns="0" tIns="0" rIns="0" bIns="0">
             <a:normAutofit/>
           </a:bodyPr>
-          <a:p>
-            <a:endParaRPr b="0" lang="ru-RU" sz="3200" spc="-1" strike="noStrike">
+          <a:lstStyle/>
+          <a:p>
+            <a:endParaRPr lang="ru-RU" sz="3200" b="0" strike="noStrike" spc="-1">
               <a:latin typeface="Arial"/>
             </a:endParaRPr>
           </a:p>
@@ -3401,11 +4218,12 @@
           </a:prstGeom>
         </p:spPr>
         <p:txBody>
-          <a:bodyPr lIns="0" rIns="0" tIns="0" bIns="0">
+          <a:bodyPr lIns="0" tIns="0" rIns="0" bIns="0">
             <a:normAutofit/>
           </a:bodyPr>
-          <a:p>
-            <a:endParaRPr b="0" lang="ru-RU" sz="3200" spc="-1" strike="noStrike">
+          <a:lstStyle/>
+          <a:p>
+            <a:endParaRPr lang="ru-RU" sz="3200" b="0" strike="noStrike" spc="-1">
               <a:latin typeface="Arial"/>
             </a:endParaRPr>
           </a:p>
@@ -3431,11 +4249,12 @@
           </a:prstGeom>
         </p:spPr>
         <p:txBody>
-          <a:bodyPr lIns="0" rIns="0" tIns="0" bIns="0">
+          <a:bodyPr lIns="0" tIns="0" rIns="0" bIns="0">
             <a:normAutofit/>
           </a:bodyPr>
-          <a:p>
-            <a:endParaRPr b="0" lang="ru-RU" sz="3200" spc="-1" strike="noStrike">
+          <a:lstStyle/>
+          <a:p>
+            <a:endParaRPr lang="ru-RU" sz="3200" b="0" strike="noStrike" spc="-1">
               <a:latin typeface="Arial"/>
             </a:endParaRPr>
           </a:p>
@@ -3443,11 +4262,14 @@
       </p:sp>
     </p:spTree>
   </p:cSld>
+  <p:clrMapOvr>
+    <a:masterClrMapping/>
+  </p:clrMapOvr>
 </p:sldLayout>
 </file>
 
 <file path=ppt/slideLayouts/slideLayout4.xml><?xml version="1.0" encoding="utf-8"?>
-<p:sldLayout xmlns:a="http://schemas.openxmlformats.org/drawingml/2006/main" xmlns:p="http://schemas.openxmlformats.org/presentationml/2006/main" xmlns:r="http://schemas.openxmlformats.org/officeDocument/2006/relationships" xmlns:p14="http://schemas.microsoft.com/office/powerpoint/2010/main" xmlns:p15="http://schemas.microsoft.com/office/powerpoint/2012/main" xmlns:mc="http://schemas.openxmlformats.org/markup-compatibility/2006" type="twoObj" preserve="1">
+<p:sldLayout xmlns:a="http://schemas.openxmlformats.org/drawingml/2006/main" xmlns:r="http://schemas.openxmlformats.org/officeDocument/2006/relationships" xmlns:p="http://schemas.openxmlformats.org/presentationml/2006/main" type="twoObj" preserve="1">
   <p:cSld name="Title, 2 Content">
     <p:spTree>
       <p:nvGrpSpPr>
@@ -3483,12 +4305,13 @@
           </a:prstGeom>
         </p:spPr>
         <p:txBody>
-          <a:bodyPr lIns="0" rIns="0" tIns="0" bIns="0" anchor="ctr">
+          <a:bodyPr lIns="0" tIns="0" rIns="0" bIns="0" anchor="ctr">
             <a:noAutofit/>
           </a:bodyPr>
+          <a:lstStyle/>
           <a:p>
             <a:pPr algn="ctr"/>
-            <a:endParaRPr b="0" lang="ru-RU" sz="4400" spc="-1" strike="noStrike">
+            <a:endParaRPr lang="ru-RU" sz="4400" b="0" strike="noStrike" spc="-1">
               <a:latin typeface="Arial"/>
             </a:endParaRPr>
           </a:p>
@@ -3514,11 +4337,12 @@
           </a:prstGeom>
         </p:spPr>
         <p:txBody>
-          <a:bodyPr lIns="0" rIns="0" tIns="0" bIns="0">
+          <a:bodyPr lIns="0" tIns="0" rIns="0" bIns="0">
             <a:normAutofit/>
           </a:bodyPr>
-          <a:p>
-            <a:endParaRPr b="0" lang="ru-RU" sz="3200" spc="-1" strike="noStrike">
+          <a:lstStyle/>
+          <a:p>
+            <a:endParaRPr lang="ru-RU" sz="3200" b="0" strike="noStrike" spc="-1">
               <a:latin typeface="Arial"/>
             </a:endParaRPr>
           </a:p>
@@ -3544,11 +4368,12 @@
           </a:prstGeom>
         </p:spPr>
         <p:txBody>
-          <a:bodyPr lIns="0" rIns="0" tIns="0" bIns="0">
+          <a:bodyPr lIns="0" tIns="0" rIns="0" bIns="0">
             <a:normAutofit/>
           </a:bodyPr>
-          <a:p>
-            <a:endParaRPr b="0" lang="ru-RU" sz="3200" spc="-1" strike="noStrike">
+          <a:lstStyle/>
+          <a:p>
+            <a:endParaRPr lang="ru-RU" sz="3200" b="0" strike="noStrike" spc="-1">
               <a:latin typeface="Arial"/>
             </a:endParaRPr>
           </a:p>
@@ -3556,11 +4381,14 @@
       </p:sp>
     </p:spTree>
   </p:cSld>
+  <p:clrMapOvr>
+    <a:masterClrMapping/>
+  </p:clrMapOvr>
 </p:sldLayout>
 </file>
 
 <file path=ppt/slideLayouts/slideLayout5.xml><?xml version="1.0" encoding="utf-8"?>
-<p:sldLayout xmlns:a="http://schemas.openxmlformats.org/drawingml/2006/main" xmlns:p="http://schemas.openxmlformats.org/presentationml/2006/main" xmlns:r="http://schemas.openxmlformats.org/officeDocument/2006/relationships" xmlns:p14="http://schemas.microsoft.com/office/powerpoint/2010/main" xmlns:p15="http://schemas.microsoft.com/office/powerpoint/2012/main" xmlns:mc="http://schemas.openxmlformats.org/markup-compatibility/2006" type="titleOnly" preserve="1">
+<p:sldLayout xmlns:a="http://schemas.openxmlformats.org/drawingml/2006/main" xmlns:r="http://schemas.openxmlformats.org/officeDocument/2006/relationships" xmlns:p="http://schemas.openxmlformats.org/presentationml/2006/main" type="titleOnly" preserve="1">
   <p:cSld name="Title Only">
     <p:spTree>
       <p:nvGrpSpPr>
@@ -3596,12 +4424,13 @@
           </a:prstGeom>
         </p:spPr>
         <p:txBody>
-          <a:bodyPr lIns="0" rIns="0" tIns="0" bIns="0" anchor="ctr">
+          <a:bodyPr lIns="0" tIns="0" rIns="0" bIns="0" anchor="ctr">
             <a:noAutofit/>
           </a:bodyPr>
+          <a:lstStyle/>
           <a:p>
             <a:pPr algn="ctr"/>
-            <a:endParaRPr b="0" lang="ru-RU" sz="4400" spc="-1" strike="noStrike">
+            <a:endParaRPr lang="ru-RU" sz="4400" b="0" strike="noStrike" spc="-1">
               <a:latin typeface="Arial"/>
             </a:endParaRPr>
           </a:p>
@@ -3609,11 +4438,14 @@
       </p:sp>
     </p:spTree>
   </p:cSld>
+  <p:clrMapOvr>
+    <a:masterClrMapping/>
+  </p:clrMapOvr>
 </p:sldLayout>
 </file>
 
 <file path=ppt/slideLayouts/slideLayout6.xml><?xml version="1.0" encoding="utf-8"?>
-<p:sldLayout xmlns:a="http://schemas.openxmlformats.org/drawingml/2006/main" xmlns:p="http://schemas.openxmlformats.org/presentationml/2006/main" xmlns:r="http://schemas.openxmlformats.org/officeDocument/2006/relationships" xmlns:p14="http://schemas.microsoft.com/office/powerpoint/2010/main" xmlns:p15="http://schemas.microsoft.com/office/powerpoint/2012/main" xmlns:mc="http://schemas.openxmlformats.org/markup-compatibility/2006" type="objOnly" preserve="1">
+<p:sldLayout xmlns:a="http://schemas.openxmlformats.org/drawingml/2006/main" xmlns:r="http://schemas.openxmlformats.org/officeDocument/2006/relationships" xmlns:p="http://schemas.openxmlformats.org/presentationml/2006/main" type="objOnly" preserve="1">
   <p:cSld name="Centered Text">
     <p:spTree>
       <p:nvGrpSpPr>
@@ -3649,12 +4481,13 @@
           </a:prstGeom>
         </p:spPr>
         <p:txBody>
-          <a:bodyPr lIns="0" rIns="0" tIns="0" bIns="0" anchor="ctr">
+          <a:bodyPr lIns="0" tIns="0" rIns="0" bIns="0" anchor="ctr">
             <a:noAutofit/>
           </a:bodyPr>
+          <a:lstStyle/>
           <a:p>
             <a:pPr algn="ctr"/>
-            <a:endParaRPr b="0" lang="ru-RU" sz="3200" spc="-1" strike="noStrike">
+            <a:endParaRPr lang="ru-RU" sz="3200" b="0" strike="noStrike" spc="-1">
               <a:latin typeface="Arial"/>
             </a:endParaRPr>
           </a:p>
@@ -3662,11 +4495,14 @@
       </p:sp>
     </p:spTree>
   </p:cSld>
+  <p:clrMapOvr>
+    <a:masterClrMapping/>
+  </p:clrMapOvr>
 </p:sldLayout>
 </file>
 
 <file path=ppt/slideLayouts/slideLayout7.xml><?xml version="1.0" encoding="utf-8"?>
-<p:sldLayout xmlns:a="http://schemas.openxmlformats.org/drawingml/2006/main" xmlns:p="http://schemas.openxmlformats.org/presentationml/2006/main" xmlns:r="http://schemas.openxmlformats.org/officeDocument/2006/relationships" xmlns:p14="http://schemas.microsoft.com/office/powerpoint/2010/main" xmlns:p15="http://schemas.microsoft.com/office/powerpoint/2012/main" xmlns:mc="http://schemas.openxmlformats.org/markup-compatibility/2006" type="twoObjAndObj" preserve="1">
+<p:sldLayout xmlns:a="http://schemas.openxmlformats.org/drawingml/2006/main" xmlns:r="http://schemas.openxmlformats.org/officeDocument/2006/relationships" xmlns:p="http://schemas.openxmlformats.org/presentationml/2006/main" type="twoObjAndObj" preserve="1">
   <p:cSld name="Title, 2 Content and Content">
     <p:spTree>
       <p:nvGrpSpPr>
@@ -3702,12 +4538,13 @@
           </a:prstGeom>
         </p:spPr>
         <p:txBody>
-          <a:bodyPr lIns="0" rIns="0" tIns="0" bIns="0" anchor="ctr">
+          <a:bodyPr lIns="0" tIns="0" rIns="0" bIns="0" anchor="ctr">
             <a:noAutofit/>
           </a:bodyPr>
+          <a:lstStyle/>
           <a:p>
             <a:pPr algn="ctr"/>
-            <a:endParaRPr b="0" lang="ru-RU" sz="4400" spc="-1" strike="noStrike">
+            <a:endParaRPr lang="ru-RU" sz="4400" b="0" strike="noStrike" spc="-1">
               <a:latin typeface="Arial"/>
             </a:endParaRPr>
           </a:p>
@@ -3733,11 +4570,12 @@
           </a:prstGeom>
         </p:spPr>
         <p:txBody>
-          <a:bodyPr lIns="0" rIns="0" tIns="0" bIns="0">
+          <a:bodyPr lIns="0" tIns="0" rIns="0" bIns="0">
             <a:normAutofit/>
           </a:bodyPr>
-          <a:p>
-            <a:endParaRPr b="0" lang="ru-RU" sz="3200" spc="-1" strike="noStrike">
+          <a:lstStyle/>
+          <a:p>
+            <a:endParaRPr lang="ru-RU" sz="3200" b="0" strike="noStrike" spc="-1">
               <a:latin typeface="Arial"/>
             </a:endParaRPr>
           </a:p>
@@ -3763,11 +4601,12 @@
           </a:prstGeom>
         </p:spPr>
         <p:txBody>
-          <a:bodyPr lIns="0" rIns="0" tIns="0" bIns="0">
+          <a:bodyPr lIns="0" tIns="0" rIns="0" bIns="0">
             <a:normAutofit/>
           </a:bodyPr>
-          <a:p>
-            <a:endParaRPr b="0" lang="ru-RU" sz="3200" spc="-1" strike="noStrike">
+          <a:lstStyle/>
+          <a:p>
+            <a:endParaRPr lang="ru-RU" sz="3200" b="0" strike="noStrike" spc="-1">
               <a:latin typeface="Arial"/>
             </a:endParaRPr>
           </a:p>
@@ -3793,11 +4632,12 @@
           </a:prstGeom>
         </p:spPr>
         <p:txBody>
-          <a:bodyPr lIns="0" rIns="0" tIns="0" bIns="0">
+          <a:bodyPr lIns="0" tIns="0" rIns="0" bIns="0">
             <a:normAutofit/>
           </a:bodyPr>
-          <a:p>
-            <a:endParaRPr b="0" lang="ru-RU" sz="3200" spc="-1" strike="noStrike">
+          <a:lstStyle/>
+          <a:p>
+            <a:endParaRPr lang="ru-RU" sz="3200" b="0" strike="noStrike" spc="-1">
               <a:latin typeface="Arial"/>
             </a:endParaRPr>
           </a:p>
@@ -3805,11 +4645,14 @@
       </p:sp>
     </p:spTree>
   </p:cSld>
+  <p:clrMapOvr>
+    <a:masterClrMapping/>
+  </p:clrMapOvr>
 </p:sldLayout>
 </file>
 
 <file path=ppt/slideLayouts/slideLayout8.xml><?xml version="1.0" encoding="utf-8"?>
-<p:sldLayout xmlns:a="http://schemas.openxmlformats.org/drawingml/2006/main" xmlns:p="http://schemas.openxmlformats.org/presentationml/2006/main" xmlns:r="http://schemas.openxmlformats.org/officeDocument/2006/relationships" xmlns:p14="http://schemas.microsoft.com/office/powerpoint/2010/main" xmlns:p15="http://schemas.microsoft.com/office/powerpoint/2012/main" xmlns:mc="http://schemas.openxmlformats.org/markup-compatibility/2006" type="objAndTwoObj" preserve="1">
+<p:sldLayout xmlns:a="http://schemas.openxmlformats.org/drawingml/2006/main" xmlns:r="http://schemas.openxmlformats.org/officeDocument/2006/relationships" xmlns:p="http://schemas.openxmlformats.org/presentationml/2006/main" type="objAndTwoObj" preserve="1">
   <p:cSld name="Title Content and 2 Content">
     <p:spTree>
       <p:nvGrpSpPr>
@@ -3845,12 +4688,13 @@
           </a:prstGeom>
         </p:spPr>
         <p:txBody>
-          <a:bodyPr lIns="0" rIns="0" tIns="0" bIns="0" anchor="ctr">
+          <a:bodyPr lIns="0" tIns="0" rIns="0" bIns="0" anchor="ctr">
             <a:noAutofit/>
           </a:bodyPr>
+          <a:lstStyle/>
           <a:p>
             <a:pPr algn="ctr"/>
-            <a:endParaRPr b="0" lang="ru-RU" sz="4400" spc="-1" strike="noStrike">
+            <a:endParaRPr lang="ru-RU" sz="4400" b="0" strike="noStrike" spc="-1">
               <a:latin typeface="Arial"/>
             </a:endParaRPr>
           </a:p>
@@ -3876,11 +4720,12 @@
           </a:prstGeom>
         </p:spPr>
         <p:txBody>
-          <a:bodyPr lIns="0" rIns="0" tIns="0" bIns="0">
+          <a:bodyPr lIns="0" tIns="0" rIns="0" bIns="0">
             <a:normAutofit/>
           </a:bodyPr>
-          <a:p>
-            <a:endParaRPr b="0" lang="ru-RU" sz="3200" spc="-1" strike="noStrike">
+          <a:lstStyle/>
+          <a:p>
+            <a:endParaRPr lang="ru-RU" sz="3200" b="0" strike="noStrike" spc="-1">
               <a:latin typeface="Arial"/>
             </a:endParaRPr>
           </a:p>
@@ -3906,11 +4751,12 @@
           </a:prstGeom>
         </p:spPr>
         <p:txBody>
-          <a:bodyPr lIns="0" rIns="0" tIns="0" bIns="0">
+          <a:bodyPr lIns="0" tIns="0" rIns="0" bIns="0">
             <a:normAutofit/>
           </a:bodyPr>
-          <a:p>
-            <a:endParaRPr b="0" lang="ru-RU" sz="3200" spc="-1" strike="noStrike">
+          <a:lstStyle/>
+          <a:p>
+            <a:endParaRPr lang="ru-RU" sz="3200" b="0" strike="noStrike" spc="-1">
               <a:latin typeface="Arial"/>
             </a:endParaRPr>
           </a:p>
@@ -3936,11 +4782,12 @@
           </a:prstGeom>
         </p:spPr>
         <p:txBody>
-          <a:bodyPr lIns="0" rIns="0" tIns="0" bIns="0">
+          <a:bodyPr lIns="0" tIns="0" rIns="0" bIns="0">
             <a:normAutofit/>
           </a:bodyPr>
-          <a:p>
-            <a:endParaRPr b="0" lang="ru-RU" sz="3200" spc="-1" strike="noStrike">
+          <a:lstStyle/>
+          <a:p>
+            <a:endParaRPr lang="ru-RU" sz="3200" b="0" strike="noStrike" spc="-1">
               <a:latin typeface="Arial"/>
             </a:endParaRPr>
           </a:p>
@@ -3948,11 +4795,14 @@
       </p:sp>
     </p:spTree>
   </p:cSld>
+  <p:clrMapOvr>
+    <a:masterClrMapping/>
+  </p:clrMapOvr>
 </p:sldLayout>
 </file>
 
 <file path=ppt/slideLayouts/slideLayout9.xml><?xml version="1.0" encoding="utf-8"?>
-<p:sldLayout xmlns:a="http://schemas.openxmlformats.org/drawingml/2006/main" xmlns:p="http://schemas.openxmlformats.org/presentationml/2006/main" xmlns:r="http://schemas.openxmlformats.org/officeDocument/2006/relationships" xmlns:p14="http://schemas.microsoft.com/office/powerpoint/2010/main" xmlns:p15="http://schemas.microsoft.com/office/powerpoint/2012/main" xmlns:mc="http://schemas.openxmlformats.org/markup-compatibility/2006" type="twoObjOverTx" preserve="1">
+<p:sldLayout xmlns:a="http://schemas.openxmlformats.org/drawingml/2006/main" xmlns:r="http://schemas.openxmlformats.org/officeDocument/2006/relationships" xmlns:p="http://schemas.openxmlformats.org/presentationml/2006/main" type="twoObjOverTx" preserve="1">
   <p:cSld name="Title, 2 Content over Content">
     <p:spTree>
       <p:nvGrpSpPr>
@@ -3988,12 +4838,13 @@
           </a:prstGeom>
         </p:spPr>
         <p:txBody>
-          <a:bodyPr lIns="0" rIns="0" tIns="0" bIns="0" anchor="ctr">
+          <a:bodyPr lIns="0" tIns="0" rIns="0" bIns="0" anchor="ctr">
             <a:noAutofit/>
           </a:bodyPr>
+          <a:lstStyle/>
           <a:p>
             <a:pPr algn="ctr"/>
-            <a:endParaRPr b="0" lang="ru-RU" sz="4400" spc="-1" strike="noStrike">
+            <a:endParaRPr lang="ru-RU" sz="4400" b="0" strike="noStrike" spc="-1">
               <a:latin typeface="Arial"/>
             </a:endParaRPr>
           </a:p>
@@ -4019,11 +4870,12 @@
           </a:prstGeom>
         </p:spPr>
         <p:txBody>
-          <a:bodyPr lIns="0" rIns="0" tIns="0" bIns="0">
+          <a:bodyPr lIns="0" tIns="0" rIns="0" bIns="0">
             <a:normAutofit/>
           </a:bodyPr>
-          <a:p>
-            <a:endParaRPr b="0" lang="ru-RU" sz="3200" spc="-1" strike="noStrike">
+          <a:lstStyle/>
+          <a:p>
+            <a:endParaRPr lang="ru-RU" sz="3200" b="0" strike="noStrike" spc="-1">
               <a:latin typeface="Arial"/>
             </a:endParaRPr>
           </a:p>
@@ -4049,11 +4901,12 @@
           </a:prstGeom>
         </p:spPr>
         <p:txBody>
-          <a:bodyPr lIns="0" rIns="0" tIns="0" bIns="0">
+          <a:bodyPr lIns="0" tIns="0" rIns="0" bIns="0">
             <a:normAutofit/>
           </a:bodyPr>
-          <a:p>
-            <a:endParaRPr b="0" lang="ru-RU" sz="3200" spc="-1" strike="noStrike">
+          <a:lstStyle/>
+          <a:p>
+            <a:endParaRPr lang="ru-RU" sz="3200" b="0" strike="noStrike" spc="-1">
               <a:latin typeface="Arial"/>
             </a:endParaRPr>
           </a:p>
@@ -4079,11 +4932,12 @@
           </a:prstGeom>
         </p:spPr>
         <p:txBody>
-          <a:bodyPr lIns="0" rIns="0" tIns="0" bIns="0">
+          <a:bodyPr lIns="0" tIns="0" rIns="0" bIns="0">
             <a:normAutofit/>
           </a:bodyPr>
-          <a:p>
-            <a:endParaRPr b="0" lang="ru-RU" sz="3200" spc="-1" strike="noStrike">
+          <a:lstStyle/>
+          <a:p>
+            <a:endParaRPr lang="ru-RU" sz="3200" b="0" strike="noStrike" spc="-1">
               <a:latin typeface="Arial"/>
             </a:endParaRPr>
           </a:p>
@@ -4091,17 +4945,21 @@
       </p:sp>
     </p:spTree>
   </p:cSld>
+  <p:clrMapOvr>
+    <a:masterClrMapping/>
+  </p:clrMapOvr>
 </p:sldLayout>
 </file>
 
 <file path=ppt/slideMasters/slideMaster1.xml><?xml version="1.0" encoding="utf-8"?>
-<p:sldMaster xmlns:a="http://schemas.openxmlformats.org/drawingml/2006/main" xmlns:p="http://schemas.openxmlformats.org/presentationml/2006/main" xmlns:r="http://schemas.openxmlformats.org/officeDocument/2006/relationships" xmlns:p14="http://schemas.microsoft.com/office/powerpoint/2010/main" xmlns:p15="http://schemas.microsoft.com/office/powerpoint/2012/main" xmlns:mc="http://schemas.openxmlformats.org/markup-compatibility/2006">
+<p:sldMaster xmlns:a="http://schemas.openxmlformats.org/drawingml/2006/main" xmlns:r="http://schemas.openxmlformats.org/officeDocument/2006/relationships" xmlns:p="http://schemas.openxmlformats.org/presentationml/2006/main">
   <p:cSld>
     <p:bg>
       <p:bgPr>
         <a:solidFill>
-          <a:srgbClr val="836c9f"/>
+          <a:srgbClr val="836C9F"/>
         </a:solidFill>
+        <a:effectLst/>
       </p:bgPr>
     </p:bg>
     <p:spTree>
@@ -4120,7 +4978,7 @@
       </p:grpSpPr>
       <p:sp>
         <p:nvSpPr>
-          <p:cNvPr id="0" name="CustomShape 1" hidden="1"/>
+          <p:cNvPr id="6" name="CustomShape 1" hidden="1"/>
           <p:cNvSpPr/>
           <p:nvPr/>
         </p:nvSpPr>
@@ -4156,7 +5014,7 @@
       </p:sp>
       <p:grpSp>
         <p:nvGrpSpPr>
-          <p:cNvPr id="1" name="Group 2"/>
+          <p:cNvPr id="7" name="Group 2"/>
           <p:cNvGrpSpPr/>
           <p:nvPr/>
         </p:nvGrpSpPr>
@@ -4183,6 +5041,7 @@
               <a:avLst/>
               <a:gdLst/>
               <a:ahLst/>
+              <a:cxnLst/>
               <a:rect l="l" t="t" r="r" b="b"/>
               <a:pathLst>
                 <a:path w="10000" h="10000">
@@ -4219,9 +5078,15 @@
             </a:ln>
           </p:spPr>
           <p:style>
-            <a:lnRef idx="0"/>
-            <a:fillRef idx="0"/>
-            <a:effectRef idx="0"/>
+            <a:lnRef idx="0">
+              <a:scrgbClr r="0" g="0" b="0"/>
+            </a:lnRef>
+            <a:fillRef idx="0">
+              <a:scrgbClr r="0" g="0" b="0"/>
+            </a:fillRef>
+            <a:effectRef idx="0">
+              <a:scrgbClr r="0" g="0" b="0"/>
+            </a:effectRef>
             <a:fontRef idx="minor"/>
           </p:style>
         </p:sp>
@@ -4240,6 +5105,7 @@
               <a:avLst/>
               <a:gdLst/>
               <a:ahLst/>
+              <a:cxnLst/>
               <a:rect l="l" t="t" r="r" b="b"/>
               <a:pathLst>
                 <a:path w="10002" h="10000">
@@ -4278,9 +5144,15 @@
             </a:ln>
           </p:spPr>
           <p:style>
-            <a:lnRef idx="0"/>
-            <a:fillRef idx="0"/>
-            <a:effectRef idx="0"/>
+            <a:lnRef idx="0">
+              <a:scrgbClr r="0" g="0" b="0"/>
+            </a:lnRef>
+            <a:fillRef idx="0">
+              <a:scrgbClr r="0" g="0" b="0"/>
+            </a:fillRef>
+            <a:effectRef idx="0">
+              <a:scrgbClr r="0" g="0" b="0"/>
+            </a:effectRef>
             <a:fontRef idx="minor"/>
           </p:style>
         </p:sp>
@@ -4305,19 +5177,17 @@
           </a:prstGeom>
         </p:spPr>
         <p:txBody>
-          <a:bodyPr lIns="0" rIns="0" tIns="0" bIns="0" anchor="ctr">
+          <a:bodyPr lIns="0" tIns="0" rIns="0" bIns="0" anchor="ctr">
             <a:noAutofit/>
           </a:bodyPr>
-          <a:p>
-            <a:r>
-              <a:rPr b="0" lang="ru-RU" sz="1800" spc="-1" strike="noStrike">
+          <a:lstStyle/>
+          <a:p>
+            <a:r>
+              <a:rPr lang="ru-RU" sz="1800" b="0" strike="noStrike" spc="-1">
                 <a:latin typeface="Arial"/>
               </a:rPr>
               <a:t>Для правки текста заглавия щёлкните мышью</a:t>
             </a:r>
-            <a:endParaRPr b="0" lang="ru-RU" sz="1800" spc="-1" strike="noStrike">
-              <a:latin typeface="Arial"/>
-            </a:endParaRPr>
           </a:p>
         </p:txBody>
       </p:sp>
@@ -4341,9 +5211,10 @@
           </a:prstGeom>
         </p:spPr>
         <p:txBody>
-          <a:bodyPr lIns="0" rIns="0" tIns="0" bIns="0">
+          <a:bodyPr lIns="0" tIns="0" rIns="0" bIns="0">
             <a:normAutofit/>
           </a:bodyPr>
+          <a:lstStyle/>
           <a:p>
             <a:pPr marL="432000" indent="-324000">
               <a:spcBef>
@@ -4357,17 +5228,14 @@
               <a:buChar char=""/>
             </a:pPr>
             <a:r>
-              <a:rPr b="0" lang="ru-RU" sz="3200" spc="-1" strike="noStrike">
+              <a:rPr lang="ru-RU" sz="3200" b="0" strike="noStrike" spc="-1">
                 <a:latin typeface="Arial"/>
               </a:rPr>
               <a:t>Для правки структуры щёлкните мышью</a:t>
             </a:r>
-            <a:endParaRPr b="0" lang="ru-RU" sz="3200" spc="-1" strike="noStrike">
-              <a:latin typeface="Arial"/>
-            </a:endParaRPr>
-          </a:p>
-          <a:p>
-            <a:pPr lvl="1" marL="864000" indent="-324000">
+          </a:p>
+          <a:p>
+            <a:pPr marL="864000" lvl="1" indent="-324000">
               <a:spcBef>
                 <a:spcPts val="1134"/>
               </a:spcBef>
@@ -4379,17 +5247,14 @@
               <a:buChar char=""/>
             </a:pPr>
             <a:r>
-              <a:rPr b="0" lang="ru-RU" sz="2800" spc="-1" strike="noStrike">
+              <a:rPr lang="ru-RU" sz="2800" b="0" strike="noStrike" spc="-1">
                 <a:latin typeface="Arial"/>
               </a:rPr>
               <a:t>Второй уровень структуры</a:t>
             </a:r>
-            <a:endParaRPr b="0" lang="ru-RU" sz="2800" spc="-1" strike="noStrike">
-              <a:latin typeface="Arial"/>
-            </a:endParaRPr>
-          </a:p>
-          <a:p>
-            <a:pPr lvl="2" marL="1296000" indent="-288000">
+          </a:p>
+          <a:p>
+            <a:pPr marL="1296000" lvl="2" indent="-288000">
               <a:spcBef>
                 <a:spcPts val="850"/>
               </a:spcBef>
@@ -4401,17 +5266,14 @@
               <a:buChar char=""/>
             </a:pPr>
             <a:r>
-              <a:rPr b="0" lang="ru-RU" sz="2400" spc="-1" strike="noStrike">
+              <a:rPr lang="ru-RU" sz="2400" b="0" strike="noStrike" spc="-1">
                 <a:latin typeface="Arial"/>
               </a:rPr>
               <a:t>Третий уровень структуры</a:t>
             </a:r>
-            <a:endParaRPr b="0" lang="ru-RU" sz="2400" spc="-1" strike="noStrike">
-              <a:latin typeface="Arial"/>
-            </a:endParaRPr>
-          </a:p>
-          <a:p>
-            <a:pPr lvl="3" marL="1728000" indent="-216000">
+          </a:p>
+          <a:p>
+            <a:pPr marL="1728000" lvl="3" indent="-216000">
               <a:spcBef>
                 <a:spcPts val="567"/>
               </a:spcBef>
@@ -4423,17 +5285,14 @@
               <a:buChar char=""/>
             </a:pPr>
             <a:r>
-              <a:rPr b="0" lang="ru-RU" sz="2000" spc="-1" strike="noStrike">
+              <a:rPr lang="ru-RU" sz="2000" b="0" strike="noStrike" spc="-1">
                 <a:latin typeface="Arial"/>
               </a:rPr>
               <a:t>Четвёртый уровень структуры</a:t>
             </a:r>
-            <a:endParaRPr b="0" lang="ru-RU" sz="2000" spc="-1" strike="noStrike">
-              <a:latin typeface="Arial"/>
-            </a:endParaRPr>
-          </a:p>
-          <a:p>
-            <a:pPr lvl="4" marL="2160000" indent="-216000">
+          </a:p>
+          <a:p>
+            <a:pPr marL="2160000" lvl="4" indent="-216000">
               <a:spcBef>
                 <a:spcPts val="283"/>
               </a:spcBef>
@@ -4445,17 +5304,14 @@
               <a:buChar char=""/>
             </a:pPr>
             <a:r>
-              <a:rPr b="0" lang="ru-RU" sz="2000" spc="-1" strike="noStrike">
+              <a:rPr lang="ru-RU" sz="2000" b="0" strike="noStrike" spc="-1">
                 <a:latin typeface="Arial"/>
               </a:rPr>
               <a:t>Пятый уровень структуры</a:t>
             </a:r>
-            <a:endParaRPr b="0" lang="ru-RU" sz="2000" spc="-1" strike="noStrike">
-              <a:latin typeface="Arial"/>
-            </a:endParaRPr>
-          </a:p>
-          <a:p>
-            <a:pPr lvl="5" marL="2592000" indent="-216000">
+          </a:p>
+          <a:p>
+            <a:pPr marL="2592000" lvl="5" indent="-216000">
               <a:spcBef>
                 <a:spcPts val="283"/>
               </a:spcBef>
@@ -4467,17 +5323,14 @@
               <a:buChar char=""/>
             </a:pPr>
             <a:r>
-              <a:rPr b="0" lang="ru-RU" sz="2000" spc="-1" strike="noStrike">
+              <a:rPr lang="ru-RU" sz="2000" b="0" strike="noStrike" spc="-1">
                 <a:latin typeface="Arial"/>
               </a:rPr>
               <a:t>Шестой уровень структуры</a:t>
             </a:r>
-            <a:endParaRPr b="0" lang="ru-RU" sz="2000" spc="-1" strike="noStrike">
-              <a:latin typeface="Arial"/>
-            </a:endParaRPr>
-          </a:p>
-          <a:p>
-            <a:pPr lvl="6" marL="3024000" indent="-216000">
+          </a:p>
+          <a:p>
+            <a:pPr marL="3024000" lvl="6" indent="-216000">
               <a:spcBef>
                 <a:spcPts val="283"/>
               </a:spcBef>
@@ -4489,45 +5342,324 @@
               <a:buChar char=""/>
             </a:pPr>
             <a:r>
-              <a:rPr b="0" lang="ru-RU" sz="2000" spc="-1" strike="noStrike">
+              <a:rPr lang="ru-RU" sz="2000" b="0" strike="noStrike" spc="-1">
                 <a:latin typeface="Arial"/>
               </a:rPr>
               <a:t>Седьмой уровень структуры</a:t>
             </a:r>
-            <a:endParaRPr b="0" lang="ru-RU" sz="2000" spc="-1" strike="noStrike">
-              <a:latin typeface="Arial"/>
-            </a:endParaRPr>
           </a:p>
         </p:txBody>
       </p:sp>
     </p:spTree>
   </p:cSld>
-  <p:clrMap bg1="lt1" bg2="lt2" tx1="dk1" tx2="dk2" accent1="accent1" accent2="accent2" accent3="accent3" accent4="accent4" accent5="accent5" accent6="accent6" hlink="hlink" folHlink="folHlink"/>
+  <p:clrMap bg1="lt1" tx1="dk1" bg2="lt2" tx2="dk2" accent1="accent1" accent2="accent2" accent3="accent3" accent4="accent4" accent5="accent5" accent6="accent6" hlink="hlink" folHlink="folHlink"/>
   <p:sldLayoutIdLst>
-    <p:sldLayoutId id="2147483649" r:id="rId2"/>
-    <p:sldLayoutId id="2147483650" r:id="rId3"/>
-    <p:sldLayoutId id="2147483651" r:id="rId4"/>
-    <p:sldLayoutId id="2147483652" r:id="rId5"/>
-    <p:sldLayoutId id="2147483653" r:id="rId6"/>
-    <p:sldLayoutId id="2147483654" r:id="rId7"/>
-    <p:sldLayoutId id="2147483655" r:id="rId8"/>
-    <p:sldLayoutId id="2147483656" r:id="rId9"/>
-    <p:sldLayoutId id="2147483657" r:id="rId10"/>
-    <p:sldLayoutId id="2147483658" r:id="rId11"/>
-    <p:sldLayoutId id="2147483659" r:id="rId12"/>
-    <p:sldLayoutId id="2147483660" r:id="rId13"/>
+    <p:sldLayoutId id="2147483649" r:id="rId1"/>
+    <p:sldLayoutId id="2147483650" r:id="rId2"/>
+    <p:sldLayoutId id="2147483651" r:id="rId3"/>
+    <p:sldLayoutId id="2147483652" r:id="rId4"/>
+    <p:sldLayoutId id="2147483653" r:id="rId5"/>
+    <p:sldLayoutId id="2147483654" r:id="rId6"/>
+    <p:sldLayoutId id="2147483655" r:id="rId7"/>
+    <p:sldLayoutId id="2147483656" r:id="rId8"/>
+    <p:sldLayoutId id="2147483657" r:id="rId9"/>
+    <p:sldLayoutId id="2147483658" r:id="rId10"/>
+    <p:sldLayoutId id="2147483659" r:id="rId11"/>
+    <p:sldLayoutId id="2147483660" r:id="rId12"/>
   </p:sldLayoutIdLst>
+  <p:hf hdr="0" ftr="0" dt="0"/>
+  <p:txStyles>
+    <p:titleStyle>
+      <a:lvl1pPr algn="l" defTabSz="914400" rtl="0" eaLnBrk="1" latinLnBrk="0" hangingPunct="1">
+        <a:lnSpc>
+          <a:spcPct val="90000"/>
+        </a:lnSpc>
+        <a:spcBef>
+          <a:spcPct val="0"/>
+        </a:spcBef>
+        <a:buNone/>
+        <a:defRPr sz="4400" kern="1200">
+          <a:solidFill>
+            <a:schemeClr val="tx1"/>
+          </a:solidFill>
+          <a:latin typeface="+mj-lt"/>
+          <a:ea typeface="+mj-ea"/>
+          <a:cs typeface="+mj-cs"/>
+        </a:defRPr>
+      </a:lvl1pPr>
+    </p:titleStyle>
+    <p:bodyStyle>
+      <a:lvl1pPr marL="228600" indent="-228600" algn="l" defTabSz="914400" rtl="0" eaLnBrk="1" latinLnBrk="0" hangingPunct="1">
+        <a:lnSpc>
+          <a:spcPct val="90000"/>
+        </a:lnSpc>
+        <a:spcBef>
+          <a:spcPts val="1000"/>
+        </a:spcBef>
+        <a:buFont typeface="Arial" panose="020B0604020202020204" pitchFamily="34" charset="0"/>
+        <a:buChar char="•"/>
+        <a:defRPr sz="2800" kern="1200">
+          <a:solidFill>
+            <a:schemeClr val="tx1"/>
+          </a:solidFill>
+          <a:latin typeface="+mn-lt"/>
+          <a:ea typeface="+mn-ea"/>
+          <a:cs typeface="+mn-cs"/>
+        </a:defRPr>
+      </a:lvl1pPr>
+      <a:lvl2pPr marL="685800" indent="-228600" algn="l" defTabSz="914400" rtl="0" eaLnBrk="1" latinLnBrk="0" hangingPunct="1">
+        <a:lnSpc>
+          <a:spcPct val="90000"/>
+        </a:lnSpc>
+        <a:spcBef>
+          <a:spcPts val="500"/>
+        </a:spcBef>
+        <a:buFont typeface="Arial" panose="020B0604020202020204" pitchFamily="34" charset="0"/>
+        <a:buChar char="•"/>
+        <a:defRPr sz="2400" kern="1200">
+          <a:solidFill>
+            <a:schemeClr val="tx1"/>
+          </a:solidFill>
+          <a:latin typeface="+mn-lt"/>
+          <a:ea typeface="+mn-ea"/>
+          <a:cs typeface="+mn-cs"/>
+        </a:defRPr>
+      </a:lvl2pPr>
+      <a:lvl3pPr marL="1143000" indent="-228600" algn="l" defTabSz="914400" rtl="0" eaLnBrk="1" latinLnBrk="0" hangingPunct="1">
+        <a:lnSpc>
+          <a:spcPct val="90000"/>
+        </a:lnSpc>
+        <a:spcBef>
+          <a:spcPts val="500"/>
+        </a:spcBef>
+        <a:buFont typeface="Arial" panose="020B0604020202020204" pitchFamily="34" charset="0"/>
+        <a:buChar char="•"/>
+        <a:defRPr sz="2000" kern="1200">
+          <a:solidFill>
+            <a:schemeClr val="tx1"/>
+          </a:solidFill>
+          <a:latin typeface="+mn-lt"/>
+          <a:ea typeface="+mn-ea"/>
+          <a:cs typeface="+mn-cs"/>
+        </a:defRPr>
+      </a:lvl3pPr>
+      <a:lvl4pPr marL="1600200" indent="-228600" algn="l" defTabSz="914400" rtl="0" eaLnBrk="1" latinLnBrk="0" hangingPunct="1">
+        <a:lnSpc>
+          <a:spcPct val="90000"/>
+        </a:lnSpc>
+        <a:spcBef>
+          <a:spcPts val="500"/>
+        </a:spcBef>
+        <a:buFont typeface="Arial" panose="020B0604020202020204" pitchFamily="34" charset="0"/>
+        <a:buChar char="•"/>
+        <a:defRPr sz="1800" kern="1200">
+          <a:solidFill>
+            <a:schemeClr val="tx1"/>
+          </a:solidFill>
+          <a:latin typeface="+mn-lt"/>
+          <a:ea typeface="+mn-ea"/>
+          <a:cs typeface="+mn-cs"/>
+        </a:defRPr>
+      </a:lvl4pPr>
+      <a:lvl5pPr marL="2057400" indent="-228600" algn="l" defTabSz="914400" rtl="0" eaLnBrk="1" latinLnBrk="0" hangingPunct="1">
+        <a:lnSpc>
+          <a:spcPct val="90000"/>
+        </a:lnSpc>
+        <a:spcBef>
+          <a:spcPts val="500"/>
+        </a:spcBef>
+        <a:buFont typeface="Arial" panose="020B0604020202020204" pitchFamily="34" charset="0"/>
+        <a:buChar char="•"/>
+        <a:defRPr sz="1800" kern="1200">
+          <a:solidFill>
+            <a:schemeClr val="tx1"/>
+          </a:solidFill>
+          <a:latin typeface="+mn-lt"/>
+          <a:ea typeface="+mn-ea"/>
+          <a:cs typeface="+mn-cs"/>
+        </a:defRPr>
+      </a:lvl5pPr>
+      <a:lvl6pPr marL="2514600" indent="-228600" algn="l" defTabSz="914400" rtl="0" eaLnBrk="1" latinLnBrk="0" hangingPunct="1">
+        <a:lnSpc>
+          <a:spcPct val="90000"/>
+        </a:lnSpc>
+        <a:spcBef>
+          <a:spcPts val="500"/>
+        </a:spcBef>
+        <a:buFont typeface="Arial" panose="020B0604020202020204" pitchFamily="34" charset="0"/>
+        <a:buChar char="•"/>
+        <a:defRPr sz="1800" kern="1200">
+          <a:solidFill>
+            <a:schemeClr val="tx1"/>
+          </a:solidFill>
+          <a:latin typeface="+mn-lt"/>
+          <a:ea typeface="+mn-ea"/>
+          <a:cs typeface="+mn-cs"/>
+        </a:defRPr>
+      </a:lvl6pPr>
+      <a:lvl7pPr marL="2971800" indent="-228600" algn="l" defTabSz="914400" rtl="0" eaLnBrk="1" latinLnBrk="0" hangingPunct="1">
+        <a:lnSpc>
+          <a:spcPct val="90000"/>
+        </a:lnSpc>
+        <a:spcBef>
+          <a:spcPts val="500"/>
+        </a:spcBef>
+        <a:buFont typeface="Arial" panose="020B0604020202020204" pitchFamily="34" charset="0"/>
+        <a:buChar char="•"/>
+        <a:defRPr sz="1800" kern="1200">
+          <a:solidFill>
+            <a:schemeClr val="tx1"/>
+          </a:solidFill>
+          <a:latin typeface="+mn-lt"/>
+          <a:ea typeface="+mn-ea"/>
+          <a:cs typeface="+mn-cs"/>
+        </a:defRPr>
+      </a:lvl7pPr>
+      <a:lvl8pPr marL="3429000" indent="-228600" algn="l" defTabSz="914400" rtl="0" eaLnBrk="1" latinLnBrk="0" hangingPunct="1">
+        <a:lnSpc>
+          <a:spcPct val="90000"/>
+        </a:lnSpc>
+        <a:spcBef>
+          <a:spcPts val="500"/>
+        </a:spcBef>
+        <a:buFont typeface="Arial" panose="020B0604020202020204" pitchFamily="34" charset="0"/>
+        <a:buChar char="•"/>
+        <a:defRPr sz="1800" kern="1200">
+          <a:solidFill>
+            <a:schemeClr val="tx1"/>
+          </a:solidFill>
+          <a:latin typeface="+mn-lt"/>
+          <a:ea typeface="+mn-ea"/>
+          <a:cs typeface="+mn-cs"/>
+        </a:defRPr>
+      </a:lvl8pPr>
+      <a:lvl9pPr marL="3886200" indent="-228600" algn="l" defTabSz="914400" rtl="0" eaLnBrk="1" latinLnBrk="0" hangingPunct="1">
+        <a:lnSpc>
+          <a:spcPct val="90000"/>
+        </a:lnSpc>
+        <a:spcBef>
+          <a:spcPts val="500"/>
+        </a:spcBef>
+        <a:buFont typeface="Arial" panose="020B0604020202020204" pitchFamily="34" charset="0"/>
+        <a:buChar char="•"/>
+        <a:defRPr sz="1800" kern="1200">
+          <a:solidFill>
+            <a:schemeClr val="tx1"/>
+          </a:solidFill>
+          <a:latin typeface="+mn-lt"/>
+          <a:ea typeface="+mn-ea"/>
+          <a:cs typeface="+mn-cs"/>
+        </a:defRPr>
+      </a:lvl9pPr>
+    </p:bodyStyle>
+    <p:otherStyle>
+      <a:defPPr>
+        <a:defRPr lang="ru-RU"/>
+      </a:defPPr>
+      <a:lvl1pPr marL="0" algn="l" defTabSz="914400" rtl="0" eaLnBrk="1" latinLnBrk="0" hangingPunct="1">
+        <a:defRPr sz="1800" kern="1200">
+          <a:solidFill>
+            <a:schemeClr val="tx1"/>
+          </a:solidFill>
+          <a:latin typeface="+mn-lt"/>
+          <a:ea typeface="+mn-ea"/>
+          <a:cs typeface="+mn-cs"/>
+        </a:defRPr>
+      </a:lvl1pPr>
+      <a:lvl2pPr marL="457200" algn="l" defTabSz="914400" rtl="0" eaLnBrk="1" latinLnBrk="0" hangingPunct="1">
+        <a:defRPr sz="1800" kern="1200">
+          <a:solidFill>
+            <a:schemeClr val="tx1"/>
+          </a:solidFill>
+          <a:latin typeface="+mn-lt"/>
+          <a:ea typeface="+mn-ea"/>
+          <a:cs typeface="+mn-cs"/>
+        </a:defRPr>
+      </a:lvl2pPr>
+      <a:lvl3pPr marL="914400" algn="l" defTabSz="914400" rtl="0" eaLnBrk="1" latinLnBrk="0" hangingPunct="1">
+        <a:defRPr sz="1800" kern="1200">
+          <a:solidFill>
+            <a:schemeClr val="tx1"/>
+          </a:solidFill>
+          <a:latin typeface="+mn-lt"/>
+          <a:ea typeface="+mn-ea"/>
+          <a:cs typeface="+mn-cs"/>
+        </a:defRPr>
+      </a:lvl3pPr>
+      <a:lvl4pPr marL="1371600" algn="l" defTabSz="914400" rtl="0" eaLnBrk="1" latinLnBrk="0" hangingPunct="1">
+        <a:defRPr sz="1800" kern="1200">
+          <a:solidFill>
+            <a:schemeClr val="tx1"/>
+          </a:solidFill>
+          <a:latin typeface="+mn-lt"/>
+          <a:ea typeface="+mn-ea"/>
+          <a:cs typeface="+mn-cs"/>
+        </a:defRPr>
+      </a:lvl4pPr>
+      <a:lvl5pPr marL="1828800" algn="l" defTabSz="914400" rtl="0" eaLnBrk="1" latinLnBrk="0" hangingPunct="1">
+        <a:defRPr sz="1800" kern="1200">
+          <a:solidFill>
+            <a:schemeClr val="tx1"/>
+          </a:solidFill>
+          <a:latin typeface="+mn-lt"/>
+          <a:ea typeface="+mn-ea"/>
+          <a:cs typeface="+mn-cs"/>
+        </a:defRPr>
+      </a:lvl5pPr>
+      <a:lvl6pPr marL="2286000" algn="l" defTabSz="914400" rtl="0" eaLnBrk="1" latinLnBrk="0" hangingPunct="1">
+        <a:defRPr sz="1800" kern="1200">
+          <a:solidFill>
+            <a:schemeClr val="tx1"/>
+          </a:solidFill>
+          <a:latin typeface="+mn-lt"/>
+          <a:ea typeface="+mn-ea"/>
+          <a:cs typeface="+mn-cs"/>
+        </a:defRPr>
+      </a:lvl6pPr>
+      <a:lvl7pPr marL="2743200" algn="l" defTabSz="914400" rtl="0" eaLnBrk="1" latinLnBrk="0" hangingPunct="1">
+        <a:defRPr sz="1800" kern="1200">
+          <a:solidFill>
+            <a:schemeClr val="tx1"/>
+          </a:solidFill>
+          <a:latin typeface="+mn-lt"/>
+          <a:ea typeface="+mn-ea"/>
+          <a:cs typeface="+mn-cs"/>
+        </a:defRPr>
+      </a:lvl7pPr>
+      <a:lvl8pPr marL="3200400" algn="l" defTabSz="914400" rtl="0" eaLnBrk="1" latinLnBrk="0" hangingPunct="1">
+        <a:defRPr sz="1800" kern="1200">
+          <a:solidFill>
+            <a:schemeClr val="tx1"/>
+          </a:solidFill>
+          <a:latin typeface="+mn-lt"/>
+          <a:ea typeface="+mn-ea"/>
+          <a:cs typeface="+mn-cs"/>
+        </a:defRPr>
+      </a:lvl8pPr>
+      <a:lvl9pPr marL="3657600" algn="l" defTabSz="914400" rtl="0" eaLnBrk="1" latinLnBrk="0" hangingPunct="1">
+        <a:defRPr sz="1800" kern="1200">
+          <a:solidFill>
+            <a:schemeClr val="tx1"/>
+          </a:solidFill>
+          <a:latin typeface="+mn-lt"/>
+          <a:ea typeface="+mn-ea"/>
+          <a:cs typeface="+mn-cs"/>
+        </a:defRPr>
+      </a:lvl9pPr>
+    </p:otherStyle>
+  </p:txStyles>
 </p:sldMaster>
 </file>
 
 <file path=ppt/slideMasters/slideMaster2.xml><?xml version="1.0" encoding="utf-8"?>
-<p:sldMaster xmlns:a="http://schemas.openxmlformats.org/drawingml/2006/main" xmlns:p="http://schemas.openxmlformats.org/presentationml/2006/main" xmlns:r="http://schemas.openxmlformats.org/officeDocument/2006/relationships" xmlns:p14="http://schemas.microsoft.com/office/powerpoint/2010/main" xmlns:p15="http://schemas.microsoft.com/office/powerpoint/2012/main" xmlns:mc="http://schemas.openxmlformats.org/markup-compatibility/2006">
+<p:sldMaster xmlns:a="http://schemas.openxmlformats.org/drawingml/2006/main" xmlns:r="http://schemas.openxmlformats.org/officeDocument/2006/relationships" xmlns:p="http://schemas.openxmlformats.org/presentationml/2006/main">
   <p:cSld>
     <p:bg>
       <p:bgPr>
         <a:solidFill>
-          <a:srgbClr val="f2f2f0"/>
+          <a:srgbClr val="F2F2F0"/>
         </a:solidFill>
+        <a:effectLst/>
       </p:bgPr>
     </p:bg>
     <p:spTree>
@@ -4672,20 +5804,18 @@
           </a:prstGeom>
         </p:spPr>
         <p:txBody>
-          <a:bodyPr lIns="0" rIns="0" tIns="0" bIns="0" anchor="ctr">
+          <a:bodyPr lIns="0" tIns="0" rIns="0" bIns="0" anchor="ctr">
             <a:noAutofit/>
           </a:bodyPr>
+          <a:lstStyle/>
           <a:p>
             <a:pPr algn="ctr"/>
             <a:r>
-              <a:rPr b="0" lang="ru-RU" sz="4400" spc="-1" strike="noStrike">
+              <a:rPr lang="ru-RU" sz="4400" b="0" strike="noStrike" spc="-1">
                 <a:latin typeface="Arial"/>
               </a:rPr>
               <a:t>Для правки текста заглавия щёлкните мышью</a:t>
             </a:r>
-            <a:endParaRPr b="0" lang="ru-RU" sz="4400" spc="-1" strike="noStrike">
-              <a:latin typeface="Arial"/>
-            </a:endParaRPr>
           </a:p>
         </p:txBody>
       </p:sp>
@@ -4709,9 +5839,10 @@
           </a:prstGeom>
         </p:spPr>
         <p:txBody>
-          <a:bodyPr lIns="0" rIns="0" tIns="0" bIns="0">
+          <a:bodyPr lIns="0" tIns="0" rIns="0" bIns="0">
             <a:normAutofit/>
           </a:bodyPr>
+          <a:lstStyle/>
           <a:p>
             <a:pPr marL="432000" indent="-324000">
               <a:spcBef>
@@ -4725,17 +5856,14 @@
               <a:buChar char=""/>
             </a:pPr>
             <a:r>
-              <a:rPr b="0" lang="ru-RU" sz="3200" spc="-1" strike="noStrike">
+              <a:rPr lang="ru-RU" sz="3200" b="0" strike="noStrike" spc="-1">
                 <a:latin typeface="Arial"/>
               </a:rPr>
               <a:t>Для правки структуры щёлкните мышью</a:t>
             </a:r>
-            <a:endParaRPr b="0" lang="ru-RU" sz="3200" spc="-1" strike="noStrike">
-              <a:latin typeface="Arial"/>
-            </a:endParaRPr>
-          </a:p>
-          <a:p>
-            <a:pPr lvl="1" marL="864000" indent="-324000">
+          </a:p>
+          <a:p>
+            <a:pPr marL="864000" lvl="1" indent="-324000">
               <a:spcBef>
                 <a:spcPts val="1134"/>
               </a:spcBef>
@@ -4747,17 +5875,14 @@
               <a:buChar char=""/>
             </a:pPr>
             <a:r>
-              <a:rPr b="0" lang="ru-RU" sz="2800" spc="-1" strike="noStrike">
+              <a:rPr lang="ru-RU" sz="2800" b="0" strike="noStrike" spc="-1">
                 <a:latin typeface="Arial"/>
               </a:rPr>
               <a:t>Второй уровень структуры</a:t>
             </a:r>
-            <a:endParaRPr b="0" lang="ru-RU" sz="2800" spc="-1" strike="noStrike">
-              <a:latin typeface="Arial"/>
-            </a:endParaRPr>
-          </a:p>
-          <a:p>
-            <a:pPr lvl="2" marL="1296000" indent="-288000">
+          </a:p>
+          <a:p>
+            <a:pPr marL="1296000" lvl="2" indent="-288000">
               <a:spcBef>
                 <a:spcPts val="850"/>
               </a:spcBef>
@@ -4769,17 +5894,14 @@
               <a:buChar char=""/>
             </a:pPr>
             <a:r>
-              <a:rPr b="0" lang="ru-RU" sz="2400" spc="-1" strike="noStrike">
+              <a:rPr lang="ru-RU" sz="2400" b="0" strike="noStrike" spc="-1">
                 <a:latin typeface="Arial"/>
               </a:rPr>
               <a:t>Третий уровень структуры</a:t>
             </a:r>
-            <a:endParaRPr b="0" lang="ru-RU" sz="2400" spc="-1" strike="noStrike">
-              <a:latin typeface="Arial"/>
-            </a:endParaRPr>
-          </a:p>
-          <a:p>
-            <a:pPr lvl="3" marL="1728000" indent="-216000">
+          </a:p>
+          <a:p>
+            <a:pPr marL="1728000" lvl="3" indent="-216000">
               <a:spcBef>
                 <a:spcPts val="567"/>
               </a:spcBef>
@@ -4791,17 +5913,14 @@
               <a:buChar char=""/>
             </a:pPr>
             <a:r>
-              <a:rPr b="0" lang="ru-RU" sz="2000" spc="-1" strike="noStrike">
+              <a:rPr lang="ru-RU" sz="2000" b="0" strike="noStrike" spc="-1">
                 <a:latin typeface="Arial"/>
               </a:rPr>
               <a:t>Четвёртый уровень структуры</a:t>
             </a:r>
-            <a:endParaRPr b="0" lang="ru-RU" sz="2000" spc="-1" strike="noStrike">
-              <a:latin typeface="Arial"/>
-            </a:endParaRPr>
-          </a:p>
-          <a:p>
-            <a:pPr lvl="4" marL="2160000" indent="-216000">
+          </a:p>
+          <a:p>
+            <a:pPr marL="2160000" lvl="4" indent="-216000">
               <a:spcBef>
                 <a:spcPts val="283"/>
               </a:spcBef>
@@ -4813,17 +5932,14 @@
               <a:buChar char=""/>
             </a:pPr>
             <a:r>
-              <a:rPr b="0" lang="ru-RU" sz="2000" spc="-1" strike="noStrike">
+              <a:rPr lang="ru-RU" sz="2000" b="0" strike="noStrike" spc="-1">
                 <a:latin typeface="Arial"/>
               </a:rPr>
               <a:t>Пятый уровень структуры</a:t>
             </a:r>
-            <a:endParaRPr b="0" lang="ru-RU" sz="2000" spc="-1" strike="noStrike">
-              <a:latin typeface="Arial"/>
-            </a:endParaRPr>
-          </a:p>
-          <a:p>
-            <a:pPr lvl="5" marL="2592000" indent="-216000">
+          </a:p>
+          <a:p>
+            <a:pPr marL="2592000" lvl="5" indent="-216000">
               <a:spcBef>
                 <a:spcPts val="283"/>
               </a:spcBef>
@@ -4835,17 +5951,14 @@
               <a:buChar char=""/>
             </a:pPr>
             <a:r>
-              <a:rPr b="0" lang="ru-RU" sz="2000" spc="-1" strike="noStrike">
+              <a:rPr lang="ru-RU" sz="2000" b="0" strike="noStrike" spc="-1">
                 <a:latin typeface="Arial"/>
               </a:rPr>
               <a:t>Шестой уровень структуры</a:t>
             </a:r>
-            <a:endParaRPr b="0" lang="ru-RU" sz="2000" spc="-1" strike="noStrike">
-              <a:latin typeface="Arial"/>
-            </a:endParaRPr>
-          </a:p>
-          <a:p>
-            <a:pPr lvl="6" marL="3024000" indent="-216000">
+          </a:p>
+          <a:p>
+            <a:pPr marL="3024000" lvl="6" indent="-216000">
               <a:spcBef>
                 <a:spcPts val="283"/>
               </a:spcBef>
@@ -4857,45 +5970,324 @@
               <a:buChar char=""/>
             </a:pPr>
             <a:r>
-              <a:rPr b="0" lang="ru-RU" sz="2000" spc="-1" strike="noStrike">
+              <a:rPr lang="ru-RU" sz="2000" b="0" strike="noStrike" spc="-1">
                 <a:latin typeface="Arial"/>
               </a:rPr>
               <a:t>Седьмой уровень структуры</a:t>
             </a:r>
-            <a:endParaRPr b="0" lang="ru-RU" sz="2000" spc="-1" strike="noStrike">
-              <a:latin typeface="Arial"/>
-            </a:endParaRPr>
           </a:p>
         </p:txBody>
       </p:sp>
     </p:spTree>
   </p:cSld>
-  <p:clrMap bg1="lt1" bg2="lt2" tx1="dk1" tx2="dk2" accent1="accent1" accent2="accent2" accent3="accent3" accent4="accent4" accent5="accent5" accent6="accent6" hlink="hlink" folHlink="folHlink"/>
+  <p:clrMap bg1="lt1" tx1="dk1" bg2="lt2" tx2="dk2" accent1="accent1" accent2="accent2" accent3="accent3" accent4="accent4" accent5="accent5" accent6="accent6" hlink="hlink" folHlink="folHlink"/>
   <p:sldLayoutIdLst>
-    <p:sldLayoutId id="2147483662" r:id="rId2"/>
-    <p:sldLayoutId id="2147483663" r:id="rId3"/>
-    <p:sldLayoutId id="2147483664" r:id="rId4"/>
-    <p:sldLayoutId id="2147483665" r:id="rId5"/>
-    <p:sldLayoutId id="2147483666" r:id="rId6"/>
-    <p:sldLayoutId id="2147483667" r:id="rId7"/>
-    <p:sldLayoutId id="2147483668" r:id="rId8"/>
-    <p:sldLayoutId id="2147483669" r:id="rId9"/>
-    <p:sldLayoutId id="2147483670" r:id="rId10"/>
-    <p:sldLayoutId id="2147483671" r:id="rId11"/>
-    <p:sldLayoutId id="2147483672" r:id="rId12"/>
-    <p:sldLayoutId id="2147483673" r:id="rId13"/>
+    <p:sldLayoutId id="2147483662" r:id="rId1"/>
+    <p:sldLayoutId id="2147483663" r:id="rId2"/>
+    <p:sldLayoutId id="2147483664" r:id="rId3"/>
+    <p:sldLayoutId id="2147483665" r:id="rId4"/>
+    <p:sldLayoutId id="2147483666" r:id="rId5"/>
+    <p:sldLayoutId id="2147483667" r:id="rId6"/>
+    <p:sldLayoutId id="2147483668" r:id="rId7"/>
+    <p:sldLayoutId id="2147483669" r:id="rId8"/>
+    <p:sldLayoutId id="2147483670" r:id="rId9"/>
+    <p:sldLayoutId id="2147483671" r:id="rId10"/>
+    <p:sldLayoutId id="2147483672" r:id="rId11"/>
+    <p:sldLayoutId id="2147483673" r:id="rId12"/>
   </p:sldLayoutIdLst>
+  <p:hf hdr="0" ftr="0" dt="0"/>
+  <p:txStyles>
+    <p:titleStyle>
+      <a:lvl1pPr algn="l" defTabSz="914400" rtl="0" eaLnBrk="1" latinLnBrk="0" hangingPunct="1">
+        <a:lnSpc>
+          <a:spcPct val="90000"/>
+        </a:lnSpc>
+        <a:spcBef>
+          <a:spcPct val="0"/>
+        </a:spcBef>
+        <a:buNone/>
+        <a:defRPr sz="4400" kern="1200">
+          <a:solidFill>
+            <a:schemeClr val="tx1"/>
+          </a:solidFill>
+          <a:latin typeface="+mj-lt"/>
+          <a:ea typeface="+mj-ea"/>
+          <a:cs typeface="+mj-cs"/>
+        </a:defRPr>
+      </a:lvl1pPr>
+    </p:titleStyle>
+    <p:bodyStyle>
+      <a:lvl1pPr marL="228600" indent="-228600" algn="l" defTabSz="914400" rtl="0" eaLnBrk="1" latinLnBrk="0" hangingPunct="1">
+        <a:lnSpc>
+          <a:spcPct val="90000"/>
+        </a:lnSpc>
+        <a:spcBef>
+          <a:spcPts val="1000"/>
+        </a:spcBef>
+        <a:buFont typeface="Arial" panose="020B0604020202020204" pitchFamily="34" charset="0"/>
+        <a:buChar char="•"/>
+        <a:defRPr sz="2800" kern="1200">
+          <a:solidFill>
+            <a:schemeClr val="tx1"/>
+          </a:solidFill>
+          <a:latin typeface="+mn-lt"/>
+          <a:ea typeface="+mn-ea"/>
+          <a:cs typeface="+mn-cs"/>
+        </a:defRPr>
+      </a:lvl1pPr>
+      <a:lvl2pPr marL="685800" indent="-228600" algn="l" defTabSz="914400" rtl="0" eaLnBrk="1" latinLnBrk="0" hangingPunct="1">
+        <a:lnSpc>
+          <a:spcPct val="90000"/>
+        </a:lnSpc>
+        <a:spcBef>
+          <a:spcPts val="500"/>
+        </a:spcBef>
+        <a:buFont typeface="Arial" panose="020B0604020202020204" pitchFamily="34" charset="0"/>
+        <a:buChar char="•"/>
+        <a:defRPr sz="2400" kern="1200">
+          <a:solidFill>
+            <a:schemeClr val="tx1"/>
+          </a:solidFill>
+          <a:latin typeface="+mn-lt"/>
+          <a:ea typeface="+mn-ea"/>
+          <a:cs typeface="+mn-cs"/>
+        </a:defRPr>
+      </a:lvl2pPr>
+      <a:lvl3pPr marL="1143000" indent="-228600" algn="l" defTabSz="914400" rtl="0" eaLnBrk="1" latinLnBrk="0" hangingPunct="1">
+        <a:lnSpc>
+          <a:spcPct val="90000"/>
+        </a:lnSpc>
+        <a:spcBef>
+          <a:spcPts val="500"/>
+        </a:spcBef>
+        <a:buFont typeface="Arial" panose="020B0604020202020204" pitchFamily="34" charset="0"/>
+        <a:buChar char="•"/>
+        <a:defRPr sz="2000" kern="1200">
+          <a:solidFill>
+            <a:schemeClr val="tx1"/>
+          </a:solidFill>
+          <a:latin typeface="+mn-lt"/>
+          <a:ea typeface="+mn-ea"/>
+          <a:cs typeface="+mn-cs"/>
+        </a:defRPr>
+      </a:lvl3pPr>
+      <a:lvl4pPr marL="1600200" indent="-228600" algn="l" defTabSz="914400" rtl="0" eaLnBrk="1" latinLnBrk="0" hangingPunct="1">
+        <a:lnSpc>
+          <a:spcPct val="90000"/>
+        </a:lnSpc>
+        <a:spcBef>
+          <a:spcPts val="500"/>
+        </a:spcBef>
+        <a:buFont typeface="Arial" panose="020B0604020202020204" pitchFamily="34" charset="0"/>
+        <a:buChar char="•"/>
+        <a:defRPr sz="1800" kern="1200">
+          <a:solidFill>
+            <a:schemeClr val="tx1"/>
+          </a:solidFill>
+          <a:latin typeface="+mn-lt"/>
+          <a:ea typeface="+mn-ea"/>
+          <a:cs typeface="+mn-cs"/>
+        </a:defRPr>
+      </a:lvl4pPr>
+      <a:lvl5pPr marL="2057400" indent="-228600" algn="l" defTabSz="914400" rtl="0" eaLnBrk="1" latinLnBrk="0" hangingPunct="1">
+        <a:lnSpc>
+          <a:spcPct val="90000"/>
+        </a:lnSpc>
+        <a:spcBef>
+          <a:spcPts val="500"/>
+        </a:spcBef>
+        <a:buFont typeface="Arial" panose="020B0604020202020204" pitchFamily="34" charset="0"/>
+        <a:buChar char="•"/>
+        <a:defRPr sz="1800" kern="1200">
+          <a:solidFill>
+            <a:schemeClr val="tx1"/>
+          </a:solidFill>
+          <a:latin typeface="+mn-lt"/>
+          <a:ea typeface="+mn-ea"/>
+          <a:cs typeface="+mn-cs"/>
+        </a:defRPr>
+      </a:lvl5pPr>
+      <a:lvl6pPr marL="2514600" indent="-228600" algn="l" defTabSz="914400" rtl="0" eaLnBrk="1" latinLnBrk="0" hangingPunct="1">
+        <a:lnSpc>
+          <a:spcPct val="90000"/>
+        </a:lnSpc>
+        <a:spcBef>
+          <a:spcPts val="500"/>
+        </a:spcBef>
+        <a:buFont typeface="Arial" panose="020B0604020202020204" pitchFamily="34" charset="0"/>
+        <a:buChar char="•"/>
+        <a:defRPr sz="1800" kern="1200">
+          <a:solidFill>
+            <a:schemeClr val="tx1"/>
+          </a:solidFill>
+          <a:latin typeface="+mn-lt"/>
+          <a:ea typeface="+mn-ea"/>
+          <a:cs typeface="+mn-cs"/>
+        </a:defRPr>
+      </a:lvl6pPr>
+      <a:lvl7pPr marL="2971800" indent="-228600" algn="l" defTabSz="914400" rtl="0" eaLnBrk="1" latinLnBrk="0" hangingPunct="1">
+        <a:lnSpc>
+          <a:spcPct val="90000"/>
+        </a:lnSpc>
+        <a:spcBef>
+          <a:spcPts val="500"/>
+        </a:spcBef>
+        <a:buFont typeface="Arial" panose="020B0604020202020204" pitchFamily="34" charset="0"/>
+        <a:buChar char="•"/>
+        <a:defRPr sz="1800" kern="1200">
+          <a:solidFill>
+            <a:schemeClr val="tx1"/>
+          </a:solidFill>
+          <a:latin typeface="+mn-lt"/>
+          <a:ea typeface="+mn-ea"/>
+          <a:cs typeface="+mn-cs"/>
+        </a:defRPr>
+      </a:lvl7pPr>
+      <a:lvl8pPr marL="3429000" indent="-228600" algn="l" defTabSz="914400" rtl="0" eaLnBrk="1" latinLnBrk="0" hangingPunct="1">
+        <a:lnSpc>
+          <a:spcPct val="90000"/>
+        </a:lnSpc>
+        <a:spcBef>
+          <a:spcPts val="500"/>
+        </a:spcBef>
+        <a:buFont typeface="Arial" panose="020B0604020202020204" pitchFamily="34" charset="0"/>
+        <a:buChar char="•"/>
+        <a:defRPr sz="1800" kern="1200">
+          <a:solidFill>
+            <a:schemeClr val="tx1"/>
+          </a:solidFill>
+          <a:latin typeface="+mn-lt"/>
+          <a:ea typeface="+mn-ea"/>
+          <a:cs typeface="+mn-cs"/>
+        </a:defRPr>
+      </a:lvl8pPr>
+      <a:lvl9pPr marL="3886200" indent="-228600" algn="l" defTabSz="914400" rtl="0" eaLnBrk="1" latinLnBrk="0" hangingPunct="1">
+        <a:lnSpc>
+          <a:spcPct val="90000"/>
+        </a:lnSpc>
+        <a:spcBef>
+          <a:spcPts val="500"/>
+        </a:spcBef>
+        <a:buFont typeface="Arial" panose="020B0604020202020204" pitchFamily="34" charset="0"/>
+        <a:buChar char="•"/>
+        <a:defRPr sz="1800" kern="1200">
+          <a:solidFill>
+            <a:schemeClr val="tx1"/>
+          </a:solidFill>
+          <a:latin typeface="+mn-lt"/>
+          <a:ea typeface="+mn-ea"/>
+          <a:cs typeface="+mn-cs"/>
+        </a:defRPr>
+      </a:lvl9pPr>
+    </p:bodyStyle>
+    <p:otherStyle>
+      <a:defPPr>
+        <a:defRPr lang="ru-RU"/>
+      </a:defPPr>
+      <a:lvl1pPr marL="0" algn="l" defTabSz="914400" rtl="0" eaLnBrk="1" latinLnBrk="0" hangingPunct="1">
+        <a:defRPr sz="1800" kern="1200">
+          <a:solidFill>
+            <a:schemeClr val="tx1"/>
+          </a:solidFill>
+          <a:latin typeface="+mn-lt"/>
+          <a:ea typeface="+mn-ea"/>
+          <a:cs typeface="+mn-cs"/>
+        </a:defRPr>
+      </a:lvl1pPr>
+      <a:lvl2pPr marL="457200" algn="l" defTabSz="914400" rtl="0" eaLnBrk="1" latinLnBrk="0" hangingPunct="1">
+        <a:defRPr sz="1800" kern="1200">
+          <a:solidFill>
+            <a:schemeClr val="tx1"/>
+          </a:solidFill>
+          <a:latin typeface="+mn-lt"/>
+          <a:ea typeface="+mn-ea"/>
+          <a:cs typeface="+mn-cs"/>
+        </a:defRPr>
+      </a:lvl2pPr>
+      <a:lvl3pPr marL="914400" algn="l" defTabSz="914400" rtl="0" eaLnBrk="1" latinLnBrk="0" hangingPunct="1">
+        <a:defRPr sz="1800" kern="1200">
+          <a:solidFill>
+            <a:schemeClr val="tx1"/>
+          </a:solidFill>
+          <a:latin typeface="+mn-lt"/>
+          <a:ea typeface="+mn-ea"/>
+          <a:cs typeface="+mn-cs"/>
+        </a:defRPr>
+      </a:lvl3pPr>
+      <a:lvl4pPr marL="1371600" algn="l" defTabSz="914400" rtl="0" eaLnBrk="1" latinLnBrk="0" hangingPunct="1">
+        <a:defRPr sz="1800" kern="1200">
+          <a:solidFill>
+            <a:schemeClr val="tx1"/>
+          </a:solidFill>
+          <a:latin typeface="+mn-lt"/>
+          <a:ea typeface="+mn-ea"/>
+          <a:cs typeface="+mn-cs"/>
+        </a:defRPr>
+      </a:lvl4pPr>
+      <a:lvl5pPr marL="1828800" algn="l" defTabSz="914400" rtl="0" eaLnBrk="1" latinLnBrk="0" hangingPunct="1">
+        <a:defRPr sz="1800" kern="1200">
+          <a:solidFill>
+            <a:schemeClr val="tx1"/>
+          </a:solidFill>
+          <a:latin typeface="+mn-lt"/>
+          <a:ea typeface="+mn-ea"/>
+          <a:cs typeface="+mn-cs"/>
+        </a:defRPr>
+      </a:lvl5pPr>
+      <a:lvl6pPr marL="2286000" algn="l" defTabSz="914400" rtl="0" eaLnBrk="1" latinLnBrk="0" hangingPunct="1">
+        <a:defRPr sz="1800" kern="1200">
+          <a:solidFill>
+            <a:schemeClr val="tx1"/>
+          </a:solidFill>
+          <a:latin typeface="+mn-lt"/>
+          <a:ea typeface="+mn-ea"/>
+          <a:cs typeface="+mn-cs"/>
+        </a:defRPr>
+      </a:lvl6pPr>
+      <a:lvl7pPr marL="2743200" algn="l" defTabSz="914400" rtl="0" eaLnBrk="1" latinLnBrk="0" hangingPunct="1">
+        <a:defRPr sz="1800" kern="1200">
+          <a:solidFill>
+            <a:schemeClr val="tx1"/>
+          </a:solidFill>
+          <a:latin typeface="+mn-lt"/>
+          <a:ea typeface="+mn-ea"/>
+          <a:cs typeface="+mn-cs"/>
+        </a:defRPr>
+      </a:lvl7pPr>
+      <a:lvl8pPr marL="3200400" algn="l" defTabSz="914400" rtl="0" eaLnBrk="1" latinLnBrk="0" hangingPunct="1">
+        <a:defRPr sz="1800" kern="1200">
+          <a:solidFill>
+            <a:schemeClr val="tx1"/>
+          </a:solidFill>
+          <a:latin typeface="+mn-lt"/>
+          <a:ea typeface="+mn-ea"/>
+          <a:cs typeface="+mn-cs"/>
+        </a:defRPr>
+      </a:lvl8pPr>
+      <a:lvl9pPr marL="3657600" algn="l" defTabSz="914400" rtl="0" eaLnBrk="1" latinLnBrk="0" hangingPunct="1">
+        <a:defRPr sz="1800" kern="1200">
+          <a:solidFill>
+            <a:schemeClr val="tx1"/>
+          </a:solidFill>
+          <a:latin typeface="+mn-lt"/>
+          <a:ea typeface="+mn-ea"/>
+          <a:cs typeface="+mn-cs"/>
+        </a:defRPr>
+      </a:lvl9pPr>
+    </p:otherStyle>
+  </p:txStyles>
 </p:sldMaster>
 </file>
 
 <file path=ppt/slideMasters/slideMaster3.xml><?xml version="1.0" encoding="utf-8"?>
-<p:sldMaster xmlns:a="http://schemas.openxmlformats.org/drawingml/2006/main" xmlns:p="http://schemas.openxmlformats.org/presentationml/2006/main" xmlns:r="http://schemas.openxmlformats.org/officeDocument/2006/relationships" xmlns:p14="http://schemas.microsoft.com/office/powerpoint/2010/main" xmlns:p15="http://schemas.microsoft.com/office/powerpoint/2012/main" xmlns:mc="http://schemas.openxmlformats.org/markup-compatibility/2006">
+<p:sldMaster xmlns:a="http://schemas.openxmlformats.org/drawingml/2006/main" xmlns:r="http://schemas.openxmlformats.org/officeDocument/2006/relationships" xmlns:p="http://schemas.openxmlformats.org/presentationml/2006/main">
   <p:cSld>
     <p:bg>
       <p:bgPr>
         <a:solidFill>
-          <a:srgbClr val="f2f2f0"/>
+          <a:srgbClr val="F2F2F0"/>
         </a:solidFill>
+        <a:effectLst/>
       </p:bgPr>
     </p:bg>
     <p:spTree>
@@ -4968,20 +6360,18 @@
           </a:prstGeom>
         </p:spPr>
         <p:txBody>
-          <a:bodyPr lIns="0" rIns="0" tIns="0" bIns="0" anchor="ctr">
+          <a:bodyPr lIns="0" tIns="0" rIns="0" bIns="0" anchor="ctr">
             <a:noAutofit/>
           </a:bodyPr>
+          <a:lstStyle/>
           <a:p>
             <a:pPr algn="ctr"/>
             <a:r>
-              <a:rPr b="0" lang="ru-RU" sz="4400" spc="-1" strike="noStrike">
+              <a:rPr lang="ru-RU" sz="4400" b="0" strike="noStrike" spc="-1">
                 <a:latin typeface="Arial"/>
               </a:rPr>
               <a:t>Для правки текста заглавия щёлкните мышью</a:t>
             </a:r>
-            <a:endParaRPr b="0" lang="ru-RU" sz="4400" spc="-1" strike="noStrike">
-              <a:latin typeface="Arial"/>
-            </a:endParaRPr>
           </a:p>
         </p:txBody>
       </p:sp>
@@ -5005,9 +6395,10 @@
           </a:prstGeom>
         </p:spPr>
         <p:txBody>
-          <a:bodyPr lIns="0" rIns="0" tIns="0" bIns="0">
+          <a:bodyPr lIns="0" tIns="0" rIns="0" bIns="0">
             <a:normAutofit/>
           </a:bodyPr>
+          <a:lstStyle/>
           <a:p>
             <a:pPr marL="432000" indent="-324000">
               <a:spcBef>
@@ -5021,17 +6412,14 @@
               <a:buChar char=""/>
             </a:pPr>
             <a:r>
-              <a:rPr b="0" lang="ru-RU" sz="3200" spc="-1" strike="noStrike">
+              <a:rPr lang="ru-RU" sz="3200" b="0" strike="noStrike" spc="-1">
                 <a:latin typeface="Arial"/>
               </a:rPr>
               <a:t>Для правки структуры щёлкните мышью</a:t>
             </a:r>
-            <a:endParaRPr b="0" lang="ru-RU" sz="3200" spc="-1" strike="noStrike">
-              <a:latin typeface="Arial"/>
-            </a:endParaRPr>
-          </a:p>
-          <a:p>
-            <a:pPr lvl="1" marL="864000" indent="-324000">
+          </a:p>
+          <a:p>
+            <a:pPr marL="864000" lvl="1" indent="-324000">
               <a:spcBef>
                 <a:spcPts val="1134"/>
               </a:spcBef>
@@ -5043,17 +6431,14 @@
               <a:buChar char=""/>
             </a:pPr>
             <a:r>
-              <a:rPr b="0" lang="ru-RU" sz="2800" spc="-1" strike="noStrike">
+              <a:rPr lang="ru-RU" sz="2800" b="0" strike="noStrike" spc="-1">
                 <a:latin typeface="Arial"/>
               </a:rPr>
               <a:t>Второй уровень структуры</a:t>
             </a:r>
-            <a:endParaRPr b="0" lang="ru-RU" sz="2800" spc="-1" strike="noStrike">
-              <a:latin typeface="Arial"/>
-            </a:endParaRPr>
-          </a:p>
-          <a:p>
-            <a:pPr lvl="2" marL="1296000" indent="-288000">
+          </a:p>
+          <a:p>
+            <a:pPr marL="1296000" lvl="2" indent="-288000">
               <a:spcBef>
                 <a:spcPts val="850"/>
               </a:spcBef>
@@ -5065,17 +6450,14 @@
               <a:buChar char=""/>
             </a:pPr>
             <a:r>
-              <a:rPr b="0" lang="ru-RU" sz="2400" spc="-1" strike="noStrike">
+              <a:rPr lang="ru-RU" sz="2400" b="0" strike="noStrike" spc="-1">
                 <a:latin typeface="Arial"/>
               </a:rPr>
               <a:t>Третий уровень структуры</a:t>
             </a:r>
-            <a:endParaRPr b="0" lang="ru-RU" sz="2400" spc="-1" strike="noStrike">
-              <a:latin typeface="Arial"/>
-            </a:endParaRPr>
-          </a:p>
-          <a:p>
-            <a:pPr lvl="3" marL="1728000" indent="-216000">
+          </a:p>
+          <a:p>
+            <a:pPr marL="1728000" lvl="3" indent="-216000">
               <a:spcBef>
                 <a:spcPts val="567"/>
               </a:spcBef>
@@ -5087,17 +6469,14 @@
               <a:buChar char=""/>
             </a:pPr>
             <a:r>
-              <a:rPr b="0" lang="ru-RU" sz="2000" spc="-1" strike="noStrike">
+              <a:rPr lang="ru-RU" sz="2000" b="0" strike="noStrike" spc="-1">
                 <a:latin typeface="Arial"/>
               </a:rPr>
               <a:t>Четвёртый уровень структуры</a:t>
             </a:r>
-            <a:endParaRPr b="0" lang="ru-RU" sz="2000" spc="-1" strike="noStrike">
-              <a:latin typeface="Arial"/>
-            </a:endParaRPr>
-          </a:p>
-          <a:p>
-            <a:pPr lvl="4" marL="2160000" indent="-216000">
+          </a:p>
+          <a:p>
+            <a:pPr marL="2160000" lvl="4" indent="-216000">
               <a:spcBef>
                 <a:spcPts val="283"/>
               </a:spcBef>
@@ -5109,17 +6488,14 @@
               <a:buChar char=""/>
             </a:pPr>
             <a:r>
-              <a:rPr b="0" lang="ru-RU" sz="2000" spc="-1" strike="noStrike">
+              <a:rPr lang="ru-RU" sz="2000" b="0" strike="noStrike" spc="-1">
                 <a:latin typeface="Arial"/>
               </a:rPr>
               <a:t>Пятый уровень структуры</a:t>
             </a:r>
-            <a:endParaRPr b="0" lang="ru-RU" sz="2000" spc="-1" strike="noStrike">
-              <a:latin typeface="Arial"/>
-            </a:endParaRPr>
-          </a:p>
-          <a:p>
-            <a:pPr lvl="5" marL="2592000" indent="-216000">
+          </a:p>
+          <a:p>
+            <a:pPr marL="2592000" lvl="5" indent="-216000">
               <a:spcBef>
                 <a:spcPts val="283"/>
               </a:spcBef>
@@ -5131,17 +6507,14 @@
               <a:buChar char=""/>
             </a:pPr>
             <a:r>
-              <a:rPr b="0" lang="ru-RU" sz="2000" spc="-1" strike="noStrike">
+              <a:rPr lang="ru-RU" sz="2000" b="0" strike="noStrike" spc="-1">
                 <a:latin typeface="Arial"/>
               </a:rPr>
               <a:t>Шестой уровень структуры</a:t>
             </a:r>
-            <a:endParaRPr b="0" lang="ru-RU" sz="2000" spc="-1" strike="noStrike">
-              <a:latin typeface="Arial"/>
-            </a:endParaRPr>
-          </a:p>
-          <a:p>
-            <a:pPr lvl="6" marL="3024000" indent="-216000">
+          </a:p>
+          <a:p>
+            <a:pPr marL="3024000" lvl="6" indent="-216000">
               <a:spcBef>
                 <a:spcPts val="283"/>
               </a:spcBef>
@@ -5153,39 +6526,317 @@
               <a:buChar char=""/>
             </a:pPr>
             <a:r>
-              <a:rPr b="0" lang="ru-RU" sz="2000" spc="-1" strike="noStrike">
+              <a:rPr lang="ru-RU" sz="2000" b="0" strike="noStrike" spc="-1">
                 <a:latin typeface="Arial"/>
               </a:rPr>
               <a:t>Седьмой уровень структуры</a:t>
             </a:r>
-            <a:endParaRPr b="0" lang="ru-RU" sz="2000" spc="-1" strike="noStrike">
-              <a:latin typeface="Arial"/>
-            </a:endParaRPr>
           </a:p>
         </p:txBody>
       </p:sp>
     </p:spTree>
   </p:cSld>
-  <p:clrMap bg1="lt1" bg2="lt2" tx1="dk1" tx2="dk2" accent1="accent1" accent2="accent2" accent3="accent3" accent4="accent4" accent5="accent5" accent6="accent6" hlink="hlink" folHlink="folHlink"/>
+  <p:clrMap bg1="lt1" tx1="dk1" bg2="lt2" tx2="dk2" accent1="accent1" accent2="accent2" accent3="accent3" accent4="accent4" accent5="accent5" accent6="accent6" hlink="hlink" folHlink="folHlink"/>
   <p:sldLayoutIdLst>
-    <p:sldLayoutId id="2147483675" r:id="rId2"/>
-    <p:sldLayoutId id="2147483676" r:id="rId3"/>
-    <p:sldLayoutId id="2147483677" r:id="rId4"/>
-    <p:sldLayoutId id="2147483678" r:id="rId5"/>
-    <p:sldLayoutId id="2147483679" r:id="rId6"/>
-    <p:sldLayoutId id="2147483680" r:id="rId7"/>
-    <p:sldLayoutId id="2147483681" r:id="rId8"/>
-    <p:sldLayoutId id="2147483682" r:id="rId9"/>
-    <p:sldLayoutId id="2147483683" r:id="rId10"/>
-    <p:sldLayoutId id="2147483684" r:id="rId11"/>
-    <p:sldLayoutId id="2147483685" r:id="rId12"/>
-    <p:sldLayoutId id="2147483686" r:id="rId13"/>
+    <p:sldLayoutId id="2147483675" r:id="rId1"/>
+    <p:sldLayoutId id="2147483676" r:id="rId2"/>
+    <p:sldLayoutId id="2147483677" r:id="rId3"/>
+    <p:sldLayoutId id="2147483678" r:id="rId4"/>
+    <p:sldLayoutId id="2147483679" r:id="rId5"/>
+    <p:sldLayoutId id="2147483680" r:id="rId6"/>
+    <p:sldLayoutId id="2147483681" r:id="rId7"/>
+    <p:sldLayoutId id="2147483682" r:id="rId8"/>
+    <p:sldLayoutId id="2147483683" r:id="rId9"/>
+    <p:sldLayoutId id="2147483684" r:id="rId10"/>
+    <p:sldLayoutId id="2147483685" r:id="rId11"/>
+    <p:sldLayoutId id="2147483686" r:id="rId12"/>
   </p:sldLayoutIdLst>
+  <p:hf hdr="0" ftr="0" dt="0"/>
+  <p:txStyles>
+    <p:titleStyle>
+      <a:lvl1pPr algn="l" defTabSz="914400" rtl="0" eaLnBrk="1" latinLnBrk="0" hangingPunct="1">
+        <a:lnSpc>
+          <a:spcPct val="90000"/>
+        </a:lnSpc>
+        <a:spcBef>
+          <a:spcPct val="0"/>
+        </a:spcBef>
+        <a:buNone/>
+        <a:defRPr sz="4400" kern="1200">
+          <a:solidFill>
+            <a:schemeClr val="tx1"/>
+          </a:solidFill>
+          <a:latin typeface="+mj-lt"/>
+          <a:ea typeface="+mj-ea"/>
+          <a:cs typeface="+mj-cs"/>
+        </a:defRPr>
+      </a:lvl1pPr>
+    </p:titleStyle>
+    <p:bodyStyle>
+      <a:lvl1pPr marL="228600" indent="-228600" algn="l" defTabSz="914400" rtl="0" eaLnBrk="1" latinLnBrk="0" hangingPunct="1">
+        <a:lnSpc>
+          <a:spcPct val="90000"/>
+        </a:lnSpc>
+        <a:spcBef>
+          <a:spcPts val="1000"/>
+        </a:spcBef>
+        <a:buFont typeface="Arial" panose="020B0604020202020204" pitchFamily="34" charset="0"/>
+        <a:buChar char="•"/>
+        <a:defRPr sz="2800" kern="1200">
+          <a:solidFill>
+            <a:schemeClr val="tx1"/>
+          </a:solidFill>
+          <a:latin typeface="+mn-lt"/>
+          <a:ea typeface="+mn-ea"/>
+          <a:cs typeface="+mn-cs"/>
+        </a:defRPr>
+      </a:lvl1pPr>
+      <a:lvl2pPr marL="685800" indent="-228600" algn="l" defTabSz="914400" rtl="0" eaLnBrk="1" latinLnBrk="0" hangingPunct="1">
+        <a:lnSpc>
+          <a:spcPct val="90000"/>
+        </a:lnSpc>
+        <a:spcBef>
+          <a:spcPts val="500"/>
+        </a:spcBef>
+        <a:buFont typeface="Arial" panose="020B0604020202020204" pitchFamily="34" charset="0"/>
+        <a:buChar char="•"/>
+        <a:defRPr sz="2400" kern="1200">
+          <a:solidFill>
+            <a:schemeClr val="tx1"/>
+          </a:solidFill>
+          <a:latin typeface="+mn-lt"/>
+          <a:ea typeface="+mn-ea"/>
+          <a:cs typeface="+mn-cs"/>
+        </a:defRPr>
+      </a:lvl2pPr>
+      <a:lvl3pPr marL="1143000" indent="-228600" algn="l" defTabSz="914400" rtl="0" eaLnBrk="1" latinLnBrk="0" hangingPunct="1">
+        <a:lnSpc>
+          <a:spcPct val="90000"/>
+        </a:lnSpc>
+        <a:spcBef>
+          <a:spcPts val="500"/>
+        </a:spcBef>
+        <a:buFont typeface="Arial" panose="020B0604020202020204" pitchFamily="34" charset="0"/>
+        <a:buChar char="•"/>
+        <a:defRPr sz="2000" kern="1200">
+          <a:solidFill>
+            <a:schemeClr val="tx1"/>
+          </a:solidFill>
+          <a:latin typeface="+mn-lt"/>
+          <a:ea typeface="+mn-ea"/>
+          <a:cs typeface="+mn-cs"/>
+        </a:defRPr>
+      </a:lvl3pPr>
+      <a:lvl4pPr marL="1600200" indent="-228600" algn="l" defTabSz="914400" rtl="0" eaLnBrk="1" latinLnBrk="0" hangingPunct="1">
+        <a:lnSpc>
+          <a:spcPct val="90000"/>
+        </a:lnSpc>
+        <a:spcBef>
+          <a:spcPts val="500"/>
+        </a:spcBef>
+        <a:buFont typeface="Arial" panose="020B0604020202020204" pitchFamily="34" charset="0"/>
+        <a:buChar char="•"/>
+        <a:defRPr sz="1800" kern="1200">
+          <a:solidFill>
+            <a:schemeClr val="tx1"/>
+          </a:solidFill>
+          <a:latin typeface="+mn-lt"/>
+          <a:ea typeface="+mn-ea"/>
+          <a:cs typeface="+mn-cs"/>
+        </a:defRPr>
+      </a:lvl4pPr>
+      <a:lvl5pPr marL="2057400" indent="-228600" algn="l" defTabSz="914400" rtl="0" eaLnBrk="1" latinLnBrk="0" hangingPunct="1">
+        <a:lnSpc>
+          <a:spcPct val="90000"/>
+        </a:lnSpc>
+        <a:spcBef>
+          <a:spcPts val="500"/>
+        </a:spcBef>
+        <a:buFont typeface="Arial" panose="020B0604020202020204" pitchFamily="34" charset="0"/>
+        <a:buChar char="•"/>
+        <a:defRPr sz="1800" kern="1200">
+          <a:solidFill>
+            <a:schemeClr val="tx1"/>
+          </a:solidFill>
+          <a:latin typeface="+mn-lt"/>
+          <a:ea typeface="+mn-ea"/>
+          <a:cs typeface="+mn-cs"/>
+        </a:defRPr>
+      </a:lvl5pPr>
+      <a:lvl6pPr marL="2514600" indent="-228600" algn="l" defTabSz="914400" rtl="0" eaLnBrk="1" latinLnBrk="0" hangingPunct="1">
+        <a:lnSpc>
+          <a:spcPct val="90000"/>
+        </a:lnSpc>
+        <a:spcBef>
+          <a:spcPts val="500"/>
+        </a:spcBef>
+        <a:buFont typeface="Arial" panose="020B0604020202020204" pitchFamily="34" charset="0"/>
+        <a:buChar char="•"/>
+        <a:defRPr sz="1800" kern="1200">
+          <a:solidFill>
+            <a:schemeClr val="tx1"/>
+          </a:solidFill>
+          <a:latin typeface="+mn-lt"/>
+          <a:ea typeface="+mn-ea"/>
+          <a:cs typeface="+mn-cs"/>
+        </a:defRPr>
+      </a:lvl6pPr>
+      <a:lvl7pPr marL="2971800" indent="-228600" algn="l" defTabSz="914400" rtl="0" eaLnBrk="1" latinLnBrk="0" hangingPunct="1">
+        <a:lnSpc>
+          <a:spcPct val="90000"/>
+        </a:lnSpc>
+        <a:spcBef>
+          <a:spcPts val="500"/>
+        </a:spcBef>
+        <a:buFont typeface="Arial" panose="020B0604020202020204" pitchFamily="34" charset="0"/>
+        <a:buChar char="•"/>
+        <a:defRPr sz="1800" kern="1200">
+          <a:solidFill>
+            <a:schemeClr val="tx1"/>
+          </a:solidFill>
+          <a:latin typeface="+mn-lt"/>
+          <a:ea typeface="+mn-ea"/>
+          <a:cs typeface="+mn-cs"/>
+        </a:defRPr>
+      </a:lvl7pPr>
+      <a:lvl8pPr marL="3429000" indent="-228600" algn="l" defTabSz="914400" rtl="0" eaLnBrk="1" latinLnBrk="0" hangingPunct="1">
+        <a:lnSpc>
+          <a:spcPct val="90000"/>
+        </a:lnSpc>
+        <a:spcBef>
+          <a:spcPts val="500"/>
+        </a:spcBef>
+        <a:buFont typeface="Arial" panose="020B0604020202020204" pitchFamily="34" charset="0"/>
+        <a:buChar char="•"/>
+        <a:defRPr sz="1800" kern="1200">
+          <a:solidFill>
+            <a:schemeClr val="tx1"/>
+          </a:solidFill>
+          <a:latin typeface="+mn-lt"/>
+          <a:ea typeface="+mn-ea"/>
+          <a:cs typeface="+mn-cs"/>
+        </a:defRPr>
+      </a:lvl8pPr>
+      <a:lvl9pPr marL="3886200" indent="-228600" algn="l" defTabSz="914400" rtl="0" eaLnBrk="1" latinLnBrk="0" hangingPunct="1">
+        <a:lnSpc>
+          <a:spcPct val="90000"/>
+        </a:lnSpc>
+        <a:spcBef>
+          <a:spcPts val="500"/>
+        </a:spcBef>
+        <a:buFont typeface="Arial" panose="020B0604020202020204" pitchFamily="34" charset="0"/>
+        <a:buChar char="•"/>
+        <a:defRPr sz="1800" kern="1200">
+          <a:solidFill>
+            <a:schemeClr val="tx1"/>
+          </a:solidFill>
+          <a:latin typeface="+mn-lt"/>
+          <a:ea typeface="+mn-ea"/>
+          <a:cs typeface="+mn-cs"/>
+        </a:defRPr>
+      </a:lvl9pPr>
+    </p:bodyStyle>
+    <p:otherStyle>
+      <a:defPPr>
+        <a:defRPr lang="ru-RU"/>
+      </a:defPPr>
+      <a:lvl1pPr marL="0" algn="l" defTabSz="914400" rtl="0" eaLnBrk="1" latinLnBrk="0" hangingPunct="1">
+        <a:defRPr sz="1800" kern="1200">
+          <a:solidFill>
+            <a:schemeClr val="tx1"/>
+          </a:solidFill>
+          <a:latin typeface="+mn-lt"/>
+          <a:ea typeface="+mn-ea"/>
+          <a:cs typeface="+mn-cs"/>
+        </a:defRPr>
+      </a:lvl1pPr>
+      <a:lvl2pPr marL="457200" algn="l" defTabSz="914400" rtl="0" eaLnBrk="1" latinLnBrk="0" hangingPunct="1">
+        <a:defRPr sz="1800" kern="1200">
+          <a:solidFill>
+            <a:schemeClr val="tx1"/>
+          </a:solidFill>
+          <a:latin typeface="+mn-lt"/>
+          <a:ea typeface="+mn-ea"/>
+          <a:cs typeface="+mn-cs"/>
+        </a:defRPr>
+      </a:lvl2pPr>
+      <a:lvl3pPr marL="914400" algn="l" defTabSz="914400" rtl="0" eaLnBrk="1" latinLnBrk="0" hangingPunct="1">
+        <a:defRPr sz="1800" kern="1200">
+          <a:solidFill>
+            <a:schemeClr val="tx1"/>
+          </a:solidFill>
+          <a:latin typeface="+mn-lt"/>
+          <a:ea typeface="+mn-ea"/>
+          <a:cs typeface="+mn-cs"/>
+        </a:defRPr>
+      </a:lvl3pPr>
+      <a:lvl4pPr marL="1371600" algn="l" defTabSz="914400" rtl="0" eaLnBrk="1" latinLnBrk="0" hangingPunct="1">
+        <a:defRPr sz="1800" kern="1200">
+          <a:solidFill>
+            <a:schemeClr val="tx1"/>
+          </a:solidFill>
+          <a:latin typeface="+mn-lt"/>
+          <a:ea typeface="+mn-ea"/>
+          <a:cs typeface="+mn-cs"/>
+        </a:defRPr>
+      </a:lvl4pPr>
+      <a:lvl5pPr marL="1828800" algn="l" defTabSz="914400" rtl="0" eaLnBrk="1" latinLnBrk="0" hangingPunct="1">
+        <a:defRPr sz="1800" kern="1200">
+          <a:solidFill>
+            <a:schemeClr val="tx1"/>
+          </a:solidFill>
+          <a:latin typeface="+mn-lt"/>
+          <a:ea typeface="+mn-ea"/>
+          <a:cs typeface="+mn-cs"/>
+        </a:defRPr>
+      </a:lvl5pPr>
+      <a:lvl6pPr marL="2286000" algn="l" defTabSz="914400" rtl="0" eaLnBrk="1" latinLnBrk="0" hangingPunct="1">
+        <a:defRPr sz="1800" kern="1200">
+          <a:solidFill>
+            <a:schemeClr val="tx1"/>
+          </a:solidFill>
+          <a:latin typeface="+mn-lt"/>
+          <a:ea typeface="+mn-ea"/>
+          <a:cs typeface="+mn-cs"/>
+        </a:defRPr>
+      </a:lvl6pPr>
+      <a:lvl7pPr marL="2743200" algn="l" defTabSz="914400" rtl="0" eaLnBrk="1" latinLnBrk="0" hangingPunct="1">
+        <a:defRPr sz="1800" kern="1200">
+          <a:solidFill>
+            <a:schemeClr val="tx1"/>
+          </a:solidFill>
+          <a:latin typeface="+mn-lt"/>
+          <a:ea typeface="+mn-ea"/>
+          <a:cs typeface="+mn-cs"/>
+        </a:defRPr>
+      </a:lvl7pPr>
+      <a:lvl8pPr marL="3200400" algn="l" defTabSz="914400" rtl="0" eaLnBrk="1" latinLnBrk="0" hangingPunct="1">
+        <a:defRPr sz="1800" kern="1200">
+          <a:solidFill>
+            <a:schemeClr val="tx1"/>
+          </a:solidFill>
+          <a:latin typeface="+mn-lt"/>
+          <a:ea typeface="+mn-ea"/>
+          <a:cs typeface="+mn-cs"/>
+        </a:defRPr>
+      </a:lvl8pPr>
+      <a:lvl9pPr marL="3657600" algn="l" defTabSz="914400" rtl="0" eaLnBrk="1" latinLnBrk="0" hangingPunct="1">
+        <a:defRPr sz="1800" kern="1200">
+          <a:solidFill>
+            <a:schemeClr val="tx1"/>
+          </a:solidFill>
+          <a:latin typeface="+mn-lt"/>
+          <a:ea typeface="+mn-ea"/>
+          <a:cs typeface="+mn-cs"/>
+        </a:defRPr>
+      </a:lvl9pPr>
+    </p:otherStyle>
+  </p:txStyles>
 </p:sldMaster>
 </file>
 
 <file path=ppt/slides/slide1.xml><?xml version="1.0" encoding="utf-8"?>
-<p:sld xmlns:a="http://schemas.openxmlformats.org/drawingml/2006/main" xmlns:p="http://schemas.openxmlformats.org/presentationml/2006/main" xmlns:r="http://schemas.openxmlformats.org/officeDocument/2006/relationships" xmlns:p14="http://schemas.microsoft.com/office/powerpoint/2010/main" xmlns:p15="http://schemas.microsoft.com/office/powerpoint/2012/main" xmlns:mc="http://schemas.openxmlformats.org/markup-compatibility/2006">
+<p:sld xmlns:a="http://schemas.openxmlformats.org/drawingml/2006/main" xmlns:r="http://schemas.openxmlformats.org/officeDocument/2006/relationships" xmlns:p="http://schemas.openxmlformats.org/presentationml/2006/main">
   <p:cSld>
     <p:spTree>
       <p:nvGrpSpPr>
@@ -5221,15 +6872,22 @@
           </a:ln>
         </p:spPr>
         <p:style>
-          <a:lnRef idx="0"/>
-          <a:fillRef idx="0"/>
-          <a:effectRef idx="0"/>
+          <a:lnRef idx="0">
+            <a:scrgbClr r="0" g="0" b="0"/>
+          </a:lnRef>
+          <a:fillRef idx="0">
+            <a:scrgbClr r="0" g="0" b="0"/>
+          </a:fillRef>
+          <a:effectRef idx="0">
+            <a:scrgbClr r="0" g="0" b="0"/>
+          </a:effectRef>
           <a:fontRef idx="minor"/>
         </p:style>
         <p:txBody>
-          <a:bodyPr lIns="90000" rIns="90000" tIns="45000" bIns="45000" anchor="b">
+          <a:bodyPr lIns="90000" tIns="45000" rIns="90000" bIns="45000" anchor="b">
             <a:noAutofit/>
           </a:bodyPr>
+          <a:lstStyle/>
           <a:p>
             <a:pPr algn="ctr">
               <a:lnSpc>
@@ -5237,15 +6895,78 @@
               </a:lnSpc>
             </a:pPr>
             <a:r>
-              <a:rPr b="0" lang="en-US" sz="6000" spc="-1" strike="noStrike" cap="all">
-                <a:solidFill>
-                  <a:srgbClr val="432a30"/>
-                </a:solidFill>
-                <a:latin typeface="Franklin Gothic Book"/>
-              </a:rPr>
-              <a:t>Командный проект по курсу Data Science</a:t>
-            </a:r>
-            <a:endParaRPr b="0" lang="ru-RU" sz="6000" spc="-1" strike="noStrike">
+              <a:rPr lang="en-US" sz="6000" b="0" strike="noStrike" cap="all" spc="-1" dirty="0" err="1">
+                <a:solidFill>
+                  <a:srgbClr val="432A30"/>
+                </a:solidFill>
+                <a:latin typeface="Franklin Gothic Book"/>
+              </a:rPr>
+              <a:t>Командный</a:t>
+            </a:r>
+            <a:r>
+              <a:rPr lang="en-US" sz="6000" b="0" strike="noStrike" cap="all" spc="-1" dirty="0">
+                <a:solidFill>
+                  <a:srgbClr val="432A30"/>
+                </a:solidFill>
+                <a:latin typeface="Franklin Gothic Book"/>
+              </a:rPr>
+              <a:t> </a:t>
+            </a:r>
+            <a:r>
+              <a:rPr lang="en-US" sz="6000" b="0" strike="noStrike" cap="all" spc="-1" dirty="0" err="1">
+                <a:solidFill>
+                  <a:srgbClr val="432A30"/>
+                </a:solidFill>
+                <a:latin typeface="Franklin Gothic Book"/>
+              </a:rPr>
+              <a:t>проект</a:t>
+            </a:r>
+            <a:r>
+              <a:rPr lang="en-US" sz="6000" b="0" strike="noStrike" cap="all" spc="-1" dirty="0">
+                <a:solidFill>
+                  <a:srgbClr val="432A30"/>
+                </a:solidFill>
+                <a:latin typeface="Franklin Gothic Book"/>
+              </a:rPr>
+              <a:t> </a:t>
+            </a:r>
+            <a:r>
+              <a:rPr lang="en-US" sz="6000" b="0" strike="noStrike" cap="all" spc="-1" dirty="0" err="1">
+                <a:solidFill>
+                  <a:srgbClr val="432A30"/>
+                </a:solidFill>
+                <a:latin typeface="Franklin Gothic Book"/>
+              </a:rPr>
+              <a:t>по</a:t>
+            </a:r>
+            <a:r>
+              <a:rPr lang="en-US" sz="6000" b="0" strike="noStrike" cap="all" spc="-1" dirty="0">
+                <a:solidFill>
+                  <a:srgbClr val="432A30"/>
+                </a:solidFill>
+                <a:latin typeface="Franklin Gothic Book"/>
+              </a:rPr>
+              <a:t> </a:t>
+            </a:r>
+            <a:r>
+              <a:rPr lang="en-US" sz="6000" b="0" strike="noStrike" cap="all" spc="-1" dirty="0" err="1">
+                <a:solidFill>
+                  <a:srgbClr val="432A30"/>
+                </a:solidFill>
+                <a:latin typeface="Franklin Gothic Book"/>
+              </a:rPr>
+              <a:t>курсу</a:t>
+            </a:r>
+            <a:r>
+              <a:rPr lang="en-US" sz="6000" b="0" strike="noStrike" cap="all" spc="-1" dirty="0">
+                <a:solidFill>
+                  <a:srgbClr val="432A30"/>
+                </a:solidFill>
+                <a:latin typeface="Franklin Gothic Book"/>
+              </a:rPr>
+              <a:t> Data Science</a:t>
+            </a:r>
+            <a:endParaRPr lang="ru-RU" sz="6000" b="0" strike="noStrike" spc="-1" dirty="0">
               <a:latin typeface="Arial"/>
             </a:endParaRPr>
           </a:p>
@@ -5271,50 +6992,75 @@
           </a:ln>
         </p:spPr>
         <p:style>
-          <a:lnRef idx="0"/>
-          <a:fillRef idx="0"/>
-          <a:effectRef idx="0"/>
+          <a:lnRef idx="0">
+            <a:scrgbClr r="0" g="0" b="0"/>
+          </a:lnRef>
+          <a:fillRef idx="0">
+            <a:scrgbClr r="0" g="0" b="0"/>
+          </a:fillRef>
+          <a:effectRef idx="0">
+            <a:scrgbClr r="0" g="0" b="0"/>
+          </a:effectRef>
           <a:fontRef idx="minor"/>
         </p:style>
         <p:txBody>
-          <a:bodyPr lIns="90000" rIns="90000" tIns="45000" bIns="45000">
+          <a:bodyPr lIns="90000" tIns="45000" rIns="90000" bIns="45000">
             <a:normAutofit/>
           </a:bodyPr>
-          <a:p>
-            <a:pPr>
+          <a:lstStyle/>
+          <a:p>
+            <a:pPr algn="r">
               <a:lnSpc>
                 <a:spcPct val="112000"/>
               </a:lnSpc>
             </a:pPr>
             <a:r>
-              <a:rPr b="0" lang="ru-RU" sz="2000" spc="-1" strike="noStrike">
-                <a:solidFill>
-                  <a:srgbClr val="f2f2f0"/>
+              <a:rPr lang="ru-RU" sz="2000" b="0" strike="noStrike" spc="-1" dirty="0">
+                <a:solidFill>
+                  <a:srgbClr val="F2F2F0"/>
                 </a:solidFill>
                 <a:latin typeface="Franklin Gothic Book"/>
               </a:rPr>
               <a:t>Выполняли студенты группы Б17-503: </a:t>
             </a:r>
-            <a:endParaRPr b="0" lang="ru-RU" sz="2000" spc="-1" strike="noStrike">
-              <a:latin typeface="Arial"/>
-            </a:endParaRPr>
-          </a:p>
-          <a:p>
-            <a:pPr>
+            <a:endParaRPr lang="ru-RU" sz="2000" b="0" strike="noStrike" spc="-1" dirty="0">
+              <a:latin typeface="Arial"/>
+            </a:endParaRPr>
+          </a:p>
+          <a:p>
+            <a:pPr algn="r">
               <a:lnSpc>
                 <a:spcPct val="112000"/>
               </a:lnSpc>
             </a:pPr>
             <a:r>
-              <a:rPr b="0" lang="ru-RU" sz="2000" spc="-1" strike="noStrike">
-                <a:solidFill>
-                  <a:srgbClr val="f2f2f0"/>
-                </a:solidFill>
-                <a:latin typeface="Franklin Gothic Book"/>
-              </a:rPr>
-              <a:t>Размахнин Иван, Сюняев Арсений, Маслов Андрей, Зверев Антон</a:t>
-            </a:r>
-            <a:endParaRPr b="0" lang="ru-RU" sz="2000" spc="-1" strike="noStrike">
+              <a:rPr lang="ru-RU" sz="2000" b="0" strike="noStrike" spc="-1" dirty="0">
+                <a:solidFill>
+                  <a:srgbClr val="F2F2F0"/>
+                </a:solidFill>
+                <a:latin typeface="Franklin Gothic Book"/>
+              </a:rPr>
+              <a:t>Размахнин Иван, </a:t>
+            </a:r>
+            <a:r>
+              <a:rPr lang="ru-RU" sz="2000" b="0" strike="noStrike" spc="-1" dirty="0" err="1">
+                <a:solidFill>
+                  <a:srgbClr val="F2F2F0"/>
+                </a:solidFill>
+                <a:latin typeface="Franklin Gothic Book"/>
+              </a:rPr>
+              <a:t>Сюняев</a:t>
+            </a:r>
+            <a:r>
+              <a:rPr lang="ru-RU" sz="2000" b="0" strike="noStrike" spc="-1" dirty="0">
+                <a:solidFill>
+                  <a:srgbClr val="F2F2F0"/>
+                </a:solidFill>
+                <a:latin typeface="Franklin Gothic Book"/>
+              </a:rPr>
+              <a:t> Арсений, Маслов Андрей, Зверев Антон</a:t>
+            </a:r>
+            <a:endParaRPr lang="ru-RU" sz="2000" b="0" strike="noStrike" spc="-1" dirty="0">
               <a:latin typeface="Arial"/>
             </a:endParaRPr>
           </a:p>
@@ -5322,27 +7068,23 @@
       </p:sp>
     </p:spTree>
   </p:cSld>
-  <mc:AlternateContent>
-    <mc:Choice Requires="p14">
-      <p:transition spd="slow" p14:dur="2000"/>
-    </mc:Choice>
-    <mc:Fallback>
-      <p:transition spd="slow"/>
-    </mc:Fallback>
-  </mc:AlternateContent>
+  <p:clrMapOvr>
+    <a:masterClrMapping/>
+  </p:clrMapOvr>
 </p:sld>
 </file>
 
 <file path=ppt/slides/slide10.xml><?xml version="1.0" encoding="utf-8"?>
-<p:sld xmlns:a="http://schemas.openxmlformats.org/drawingml/2006/main" xmlns:p="http://schemas.openxmlformats.org/presentationml/2006/main" xmlns:r="http://schemas.openxmlformats.org/officeDocument/2006/relationships" xmlns:p14="http://schemas.microsoft.com/office/powerpoint/2010/main" xmlns:p15="http://schemas.microsoft.com/office/powerpoint/2012/main" xmlns:mc="http://schemas.openxmlformats.org/markup-compatibility/2006">
+<p:sld xmlns:a="http://schemas.openxmlformats.org/drawingml/2006/main" xmlns:r="http://schemas.openxmlformats.org/officeDocument/2006/relationships" xmlns:p="http://schemas.openxmlformats.org/presentationml/2006/main">
   <p:cSld>
     <p:bg>
       <p:bgPr>
         <a:solidFill>
-          <a:srgbClr val="624f79">
+          <a:srgbClr val="624F79">
             <a:alpha val="69000"/>
           </a:srgbClr>
         </a:solidFill>
+        <a:effectLst/>
       </p:bgPr>
     </p:bg>
     <p:spTree>
@@ -5367,7 +7109,7 @@
         </p:nvSpPr>
         <p:spPr>
           <a:xfrm>
-            <a:off x="1371600" y="685800"/>
+            <a:off x="1371600" y="440715"/>
             <a:ext cx="9600480" cy="1485360"/>
           </a:xfrm>
           <a:prstGeom prst="rect">
@@ -5379,15 +7121,22 @@
           </a:ln>
         </p:spPr>
         <p:style>
-          <a:lnRef idx="0"/>
-          <a:fillRef idx="0"/>
-          <a:effectRef idx="0"/>
+          <a:lnRef idx="0">
+            <a:scrgbClr r="0" g="0" b="0"/>
+          </a:lnRef>
+          <a:fillRef idx="0">
+            <a:scrgbClr r="0" g="0" b="0"/>
+          </a:fillRef>
+          <a:effectRef idx="0">
+            <a:scrgbClr r="0" g="0" b="0"/>
+          </a:effectRef>
           <a:fontRef idx="minor"/>
         </p:style>
         <p:txBody>
-          <a:bodyPr lIns="90000" rIns="90000" tIns="45000" bIns="45000">
+          <a:bodyPr lIns="90000" tIns="45000" rIns="90000" bIns="45000">
             <a:noAutofit/>
           </a:bodyPr>
+          <a:lstStyle/>
           <a:p>
             <a:pPr>
               <a:lnSpc>
@@ -5395,166 +7144,15 @@
               </a:lnSpc>
             </a:pPr>
             <a:r>
-              <a:rPr b="0" lang="en-US" sz="4400" spc="-1" strike="noStrike">
-                <a:solidFill>
-                  <a:srgbClr val="432a30"/>
+              <a:rPr lang="en-US" sz="3600" b="0" strike="noStrike" spc="-1" dirty="0" err="1">
+                <a:solidFill>
+                  <a:srgbClr val="432A30"/>
                 </a:solidFill>
                 <a:latin typeface="Franklin Gothic Book"/>
               </a:rPr>
               <a:t>Гиперпараметры</a:t>
             </a:r>
-            <a:endParaRPr b="0" lang="ru-RU" sz="4400" spc="-1" strike="noStrike">
-              <a:latin typeface="Arial"/>
-            </a:endParaRPr>
-          </a:p>
-        </p:txBody>
-      </p:sp>
-      <p:sp>
-        <p:nvSpPr>
-          <p:cNvPr id="143" name="CustomShape 2"/>
-          <p:cNvSpPr/>
-          <p:nvPr/>
-        </p:nvSpPr>
-        <p:spPr>
-          <a:xfrm>
-            <a:off x="1371600" y="1638360"/>
-            <a:ext cx="9600480" cy="1789920"/>
-          </a:xfrm>
-          <a:prstGeom prst="rect">
-            <a:avLst/>
-          </a:prstGeom>
-          <a:noFill/>
-          <a:ln w="0">
-            <a:noFill/>
-          </a:ln>
-        </p:spPr>
-        <p:style>
-          <a:lnRef idx="0"/>
-          <a:fillRef idx="0"/>
-          <a:effectRef idx="0"/>
-          <a:fontRef idx="minor"/>
-        </p:style>
-        <p:txBody>
-          <a:bodyPr lIns="90000" rIns="90000" tIns="45000" bIns="45000">
-            <a:noAutofit/>
-          </a:bodyPr>
-          <a:p>
-            <a:pPr marL="457200" indent="-456480">
-              <a:lnSpc>
-                <a:spcPct val="94000"/>
-              </a:lnSpc>
-              <a:spcBef>
-                <a:spcPts val="1001"/>
-              </a:spcBef>
-              <a:spcAft>
-                <a:spcPts val="201"/>
-              </a:spcAft>
-              <a:buClr>
-                <a:srgbClr val="432a30"/>
-              </a:buClr>
-              <a:buFont typeface="Franklin Gothic Book"/>
-              <a:buAutoNum type="arabicPeriod"/>
-            </a:pPr>
-            <a:r>
-              <a:rPr b="0" lang="en-US" sz="2000" spc="-1" strike="noStrike">
-                <a:solidFill>
-                  <a:srgbClr val="432a30"/>
-                </a:solidFill>
-                <a:latin typeface="Franklin Gothic Book"/>
-              </a:rPr>
-              <a:t>max_depth</a:t>
-            </a:r>
-            <a:endParaRPr b="0" lang="ru-RU" sz="2000" spc="-1" strike="noStrike">
-              <a:latin typeface="Arial"/>
-            </a:endParaRPr>
-          </a:p>
-          <a:p>
-            <a:pPr marL="457200" indent="-456480">
-              <a:lnSpc>
-                <a:spcPct val="94000"/>
-              </a:lnSpc>
-              <a:spcBef>
-                <a:spcPts val="1001"/>
-              </a:spcBef>
-              <a:spcAft>
-                <a:spcPts val="201"/>
-              </a:spcAft>
-              <a:buClr>
-                <a:srgbClr val="432a30"/>
-              </a:buClr>
-              <a:buFont typeface="Franklin Gothic Book"/>
-              <a:buAutoNum type="arabicPeriod"/>
-            </a:pPr>
-            <a:r>
-              <a:rPr b="0" lang="en-US" sz="2000" spc="-1" strike="noStrike">
-                <a:solidFill>
-                  <a:srgbClr val="432a30"/>
-                </a:solidFill>
-                <a:latin typeface="Franklin Gothic Book"/>
-              </a:rPr>
-              <a:t>eta</a:t>
-            </a:r>
-            <a:endParaRPr b="0" lang="ru-RU" sz="2000" spc="-1" strike="noStrike">
-              <a:latin typeface="Arial"/>
-            </a:endParaRPr>
-          </a:p>
-          <a:p>
-            <a:pPr marL="457200" indent="-456480">
-              <a:lnSpc>
-                <a:spcPct val="94000"/>
-              </a:lnSpc>
-              <a:spcBef>
-                <a:spcPts val="1001"/>
-              </a:spcBef>
-              <a:spcAft>
-                <a:spcPts val="201"/>
-              </a:spcAft>
-              <a:buClr>
-                <a:srgbClr val="432a30"/>
-              </a:buClr>
-              <a:buFont typeface="Franklin Gothic Book"/>
-              <a:buAutoNum type="arabicPeriod"/>
-            </a:pPr>
-            <a:r>
-              <a:rPr b="0" lang="en-US" sz="2000" spc="-1" strike="noStrike">
-                <a:solidFill>
-                  <a:srgbClr val="432a30"/>
-                </a:solidFill>
-                <a:latin typeface="Franklin Gothic Book"/>
-              </a:rPr>
-              <a:t>alpha</a:t>
-            </a:r>
-            <a:endParaRPr b="0" lang="ru-RU" sz="2000" spc="-1" strike="noStrike">
-              <a:latin typeface="Arial"/>
-            </a:endParaRPr>
-          </a:p>
-          <a:p>
-            <a:pPr marL="457200" indent="-456480">
-              <a:lnSpc>
-                <a:spcPct val="94000"/>
-              </a:lnSpc>
-              <a:spcBef>
-                <a:spcPts val="1001"/>
-              </a:spcBef>
-              <a:spcAft>
-                <a:spcPts val="201"/>
-              </a:spcAft>
-              <a:buClr>
-                <a:srgbClr val="432a30"/>
-              </a:buClr>
-              <a:buFont typeface="Franklin Gothic Book"/>
-              <a:buAutoNum type="arabicPeriod"/>
-            </a:pPr>
-            <a:r>
-              <a:rPr b="0" lang="en-US" sz="2000" spc="-1" strike="noStrike">
-                <a:solidFill>
-                  <a:srgbClr val="432a30"/>
-                </a:solidFill>
-                <a:latin typeface="Franklin Gothic Book"/>
-              </a:rPr>
-              <a:t>n_estimators</a:t>
-            </a:r>
-            <a:endParaRPr b="0" lang="ru-RU" sz="2000" spc="-1" strike="noStrike">
+            <a:endParaRPr lang="ru-RU" sz="3600" b="0" strike="noStrike" spc="-1" dirty="0">
               <a:latin typeface="Arial"/>
             </a:endParaRPr>
           </a:p>
@@ -5562,30 +7160,7 @@
       </p:sp>
       <p:pic>
         <p:nvPicPr>
-          <p:cNvPr id="144" name="Рисунок 10" descr=""/>
-          <p:cNvPicPr/>
-          <p:nvPr/>
-        </p:nvPicPr>
-        <p:blipFill>
-          <a:blip r:embed="rId1"/>
-          <a:stretch/>
-        </p:blipFill>
-        <p:spPr>
-          <a:xfrm>
-            <a:off x="1219320" y="3779640"/>
-            <a:ext cx="5183280" cy="2879280"/>
-          </a:xfrm>
-          <a:prstGeom prst="rect">
-            <a:avLst/>
-          </a:prstGeom>
-          <a:ln w="0">
-            <a:noFill/>
-          </a:ln>
-        </p:spPr>
-      </p:pic>
-      <p:pic>
-        <p:nvPicPr>
-          <p:cNvPr id="145" name="Рисунок 12" descr=""/>
+          <p:cNvPr id="144" name="Рисунок 10"/>
           <p:cNvPicPr/>
           <p:nvPr/>
         </p:nvPicPr>
@@ -5595,8 +7170,8 @@
         </p:blipFill>
         <p:spPr>
           <a:xfrm>
-            <a:off x="7012800" y="3779640"/>
-            <a:ext cx="3959280" cy="2879280"/>
+            <a:off x="1371600" y="1343697"/>
+            <a:ext cx="4320000" cy="2879280"/>
           </a:xfrm>
           <a:prstGeom prst="rect">
             <a:avLst/>
@@ -5606,29 +7181,166 @@
           </a:ln>
         </p:spPr>
       </p:pic>
+      <p:pic>
+        <p:nvPicPr>
+          <p:cNvPr id="145" name="Рисунок 12"/>
+          <p:cNvPicPr/>
+          <p:nvPr/>
+        </p:nvPicPr>
+        <p:blipFill>
+          <a:blip r:embed="rId3"/>
+          <a:stretch/>
+        </p:blipFill>
+        <p:spPr>
+          <a:xfrm>
+            <a:off x="5924550" y="1343697"/>
+            <a:ext cx="5760000" cy="2879280"/>
+          </a:xfrm>
+          <a:prstGeom prst="rect">
+            <a:avLst/>
+          </a:prstGeom>
+          <a:ln w="0">
+            <a:noFill/>
+          </a:ln>
+        </p:spPr>
+      </p:pic>
+      <p:pic>
+        <p:nvPicPr>
+          <p:cNvPr id="3" name="Рисунок 2">
+            <a:extLst>
+              <a:ext uri="{FF2B5EF4-FFF2-40B4-BE49-F238E27FC236}">
+                <a16:creationId xmlns:a16="http://schemas.microsoft.com/office/drawing/2014/main" id="{D31BC5E1-190C-4E06-BD4C-1DCC84EF889B}"/>
+              </a:ext>
+            </a:extLst>
+          </p:cNvPr>
+          <p:cNvPicPr>
+            <a:picLocks noChangeAspect="1"/>
+          </p:cNvPicPr>
+          <p:nvPr/>
+        </p:nvPicPr>
+        <p:blipFill>
+          <a:blip r:embed="rId4">
+            <a:extLst>
+              <a:ext uri="{28A0092B-C50C-407E-A947-70E740481C1C}">
+                <a14:useLocalDpi xmlns:a14="http://schemas.microsoft.com/office/drawing/2010/main" val="0"/>
+              </a:ext>
+            </a:extLst>
+          </a:blip>
+          <a:stretch>
+            <a:fillRect/>
+          </a:stretch>
+        </p:blipFill>
+        <p:spPr>
+          <a:xfrm>
+            <a:off x="1371600" y="4254943"/>
+            <a:ext cx="4320000" cy="1683662"/>
+          </a:xfrm>
+          <a:prstGeom prst="rect">
+            <a:avLst/>
+          </a:prstGeom>
+        </p:spPr>
+      </p:pic>
+      <p:pic>
+        <p:nvPicPr>
+          <p:cNvPr id="5" name="Рисунок 4">
+            <a:extLst>
+              <a:ext uri="{FF2B5EF4-FFF2-40B4-BE49-F238E27FC236}">
+                <a16:creationId xmlns:a16="http://schemas.microsoft.com/office/drawing/2014/main" id="{634DDE3E-240A-4A53-A917-0399AC695739}"/>
+              </a:ext>
+            </a:extLst>
+          </p:cNvPr>
+          <p:cNvPicPr>
+            <a:picLocks noChangeAspect="1"/>
+          </p:cNvPicPr>
+          <p:nvPr/>
+        </p:nvPicPr>
+        <p:blipFill>
+          <a:blip r:embed="rId5">
+            <a:extLst>
+              <a:ext uri="{28A0092B-C50C-407E-A947-70E740481C1C}">
+                <a14:useLocalDpi xmlns:a14="http://schemas.microsoft.com/office/drawing/2010/main" val="0"/>
+              </a:ext>
+            </a:extLst>
+          </a:blip>
+          <a:stretch>
+            <a:fillRect/>
+          </a:stretch>
+        </p:blipFill>
+        <p:spPr>
+          <a:xfrm>
+            <a:off x="5924550" y="4254943"/>
+            <a:ext cx="5760000" cy="1683662"/>
+          </a:xfrm>
+          <a:prstGeom prst="rect">
+            <a:avLst/>
+          </a:prstGeom>
+        </p:spPr>
+      </p:pic>
+      <p:sp>
+        <p:nvSpPr>
+          <p:cNvPr id="10" name="TextBox 9">
+            <a:extLst>
+              <a:ext uri="{FF2B5EF4-FFF2-40B4-BE49-F238E27FC236}">
+                <a16:creationId xmlns:a16="http://schemas.microsoft.com/office/drawing/2014/main" id="{69693950-51B7-4FF1-A401-09AF308DF9FF}"/>
+              </a:ext>
+            </a:extLst>
+          </p:cNvPr>
+          <p:cNvSpPr txBox="1"/>
+          <p:nvPr/>
+        </p:nvSpPr>
+        <p:spPr>
+          <a:xfrm>
+            <a:off x="11603115" y="6401465"/>
+            <a:ext cx="588885" cy="456535"/>
+          </a:xfrm>
+          <a:prstGeom prst="rect">
+            <a:avLst/>
+          </a:prstGeom>
+          <a:noFill/>
+        </p:spPr>
+        <p:txBody>
+          <a:bodyPr wrap="square" rtlCol="0">
+            <a:spAutoFit/>
+          </a:bodyPr>
+          <a:lstStyle/>
+          <a:p>
+            <a:pPr algn="ctr">
+              <a:lnSpc>
+                <a:spcPct val="150000"/>
+              </a:lnSpc>
+              <a:spcBef>
+                <a:spcPts val="1200"/>
+              </a:spcBef>
+              <a:spcAft>
+                <a:spcPts val="1200"/>
+              </a:spcAft>
+            </a:pPr>
+            <a:r>
+              <a:rPr lang="ru-RU" dirty="0"/>
+              <a:t>10</a:t>
+            </a:r>
+          </a:p>
+        </p:txBody>
+      </p:sp>
     </p:spTree>
   </p:cSld>
-  <mc:AlternateContent>
-    <mc:Choice Requires="p14">
-      <p:transition spd="slow" p14:dur="2000"/>
-    </mc:Choice>
-    <mc:Fallback>
-      <p:transition spd="slow"/>
-    </mc:Fallback>
-  </mc:AlternateContent>
+  <p:clrMapOvr>
+    <a:masterClrMapping/>
+  </p:clrMapOvr>
 </p:sld>
 </file>
 
 <file path=ppt/slides/slide11.xml><?xml version="1.0" encoding="utf-8"?>
-<p:sld xmlns:a="http://schemas.openxmlformats.org/drawingml/2006/main" xmlns:p="http://schemas.openxmlformats.org/presentationml/2006/main" xmlns:r="http://schemas.openxmlformats.org/officeDocument/2006/relationships" xmlns:p14="http://schemas.microsoft.com/office/powerpoint/2010/main" xmlns:p15="http://schemas.microsoft.com/office/powerpoint/2012/main" xmlns:mc="http://schemas.openxmlformats.org/markup-compatibility/2006">
+<p:sld xmlns:a="http://schemas.openxmlformats.org/drawingml/2006/main" xmlns:r="http://schemas.openxmlformats.org/officeDocument/2006/relationships" xmlns:p="http://schemas.openxmlformats.org/presentationml/2006/main">
   <p:cSld>
     <p:bg>
       <p:bgPr>
         <a:solidFill>
-          <a:srgbClr val="624f79">
+          <a:srgbClr val="624F79">
             <a:alpha val="69000"/>
           </a:srgbClr>
         </a:solidFill>
+        <a:effectLst/>
       </p:bgPr>
     </p:bg>
     <p:spTree>
@@ -5665,15 +7377,22 @@
           </a:ln>
         </p:spPr>
         <p:style>
-          <a:lnRef idx="0"/>
-          <a:fillRef idx="0"/>
-          <a:effectRef idx="0"/>
+          <a:lnRef idx="0">
+            <a:scrgbClr r="0" g="0" b="0"/>
+          </a:lnRef>
+          <a:fillRef idx="0">
+            <a:scrgbClr r="0" g="0" b="0"/>
+          </a:fillRef>
+          <a:effectRef idx="0">
+            <a:scrgbClr r="0" g="0" b="0"/>
+          </a:effectRef>
           <a:fontRef idx="minor"/>
         </p:style>
         <p:txBody>
-          <a:bodyPr lIns="90000" rIns="90000" tIns="45000" bIns="45000">
+          <a:bodyPr lIns="90000" tIns="45000" rIns="90000" bIns="45000">
             <a:noAutofit/>
           </a:bodyPr>
+          <a:lstStyle/>
           <a:p>
             <a:pPr>
               <a:lnSpc>
@@ -5681,15 +7400,51 @@
               </a:lnSpc>
             </a:pPr>
             <a:r>
-              <a:rPr b="0" lang="en-US" sz="4400" spc="-1" strike="noStrike">
-                <a:solidFill>
-                  <a:srgbClr val="432a30"/>
-                </a:solidFill>
-                <a:latin typeface="Franklin Gothic Book"/>
-              </a:rPr>
-              <a:t>Результат, сабмиты и постсабмиты</a:t>
-            </a:r>
-            <a:endParaRPr b="0" lang="ru-RU" sz="4400" spc="-1" strike="noStrike">
+              <a:rPr lang="en-US" sz="3600" b="0" strike="noStrike" spc="-1" dirty="0" err="1">
+                <a:solidFill>
+                  <a:srgbClr val="432A30"/>
+                </a:solidFill>
+                <a:latin typeface="Franklin Gothic Book"/>
+              </a:rPr>
+              <a:t>Результат</a:t>
+            </a:r>
+            <a:r>
+              <a:rPr lang="en-US" sz="3600" b="0" strike="noStrike" spc="-1" dirty="0">
+                <a:solidFill>
+                  <a:srgbClr val="432A30"/>
+                </a:solidFill>
+                <a:latin typeface="Franklin Gothic Book"/>
+              </a:rPr>
+              <a:t>, </a:t>
+            </a:r>
+            <a:r>
+              <a:rPr lang="en-US" sz="3600" b="0" strike="noStrike" spc="-1" dirty="0" err="1">
+                <a:solidFill>
+                  <a:srgbClr val="432A30"/>
+                </a:solidFill>
+                <a:latin typeface="Franklin Gothic Book"/>
+              </a:rPr>
+              <a:t>сабмиты</a:t>
+            </a:r>
+            <a:r>
+              <a:rPr lang="en-US" sz="3600" b="0" strike="noStrike" spc="-1" dirty="0">
+                <a:solidFill>
+                  <a:srgbClr val="432A30"/>
+                </a:solidFill>
+                <a:latin typeface="Franklin Gothic Book"/>
+              </a:rPr>
+              <a:t> и </a:t>
+            </a:r>
+            <a:r>
+              <a:rPr lang="en-US" sz="3600" b="0" strike="noStrike" spc="-1" dirty="0" err="1">
+                <a:solidFill>
+                  <a:srgbClr val="432A30"/>
+                </a:solidFill>
+                <a:latin typeface="Franklin Gothic Book"/>
+              </a:rPr>
+              <a:t>постсабмиты</a:t>
+            </a:r>
+            <a:endParaRPr lang="ru-RU" sz="3600" b="0" strike="noStrike" spc="-1" dirty="0">
               <a:latin typeface="Arial"/>
             </a:endParaRPr>
           </a:p>
@@ -5697,30 +7452,7 @@
       </p:sp>
       <p:pic>
         <p:nvPicPr>
-          <p:cNvPr id="147" name="" descr=""/>
-          <p:cNvPicPr/>
-          <p:nvPr/>
-        </p:nvPicPr>
-        <p:blipFill>
-          <a:blip r:embed="rId1"/>
-          <a:stretch/>
-        </p:blipFill>
-        <p:spPr>
-          <a:xfrm>
-            <a:off x="720000" y="5698080"/>
-            <a:ext cx="11303640" cy="630720"/>
-          </a:xfrm>
-          <a:prstGeom prst="rect">
-            <a:avLst/>
-          </a:prstGeom>
-          <a:ln w="0">
-            <a:noFill/>
-          </a:ln>
-        </p:spPr>
-      </p:pic>
-      <p:pic>
-        <p:nvPicPr>
-          <p:cNvPr id="148" name="" descr=""/>
+          <p:cNvPr id="147" name="Рисунок 146"/>
           <p:cNvPicPr/>
           <p:nvPr/>
         </p:nvPicPr>
@@ -5730,8 +7462,8 @@
         </p:blipFill>
         <p:spPr>
           <a:xfrm>
-            <a:off x="1260000" y="1080000"/>
-            <a:ext cx="4500000" cy="4331160"/>
+            <a:off x="720000" y="5698080"/>
+            <a:ext cx="11303640" cy="630720"/>
           </a:xfrm>
           <a:prstGeom prst="rect">
             <a:avLst/>
@@ -5743,7 +7475,7 @@
       </p:pic>
       <p:pic>
         <p:nvPicPr>
-          <p:cNvPr id="149" name="" descr=""/>
+          <p:cNvPr id="148" name="Рисунок 147"/>
           <p:cNvPicPr/>
           <p:nvPr/>
         </p:nvPicPr>
@@ -5753,8 +7485,8 @@
         </p:blipFill>
         <p:spPr>
           <a:xfrm>
-            <a:off x="6896520" y="1080000"/>
-            <a:ext cx="4443480" cy="4355640"/>
+            <a:off x="1260000" y="1080000"/>
+            <a:ext cx="4500000" cy="4331160"/>
           </a:xfrm>
           <a:prstGeom prst="rect">
             <a:avLst/>
@@ -5764,29 +7496,94 @@
           </a:ln>
         </p:spPr>
       </p:pic>
+      <p:pic>
+        <p:nvPicPr>
+          <p:cNvPr id="149" name="Рисунок 148"/>
+          <p:cNvPicPr/>
+          <p:nvPr/>
+        </p:nvPicPr>
+        <p:blipFill>
+          <a:blip r:embed="rId4"/>
+          <a:stretch/>
+        </p:blipFill>
+        <p:spPr>
+          <a:xfrm>
+            <a:off x="6896520" y="1080000"/>
+            <a:ext cx="4443480" cy="4355640"/>
+          </a:xfrm>
+          <a:prstGeom prst="rect">
+            <a:avLst/>
+          </a:prstGeom>
+          <a:ln w="0">
+            <a:noFill/>
+          </a:ln>
+        </p:spPr>
+      </p:pic>
+      <p:sp>
+        <p:nvSpPr>
+          <p:cNvPr id="6" name="TextBox 5">
+            <a:extLst>
+              <a:ext uri="{FF2B5EF4-FFF2-40B4-BE49-F238E27FC236}">
+                <a16:creationId xmlns:a16="http://schemas.microsoft.com/office/drawing/2014/main" id="{A512F868-4557-4197-A2AE-49BBF1A15B2B}"/>
+              </a:ext>
+            </a:extLst>
+          </p:cNvPr>
+          <p:cNvSpPr txBox="1"/>
+          <p:nvPr/>
+        </p:nvSpPr>
+        <p:spPr>
+          <a:xfrm>
+            <a:off x="11603115" y="6401465"/>
+            <a:ext cx="588885" cy="456535"/>
+          </a:xfrm>
+          <a:prstGeom prst="rect">
+            <a:avLst/>
+          </a:prstGeom>
+          <a:noFill/>
+        </p:spPr>
+        <p:txBody>
+          <a:bodyPr wrap="square" rtlCol="0">
+            <a:spAutoFit/>
+          </a:bodyPr>
+          <a:lstStyle/>
+          <a:p>
+            <a:pPr algn="ctr">
+              <a:lnSpc>
+                <a:spcPct val="150000"/>
+              </a:lnSpc>
+              <a:spcBef>
+                <a:spcPts val="1200"/>
+              </a:spcBef>
+              <a:spcAft>
+                <a:spcPts val="1200"/>
+              </a:spcAft>
+            </a:pPr>
+            <a:r>
+              <a:rPr lang="ru-RU" dirty="0"/>
+              <a:t>11</a:t>
+            </a:r>
+          </a:p>
+        </p:txBody>
+      </p:sp>
     </p:spTree>
   </p:cSld>
-  <mc:AlternateContent>
-    <mc:Choice Requires="p14">
-      <p:transition spd="slow" p14:dur="2000"/>
-    </mc:Choice>
-    <mc:Fallback>
-      <p:transition spd="slow"/>
-    </mc:Fallback>
-  </mc:AlternateContent>
+  <p:clrMapOvr>
+    <a:masterClrMapping/>
+  </p:clrMapOvr>
 </p:sld>
 </file>
 
 <file path=ppt/slides/slide12.xml><?xml version="1.0" encoding="utf-8"?>
-<p:sld xmlns:a="http://schemas.openxmlformats.org/drawingml/2006/main" xmlns:p="http://schemas.openxmlformats.org/presentationml/2006/main" xmlns:r="http://schemas.openxmlformats.org/officeDocument/2006/relationships" xmlns:p14="http://schemas.microsoft.com/office/powerpoint/2010/main" xmlns:p15="http://schemas.microsoft.com/office/powerpoint/2012/main" xmlns:mc="http://schemas.openxmlformats.org/markup-compatibility/2006">
+<p:sld xmlns:a="http://schemas.openxmlformats.org/drawingml/2006/main" xmlns:r="http://schemas.openxmlformats.org/officeDocument/2006/relationships" xmlns:p="http://schemas.openxmlformats.org/presentationml/2006/main">
   <p:cSld>
     <p:bg>
       <p:bgPr>
         <a:solidFill>
-          <a:srgbClr val="624f79">
+          <a:srgbClr val="624F79">
             <a:alpha val="69000"/>
           </a:srgbClr>
         </a:solidFill>
+        <a:effectLst/>
       </p:bgPr>
     </p:bg>
     <p:spTree>
@@ -5823,15 +7620,22 @@
           </a:ln>
         </p:spPr>
         <p:style>
-          <a:lnRef idx="0"/>
-          <a:fillRef idx="0"/>
-          <a:effectRef idx="0"/>
+          <a:lnRef idx="0">
+            <a:scrgbClr r="0" g="0" b="0"/>
+          </a:lnRef>
+          <a:fillRef idx="0">
+            <a:scrgbClr r="0" g="0" b="0"/>
+          </a:fillRef>
+          <a:effectRef idx="0">
+            <a:scrgbClr r="0" g="0" b="0"/>
+          </a:effectRef>
           <a:fontRef idx="minor"/>
         </p:style>
         <p:txBody>
-          <a:bodyPr lIns="90000" rIns="90000" tIns="45000" bIns="45000">
+          <a:bodyPr lIns="90000" tIns="45000" rIns="90000" bIns="45000">
             <a:noAutofit/>
           </a:bodyPr>
+          <a:lstStyle/>
           <a:p>
             <a:pPr>
               <a:lnSpc>
@@ -5839,15 +7643,51 @@
               </a:lnSpc>
             </a:pPr>
             <a:r>
-              <a:rPr b="0" lang="en-US" sz="4400" spc="-1" strike="noStrike">
-                <a:solidFill>
-                  <a:srgbClr val="432a30"/>
-                </a:solidFill>
-                <a:latin typeface="Franklin Gothic Book"/>
-              </a:rPr>
-              <a:t>Особая версия решения</a:t>
-            </a:r>
-            <a:endParaRPr b="0" lang="ru-RU" sz="4400" spc="-1" strike="noStrike">
+              <a:rPr lang="en-US" sz="3600" b="0" strike="noStrike" spc="-1" dirty="0" err="1">
+                <a:solidFill>
+                  <a:srgbClr val="432A30"/>
+                </a:solidFill>
+                <a:latin typeface="Franklin Gothic Book"/>
+              </a:rPr>
+              <a:t>Особая</a:t>
+            </a:r>
+            <a:r>
+              <a:rPr lang="en-US" sz="3600" b="0" strike="noStrike" spc="-1" dirty="0">
+                <a:solidFill>
+                  <a:srgbClr val="432A30"/>
+                </a:solidFill>
+                <a:latin typeface="Franklin Gothic Book"/>
+              </a:rPr>
+              <a:t> </a:t>
+            </a:r>
+            <a:r>
+              <a:rPr lang="en-US" sz="3600" b="0" strike="noStrike" spc="-1" dirty="0" err="1">
+                <a:solidFill>
+                  <a:srgbClr val="432A30"/>
+                </a:solidFill>
+                <a:latin typeface="Franklin Gothic Book"/>
+              </a:rPr>
+              <a:t>версия</a:t>
+            </a:r>
+            <a:r>
+              <a:rPr lang="en-US" sz="3600" b="0" strike="noStrike" spc="-1" dirty="0">
+                <a:solidFill>
+                  <a:srgbClr val="432A30"/>
+                </a:solidFill>
+                <a:latin typeface="Franklin Gothic Book"/>
+              </a:rPr>
+              <a:t> </a:t>
+            </a:r>
+            <a:r>
+              <a:rPr lang="en-US" sz="3600" b="0" strike="noStrike" spc="-1" dirty="0" err="1">
+                <a:solidFill>
+                  <a:srgbClr val="432A30"/>
+                </a:solidFill>
+                <a:latin typeface="Franklin Gothic Book"/>
+              </a:rPr>
+              <a:t>решения</a:t>
+            </a:r>
+            <a:endParaRPr lang="ru-RU" sz="3600" b="0" strike="noStrike" spc="-1" dirty="0">
               <a:latin typeface="Arial"/>
             </a:endParaRPr>
           </a:p>
@@ -5855,30 +7695,7 @@
       </p:sp>
       <p:pic>
         <p:nvPicPr>
-          <p:cNvPr id="151" name="" descr=""/>
-          <p:cNvPicPr/>
-          <p:nvPr/>
-        </p:nvPicPr>
-        <p:blipFill>
-          <a:blip r:embed="rId1"/>
-          <a:stretch/>
-        </p:blipFill>
-        <p:spPr>
-          <a:xfrm>
-            <a:off x="1282320" y="2254680"/>
-            <a:ext cx="3577680" cy="4225320"/>
-          </a:xfrm>
-          <a:prstGeom prst="rect">
-            <a:avLst/>
-          </a:prstGeom>
-          <a:ln w="0">
-            <a:noFill/>
-          </a:ln>
-        </p:spPr>
-      </p:pic>
-      <p:pic>
-        <p:nvPicPr>
-          <p:cNvPr id="152" name="" descr=""/>
+          <p:cNvPr id="151" name="Рисунок 150"/>
           <p:cNvPicPr/>
           <p:nvPr/>
         </p:nvPicPr>
@@ -5888,6 +7705,29 @@
         </p:blipFill>
         <p:spPr>
           <a:xfrm>
+            <a:off x="1282320" y="2254680"/>
+            <a:ext cx="3577680" cy="4225320"/>
+          </a:xfrm>
+          <a:prstGeom prst="rect">
+            <a:avLst/>
+          </a:prstGeom>
+          <a:ln w="0">
+            <a:noFill/>
+          </a:ln>
+        </p:spPr>
+      </p:pic>
+      <p:pic>
+        <p:nvPicPr>
+          <p:cNvPr id="152" name="Рисунок 151"/>
+          <p:cNvPicPr/>
+          <p:nvPr/>
+        </p:nvPicPr>
+        <p:blipFill>
+          <a:blip r:embed="rId3"/>
+          <a:stretch/>
+        </p:blipFill>
+        <p:spPr>
+          <a:xfrm>
             <a:off x="6300000" y="2282760"/>
             <a:ext cx="5220000" cy="3837240"/>
           </a:xfrm>
@@ -5919,15 +7759,22 @@
           </a:ln>
         </p:spPr>
         <p:style>
-          <a:lnRef idx="0"/>
-          <a:fillRef idx="0"/>
-          <a:effectRef idx="0"/>
+          <a:lnRef idx="0">
+            <a:scrgbClr r="0" g="0" b="0"/>
+          </a:lnRef>
+          <a:fillRef idx="0">
+            <a:scrgbClr r="0" g="0" b="0"/>
+          </a:fillRef>
+          <a:effectRef idx="0">
+            <a:scrgbClr r="0" g="0" b="0"/>
+          </a:effectRef>
           <a:fontRef idx="minor"/>
         </p:style>
         <p:txBody>
-          <a:bodyPr lIns="90000" rIns="90000" tIns="45000" bIns="45000">
+          <a:bodyPr lIns="90000" tIns="45000" rIns="90000" bIns="45000">
             <a:noAutofit/>
           </a:bodyPr>
+          <a:lstStyle/>
           <a:p>
             <a:pPr marL="384120" indent="-383400">
               <a:lnSpc>
@@ -5940,21 +7787,21 @@
                 <a:spcPts val="201"/>
               </a:spcAft>
               <a:buClr>
-                <a:srgbClr val="432a30"/>
+                <a:srgbClr val="432A30"/>
               </a:buClr>
               <a:buFont typeface="Franklin Gothic Book"/>
               <a:buChar char="■"/>
             </a:pPr>
             <a:r>
-              <a:rPr b="0" lang="en-US" sz="2000" spc="-1" strike="noStrike">
-                <a:solidFill>
-                  <a:srgbClr val="432a30"/>
+              <a:rPr lang="en-US" sz="2000" b="0" strike="noStrike" spc="-1">
+                <a:solidFill>
+                  <a:srgbClr val="432A30"/>
                 </a:solidFill>
                 <a:latin typeface="Franklin Gothic Book"/>
               </a:rPr>
               <a:t>Была изменена обучающая выборка путем набора фрагментов из разных частей датасета</a:t>
             </a:r>
-            <a:endParaRPr b="0" lang="ru-RU" sz="2000" spc="-1" strike="noStrike">
+            <a:endParaRPr lang="ru-RU" sz="2000" b="0" strike="noStrike" spc="-1">
               <a:latin typeface="Arial"/>
             </a:endParaRPr>
           </a:p>
@@ -5970,41 +7817,82 @@
                 <a:spcPts val="201"/>
               </a:spcAft>
               <a:buClr>
-                <a:srgbClr val="432a30"/>
+                <a:srgbClr val="432A30"/>
               </a:buClr>
               <a:buFont typeface="Franklin Gothic Book"/>
               <a:buChar char="■"/>
             </a:pPr>
             <a:r>
-              <a:rPr b="0" lang="en-US" sz="2000" spc="-1" strike="noStrike">
-                <a:solidFill>
-                  <a:srgbClr val="432a30"/>
+              <a:rPr lang="en-US" sz="2000" b="0" strike="noStrike" spc="-1">
+                <a:solidFill>
+                  <a:srgbClr val="432A30"/>
                 </a:solidFill>
                 <a:latin typeface="Franklin Gothic Book"/>
               </a:rPr>
               <a:t>Добавлена 11 фича – время между ответами на вопросы и на изучение лекций</a:t>
             </a:r>
-            <a:endParaRPr b="0" lang="ru-RU" sz="2000" spc="-1" strike="noStrike">
-              <a:latin typeface="Arial"/>
-            </a:endParaRPr>
+            <a:endParaRPr lang="ru-RU" sz="2000" b="0" strike="noStrike" spc="-1">
+              <a:latin typeface="Arial"/>
+            </a:endParaRPr>
+          </a:p>
+        </p:txBody>
+      </p:sp>
+      <p:sp>
+        <p:nvSpPr>
+          <p:cNvPr id="6" name="TextBox 5">
+            <a:extLst>
+              <a:ext uri="{FF2B5EF4-FFF2-40B4-BE49-F238E27FC236}">
+                <a16:creationId xmlns:a16="http://schemas.microsoft.com/office/drawing/2014/main" id="{4C752A04-EBF5-4F81-802C-C2BAC9606104}"/>
+              </a:ext>
+            </a:extLst>
+          </p:cNvPr>
+          <p:cNvSpPr txBox="1"/>
+          <p:nvPr/>
+        </p:nvSpPr>
+        <p:spPr>
+          <a:xfrm>
+            <a:off x="11603115" y="6401465"/>
+            <a:ext cx="588885" cy="456535"/>
+          </a:xfrm>
+          <a:prstGeom prst="rect">
+            <a:avLst/>
+          </a:prstGeom>
+          <a:noFill/>
+        </p:spPr>
+        <p:txBody>
+          <a:bodyPr wrap="square" rtlCol="0">
+            <a:spAutoFit/>
+          </a:bodyPr>
+          <a:lstStyle/>
+          <a:p>
+            <a:pPr algn="ctr">
+              <a:lnSpc>
+                <a:spcPct val="150000"/>
+              </a:lnSpc>
+              <a:spcBef>
+                <a:spcPts val="1200"/>
+              </a:spcBef>
+              <a:spcAft>
+                <a:spcPts val="1200"/>
+              </a:spcAft>
+            </a:pPr>
+            <a:r>
+              <a:rPr lang="ru-RU" dirty="0"/>
+              <a:t>12</a:t>
+            </a:r>
           </a:p>
         </p:txBody>
       </p:sp>
     </p:spTree>
   </p:cSld>
-  <mc:AlternateContent>
-    <mc:Choice Requires="p14">
-      <p:transition spd="slow" p14:dur="2000"/>
-    </mc:Choice>
-    <mc:Fallback>
-      <p:transition spd="slow"/>
-    </mc:Fallback>
-  </mc:AlternateContent>
+  <p:clrMapOvr>
+    <a:masterClrMapping/>
+  </p:clrMapOvr>
 </p:sld>
 </file>
 
 <file path=ppt/slides/slide13.xml><?xml version="1.0" encoding="utf-8"?>
-<p:sld xmlns:a="http://schemas.openxmlformats.org/drawingml/2006/main" xmlns:p="http://schemas.openxmlformats.org/presentationml/2006/main" xmlns:r="http://schemas.openxmlformats.org/officeDocument/2006/relationships" xmlns:p14="http://schemas.microsoft.com/office/powerpoint/2010/main" xmlns:p15="http://schemas.microsoft.com/office/powerpoint/2012/main" xmlns:mc="http://schemas.openxmlformats.org/markup-compatibility/2006">
+<p:sld xmlns:a="http://schemas.openxmlformats.org/drawingml/2006/main" xmlns:r="http://schemas.openxmlformats.org/officeDocument/2006/relationships" xmlns:p="http://schemas.openxmlformats.org/presentationml/2006/main">
   <p:cSld>
     <p:spTree>
       <p:nvGrpSpPr>
@@ -6020,6 +7908,55 @@
           <a:chExt cx="0" cy="0"/>
         </a:xfrm>
       </p:grpSpPr>
+      <p:pic>
+        <p:nvPicPr>
+          <p:cNvPr id="2050" name="Picture 2">
+            <a:extLst>
+              <a:ext uri="{FF2B5EF4-FFF2-40B4-BE49-F238E27FC236}">
+                <a16:creationId xmlns:a16="http://schemas.microsoft.com/office/drawing/2014/main" id="{A3F33C97-D4B9-4DAE-B40A-0C177858E6B5}"/>
+              </a:ext>
+            </a:extLst>
+          </p:cNvPr>
+          <p:cNvPicPr>
+            <a:picLocks noChangeAspect="1" noChangeArrowheads="1"/>
+          </p:cNvPicPr>
+          <p:nvPr/>
+        </p:nvPicPr>
+        <p:blipFill rotWithShape="1">
+          <a:blip r:embed="rId2">
+            <a:extLst>
+              <a:ext uri="{28A0092B-C50C-407E-A947-70E740481C1C}">
+                <a14:useLocalDpi xmlns:a14="http://schemas.microsoft.com/office/drawing/2010/main" val="0"/>
+              </a:ext>
+            </a:extLst>
+          </a:blip>
+          <a:srcRect t="13977"/>
+          <a:stretch/>
+        </p:blipFill>
+        <p:spPr bwMode="auto">
+          <a:xfrm>
+            <a:off x="2635717" y="2259673"/>
+            <a:ext cx="6920566" cy="3125486"/>
+          </a:xfrm>
+          <a:prstGeom prst="rect">
+            <a:avLst/>
+          </a:prstGeom>
+          <a:noFill/>
+          <a:effectLst>
+            <a:glow>
+              <a:schemeClr val="accent1">
+                <a:alpha val="80000"/>
+              </a:schemeClr>
+            </a:glow>
+            <a:outerShdw dist="50800" algn="ctr" rotWithShape="0">
+              <a:srgbClr val="000000">
+                <a:alpha val="0"/>
+              </a:srgbClr>
+            </a:outerShdw>
+            <a:softEdge rad="0"/>
+          </a:effectLst>
+        </p:spPr>
+      </p:pic>
       <p:sp>
         <p:nvSpPr>
           <p:cNvPr id="154" name="CustomShape 1"/>
@@ -6028,8 +7965,8 @@
         </p:nvSpPr>
         <p:spPr>
           <a:xfrm>
-            <a:off x="1915200" y="1788480"/>
-            <a:ext cx="8360640" cy="2097360"/>
+            <a:off x="1645922" y="1174785"/>
+            <a:ext cx="8518358" cy="1084888"/>
           </a:xfrm>
           <a:prstGeom prst="rect">
             <a:avLst/>
@@ -6040,31 +7977,38 @@
           </a:ln>
         </p:spPr>
         <p:style>
-          <a:lnRef idx="0"/>
-          <a:fillRef idx="0"/>
-          <a:effectRef idx="0"/>
+          <a:lnRef idx="0">
+            <a:scrgbClr r="0" g="0" b="0"/>
+          </a:lnRef>
+          <a:fillRef idx="0">
+            <a:scrgbClr r="0" g="0" b="0"/>
+          </a:fillRef>
+          <a:effectRef idx="0">
+            <a:scrgbClr r="0" g="0" b="0"/>
+          </a:effectRef>
           <a:fontRef idx="minor"/>
         </p:style>
         <p:txBody>
-          <a:bodyPr lIns="90000" rIns="90000" tIns="45000" bIns="45000" anchor="b">
+          <a:bodyPr lIns="90000" tIns="45000" rIns="90000" bIns="45000" anchor="b">
             <a:noAutofit/>
           </a:bodyPr>
-          <a:p>
-            <a:pPr algn="ctr">
+          <a:lstStyle/>
+          <a:p>
+            <a:pPr algn="just">
               <a:lnSpc>
                 <a:spcPct val="89000"/>
               </a:lnSpc>
             </a:pPr>
             <a:r>
-              <a:rPr b="0" lang="en-US" sz="7200" spc="-1" strike="noStrike" cap="all">
-                <a:solidFill>
-                  <a:srgbClr val="432a30"/>
+              <a:rPr lang="en-US" sz="6000" b="0" strike="noStrike" cap="all" spc="-1" dirty="0">
+                <a:solidFill>
+                  <a:srgbClr val="432A30"/>
                 </a:solidFill>
                 <a:latin typeface="Franklin Gothic Book"/>
               </a:rPr>
               <a:t>СПАСИБО ЗА ВНИМАНИЕ</a:t>
             </a:r>
-            <a:endParaRPr b="0" lang="ru-RU" sz="7200" spc="-1" strike="noStrike">
+            <a:endParaRPr lang="ru-RU" sz="6000" b="0" strike="noStrike" spc="-1" dirty="0">
               <a:latin typeface="Arial"/>
             </a:endParaRPr>
           </a:p>
@@ -6072,27 +8016,23 @@
       </p:sp>
     </p:spTree>
   </p:cSld>
-  <mc:AlternateContent>
-    <mc:Choice Requires="p14">
-      <p:transition spd="slow" p14:dur="2000"/>
-    </mc:Choice>
-    <mc:Fallback>
-      <p:transition spd="slow"/>
-    </mc:Fallback>
-  </mc:AlternateContent>
+  <p:clrMapOvr>
+    <a:masterClrMapping/>
+  </p:clrMapOvr>
 </p:sld>
 </file>
 
 <file path=ppt/slides/slide2.xml><?xml version="1.0" encoding="utf-8"?>
-<p:sld xmlns:a="http://schemas.openxmlformats.org/drawingml/2006/main" xmlns:p="http://schemas.openxmlformats.org/presentationml/2006/main" xmlns:r="http://schemas.openxmlformats.org/officeDocument/2006/relationships" xmlns:p14="http://schemas.microsoft.com/office/powerpoint/2010/main" xmlns:p15="http://schemas.microsoft.com/office/powerpoint/2012/main" xmlns:mc="http://schemas.openxmlformats.org/markup-compatibility/2006">
+<p:sld xmlns:a="http://schemas.openxmlformats.org/drawingml/2006/main" xmlns:r="http://schemas.openxmlformats.org/officeDocument/2006/relationships" xmlns:p="http://schemas.openxmlformats.org/presentationml/2006/main">
   <p:cSld>
     <p:bg>
       <p:bgPr>
         <a:solidFill>
-          <a:srgbClr val="624f79">
+          <a:srgbClr val="624F79">
             <a:alpha val="69000"/>
           </a:srgbClr>
         </a:solidFill>
+        <a:effectLst/>
       </p:bgPr>
     </p:bg>
     <p:spTree>
@@ -6129,15 +8069,22 @@
           </a:ln>
         </p:spPr>
         <p:style>
-          <a:lnRef idx="0"/>
-          <a:fillRef idx="0"/>
-          <a:effectRef idx="0"/>
+          <a:lnRef idx="0">
+            <a:scrgbClr r="0" g="0" b="0"/>
+          </a:lnRef>
+          <a:fillRef idx="0">
+            <a:scrgbClr r="0" g="0" b="0"/>
+          </a:fillRef>
+          <a:effectRef idx="0">
+            <a:scrgbClr r="0" g="0" b="0"/>
+          </a:effectRef>
           <a:fontRef idx="minor"/>
         </p:style>
         <p:txBody>
-          <a:bodyPr lIns="90000" rIns="90000" tIns="45000" bIns="45000">
+          <a:bodyPr lIns="90000" tIns="45000" rIns="90000" bIns="45000">
             <a:noAutofit/>
           </a:bodyPr>
+          <a:lstStyle/>
           <a:p>
             <a:pPr>
               <a:lnSpc>
@@ -6145,15 +8092,15 @@
               </a:lnSpc>
             </a:pPr>
             <a:r>
-              <a:rPr b="0" lang="en-US" sz="4400" spc="-1" strike="noStrike">
-                <a:solidFill>
-                  <a:srgbClr val="432a30"/>
+              <a:rPr lang="en-US" sz="3600" b="0" strike="noStrike" spc="-1">
+                <a:solidFill>
+                  <a:srgbClr val="432A30"/>
                 </a:solidFill>
                 <a:latin typeface="Franklin Gothic Book"/>
               </a:rPr>
               <a:t>Задание</a:t>
             </a:r>
-            <a:endParaRPr b="0" lang="ru-RU" sz="4400" spc="-1" strike="noStrike">
+            <a:endParaRPr lang="ru-RU" sz="3600" b="0" strike="noStrike" spc="-1">
               <a:latin typeface="Arial"/>
             </a:endParaRPr>
           </a:p>
@@ -6167,8 +8114,8 @@
         </p:nvSpPr>
         <p:spPr>
           <a:xfrm>
-            <a:off x="1371600" y="2160000"/>
-            <a:ext cx="9600480" cy="774000"/>
+            <a:off x="1371600" y="2074740"/>
+            <a:ext cx="10525956" cy="774000"/>
           </a:xfrm>
           <a:prstGeom prst="rect">
             <a:avLst/>
@@ -6179,17 +8126,24 @@
           </a:ln>
         </p:spPr>
         <p:style>
-          <a:lnRef idx="0"/>
-          <a:fillRef idx="0"/>
-          <a:effectRef idx="0"/>
+          <a:lnRef idx="0">
+            <a:scrgbClr r="0" g="0" b="0"/>
+          </a:lnRef>
+          <a:fillRef idx="0">
+            <a:scrgbClr r="0" g="0" b="0"/>
+          </a:fillRef>
+          <a:effectRef idx="0">
+            <a:scrgbClr r="0" g="0" b="0"/>
+          </a:effectRef>
           <a:fontRef idx="minor"/>
         </p:style>
         <p:txBody>
-          <a:bodyPr lIns="90000" rIns="90000" tIns="45000" bIns="45000">
+          <a:bodyPr lIns="90000" tIns="45000" rIns="90000" bIns="45000">
             <a:noAutofit/>
           </a:bodyPr>
-          <a:p>
-            <a:pPr marL="384120" indent="-383400">
+          <a:lstStyle/>
+          <a:p>
+            <a:pPr marL="384120" indent="-383400" algn="just">
               <a:lnSpc>
                 <a:spcPct val="94000"/>
               </a:lnSpc>
@@ -6200,49 +8154,288 @@
                 <a:spcPts val="201"/>
               </a:spcAft>
               <a:buClr>
-                <a:srgbClr val="432a30"/>
+                <a:srgbClr val="432A30"/>
               </a:buClr>
               <a:buFont typeface="Franklin Gothic Book"/>
               <a:buChar char="■"/>
             </a:pPr>
             <a:r>
-              <a:rPr b="0" lang="en-US" sz="2400" spc="-1" strike="noStrike">
-                <a:solidFill>
-                  <a:srgbClr val="432a30"/>
-                </a:solidFill>
-                <a:latin typeface="Franklin Gothic Book"/>
-              </a:rPr>
-              <a:t>Задача заключалась в создании модели для предсказания правильности ответов на вопросы</a:t>
-            </a:r>
-            <a:endParaRPr b="0" lang="ru-RU" sz="2400" spc="-1" strike="noStrike">
-              <a:latin typeface="Arial"/>
-            </a:endParaRPr>
-          </a:p>
-        </p:txBody>
-      </p:sp>
+              <a:rPr lang="en-US" sz="2400" b="0" strike="noStrike" spc="-1" dirty="0" err="1">
+                <a:solidFill>
+                  <a:srgbClr val="432A30"/>
+                </a:solidFill>
+                <a:latin typeface="Franklin Gothic Book"/>
+              </a:rPr>
+              <a:t>Задача</a:t>
+            </a:r>
+            <a:r>
+              <a:rPr lang="en-US" sz="2400" b="0" strike="noStrike" spc="-1" dirty="0">
+                <a:solidFill>
+                  <a:srgbClr val="432A30"/>
+                </a:solidFill>
+                <a:latin typeface="Franklin Gothic Book"/>
+              </a:rPr>
+              <a:t> </a:t>
+            </a:r>
+            <a:r>
+              <a:rPr lang="en-US" sz="2400" b="0" strike="noStrike" spc="-1" dirty="0" err="1">
+                <a:solidFill>
+                  <a:srgbClr val="432A30"/>
+                </a:solidFill>
+                <a:latin typeface="Franklin Gothic Book"/>
+              </a:rPr>
+              <a:t>заключалась</a:t>
+            </a:r>
+            <a:r>
+              <a:rPr lang="en-US" sz="2400" b="0" strike="noStrike" spc="-1" dirty="0">
+                <a:solidFill>
+                  <a:srgbClr val="432A30"/>
+                </a:solidFill>
+                <a:latin typeface="Franklin Gothic Book"/>
+              </a:rPr>
+              <a:t> в </a:t>
+            </a:r>
+            <a:r>
+              <a:rPr lang="en-US" sz="2400" b="0" strike="noStrike" spc="-1" dirty="0" err="1">
+                <a:solidFill>
+                  <a:srgbClr val="432A30"/>
+                </a:solidFill>
+                <a:latin typeface="Franklin Gothic Book"/>
+              </a:rPr>
+              <a:t>создании</a:t>
+            </a:r>
+            <a:r>
+              <a:rPr lang="en-US" sz="2400" b="0" strike="noStrike" spc="-1" dirty="0">
+                <a:solidFill>
+                  <a:srgbClr val="432A30"/>
+                </a:solidFill>
+                <a:latin typeface="Franklin Gothic Book"/>
+              </a:rPr>
+              <a:t> </a:t>
+            </a:r>
+            <a:r>
+              <a:rPr lang="en-US" sz="2400" b="0" strike="noStrike" spc="-1" dirty="0" err="1">
+                <a:solidFill>
+                  <a:srgbClr val="432A30"/>
+                </a:solidFill>
+                <a:latin typeface="Franklin Gothic Book"/>
+              </a:rPr>
+              <a:t>модели</a:t>
+            </a:r>
+            <a:r>
+              <a:rPr lang="en-US" sz="2400" b="0" strike="noStrike" spc="-1" dirty="0">
+                <a:solidFill>
+                  <a:srgbClr val="432A30"/>
+                </a:solidFill>
+                <a:latin typeface="Franklin Gothic Book"/>
+              </a:rPr>
+              <a:t> </a:t>
+            </a:r>
+            <a:r>
+              <a:rPr lang="en-US" sz="2400" b="0" strike="noStrike" spc="-1" dirty="0" err="1">
+                <a:solidFill>
+                  <a:srgbClr val="432A30"/>
+                </a:solidFill>
+                <a:latin typeface="Franklin Gothic Book"/>
+              </a:rPr>
+              <a:t>для</a:t>
+            </a:r>
+            <a:r>
+              <a:rPr lang="en-US" sz="2400" b="0" strike="noStrike" spc="-1" dirty="0">
+                <a:solidFill>
+                  <a:srgbClr val="432A30"/>
+                </a:solidFill>
+                <a:latin typeface="Franklin Gothic Book"/>
+              </a:rPr>
+              <a:t> </a:t>
+            </a:r>
+            <a:r>
+              <a:rPr lang="en-US" sz="2400" b="0" strike="noStrike" spc="-1" dirty="0" err="1">
+                <a:solidFill>
+                  <a:srgbClr val="432A30"/>
+                </a:solidFill>
+                <a:latin typeface="Franklin Gothic Book"/>
+              </a:rPr>
+              <a:t>предсказания</a:t>
+            </a:r>
+            <a:r>
+              <a:rPr lang="en-US" sz="2400" b="0" strike="noStrike" spc="-1" dirty="0">
+                <a:solidFill>
+                  <a:srgbClr val="432A30"/>
+                </a:solidFill>
+                <a:latin typeface="Franklin Gothic Book"/>
+              </a:rPr>
+              <a:t> </a:t>
+            </a:r>
+            <a:r>
+              <a:rPr lang="en-US" sz="2400" b="0" strike="noStrike" spc="-1" dirty="0" err="1">
+                <a:solidFill>
+                  <a:srgbClr val="432A30"/>
+                </a:solidFill>
+                <a:latin typeface="Franklin Gothic Book"/>
+              </a:rPr>
+              <a:t>правильности</a:t>
+            </a:r>
+            <a:r>
+              <a:rPr lang="en-US" sz="2400" b="0" strike="noStrike" spc="-1" dirty="0">
+                <a:solidFill>
+                  <a:srgbClr val="432A30"/>
+                </a:solidFill>
+                <a:latin typeface="Franklin Gothic Book"/>
+              </a:rPr>
+              <a:t> </a:t>
+            </a:r>
+            <a:r>
+              <a:rPr lang="en-US" sz="2400" b="0" strike="noStrike" spc="-1" dirty="0" err="1">
+                <a:solidFill>
+                  <a:srgbClr val="432A30"/>
+                </a:solidFill>
+                <a:latin typeface="Franklin Gothic Book"/>
+              </a:rPr>
+              <a:t>ответов</a:t>
+            </a:r>
+            <a:r>
+              <a:rPr lang="en-US" sz="2400" b="0" strike="noStrike" spc="-1" dirty="0">
+                <a:solidFill>
+                  <a:srgbClr val="432A30"/>
+                </a:solidFill>
+                <a:latin typeface="Franklin Gothic Book"/>
+              </a:rPr>
+              <a:t> </a:t>
+            </a:r>
+            <a:r>
+              <a:rPr lang="en-US" sz="2400" b="0" strike="noStrike" spc="-1" dirty="0" err="1">
+                <a:solidFill>
+                  <a:srgbClr val="432A30"/>
+                </a:solidFill>
+                <a:latin typeface="Franklin Gothic Book"/>
+              </a:rPr>
+              <a:t>на</a:t>
+            </a:r>
+            <a:r>
+              <a:rPr lang="en-US" sz="2400" b="0" strike="noStrike" spc="-1" dirty="0">
+                <a:solidFill>
+                  <a:srgbClr val="432A30"/>
+                </a:solidFill>
+                <a:latin typeface="Franklin Gothic Book"/>
+              </a:rPr>
+              <a:t> </a:t>
+            </a:r>
+            <a:r>
+              <a:rPr lang="en-US" sz="2400" b="0" strike="noStrike" spc="-1" dirty="0" err="1">
+                <a:solidFill>
+                  <a:srgbClr val="432A30"/>
+                </a:solidFill>
+                <a:latin typeface="Franklin Gothic Book"/>
+              </a:rPr>
+              <a:t>вопросы</a:t>
+            </a:r>
+            <a:endParaRPr lang="ru-RU" sz="2400" b="0" strike="noStrike" spc="-1" dirty="0">
+              <a:latin typeface="Arial"/>
+            </a:endParaRPr>
+          </a:p>
+        </p:txBody>
+      </p:sp>
+      <p:sp>
+        <p:nvSpPr>
+          <p:cNvPr id="2" name="TextBox 1">
+            <a:extLst>
+              <a:ext uri="{FF2B5EF4-FFF2-40B4-BE49-F238E27FC236}">
+                <a16:creationId xmlns:a16="http://schemas.microsoft.com/office/drawing/2014/main" id="{C95BECB9-BE43-4603-82C8-EB0531DA9C7A}"/>
+              </a:ext>
+            </a:extLst>
+          </p:cNvPr>
+          <p:cNvSpPr txBox="1"/>
+          <p:nvPr/>
+        </p:nvSpPr>
+        <p:spPr>
+          <a:xfrm>
+            <a:off x="11603115" y="6401465"/>
+            <a:ext cx="588885" cy="456535"/>
+          </a:xfrm>
+          <a:prstGeom prst="rect">
+            <a:avLst/>
+          </a:prstGeom>
+          <a:noFill/>
+        </p:spPr>
+        <p:txBody>
+          <a:bodyPr wrap="square" rtlCol="0">
+            <a:spAutoFit/>
+          </a:bodyPr>
+          <a:lstStyle/>
+          <a:p>
+            <a:pPr algn="ctr">
+              <a:lnSpc>
+                <a:spcPct val="150000"/>
+              </a:lnSpc>
+              <a:spcBef>
+                <a:spcPts val="1200"/>
+              </a:spcBef>
+              <a:spcAft>
+                <a:spcPts val="1200"/>
+              </a:spcAft>
+            </a:pPr>
+            <a:r>
+              <a:rPr lang="ru-RU" dirty="0"/>
+              <a:t>2</a:t>
+            </a:r>
+          </a:p>
+        </p:txBody>
+      </p:sp>
+      <p:pic>
+        <p:nvPicPr>
+          <p:cNvPr id="4" name="Рисунок 3">
+            <a:extLst>
+              <a:ext uri="{FF2B5EF4-FFF2-40B4-BE49-F238E27FC236}">
+                <a16:creationId xmlns:a16="http://schemas.microsoft.com/office/drawing/2014/main" id="{3ADF8F9C-3124-4EFA-AE53-12E5DCF64F32}"/>
+              </a:ext>
+            </a:extLst>
+          </p:cNvPr>
+          <p:cNvPicPr>
+            <a:picLocks noChangeAspect="1"/>
+          </p:cNvPicPr>
+          <p:nvPr/>
+        </p:nvPicPr>
+        <p:blipFill rotWithShape="1">
+          <a:blip r:embed="rId2">
+            <a:extLst>
+              <a:ext uri="{28A0092B-C50C-407E-A947-70E740481C1C}">
+                <a14:useLocalDpi xmlns:a14="http://schemas.microsoft.com/office/drawing/2010/main" val="0"/>
+              </a:ext>
+            </a:extLst>
+          </a:blip>
+          <a:srcRect b="1190"/>
+          <a:stretch/>
+        </p:blipFill>
+        <p:spPr>
+          <a:xfrm>
+            <a:off x="1447799" y="3275943"/>
+            <a:ext cx="10373557" cy="2271116"/>
+          </a:xfrm>
+          <a:prstGeom prst="rect">
+            <a:avLst/>
+          </a:prstGeom>
+        </p:spPr>
+      </p:pic>
     </p:spTree>
   </p:cSld>
-  <mc:AlternateContent>
-    <mc:Choice Requires="p14">
-      <p:transition spd="slow" p14:dur="2000"/>
-    </mc:Choice>
-    <mc:Fallback>
-      <p:transition spd="slow"/>
-    </mc:Fallback>
-  </mc:AlternateContent>
+  <p:clrMapOvr>
+    <a:masterClrMapping/>
+  </p:clrMapOvr>
 </p:sld>
 </file>
 
 <file path=ppt/slides/slide3.xml><?xml version="1.0" encoding="utf-8"?>
-<p:sld xmlns:a="http://schemas.openxmlformats.org/drawingml/2006/main" xmlns:p="http://schemas.openxmlformats.org/presentationml/2006/main" xmlns:r="http://schemas.openxmlformats.org/officeDocument/2006/relationships" xmlns:p14="http://schemas.microsoft.com/office/powerpoint/2010/main" xmlns:p15="http://schemas.microsoft.com/office/powerpoint/2012/main" xmlns:mc="http://schemas.openxmlformats.org/markup-compatibility/2006">
+<p:sld xmlns:a="http://schemas.openxmlformats.org/drawingml/2006/main" xmlns:r="http://schemas.openxmlformats.org/officeDocument/2006/relationships" xmlns:p="http://schemas.openxmlformats.org/presentationml/2006/main">
   <p:cSld>
     <p:bg>
       <p:bgPr>
         <a:solidFill>
-          <a:srgbClr val="624f79">
+          <a:srgbClr val="624F79">
             <a:alpha val="69000"/>
           </a:srgbClr>
         </a:solidFill>
+        <a:effectLst/>
       </p:bgPr>
     </p:bg>
     <p:spTree>
@@ -6279,15 +8472,22 @@
           </a:ln>
         </p:spPr>
         <p:style>
-          <a:lnRef idx="0"/>
-          <a:fillRef idx="0"/>
-          <a:effectRef idx="0"/>
+          <a:lnRef idx="0">
+            <a:scrgbClr r="0" g="0" b="0"/>
+          </a:lnRef>
+          <a:fillRef idx="0">
+            <a:scrgbClr r="0" g="0" b="0"/>
+          </a:fillRef>
+          <a:effectRef idx="0">
+            <a:scrgbClr r="0" g="0" b="0"/>
+          </a:effectRef>
           <a:fontRef idx="minor"/>
         </p:style>
         <p:txBody>
-          <a:bodyPr lIns="90000" rIns="90000" tIns="45000" bIns="45000">
+          <a:bodyPr lIns="90000" tIns="45000" rIns="90000" bIns="45000">
             <a:noAutofit/>
           </a:bodyPr>
+          <a:lstStyle/>
           <a:p>
             <a:pPr>
               <a:lnSpc>
@@ -6295,15 +8495,15 @@
               </a:lnSpc>
             </a:pPr>
             <a:r>
-              <a:rPr b="0" lang="en-US" sz="4400" spc="-1" strike="noStrike">
-                <a:solidFill>
-                  <a:srgbClr val="432a30"/>
+              <a:rPr lang="en-US" sz="3600" b="0" strike="noStrike" spc="-1">
+                <a:solidFill>
+                  <a:srgbClr val="432A30"/>
                 </a:solidFill>
                 <a:latin typeface="Franklin Gothic Book"/>
               </a:rPr>
               <a:t>Data observation</a:t>
             </a:r>
-            <a:endParaRPr b="0" lang="ru-RU" sz="4400" spc="-1" strike="noStrike">
+            <a:endParaRPr lang="ru-RU" sz="3600" b="0" strike="noStrike" spc="-1">
               <a:latin typeface="Arial"/>
             </a:endParaRPr>
           </a:p>
@@ -6317,8 +8517,8 @@
         </p:nvSpPr>
         <p:spPr>
           <a:xfrm>
-            <a:off x="1371600" y="2286000"/>
-            <a:ext cx="9600480" cy="3580560"/>
+            <a:off x="1371600" y="1766097"/>
+            <a:ext cx="9600480" cy="810126"/>
           </a:xfrm>
           <a:prstGeom prst="rect">
             <a:avLst/>
@@ -6329,15 +8529,22 @@
           </a:ln>
         </p:spPr>
         <p:style>
-          <a:lnRef idx="0"/>
-          <a:fillRef idx="0"/>
-          <a:effectRef idx="0"/>
+          <a:lnRef idx="0">
+            <a:scrgbClr r="0" g="0" b="0"/>
+          </a:lnRef>
+          <a:fillRef idx="0">
+            <a:scrgbClr r="0" g="0" b="0"/>
+          </a:fillRef>
+          <a:effectRef idx="0">
+            <a:scrgbClr r="0" g="0" b="0"/>
+          </a:effectRef>
           <a:fontRef idx="minor"/>
         </p:style>
         <p:txBody>
-          <a:bodyPr lIns="90000" rIns="90000" tIns="45000" bIns="45000">
+          <a:bodyPr lIns="90000" tIns="45000" rIns="90000" bIns="45000">
             <a:noAutofit/>
           </a:bodyPr>
+          <a:lstStyle/>
           <a:p>
             <a:pPr marL="384120" indent="-383400">
               <a:lnSpc>
@@ -6350,21 +8557,264 @@
                 <a:spcPts val="201"/>
               </a:spcAft>
               <a:buClr>
-                <a:srgbClr val="432a30"/>
+                <a:srgbClr val="432A30"/>
               </a:buClr>
               <a:buFont typeface="Franklin Gothic Book"/>
               <a:buChar char="■"/>
             </a:pPr>
             <a:r>
-              <a:rPr b="0" lang="en-US" sz="2000" spc="-1" strike="noStrike">
-                <a:solidFill>
-                  <a:srgbClr val="432a30"/>
-                </a:solidFill>
-                <a:latin typeface="Franklin Gothic Book"/>
-              </a:rPr>
-              <a:t>Провели deep анализ исходных данных в csv-файлах, разобрались в смысле колонок, прочитав их описание и перерыв кучу дискуссий.</a:t>
-            </a:r>
-            <a:endParaRPr b="0" lang="ru-RU" sz="2000" spc="-1" strike="noStrike">
+              <a:rPr lang="en-US" sz="2400" b="0" strike="noStrike" spc="-1" dirty="0" err="1">
+                <a:solidFill>
+                  <a:srgbClr val="432A30"/>
+                </a:solidFill>
+                <a:latin typeface="Franklin Gothic Book"/>
+              </a:rPr>
+              <a:t>Провели</a:t>
+            </a:r>
+            <a:r>
+              <a:rPr lang="en-US" sz="2400" b="0" strike="noStrike" spc="-1" dirty="0">
+                <a:solidFill>
+                  <a:srgbClr val="432A30"/>
+                </a:solidFill>
+                <a:latin typeface="Franklin Gothic Book"/>
+              </a:rPr>
+              <a:t> deep </a:t>
+            </a:r>
+            <a:r>
+              <a:rPr lang="en-US" sz="2400" b="0" strike="noStrike" spc="-1" dirty="0" err="1">
+                <a:solidFill>
+                  <a:srgbClr val="432A30"/>
+                </a:solidFill>
+                <a:latin typeface="Franklin Gothic Book"/>
+              </a:rPr>
+              <a:t>анализ</a:t>
+            </a:r>
+            <a:r>
+              <a:rPr lang="en-US" sz="2400" b="0" strike="noStrike" spc="-1" dirty="0">
+                <a:solidFill>
+                  <a:srgbClr val="432A30"/>
+                </a:solidFill>
+                <a:latin typeface="Franklin Gothic Book"/>
+              </a:rPr>
+              <a:t> </a:t>
+            </a:r>
+            <a:r>
+              <a:rPr lang="en-US" sz="2400" b="0" strike="noStrike" spc="-1" dirty="0" err="1">
+                <a:solidFill>
+                  <a:srgbClr val="432A30"/>
+                </a:solidFill>
+                <a:latin typeface="Franklin Gothic Book"/>
+              </a:rPr>
+              <a:t>исходных</a:t>
+            </a:r>
+            <a:r>
+              <a:rPr lang="en-US" sz="2400" b="0" strike="noStrike" spc="-1" dirty="0">
+                <a:solidFill>
+                  <a:srgbClr val="432A30"/>
+                </a:solidFill>
+                <a:latin typeface="Franklin Gothic Book"/>
+              </a:rPr>
+              <a:t> </a:t>
+            </a:r>
+            <a:r>
+              <a:rPr lang="en-US" sz="2400" b="0" strike="noStrike" spc="-1" dirty="0" err="1">
+                <a:solidFill>
+                  <a:srgbClr val="432A30"/>
+                </a:solidFill>
+                <a:latin typeface="Franklin Gothic Book"/>
+              </a:rPr>
+              <a:t>данных</a:t>
+            </a:r>
+            <a:r>
+              <a:rPr lang="en-US" sz="2400" b="0" strike="noStrike" spc="-1" dirty="0">
+                <a:solidFill>
+                  <a:srgbClr val="432A30"/>
+                </a:solidFill>
+                <a:latin typeface="Franklin Gothic Book"/>
+              </a:rPr>
+              <a:t> в csv-</a:t>
+            </a:r>
+            <a:r>
+              <a:rPr lang="en-US" sz="2400" b="0" strike="noStrike" spc="-1" dirty="0" err="1">
+                <a:solidFill>
+                  <a:srgbClr val="432A30"/>
+                </a:solidFill>
+                <a:latin typeface="Franklin Gothic Book"/>
+              </a:rPr>
+              <a:t>файлах</a:t>
+            </a:r>
+            <a:r>
+              <a:rPr lang="en-US" sz="2400" b="0" strike="noStrike" spc="-1" dirty="0">
+                <a:solidFill>
+                  <a:srgbClr val="432A30"/>
+                </a:solidFill>
+                <a:latin typeface="Franklin Gothic Book"/>
+              </a:rPr>
+              <a:t>, </a:t>
+            </a:r>
+            <a:r>
+              <a:rPr lang="en-US" sz="2400" b="0" strike="noStrike" spc="-1" dirty="0" err="1">
+                <a:solidFill>
+                  <a:srgbClr val="432A30"/>
+                </a:solidFill>
+                <a:latin typeface="Franklin Gothic Book"/>
+              </a:rPr>
+              <a:t>разобрались</a:t>
+            </a:r>
+            <a:r>
+              <a:rPr lang="en-US" sz="2400" b="0" strike="noStrike" spc="-1" dirty="0">
+                <a:solidFill>
+                  <a:srgbClr val="432A30"/>
+                </a:solidFill>
+                <a:latin typeface="Franklin Gothic Book"/>
+              </a:rPr>
+              <a:t> в </a:t>
+            </a:r>
+            <a:r>
+              <a:rPr lang="en-US" sz="2400" b="0" strike="noStrike" spc="-1" dirty="0" err="1">
+                <a:solidFill>
+                  <a:srgbClr val="432A30"/>
+                </a:solidFill>
+                <a:latin typeface="Franklin Gothic Book"/>
+              </a:rPr>
+              <a:t>смысле</a:t>
+            </a:r>
+            <a:r>
+              <a:rPr lang="en-US" sz="2400" b="0" strike="noStrike" spc="-1" dirty="0">
+                <a:solidFill>
+                  <a:srgbClr val="432A30"/>
+                </a:solidFill>
+                <a:latin typeface="Franklin Gothic Book"/>
+              </a:rPr>
+              <a:t> </a:t>
+            </a:r>
+            <a:r>
+              <a:rPr lang="en-US" sz="2400" b="0" strike="noStrike" spc="-1" dirty="0" err="1">
+                <a:solidFill>
+                  <a:srgbClr val="432A30"/>
+                </a:solidFill>
+                <a:latin typeface="Franklin Gothic Book"/>
+              </a:rPr>
+              <a:t>колонок</a:t>
+            </a:r>
+            <a:r>
+              <a:rPr lang="en-US" sz="2400" b="0" strike="noStrike" spc="-1" dirty="0">
+                <a:solidFill>
+                  <a:srgbClr val="432A30"/>
+                </a:solidFill>
+                <a:latin typeface="Franklin Gothic Book"/>
+              </a:rPr>
+              <a:t>, </a:t>
+            </a:r>
+            <a:r>
+              <a:rPr lang="en-US" sz="2400" b="0" strike="noStrike" spc="-1" dirty="0" err="1">
+                <a:solidFill>
+                  <a:srgbClr val="432A30"/>
+                </a:solidFill>
+                <a:latin typeface="Franklin Gothic Book"/>
+              </a:rPr>
+              <a:t>прочитав</a:t>
+            </a:r>
+            <a:r>
+              <a:rPr lang="en-US" sz="2400" b="0" strike="noStrike" spc="-1" dirty="0">
+                <a:solidFill>
+                  <a:srgbClr val="432A30"/>
+                </a:solidFill>
+                <a:latin typeface="Franklin Gothic Book"/>
+              </a:rPr>
+              <a:t> </a:t>
+            </a:r>
+            <a:r>
+              <a:rPr lang="en-US" sz="2400" b="0" strike="noStrike" spc="-1" dirty="0" err="1">
+                <a:solidFill>
+                  <a:srgbClr val="432A30"/>
+                </a:solidFill>
+                <a:latin typeface="Franklin Gothic Book"/>
+              </a:rPr>
+              <a:t>их</a:t>
+            </a:r>
+            <a:r>
+              <a:rPr lang="en-US" sz="2400" b="0" strike="noStrike" spc="-1" dirty="0">
+                <a:solidFill>
+                  <a:srgbClr val="432A30"/>
+                </a:solidFill>
+                <a:latin typeface="Franklin Gothic Book"/>
+              </a:rPr>
+              <a:t> </a:t>
+            </a:r>
+            <a:r>
+              <a:rPr lang="en-US" sz="2400" b="0" strike="noStrike" spc="-1" dirty="0" err="1">
+                <a:solidFill>
+                  <a:srgbClr val="432A30"/>
+                </a:solidFill>
+                <a:latin typeface="Franklin Gothic Book"/>
+              </a:rPr>
+              <a:t>описание</a:t>
+            </a:r>
+            <a:r>
+              <a:rPr lang="en-US" sz="2400" b="0" strike="noStrike" spc="-1" dirty="0">
+                <a:solidFill>
+                  <a:srgbClr val="432A30"/>
+                </a:solidFill>
+                <a:latin typeface="Franklin Gothic Book"/>
+              </a:rPr>
+              <a:t> и </a:t>
+            </a:r>
+            <a:r>
+              <a:rPr lang="en-US" sz="2400" b="0" strike="noStrike" spc="-1" dirty="0" err="1">
+                <a:solidFill>
+                  <a:srgbClr val="432A30"/>
+                </a:solidFill>
+                <a:latin typeface="Franklin Gothic Book"/>
+              </a:rPr>
+              <a:t>перерыв</a:t>
+            </a:r>
+            <a:r>
+              <a:rPr lang="en-US" sz="2400" b="0" strike="noStrike" spc="-1" dirty="0">
+                <a:solidFill>
+                  <a:srgbClr val="432A30"/>
+                </a:solidFill>
+                <a:latin typeface="Franklin Gothic Book"/>
+              </a:rPr>
+              <a:t> </a:t>
+            </a:r>
+            <a:r>
+              <a:rPr lang="en-US" sz="2400" b="0" strike="noStrike" spc="-1" dirty="0" err="1">
+                <a:solidFill>
+                  <a:srgbClr val="432A30"/>
+                </a:solidFill>
+                <a:latin typeface="Franklin Gothic Book"/>
+              </a:rPr>
+              <a:t>кучу</a:t>
+            </a:r>
+            <a:r>
+              <a:rPr lang="en-US" sz="2400" b="0" strike="noStrike" spc="-1" dirty="0">
+                <a:solidFill>
+                  <a:srgbClr val="432A30"/>
+                </a:solidFill>
+                <a:latin typeface="Franklin Gothic Book"/>
+              </a:rPr>
+              <a:t> </a:t>
+            </a:r>
+            <a:r>
+              <a:rPr lang="en-US" sz="2400" b="0" strike="noStrike" spc="-1" dirty="0" err="1">
+                <a:solidFill>
+                  <a:srgbClr val="432A30"/>
+                </a:solidFill>
+                <a:latin typeface="Franklin Gothic Book"/>
+              </a:rPr>
+              <a:t>дискуссий</a:t>
+            </a:r>
+            <a:r>
+              <a:rPr lang="en-US" sz="2400" b="0" strike="noStrike" spc="-1" dirty="0">
+                <a:solidFill>
+                  <a:srgbClr val="432A30"/>
+                </a:solidFill>
+                <a:latin typeface="Franklin Gothic Book"/>
+              </a:rPr>
+              <a:t>.</a:t>
+            </a:r>
+            <a:endParaRPr lang="ru-RU" sz="2400" b="0" strike="noStrike" spc="-1" dirty="0">
               <a:latin typeface="Arial"/>
             </a:endParaRPr>
           </a:p>
@@ -6380,35 +8830,107 @@
                 <a:spcPts val="201"/>
               </a:spcAft>
             </a:pPr>
-            <a:endParaRPr b="0" lang="ru-RU" sz="2000" spc="-1" strike="noStrike">
-              <a:latin typeface="Arial"/>
-            </a:endParaRPr>
-          </a:p>
-        </p:txBody>
-      </p:sp>
+            <a:endParaRPr lang="ru-RU" sz="2400" b="0" strike="noStrike" spc="-1" dirty="0">
+              <a:latin typeface="Arial"/>
+            </a:endParaRPr>
+          </a:p>
+        </p:txBody>
+      </p:sp>
+      <p:sp>
+        <p:nvSpPr>
+          <p:cNvPr id="5" name="TextBox 4">
+            <a:extLst>
+              <a:ext uri="{FF2B5EF4-FFF2-40B4-BE49-F238E27FC236}">
+                <a16:creationId xmlns:a16="http://schemas.microsoft.com/office/drawing/2014/main" id="{21B950DF-5321-4014-A65B-6F196F15BC59}"/>
+              </a:ext>
+            </a:extLst>
+          </p:cNvPr>
+          <p:cNvSpPr txBox="1"/>
+          <p:nvPr/>
+        </p:nvSpPr>
+        <p:spPr>
+          <a:xfrm>
+            <a:off x="11603115" y="6401465"/>
+            <a:ext cx="588885" cy="456535"/>
+          </a:xfrm>
+          <a:prstGeom prst="rect">
+            <a:avLst/>
+          </a:prstGeom>
+          <a:noFill/>
+        </p:spPr>
+        <p:txBody>
+          <a:bodyPr wrap="square" rtlCol="0">
+            <a:spAutoFit/>
+          </a:bodyPr>
+          <a:lstStyle/>
+          <a:p>
+            <a:pPr algn="ctr">
+              <a:lnSpc>
+                <a:spcPct val="150000"/>
+              </a:lnSpc>
+              <a:spcBef>
+                <a:spcPts val="1200"/>
+              </a:spcBef>
+              <a:spcAft>
+                <a:spcPts val="1200"/>
+              </a:spcAft>
+            </a:pPr>
+            <a:r>
+              <a:rPr lang="ru-RU" dirty="0"/>
+              <a:t>3</a:t>
+            </a:r>
+          </a:p>
+        </p:txBody>
+      </p:sp>
+      <p:pic>
+        <p:nvPicPr>
+          <p:cNvPr id="3" name="Рисунок 2">
+            <a:extLst>
+              <a:ext uri="{FF2B5EF4-FFF2-40B4-BE49-F238E27FC236}">
+                <a16:creationId xmlns:a16="http://schemas.microsoft.com/office/drawing/2014/main" id="{A778EE2E-3D1C-49B7-8EBD-200C4A29F42F}"/>
+              </a:ext>
+            </a:extLst>
+          </p:cNvPr>
+          <p:cNvPicPr>
+            <a:picLocks noChangeAspect="1"/>
+          </p:cNvPicPr>
+          <p:nvPr/>
+        </p:nvPicPr>
+        <p:blipFill>
+          <a:blip r:embed="rId2"/>
+          <a:stretch>
+            <a:fillRect/>
+          </a:stretch>
+        </p:blipFill>
+        <p:spPr>
+          <a:xfrm>
+            <a:off x="1966336" y="3029065"/>
+            <a:ext cx="8259328" cy="2505425"/>
+          </a:xfrm>
+          <a:prstGeom prst="rect">
+            <a:avLst/>
+          </a:prstGeom>
+        </p:spPr>
+      </p:pic>
     </p:spTree>
   </p:cSld>
-  <mc:AlternateContent>
-    <mc:Choice Requires="p14">
-      <p:transition spd="slow" p14:dur="2000"/>
-    </mc:Choice>
-    <mc:Fallback>
-      <p:transition spd="slow"/>
-    </mc:Fallback>
-  </mc:AlternateContent>
+  <p:clrMapOvr>
+    <a:masterClrMapping/>
+  </p:clrMapOvr>
 </p:sld>
 </file>
 
 <file path=ppt/slides/slide4.xml><?xml version="1.0" encoding="utf-8"?>
-<p:sld xmlns:a="http://schemas.openxmlformats.org/drawingml/2006/main" xmlns:p="http://schemas.openxmlformats.org/presentationml/2006/main" xmlns:r="http://schemas.openxmlformats.org/officeDocument/2006/relationships" xmlns:p14="http://schemas.microsoft.com/office/powerpoint/2010/main" xmlns:p15="http://schemas.microsoft.com/office/powerpoint/2012/main" xmlns:mc="http://schemas.openxmlformats.org/markup-compatibility/2006">
+<p:sld xmlns:a="http://schemas.openxmlformats.org/drawingml/2006/main" xmlns:r="http://schemas.openxmlformats.org/officeDocument/2006/relationships" xmlns:p="http://schemas.openxmlformats.org/presentationml/2006/main">
   <p:cSld>
     <p:bg>
       <p:bgPr>
         <a:solidFill>
-          <a:srgbClr val="624f79">
+          <a:srgbClr val="624F79">
             <a:alpha val="69000"/>
           </a:srgbClr>
         </a:solidFill>
+        <a:effectLst/>
       </p:bgPr>
     </p:bg>
     <p:spTree>
@@ -6445,15 +8967,22 @@
           </a:ln>
         </p:spPr>
         <p:style>
-          <a:lnRef idx="0"/>
-          <a:fillRef idx="0"/>
-          <a:effectRef idx="0"/>
+          <a:lnRef idx="0">
+            <a:scrgbClr r="0" g="0" b="0"/>
+          </a:lnRef>
+          <a:fillRef idx="0">
+            <a:scrgbClr r="0" g="0" b="0"/>
+          </a:fillRef>
+          <a:effectRef idx="0">
+            <a:scrgbClr r="0" g="0" b="0"/>
+          </a:effectRef>
           <a:fontRef idx="minor"/>
         </p:style>
         <p:txBody>
-          <a:bodyPr lIns="90000" rIns="90000" tIns="45000" bIns="45000">
+          <a:bodyPr lIns="90000" tIns="45000" rIns="90000" bIns="45000">
             <a:noAutofit/>
           </a:bodyPr>
+          <a:lstStyle/>
           <a:p>
             <a:pPr>
               <a:lnSpc>
@@ -6461,16 +8990,18 @@
               </a:lnSpc>
             </a:pPr>
             <a:r>
-              <a:rPr b="0" lang="en-US" sz="4400" spc="-1" strike="noStrike">
-                <a:solidFill>
-                  <a:srgbClr val="432a30"/>
+              <a:rPr lang="en-US" sz="3600" b="0" strike="noStrike" spc="-1" dirty="0">
+                <a:solidFill>
+                  <a:srgbClr val="432A30"/>
                 </a:solidFill>
                 <a:latin typeface="Franklin Gothic Book"/>
               </a:rPr>
               <a:t>Feature engineering</a:t>
             </a:r>
-            <a:br/>
-            <a:endParaRPr b="0" lang="ru-RU" sz="4400" spc="-1" strike="noStrike">
+            <a:br>
+              <a:rPr sz="3600" dirty="0"/>
+            </a:br>
+            <a:endParaRPr lang="ru-RU" sz="3600" b="0" strike="noStrike" spc="-1" dirty="0">
               <a:latin typeface="Arial"/>
             </a:endParaRPr>
           </a:p>
@@ -6484,8 +9015,8 @@
         </p:nvSpPr>
         <p:spPr>
           <a:xfrm>
-            <a:off x="1371600" y="1886040"/>
-            <a:ext cx="9600480" cy="3580560"/>
+            <a:off x="1371599" y="1776240"/>
+            <a:ext cx="10354319" cy="789840"/>
           </a:xfrm>
           <a:prstGeom prst="rect">
             <a:avLst/>
@@ -6496,17 +9027,24 @@
           </a:ln>
         </p:spPr>
         <p:style>
-          <a:lnRef idx="0"/>
-          <a:fillRef idx="0"/>
-          <a:effectRef idx="0"/>
+          <a:lnRef idx="0">
+            <a:scrgbClr r="0" g="0" b="0"/>
+          </a:lnRef>
+          <a:fillRef idx="0">
+            <a:scrgbClr r="0" g="0" b="0"/>
+          </a:fillRef>
+          <a:effectRef idx="0">
+            <a:scrgbClr r="0" g="0" b="0"/>
+          </a:effectRef>
           <a:fontRef idx="minor"/>
         </p:style>
         <p:txBody>
-          <a:bodyPr lIns="90000" rIns="90000" tIns="45000" bIns="45000">
+          <a:bodyPr lIns="90000" tIns="45000" rIns="90000" bIns="45000">
             <a:noAutofit/>
           </a:bodyPr>
-          <a:p>
-            <a:pPr marL="384120" indent="-383400">
+          <a:lstStyle/>
+          <a:p>
+            <a:pPr marL="384120" indent="-383400" algn="just">
               <a:lnSpc>
                 <a:spcPct val="94000"/>
               </a:lnSpc>
@@ -6517,26 +9055,197 @@
                 <a:spcPts val="201"/>
               </a:spcAft>
               <a:buClr>
-                <a:srgbClr val="432a30"/>
+                <a:srgbClr val="432A30"/>
               </a:buClr>
               <a:buFont typeface="Franklin Gothic Book"/>
               <a:buChar char="■"/>
             </a:pPr>
             <a:r>
-              <a:rPr b="0" lang="en-US" sz="2000" spc="-1" strike="noStrike">
-                <a:solidFill>
-                  <a:srgbClr val="432a30"/>
-                </a:solidFill>
-                <a:latin typeface="Franklin Gothic Book"/>
-              </a:rPr>
-              <a:t>В ходе командного обсуждения были предложены идеи признаков для обучения модели</a:t>
-            </a:r>
-            <a:endParaRPr b="0" lang="ru-RU" sz="2000" spc="-1" strike="noStrike">
-              <a:latin typeface="Arial"/>
-            </a:endParaRPr>
-          </a:p>
-          <a:p>
-            <a:pPr>
+              <a:rPr lang="en-US" sz="2400" b="0" strike="noStrike" spc="-1" dirty="0">
+                <a:solidFill>
+                  <a:srgbClr val="432A30"/>
+                </a:solidFill>
+                <a:latin typeface="Franklin Gothic Book"/>
+              </a:rPr>
+              <a:t>В </a:t>
+            </a:r>
+            <a:r>
+              <a:rPr lang="en-US" sz="2400" b="0" strike="noStrike" spc="-1" dirty="0" err="1">
+                <a:solidFill>
+                  <a:srgbClr val="432A30"/>
+                </a:solidFill>
+                <a:latin typeface="Franklin Gothic Book"/>
+              </a:rPr>
+              <a:t>ходе</a:t>
+            </a:r>
+            <a:r>
+              <a:rPr lang="en-US" sz="2400" b="0" strike="noStrike" spc="-1" dirty="0">
+                <a:solidFill>
+                  <a:srgbClr val="432A30"/>
+                </a:solidFill>
+                <a:latin typeface="Franklin Gothic Book"/>
+              </a:rPr>
+              <a:t> </a:t>
+            </a:r>
+            <a:r>
+              <a:rPr lang="en-US" sz="2400" b="0" strike="noStrike" spc="-1" dirty="0" err="1">
+                <a:solidFill>
+                  <a:srgbClr val="432A30"/>
+                </a:solidFill>
+                <a:latin typeface="Franklin Gothic Book"/>
+              </a:rPr>
+              <a:t>командного</a:t>
+            </a:r>
+            <a:r>
+              <a:rPr lang="en-US" sz="2400" b="0" strike="noStrike" spc="-1" dirty="0">
+                <a:solidFill>
+                  <a:srgbClr val="432A30"/>
+                </a:solidFill>
+                <a:latin typeface="Franklin Gothic Book"/>
+              </a:rPr>
+              <a:t> </a:t>
+            </a:r>
+            <a:r>
+              <a:rPr lang="en-US" sz="2400" b="0" strike="noStrike" spc="-1" dirty="0" err="1">
+                <a:solidFill>
+                  <a:srgbClr val="432A30"/>
+                </a:solidFill>
+                <a:latin typeface="Franklin Gothic Book"/>
+              </a:rPr>
+              <a:t>обсуждения</a:t>
+            </a:r>
+            <a:r>
+              <a:rPr lang="en-US" sz="2400" b="0" strike="noStrike" spc="-1" dirty="0">
+                <a:solidFill>
+                  <a:srgbClr val="432A30"/>
+                </a:solidFill>
+                <a:latin typeface="Franklin Gothic Book"/>
+              </a:rPr>
+              <a:t> </a:t>
+            </a:r>
+            <a:r>
+              <a:rPr lang="en-US" sz="2400" b="0" strike="noStrike" spc="-1" dirty="0" err="1">
+                <a:solidFill>
+                  <a:srgbClr val="432A30"/>
+                </a:solidFill>
+                <a:latin typeface="Franklin Gothic Book"/>
+              </a:rPr>
+              <a:t>были</a:t>
+            </a:r>
+            <a:r>
+              <a:rPr lang="en-US" sz="2400" b="0" strike="noStrike" spc="-1" dirty="0">
+                <a:solidFill>
+                  <a:srgbClr val="432A30"/>
+                </a:solidFill>
+                <a:latin typeface="Franklin Gothic Book"/>
+              </a:rPr>
+              <a:t> </a:t>
+            </a:r>
+            <a:r>
+              <a:rPr lang="en-US" sz="2400" b="0" strike="noStrike" spc="-1" dirty="0" err="1">
+                <a:solidFill>
+                  <a:srgbClr val="432A30"/>
+                </a:solidFill>
+                <a:latin typeface="Franklin Gothic Book"/>
+              </a:rPr>
+              <a:t>предложены</a:t>
+            </a:r>
+            <a:r>
+              <a:rPr lang="en-US" sz="2400" b="0" strike="noStrike" spc="-1" dirty="0">
+                <a:solidFill>
+                  <a:srgbClr val="432A30"/>
+                </a:solidFill>
+                <a:latin typeface="Franklin Gothic Book"/>
+              </a:rPr>
+              <a:t> </a:t>
+            </a:r>
+            <a:r>
+              <a:rPr lang="en-US" sz="2400" b="0" strike="noStrike" spc="-1" dirty="0" err="1">
+                <a:solidFill>
+                  <a:srgbClr val="432A30"/>
+                </a:solidFill>
+                <a:latin typeface="Franklin Gothic Book"/>
+              </a:rPr>
+              <a:t>идеи</a:t>
+            </a:r>
+            <a:r>
+              <a:rPr lang="en-US" sz="2400" b="0" strike="noStrike" spc="-1" dirty="0">
+                <a:solidFill>
+                  <a:srgbClr val="432A30"/>
+                </a:solidFill>
+                <a:latin typeface="Franklin Gothic Book"/>
+              </a:rPr>
+              <a:t> </a:t>
+            </a:r>
+            <a:r>
+              <a:rPr lang="en-US" sz="2400" b="0" strike="noStrike" spc="-1" dirty="0" err="1">
+                <a:solidFill>
+                  <a:srgbClr val="432A30"/>
+                </a:solidFill>
+                <a:latin typeface="Franklin Gothic Book"/>
+              </a:rPr>
+              <a:t>признаков</a:t>
+            </a:r>
+            <a:r>
+              <a:rPr lang="en-US" sz="2400" b="0" strike="noStrike" spc="-1" dirty="0">
+                <a:solidFill>
+                  <a:srgbClr val="432A30"/>
+                </a:solidFill>
+                <a:latin typeface="Franklin Gothic Book"/>
+              </a:rPr>
+              <a:t> </a:t>
+            </a:r>
+            <a:r>
+              <a:rPr lang="en-US" sz="2400" b="0" strike="noStrike" spc="-1" dirty="0" err="1">
+                <a:solidFill>
+                  <a:srgbClr val="432A30"/>
+                </a:solidFill>
+                <a:latin typeface="Franklin Gothic Book"/>
+              </a:rPr>
+              <a:t>для</a:t>
+            </a:r>
+            <a:r>
+              <a:rPr lang="en-US" sz="2400" b="0" strike="noStrike" spc="-1" dirty="0">
+                <a:solidFill>
+                  <a:srgbClr val="432A30"/>
+                </a:solidFill>
+                <a:latin typeface="Franklin Gothic Book"/>
+              </a:rPr>
+              <a:t> </a:t>
+            </a:r>
+            <a:r>
+              <a:rPr lang="en-US" sz="2400" b="0" strike="noStrike" spc="-1" dirty="0" err="1">
+                <a:solidFill>
+                  <a:srgbClr val="432A30"/>
+                </a:solidFill>
+                <a:latin typeface="Franklin Gothic Book"/>
+              </a:rPr>
+              <a:t>обучения</a:t>
+            </a:r>
+            <a:r>
+              <a:rPr lang="en-US" sz="2400" b="0" strike="noStrike" spc="-1" dirty="0">
+                <a:solidFill>
+                  <a:srgbClr val="432A30"/>
+                </a:solidFill>
+                <a:latin typeface="Franklin Gothic Book"/>
+              </a:rPr>
+              <a:t> </a:t>
+            </a:r>
+            <a:r>
+              <a:rPr lang="en-US" sz="2400" b="0" strike="noStrike" spc="-1" dirty="0" err="1">
+                <a:solidFill>
+                  <a:srgbClr val="432A30"/>
+                </a:solidFill>
+                <a:latin typeface="Franklin Gothic Book"/>
+              </a:rPr>
+              <a:t>модели</a:t>
+            </a:r>
+            <a:endParaRPr lang="ru-RU" sz="2400" b="0" strike="noStrike" spc="-1" dirty="0">
+              <a:latin typeface="Arial"/>
+            </a:endParaRPr>
+          </a:p>
+          <a:p>
+            <a:pPr algn="just">
               <a:lnSpc>
                 <a:spcPct val="94000"/>
               </a:lnSpc>
@@ -6547,7 +9256,7 @@
                 <a:spcPts val="201"/>
               </a:spcAft>
             </a:pPr>
-            <a:endParaRPr b="0" lang="ru-RU" sz="2000" spc="-1" strike="noStrike">
+            <a:endParaRPr lang="ru-RU" sz="2400" b="0" strike="noStrike" spc="-1" dirty="0">
               <a:latin typeface="Arial"/>
             </a:endParaRPr>
           </a:p>
@@ -6555,17 +9264,17 @@
       </p:sp>
       <p:pic>
         <p:nvPicPr>
-          <p:cNvPr id="130" name="Рисунок 6" descr=""/>
+          <p:cNvPr id="130" name="Рисунок 6"/>
           <p:cNvPicPr/>
           <p:nvPr/>
         </p:nvPicPr>
         <p:blipFill>
-          <a:blip r:embed="rId1"/>
+          <a:blip r:embed="rId2"/>
           <a:stretch/>
         </p:blipFill>
         <p:spPr>
           <a:xfrm>
-            <a:off x="994680" y="2675880"/>
+            <a:off x="1371600" y="2701321"/>
             <a:ext cx="10354320" cy="3495600"/>
           </a:xfrm>
           <a:prstGeom prst="rect">
@@ -6576,29 +9285,71 @@
           </a:ln>
         </p:spPr>
       </p:pic>
+      <p:sp>
+        <p:nvSpPr>
+          <p:cNvPr id="5" name="TextBox 4">
+            <a:extLst>
+              <a:ext uri="{FF2B5EF4-FFF2-40B4-BE49-F238E27FC236}">
+                <a16:creationId xmlns:a16="http://schemas.microsoft.com/office/drawing/2014/main" id="{297B19AB-7FED-4665-A18F-C28BBC3717CB}"/>
+              </a:ext>
+            </a:extLst>
+          </p:cNvPr>
+          <p:cNvSpPr txBox="1"/>
+          <p:nvPr/>
+        </p:nvSpPr>
+        <p:spPr>
+          <a:xfrm>
+            <a:off x="11603115" y="6401465"/>
+            <a:ext cx="588885" cy="456535"/>
+          </a:xfrm>
+          <a:prstGeom prst="rect">
+            <a:avLst/>
+          </a:prstGeom>
+          <a:noFill/>
+        </p:spPr>
+        <p:txBody>
+          <a:bodyPr wrap="square" rtlCol="0">
+            <a:spAutoFit/>
+          </a:bodyPr>
+          <a:lstStyle/>
+          <a:p>
+            <a:pPr algn="ctr">
+              <a:lnSpc>
+                <a:spcPct val="150000"/>
+              </a:lnSpc>
+              <a:spcBef>
+                <a:spcPts val="1200"/>
+              </a:spcBef>
+              <a:spcAft>
+                <a:spcPts val="1200"/>
+              </a:spcAft>
+            </a:pPr>
+            <a:r>
+              <a:rPr lang="ru-RU" dirty="0"/>
+              <a:t>4</a:t>
+            </a:r>
+          </a:p>
+        </p:txBody>
+      </p:sp>
     </p:spTree>
   </p:cSld>
-  <mc:AlternateContent>
-    <mc:Choice Requires="p14">
-      <p:transition spd="slow" p14:dur="2000"/>
-    </mc:Choice>
-    <mc:Fallback>
-      <p:transition spd="slow"/>
-    </mc:Fallback>
-  </mc:AlternateContent>
+  <p:clrMapOvr>
+    <a:masterClrMapping/>
+  </p:clrMapOvr>
 </p:sld>
 </file>
 
 <file path=ppt/slides/slide5.xml><?xml version="1.0" encoding="utf-8"?>
-<p:sld xmlns:a="http://schemas.openxmlformats.org/drawingml/2006/main" xmlns:p="http://schemas.openxmlformats.org/presentationml/2006/main" xmlns:r="http://schemas.openxmlformats.org/officeDocument/2006/relationships" xmlns:p14="http://schemas.microsoft.com/office/powerpoint/2010/main" xmlns:p15="http://schemas.microsoft.com/office/powerpoint/2012/main" xmlns:mc="http://schemas.openxmlformats.org/markup-compatibility/2006">
+<p:sld xmlns:a="http://schemas.openxmlformats.org/drawingml/2006/main" xmlns:r="http://schemas.openxmlformats.org/officeDocument/2006/relationships" xmlns:p="http://schemas.openxmlformats.org/presentationml/2006/main">
   <p:cSld>
     <p:bg>
       <p:bgPr>
         <a:solidFill>
-          <a:srgbClr val="624f79">
+          <a:srgbClr val="624F79">
             <a:alpha val="69000"/>
           </a:srgbClr>
         </a:solidFill>
+        <a:effectLst/>
       </p:bgPr>
     </p:bg>
     <p:spTree>
@@ -6617,12 +9368,12 @@
       </p:grpSpPr>
       <p:pic>
         <p:nvPicPr>
-          <p:cNvPr id="131" name="Рисунок 5" descr=""/>
+          <p:cNvPr id="131" name="Рисунок 5"/>
           <p:cNvPicPr/>
           <p:nvPr/>
         </p:nvPicPr>
         <p:blipFill>
-          <a:blip r:embed="rId1"/>
+          <a:blip r:embed="rId2"/>
           <a:stretch/>
         </p:blipFill>
         <p:spPr>
@@ -6638,29 +9389,71 @@
           </a:ln>
         </p:spPr>
       </p:pic>
+      <p:sp>
+        <p:nvSpPr>
+          <p:cNvPr id="3" name="TextBox 2">
+            <a:extLst>
+              <a:ext uri="{FF2B5EF4-FFF2-40B4-BE49-F238E27FC236}">
+                <a16:creationId xmlns:a16="http://schemas.microsoft.com/office/drawing/2014/main" id="{202B614F-A061-4656-8D33-E11C554F4DCC}"/>
+              </a:ext>
+            </a:extLst>
+          </p:cNvPr>
+          <p:cNvSpPr txBox="1"/>
+          <p:nvPr/>
+        </p:nvSpPr>
+        <p:spPr>
+          <a:xfrm>
+            <a:off x="11603115" y="6401465"/>
+            <a:ext cx="588885" cy="456535"/>
+          </a:xfrm>
+          <a:prstGeom prst="rect">
+            <a:avLst/>
+          </a:prstGeom>
+          <a:noFill/>
+        </p:spPr>
+        <p:txBody>
+          <a:bodyPr wrap="square" rtlCol="0">
+            <a:spAutoFit/>
+          </a:bodyPr>
+          <a:lstStyle/>
+          <a:p>
+            <a:pPr algn="ctr">
+              <a:lnSpc>
+                <a:spcPct val="150000"/>
+              </a:lnSpc>
+              <a:spcBef>
+                <a:spcPts val="1200"/>
+              </a:spcBef>
+              <a:spcAft>
+                <a:spcPts val="1200"/>
+              </a:spcAft>
+            </a:pPr>
+            <a:r>
+              <a:rPr lang="ru-RU" dirty="0"/>
+              <a:t>5</a:t>
+            </a:r>
+          </a:p>
+        </p:txBody>
+      </p:sp>
     </p:spTree>
   </p:cSld>
-  <mc:AlternateContent>
-    <mc:Choice Requires="p14">
-      <p:transition spd="slow" p14:dur="2000"/>
-    </mc:Choice>
-    <mc:Fallback>
-      <p:transition spd="slow"/>
-    </mc:Fallback>
-  </mc:AlternateContent>
+  <p:clrMapOvr>
+    <a:masterClrMapping/>
+  </p:clrMapOvr>
 </p:sld>
 </file>
 
 <file path=ppt/slides/slide6.xml><?xml version="1.0" encoding="utf-8"?>
-<p:sld xmlns:a="http://schemas.openxmlformats.org/drawingml/2006/main" xmlns:p="http://schemas.openxmlformats.org/presentationml/2006/main" xmlns:r="http://schemas.openxmlformats.org/officeDocument/2006/relationships" xmlns:p14="http://schemas.microsoft.com/office/powerpoint/2010/main" xmlns:p15="http://schemas.microsoft.com/office/powerpoint/2012/main" xmlns:mc="http://schemas.openxmlformats.org/markup-compatibility/2006">
+<p:sld xmlns:a="http://schemas.openxmlformats.org/drawingml/2006/main" xmlns:r="http://schemas.openxmlformats.org/officeDocument/2006/relationships" xmlns:p="http://schemas.openxmlformats.org/presentationml/2006/main">
   <p:cSld>
     <p:bg>
       <p:bgPr>
         <a:solidFill>
-          <a:srgbClr val="624f79">
+          <a:srgbClr val="624F79">
             <a:alpha val="69000"/>
           </a:srgbClr>
         </a:solidFill>
+        <a:effectLst/>
       </p:bgPr>
     </p:bg>
     <p:spTree>
@@ -6697,26 +9490,33 @@
           </a:ln>
         </p:spPr>
         <p:style>
-          <a:lnRef idx="0"/>
-          <a:fillRef idx="0"/>
-          <a:effectRef idx="0"/>
+          <a:lnRef idx="0">
+            <a:scrgbClr r="0" g="0" b="0"/>
+          </a:lnRef>
+          <a:fillRef idx="0">
+            <a:scrgbClr r="0" g="0" b="0"/>
+          </a:fillRef>
+          <a:effectRef idx="0">
+            <a:scrgbClr r="0" g="0" b="0"/>
+          </a:effectRef>
           <a:fontRef idx="minor"/>
         </p:style>
       </p:sp>
       <p:pic>
         <p:nvPicPr>
-          <p:cNvPr id="133" name="Рисунок 3" descr=""/>
+          <p:cNvPr id="133" name="Рисунок 3"/>
           <p:cNvPicPr/>
           <p:nvPr/>
         </p:nvPicPr>
-        <p:blipFill>
-          <a:blip r:embed="rId1"/>
+        <p:blipFill rotWithShape="1">
+          <a:blip r:embed="rId2"/>
+          <a:srcRect r="52886"/>
           <a:stretch/>
         </p:blipFill>
         <p:spPr>
           <a:xfrm>
-            <a:off x="926640" y="959760"/>
-            <a:ext cx="10972080" cy="4938120"/>
+            <a:off x="2886628" y="479970"/>
+            <a:ext cx="6418743" cy="5898060"/>
           </a:xfrm>
           <a:prstGeom prst="rect">
             <a:avLst/>
@@ -6726,29 +9526,71 @@
           </a:ln>
         </p:spPr>
       </p:pic>
+      <p:sp>
+        <p:nvSpPr>
+          <p:cNvPr id="5" name="TextBox 4">
+            <a:extLst>
+              <a:ext uri="{FF2B5EF4-FFF2-40B4-BE49-F238E27FC236}">
+                <a16:creationId xmlns:a16="http://schemas.microsoft.com/office/drawing/2014/main" id="{9B4FC05C-E796-4E74-AF92-9FC7C4F7F934}"/>
+              </a:ext>
+            </a:extLst>
+          </p:cNvPr>
+          <p:cNvSpPr txBox="1"/>
+          <p:nvPr/>
+        </p:nvSpPr>
+        <p:spPr>
+          <a:xfrm>
+            <a:off x="11603115" y="6401465"/>
+            <a:ext cx="588885" cy="456535"/>
+          </a:xfrm>
+          <a:prstGeom prst="rect">
+            <a:avLst/>
+          </a:prstGeom>
+          <a:noFill/>
+        </p:spPr>
+        <p:txBody>
+          <a:bodyPr wrap="square" rtlCol="0">
+            <a:spAutoFit/>
+          </a:bodyPr>
+          <a:lstStyle/>
+          <a:p>
+            <a:pPr algn="ctr">
+              <a:lnSpc>
+                <a:spcPct val="150000"/>
+              </a:lnSpc>
+              <a:spcBef>
+                <a:spcPts val="1200"/>
+              </a:spcBef>
+              <a:spcAft>
+                <a:spcPts val="1200"/>
+              </a:spcAft>
+            </a:pPr>
+            <a:r>
+              <a:rPr lang="ru-RU" dirty="0"/>
+              <a:t>6</a:t>
+            </a:r>
+          </a:p>
+        </p:txBody>
+      </p:sp>
     </p:spTree>
   </p:cSld>
-  <mc:AlternateContent>
-    <mc:Choice Requires="p14">
-      <p:transition spd="slow" p14:dur="2000"/>
-    </mc:Choice>
-    <mc:Fallback>
-      <p:transition spd="slow"/>
-    </mc:Fallback>
-  </mc:AlternateContent>
+  <p:clrMapOvr>
+    <a:masterClrMapping/>
+  </p:clrMapOvr>
 </p:sld>
 </file>
 
 <file path=ppt/slides/slide7.xml><?xml version="1.0" encoding="utf-8"?>
-<p:sld xmlns:a="http://schemas.openxmlformats.org/drawingml/2006/main" xmlns:p="http://schemas.openxmlformats.org/presentationml/2006/main" xmlns:r="http://schemas.openxmlformats.org/officeDocument/2006/relationships" xmlns:p14="http://schemas.microsoft.com/office/powerpoint/2010/main" xmlns:p15="http://schemas.microsoft.com/office/powerpoint/2012/main" xmlns:mc="http://schemas.openxmlformats.org/markup-compatibility/2006">
+<p:sld xmlns:a="http://schemas.openxmlformats.org/drawingml/2006/main" xmlns:r="http://schemas.openxmlformats.org/officeDocument/2006/relationships" xmlns:p="http://schemas.openxmlformats.org/presentationml/2006/main">
   <p:cSld>
     <p:bg>
       <p:bgPr>
         <a:solidFill>
-          <a:srgbClr val="624f79">
+          <a:srgbClr val="624F79">
             <a:alpha val="69000"/>
           </a:srgbClr>
         </a:solidFill>
+        <a:effectLst/>
       </p:bgPr>
     </p:bg>
     <p:spTree>
@@ -6785,15 +9627,22 @@
           </a:ln>
         </p:spPr>
         <p:style>
-          <a:lnRef idx="0"/>
-          <a:fillRef idx="0"/>
-          <a:effectRef idx="0"/>
+          <a:lnRef idx="0">
+            <a:scrgbClr r="0" g="0" b="0"/>
+          </a:lnRef>
+          <a:fillRef idx="0">
+            <a:scrgbClr r="0" g="0" b="0"/>
+          </a:fillRef>
+          <a:effectRef idx="0">
+            <a:scrgbClr r="0" g="0" b="0"/>
+          </a:effectRef>
           <a:fontRef idx="minor"/>
         </p:style>
         <p:txBody>
-          <a:bodyPr lIns="90000" rIns="90000" tIns="45000" bIns="45000">
+          <a:bodyPr lIns="90000" tIns="45000" rIns="90000" bIns="45000">
             <a:noAutofit/>
           </a:bodyPr>
+          <a:lstStyle/>
           <a:p>
             <a:pPr>
               <a:lnSpc>
@@ -6801,16 +9650,18 @@
               </a:lnSpc>
             </a:pPr>
             <a:r>
-              <a:rPr b="0" lang="en-US" sz="4400" spc="-1" strike="noStrike">
-                <a:solidFill>
-                  <a:srgbClr val="432a30"/>
+              <a:rPr lang="en-US" sz="3600" b="0" strike="noStrike" spc="-1" dirty="0">
+                <a:solidFill>
+                  <a:srgbClr val="432A30"/>
                 </a:solidFill>
                 <a:latin typeface="Franklin Gothic Book"/>
               </a:rPr>
               <a:t>Data preparation</a:t>
             </a:r>
-            <a:br/>
-            <a:endParaRPr b="0" lang="ru-RU" sz="4400" spc="-1" strike="noStrike">
+            <a:br>
+              <a:rPr sz="3600" dirty="0"/>
+            </a:br>
+            <a:endParaRPr lang="ru-RU" sz="3600" b="0" strike="noStrike" spc="-1" dirty="0">
               <a:latin typeface="Arial"/>
             </a:endParaRPr>
           </a:p>
@@ -6836,15 +9687,22 @@
           </a:ln>
         </p:spPr>
         <p:style>
-          <a:lnRef idx="0"/>
-          <a:fillRef idx="0"/>
-          <a:effectRef idx="0"/>
+          <a:lnRef idx="0">
+            <a:scrgbClr r="0" g="0" b="0"/>
+          </a:lnRef>
+          <a:fillRef idx="0">
+            <a:scrgbClr r="0" g="0" b="0"/>
+          </a:fillRef>
+          <a:effectRef idx="0">
+            <a:scrgbClr r="0" g="0" b="0"/>
+          </a:effectRef>
           <a:fontRef idx="minor"/>
         </p:style>
         <p:txBody>
-          <a:bodyPr lIns="90000" rIns="90000" tIns="45000" bIns="45000">
+          <a:bodyPr lIns="90000" tIns="45000" rIns="90000" bIns="45000">
             <a:noAutofit/>
           </a:bodyPr>
+          <a:lstStyle/>
           <a:p>
             <a:pPr marL="384120" indent="-383400">
               <a:lnSpc>
@@ -6857,49 +9715,424 @@
                 <a:spcPts val="201"/>
               </a:spcAft>
               <a:buClr>
-                <a:srgbClr val="432a30"/>
+                <a:srgbClr val="432A30"/>
               </a:buClr>
               <a:buFont typeface="Franklin Gothic Book"/>
               <a:buChar char="■"/>
             </a:pPr>
             <a:r>
-              <a:rPr b="0" lang="en-US" sz="2000" spc="-1" strike="noStrike">
-                <a:solidFill>
-                  <a:srgbClr val="432a30"/>
-                </a:solidFill>
-                <a:latin typeface="Franklin Gothic Book"/>
-              </a:rPr>
-              <a:t>На данном этапе была проведена чистка данных от пропусков, необходимые преобразования данных и их объединение в один обучающий датасет.</a:t>
-            </a:r>
-            <a:endParaRPr b="0" lang="ru-RU" sz="2000" spc="-1" strike="noStrike">
-              <a:latin typeface="Arial"/>
-            </a:endParaRPr>
-          </a:p>
-        </p:txBody>
-      </p:sp>
+              <a:rPr lang="en-US" sz="2000" b="0" strike="noStrike" spc="-1" dirty="0" err="1">
+                <a:solidFill>
+                  <a:srgbClr val="432A30"/>
+                </a:solidFill>
+                <a:latin typeface="Franklin Gothic Book"/>
+              </a:rPr>
+              <a:t>На</a:t>
+            </a:r>
+            <a:r>
+              <a:rPr lang="en-US" sz="2000" b="0" strike="noStrike" spc="-1" dirty="0">
+                <a:solidFill>
+                  <a:srgbClr val="432A30"/>
+                </a:solidFill>
+                <a:latin typeface="Franklin Gothic Book"/>
+              </a:rPr>
+              <a:t> </a:t>
+            </a:r>
+            <a:r>
+              <a:rPr lang="en-US" sz="2000" b="0" strike="noStrike" spc="-1" dirty="0" err="1">
+                <a:solidFill>
+                  <a:srgbClr val="432A30"/>
+                </a:solidFill>
+                <a:latin typeface="Franklin Gothic Book"/>
+              </a:rPr>
+              <a:t>данном</a:t>
+            </a:r>
+            <a:r>
+              <a:rPr lang="en-US" sz="2000" b="0" strike="noStrike" spc="-1" dirty="0">
+                <a:solidFill>
+                  <a:srgbClr val="432A30"/>
+                </a:solidFill>
+                <a:latin typeface="Franklin Gothic Book"/>
+              </a:rPr>
+              <a:t> </a:t>
+            </a:r>
+            <a:r>
+              <a:rPr lang="en-US" sz="2000" b="0" strike="noStrike" spc="-1" dirty="0" err="1">
+                <a:solidFill>
+                  <a:srgbClr val="432A30"/>
+                </a:solidFill>
+                <a:latin typeface="Franklin Gothic Book"/>
+              </a:rPr>
+              <a:t>этапе</a:t>
+            </a:r>
+            <a:r>
+              <a:rPr lang="en-US" sz="2000" b="0" strike="noStrike" spc="-1" dirty="0">
+                <a:solidFill>
+                  <a:srgbClr val="432A30"/>
+                </a:solidFill>
+                <a:latin typeface="Franklin Gothic Book"/>
+              </a:rPr>
+              <a:t> </a:t>
+            </a:r>
+            <a:r>
+              <a:rPr lang="en-US" sz="2000" b="0" strike="noStrike" spc="-1" dirty="0" err="1">
+                <a:solidFill>
+                  <a:srgbClr val="432A30"/>
+                </a:solidFill>
+                <a:latin typeface="Franklin Gothic Book"/>
+              </a:rPr>
+              <a:t>была</a:t>
+            </a:r>
+            <a:r>
+              <a:rPr lang="en-US" sz="2000" b="0" strike="noStrike" spc="-1" dirty="0">
+                <a:solidFill>
+                  <a:srgbClr val="432A30"/>
+                </a:solidFill>
+                <a:latin typeface="Franklin Gothic Book"/>
+              </a:rPr>
+              <a:t> </a:t>
+            </a:r>
+            <a:r>
+              <a:rPr lang="en-US" sz="2000" b="0" strike="noStrike" spc="-1" dirty="0" err="1">
+                <a:solidFill>
+                  <a:srgbClr val="432A30"/>
+                </a:solidFill>
+                <a:latin typeface="Franklin Gothic Book"/>
+              </a:rPr>
+              <a:t>проведена</a:t>
+            </a:r>
+            <a:r>
+              <a:rPr lang="en-US" sz="2000" b="0" strike="noStrike" spc="-1" dirty="0">
+                <a:solidFill>
+                  <a:srgbClr val="432A30"/>
+                </a:solidFill>
+                <a:latin typeface="Franklin Gothic Book"/>
+              </a:rPr>
+              <a:t> </a:t>
+            </a:r>
+            <a:r>
+              <a:rPr lang="en-US" sz="2000" b="0" strike="noStrike" spc="-1" dirty="0" err="1">
+                <a:solidFill>
+                  <a:srgbClr val="432A30"/>
+                </a:solidFill>
+                <a:latin typeface="Franklin Gothic Book"/>
+              </a:rPr>
+              <a:t>чистка</a:t>
+            </a:r>
+            <a:r>
+              <a:rPr lang="en-US" sz="2000" b="0" strike="noStrike" spc="-1" dirty="0">
+                <a:solidFill>
+                  <a:srgbClr val="432A30"/>
+                </a:solidFill>
+                <a:latin typeface="Franklin Gothic Book"/>
+              </a:rPr>
+              <a:t> </a:t>
+            </a:r>
+            <a:r>
+              <a:rPr lang="en-US" sz="2000" b="0" strike="noStrike" spc="-1" dirty="0" err="1">
+                <a:solidFill>
+                  <a:srgbClr val="432A30"/>
+                </a:solidFill>
+                <a:latin typeface="Franklin Gothic Book"/>
+              </a:rPr>
+              <a:t>данных</a:t>
+            </a:r>
+            <a:r>
+              <a:rPr lang="en-US" sz="2000" b="0" strike="noStrike" spc="-1" dirty="0">
+                <a:solidFill>
+                  <a:srgbClr val="432A30"/>
+                </a:solidFill>
+                <a:latin typeface="Franklin Gothic Book"/>
+              </a:rPr>
+              <a:t> </a:t>
+            </a:r>
+            <a:r>
+              <a:rPr lang="en-US" sz="2000" b="0" strike="noStrike" spc="-1" dirty="0" err="1">
+                <a:solidFill>
+                  <a:srgbClr val="432A30"/>
+                </a:solidFill>
+                <a:latin typeface="Franklin Gothic Book"/>
+              </a:rPr>
+              <a:t>от</a:t>
+            </a:r>
+            <a:r>
+              <a:rPr lang="en-US" sz="2000" b="0" strike="noStrike" spc="-1" dirty="0">
+                <a:solidFill>
+                  <a:srgbClr val="432A30"/>
+                </a:solidFill>
+                <a:latin typeface="Franklin Gothic Book"/>
+              </a:rPr>
+              <a:t> </a:t>
+            </a:r>
+            <a:r>
+              <a:rPr lang="en-US" sz="2000" b="0" strike="noStrike" spc="-1" dirty="0" err="1">
+                <a:solidFill>
+                  <a:srgbClr val="432A30"/>
+                </a:solidFill>
+                <a:latin typeface="Franklin Gothic Book"/>
+              </a:rPr>
+              <a:t>пропусков</a:t>
+            </a:r>
+            <a:r>
+              <a:rPr lang="en-US" sz="2000" b="0" strike="noStrike" spc="-1" dirty="0">
+                <a:solidFill>
+                  <a:srgbClr val="432A30"/>
+                </a:solidFill>
+                <a:latin typeface="Franklin Gothic Book"/>
+              </a:rPr>
+              <a:t>, </a:t>
+            </a:r>
+            <a:r>
+              <a:rPr lang="en-US" sz="2000" b="0" strike="noStrike" spc="-1" dirty="0" err="1">
+                <a:solidFill>
+                  <a:srgbClr val="432A30"/>
+                </a:solidFill>
+                <a:latin typeface="Franklin Gothic Book"/>
+              </a:rPr>
+              <a:t>необходимые</a:t>
+            </a:r>
+            <a:r>
+              <a:rPr lang="en-US" sz="2000" b="0" strike="noStrike" spc="-1" dirty="0">
+                <a:solidFill>
+                  <a:srgbClr val="432A30"/>
+                </a:solidFill>
+                <a:latin typeface="Franklin Gothic Book"/>
+              </a:rPr>
+              <a:t> </a:t>
+            </a:r>
+            <a:r>
+              <a:rPr lang="en-US" sz="2000" b="0" strike="noStrike" spc="-1" dirty="0" err="1">
+                <a:solidFill>
+                  <a:srgbClr val="432A30"/>
+                </a:solidFill>
+                <a:latin typeface="Franklin Gothic Book"/>
+              </a:rPr>
+              <a:t>преобразования</a:t>
+            </a:r>
+            <a:r>
+              <a:rPr lang="en-US" sz="2000" b="0" strike="noStrike" spc="-1" dirty="0">
+                <a:solidFill>
+                  <a:srgbClr val="432A30"/>
+                </a:solidFill>
+                <a:latin typeface="Franklin Gothic Book"/>
+              </a:rPr>
+              <a:t> </a:t>
+            </a:r>
+            <a:r>
+              <a:rPr lang="en-US" sz="2000" b="0" strike="noStrike" spc="-1" dirty="0" err="1">
+                <a:solidFill>
+                  <a:srgbClr val="432A30"/>
+                </a:solidFill>
+                <a:latin typeface="Franklin Gothic Book"/>
+              </a:rPr>
+              <a:t>данных</a:t>
+            </a:r>
+            <a:r>
+              <a:rPr lang="en-US" sz="2000" b="0" strike="noStrike" spc="-1" dirty="0">
+                <a:solidFill>
+                  <a:srgbClr val="432A30"/>
+                </a:solidFill>
+                <a:latin typeface="Franklin Gothic Book"/>
+              </a:rPr>
+              <a:t> и </a:t>
+            </a:r>
+            <a:r>
+              <a:rPr lang="en-US" sz="2000" b="0" strike="noStrike" spc="-1" dirty="0" err="1">
+                <a:solidFill>
+                  <a:srgbClr val="432A30"/>
+                </a:solidFill>
+                <a:latin typeface="Franklin Gothic Book"/>
+              </a:rPr>
+              <a:t>их</a:t>
+            </a:r>
+            <a:r>
+              <a:rPr lang="en-US" sz="2000" b="0" strike="noStrike" spc="-1" dirty="0">
+                <a:solidFill>
+                  <a:srgbClr val="432A30"/>
+                </a:solidFill>
+                <a:latin typeface="Franklin Gothic Book"/>
+              </a:rPr>
+              <a:t> </a:t>
+            </a:r>
+            <a:r>
+              <a:rPr lang="en-US" sz="2000" b="0" strike="noStrike" spc="-1" dirty="0" err="1">
+                <a:solidFill>
+                  <a:srgbClr val="432A30"/>
+                </a:solidFill>
+                <a:latin typeface="Franklin Gothic Book"/>
+              </a:rPr>
+              <a:t>объединение</a:t>
+            </a:r>
+            <a:r>
+              <a:rPr lang="en-US" sz="2000" b="0" strike="noStrike" spc="-1" dirty="0">
+                <a:solidFill>
+                  <a:srgbClr val="432A30"/>
+                </a:solidFill>
+                <a:latin typeface="Franklin Gothic Book"/>
+              </a:rPr>
+              <a:t> в </a:t>
+            </a:r>
+            <a:r>
+              <a:rPr lang="en-US" sz="2000" b="0" strike="noStrike" spc="-1" dirty="0" err="1">
+                <a:solidFill>
+                  <a:srgbClr val="432A30"/>
+                </a:solidFill>
+                <a:latin typeface="Franklin Gothic Book"/>
+              </a:rPr>
+              <a:t>один</a:t>
+            </a:r>
+            <a:r>
+              <a:rPr lang="en-US" sz="2000" b="0" strike="noStrike" spc="-1" dirty="0">
+                <a:solidFill>
+                  <a:srgbClr val="432A30"/>
+                </a:solidFill>
+                <a:latin typeface="Franklin Gothic Book"/>
+              </a:rPr>
+              <a:t> </a:t>
+            </a:r>
+            <a:r>
+              <a:rPr lang="en-US" sz="2000" b="0" strike="noStrike" spc="-1" dirty="0" err="1">
+                <a:solidFill>
+                  <a:srgbClr val="432A30"/>
+                </a:solidFill>
+                <a:latin typeface="Franklin Gothic Book"/>
+              </a:rPr>
+              <a:t>обучающий</a:t>
+            </a:r>
+            <a:r>
+              <a:rPr lang="en-US" sz="2000" b="0" strike="noStrike" spc="-1" dirty="0">
+                <a:solidFill>
+                  <a:srgbClr val="432A30"/>
+                </a:solidFill>
+                <a:latin typeface="Franklin Gothic Book"/>
+              </a:rPr>
+              <a:t> </a:t>
+            </a:r>
+            <a:r>
+              <a:rPr lang="en-US" sz="2000" b="0" strike="noStrike" spc="-1" dirty="0" err="1">
+                <a:solidFill>
+                  <a:srgbClr val="432A30"/>
+                </a:solidFill>
+                <a:latin typeface="Franklin Gothic Book"/>
+              </a:rPr>
+              <a:t>датасет</a:t>
+            </a:r>
+            <a:r>
+              <a:rPr lang="en-US" sz="2000" b="0" strike="noStrike" spc="-1" dirty="0">
+                <a:solidFill>
+                  <a:srgbClr val="432A30"/>
+                </a:solidFill>
+                <a:latin typeface="Franklin Gothic Book"/>
+              </a:rPr>
+              <a:t>.</a:t>
+            </a:r>
+            <a:endParaRPr lang="ru-RU" sz="2000" b="0" strike="noStrike" spc="-1" dirty="0">
+              <a:latin typeface="Arial"/>
+            </a:endParaRPr>
+          </a:p>
+        </p:txBody>
+      </p:sp>
+      <p:sp>
+        <p:nvSpPr>
+          <p:cNvPr id="5" name="TextBox 4">
+            <a:extLst>
+              <a:ext uri="{FF2B5EF4-FFF2-40B4-BE49-F238E27FC236}">
+                <a16:creationId xmlns:a16="http://schemas.microsoft.com/office/drawing/2014/main" id="{D9EAC303-F4DB-4C41-9F49-39F1D11651A6}"/>
+              </a:ext>
+            </a:extLst>
+          </p:cNvPr>
+          <p:cNvSpPr txBox="1"/>
+          <p:nvPr/>
+        </p:nvSpPr>
+        <p:spPr>
+          <a:xfrm>
+            <a:off x="11603115" y="6401465"/>
+            <a:ext cx="588885" cy="456535"/>
+          </a:xfrm>
+          <a:prstGeom prst="rect">
+            <a:avLst/>
+          </a:prstGeom>
+          <a:noFill/>
+        </p:spPr>
+        <p:txBody>
+          <a:bodyPr wrap="square" rtlCol="0">
+            <a:spAutoFit/>
+          </a:bodyPr>
+          <a:lstStyle/>
+          <a:p>
+            <a:pPr algn="ctr">
+              <a:lnSpc>
+                <a:spcPct val="150000"/>
+              </a:lnSpc>
+              <a:spcBef>
+                <a:spcPts val="1200"/>
+              </a:spcBef>
+              <a:spcAft>
+                <a:spcPts val="1200"/>
+              </a:spcAft>
+            </a:pPr>
+            <a:r>
+              <a:rPr lang="ru-RU" dirty="0"/>
+              <a:t>7</a:t>
+            </a:r>
+          </a:p>
+        </p:txBody>
+      </p:sp>
+      <p:pic>
+        <p:nvPicPr>
+          <p:cNvPr id="3" name="Рисунок 2">
+            <a:extLst>
+              <a:ext uri="{FF2B5EF4-FFF2-40B4-BE49-F238E27FC236}">
+                <a16:creationId xmlns:a16="http://schemas.microsoft.com/office/drawing/2014/main" id="{D06A5802-FECE-413C-92CA-02BA673A55FF}"/>
+              </a:ext>
+            </a:extLst>
+          </p:cNvPr>
+          <p:cNvPicPr>
+            <a:picLocks noChangeAspect="1"/>
+          </p:cNvPicPr>
+          <p:nvPr/>
+        </p:nvPicPr>
+        <p:blipFill>
+          <a:blip r:embed="rId2">
+            <a:extLst>
+              <a:ext uri="{28A0092B-C50C-407E-A947-70E740481C1C}">
+                <a14:useLocalDpi xmlns:a14="http://schemas.microsoft.com/office/drawing/2010/main" val="0"/>
+              </a:ext>
+            </a:extLst>
+          </a:blip>
+          <a:stretch>
+            <a:fillRect/>
+          </a:stretch>
+        </p:blipFill>
+        <p:spPr>
+          <a:xfrm>
+            <a:off x="4585876" y="3429000"/>
+            <a:ext cx="3020248" cy="2952292"/>
+          </a:xfrm>
+          <a:prstGeom prst="rect">
+            <a:avLst/>
+          </a:prstGeom>
+        </p:spPr>
+      </p:pic>
     </p:spTree>
   </p:cSld>
-  <mc:AlternateContent>
-    <mc:Choice Requires="p14">
-      <p:transition spd="slow" p14:dur="2000"/>
-    </mc:Choice>
-    <mc:Fallback>
-      <p:transition spd="slow"/>
-    </mc:Fallback>
-  </mc:AlternateContent>
+  <p:clrMapOvr>
+    <a:masterClrMapping/>
+  </p:clrMapOvr>
 </p:sld>
 </file>
 
 <file path=ppt/slides/slide8.xml><?xml version="1.0" encoding="utf-8"?>
-<p:sld xmlns:a="http://schemas.openxmlformats.org/drawingml/2006/main" xmlns:p="http://schemas.openxmlformats.org/presentationml/2006/main" xmlns:r="http://schemas.openxmlformats.org/officeDocument/2006/relationships" xmlns:p14="http://schemas.microsoft.com/office/powerpoint/2010/main" xmlns:p15="http://schemas.microsoft.com/office/powerpoint/2012/main" xmlns:mc="http://schemas.openxmlformats.org/markup-compatibility/2006">
+<p:sld xmlns:a="http://schemas.openxmlformats.org/drawingml/2006/main" xmlns:r="http://schemas.openxmlformats.org/officeDocument/2006/relationships" xmlns:p="http://schemas.openxmlformats.org/presentationml/2006/main">
   <p:cSld>
     <p:bg>
       <p:bgPr>
         <a:solidFill>
-          <a:srgbClr val="624f79">
+          <a:srgbClr val="624F79">
             <a:alpha val="69000"/>
           </a:srgbClr>
         </a:solidFill>
+        <a:effectLst/>
       </p:bgPr>
     </p:bg>
     <p:spTree>
@@ -6936,15 +10169,22 @@
           </a:ln>
         </p:spPr>
         <p:style>
-          <a:lnRef idx="0"/>
-          <a:fillRef idx="0"/>
-          <a:effectRef idx="0"/>
+          <a:lnRef idx="0">
+            <a:scrgbClr r="0" g="0" b="0"/>
+          </a:lnRef>
+          <a:fillRef idx="0">
+            <a:scrgbClr r="0" g="0" b="0"/>
+          </a:fillRef>
+          <a:effectRef idx="0">
+            <a:scrgbClr r="0" g="0" b="0"/>
+          </a:effectRef>
           <a:fontRef idx="minor"/>
         </p:style>
         <p:txBody>
-          <a:bodyPr lIns="90000" rIns="90000" tIns="45000" bIns="45000">
+          <a:bodyPr lIns="90000" tIns="45000" rIns="90000" bIns="45000">
             <a:noAutofit/>
           </a:bodyPr>
+          <a:lstStyle/>
           <a:p>
             <a:pPr>
               <a:lnSpc>
@@ -6952,16 +10192,36 @@
               </a:lnSpc>
             </a:pPr>
             <a:r>
-              <a:rPr b="0" lang="en-US" sz="4400" spc="-1" strike="noStrike">
-                <a:solidFill>
-                  <a:srgbClr val="432a30"/>
-                </a:solidFill>
-                <a:latin typeface="Franklin Gothic Book"/>
-              </a:rPr>
-              <a:t>Обучение модели</a:t>
-            </a:r>
-            <a:br/>
-            <a:endParaRPr b="0" lang="ru-RU" sz="4400" spc="-1" strike="noStrike">
+              <a:rPr lang="en-US" sz="3600" b="0" strike="noStrike" spc="-1" dirty="0" err="1">
+                <a:solidFill>
+                  <a:srgbClr val="432A30"/>
+                </a:solidFill>
+                <a:latin typeface="Franklin Gothic Book"/>
+              </a:rPr>
+              <a:t>Обучение</a:t>
+            </a:r>
+            <a:r>
+              <a:rPr lang="en-US" sz="3600" b="0" strike="noStrike" spc="-1" dirty="0">
+                <a:solidFill>
+                  <a:srgbClr val="432A30"/>
+                </a:solidFill>
+                <a:latin typeface="Franklin Gothic Book"/>
+              </a:rPr>
+              <a:t> </a:t>
+            </a:r>
+            <a:r>
+              <a:rPr lang="en-US" sz="3600" b="0" strike="noStrike" spc="-1" dirty="0" err="1">
+                <a:solidFill>
+                  <a:srgbClr val="432A30"/>
+                </a:solidFill>
+                <a:latin typeface="Franklin Gothic Book"/>
+              </a:rPr>
+              <a:t>модели</a:t>
+            </a:r>
+            <a:br>
+              <a:rPr sz="3600" dirty="0"/>
+            </a:br>
+            <a:endParaRPr lang="ru-RU" sz="3600" b="0" strike="noStrike" spc="-1" dirty="0">
               <a:latin typeface="Arial"/>
             </a:endParaRPr>
           </a:p>
@@ -6975,7 +10235,7 @@
         </p:nvSpPr>
         <p:spPr>
           <a:xfrm>
-            <a:off x="1371600" y="2286000"/>
+            <a:off x="1371600" y="2171160"/>
             <a:ext cx="9600480" cy="3580560"/>
           </a:xfrm>
           <a:prstGeom prst="rect">
@@ -6987,15 +10247,22 @@
           </a:ln>
         </p:spPr>
         <p:style>
-          <a:lnRef idx="0"/>
-          <a:fillRef idx="0"/>
-          <a:effectRef idx="0"/>
+          <a:lnRef idx="0">
+            <a:scrgbClr r="0" g="0" b="0"/>
+          </a:lnRef>
+          <a:fillRef idx="0">
+            <a:scrgbClr r="0" g="0" b="0"/>
+          </a:fillRef>
+          <a:effectRef idx="0">
+            <a:scrgbClr r="0" g="0" b="0"/>
+          </a:effectRef>
           <a:fontRef idx="minor"/>
         </p:style>
         <p:txBody>
-          <a:bodyPr lIns="90000" rIns="90000" tIns="45000" bIns="45000">
+          <a:bodyPr lIns="90000" tIns="45000" rIns="90000" bIns="45000">
             <a:noAutofit/>
           </a:bodyPr>
+          <a:lstStyle/>
           <a:p>
             <a:pPr marL="384120" indent="-383400">
               <a:lnSpc>
@@ -7008,21 +10275,21 @@
                 <a:spcPts val="201"/>
               </a:spcAft>
               <a:buClr>
-                <a:srgbClr val="432a30"/>
+                <a:srgbClr val="432A30"/>
               </a:buClr>
               <a:buFont typeface="Franklin Gothic Book"/>
               <a:buChar char="■"/>
             </a:pPr>
             <a:r>
-              <a:rPr b="0" lang="en-US" sz="2000" spc="-1" strike="noStrike">
-                <a:solidFill>
-                  <a:srgbClr val="432a30"/>
+              <a:rPr lang="en-US" sz="2000" b="0" strike="noStrike" spc="-1">
+                <a:solidFill>
+                  <a:srgbClr val="432A30"/>
                 </a:solidFill>
                 <a:latin typeface="Franklin Gothic Book"/>
               </a:rPr>
               <a:t>Для обучения модели были выбраны Random Forest и XGBoost</a:t>
             </a:r>
-            <a:endParaRPr b="0" lang="ru-RU" sz="2000" spc="-1" strike="noStrike">
+            <a:endParaRPr lang="ru-RU" sz="2000" b="0" strike="noStrike" spc="-1">
               <a:latin typeface="Arial"/>
             </a:endParaRPr>
           </a:p>
@@ -7038,21 +10305,21 @@
                 <a:spcPts val="201"/>
               </a:spcAft>
               <a:buClr>
-                <a:srgbClr val="432a30"/>
+                <a:srgbClr val="432A30"/>
               </a:buClr>
               <a:buFont typeface="Franklin Gothic Book"/>
               <a:buChar char="■"/>
             </a:pPr>
             <a:r>
-              <a:rPr b="0" lang="en-US" sz="2000" spc="-1" strike="noStrike">
-                <a:solidFill>
-                  <a:srgbClr val="432a30"/>
+              <a:rPr lang="en-US" sz="2000" b="0" strike="noStrike" spc="-1">
+                <a:solidFill>
+                  <a:srgbClr val="432A30"/>
                 </a:solidFill>
                 <a:latin typeface="Franklin Gothic Book"/>
               </a:rPr>
               <a:t>Была проведена валидация модели: 80% на обучение и 20% на валидацию.</a:t>
             </a:r>
-            <a:endParaRPr b="0" lang="ru-RU" sz="2000" spc="-1" strike="noStrike">
+            <a:endParaRPr lang="ru-RU" sz="2000" b="0" strike="noStrike" spc="-1">
               <a:latin typeface="Arial"/>
             </a:endParaRPr>
           </a:p>
@@ -7068,7 +10335,7 @@
                 <a:spcPts val="201"/>
               </a:spcAft>
             </a:pPr>
-            <a:endParaRPr b="0" lang="ru-RU" sz="2000" spc="-1" strike="noStrike">
+            <a:endParaRPr lang="ru-RU" sz="2000" b="0" strike="noStrike" spc="-1">
               <a:latin typeface="Arial"/>
             </a:endParaRPr>
           </a:p>
@@ -7076,17 +10343,17 @@
       </p:sp>
       <p:pic>
         <p:nvPicPr>
-          <p:cNvPr id="138" name="Рисунок 4" descr=""/>
+          <p:cNvPr id="138" name="Рисунок 4"/>
           <p:cNvPicPr/>
           <p:nvPr/>
         </p:nvPicPr>
         <p:blipFill>
-          <a:blip r:embed="rId1"/>
+          <a:blip r:embed="rId2"/>
           <a:stretch/>
         </p:blipFill>
         <p:spPr>
           <a:xfrm>
-            <a:off x="3419280" y="3429000"/>
+            <a:off x="3419760" y="3598200"/>
             <a:ext cx="5352480" cy="478080"/>
           </a:xfrm>
           <a:prstGeom prst="rect">
@@ -7097,29 +10364,71 @@
           </a:ln>
         </p:spPr>
       </p:pic>
+      <p:sp>
+        <p:nvSpPr>
+          <p:cNvPr id="5" name="TextBox 4">
+            <a:extLst>
+              <a:ext uri="{FF2B5EF4-FFF2-40B4-BE49-F238E27FC236}">
+                <a16:creationId xmlns:a16="http://schemas.microsoft.com/office/drawing/2014/main" id="{62F08DAD-D49A-4288-A7DD-57A8B8D71C35}"/>
+              </a:ext>
+            </a:extLst>
+          </p:cNvPr>
+          <p:cNvSpPr txBox="1"/>
+          <p:nvPr/>
+        </p:nvSpPr>
+        <p:spPr>
+          <a:xfrm>
+            <a:off x="11603115" y="6401465"/>
+            <a:ext cx="588885" cy="456535"/>
+          </a:xfrm>
+          <a:prstGeom prst="rect">
+            <a:avLst/>
+          </a:prstGeom>
+          <a:noFill/>
+        </p:spPr>
+        <p:txBody>
+          <a:bodyPr wrap="square" rtlCol="0">
+            <a:spAutoFit/>
+          </a:bodyPr>
+          <a:lstStyle/>
+          <a:p>
+            <a:pPr algn="ctr">
+              <a:lnSpc>
+                <a:spcPct val="150000"/>
+              </a:lnSpc>
+              <a:spcBef>
+                <a:spcPts val="1200"/>
+              </a:spcBef>
+              <a:spcAft>
+                <a:spcPts val="1200"/>
+              </a:spcAft>
+            </a:pPr>
+            <a:r>
+              <a:rPr lang="ru-RU" dirty="0"/>
+              <a:t>8</a:t>
+            </a:r>
+          </a:p>
+        </p:txBody>
+      </p:sp>
     </p:spTree>
   </p:cSld>
-  <mc:AlternateContent>
-    <mc:Choice Requires="p14">
-      <p:transition spd="slow" p14:dur="2000"/>
-    </mc:Choice>
-    <mc:Fallback>
-      <p:transition spd="slow"/>
-    </mc:Fallback>
-  </mc:AlternateContent>
+  <p:clrMapOvr>
+    <a:masterClrMapping/>
+  </p:clrMapOvr>
 </p:sld>
 </file>
 
 <file path=ppt/slides/slide9.xml><?xml version="1.0" encoding="utf-8"?>
-<p:sld xmlns:a="http://schemas.openxmlformats.org/drawingml/2006/main" xmlns:p="http://schemas.openxmlformats.org/presentationml/2006/main" xmlns:r="http://schemas.openxmlformats.org/officeDocument/2006/relationships" xmlns:p14="http://schemas.microsoft.com/office/powerpoint/2010/main" xmlns:p15="http://schemas.microsoft.com/office/powerpoint/2012/main" xmlns:mc="http://schemas.openxmlformats.org/markup-compatibility/2006">
+<p:sld xmlns:a="http://schemas.openxmlformats.org/drawingml/2006/main" xmlns:r="http://schemas.openxmlformats.org/officeDocument/2006/relationships" xmlns:p="http://schemas.openxmlformats.org/presentationml/2006/main">
   <p:cSld>
     <p:bg>
       <p:bgPr>
         <a:solidFill>
-          <a:srgbClr val="624f79">
+          <a:srgbClr val="624F79">
             <a:alpha val="69000"/>
           </a:srgbClr>
         </a:solidFill>
+        <a:effectLst/>
       </p:bgPr>
     </p:bg>
     <p:spTree>
@@ -7156,15 +10465,22 @@
           </a:ln>
         </p:spPr>
         <p:style>
-          <a:lnRef idx="0"/>
-          <a:fillRef idx="0"/>
-          <a:effectRef idx="0"/>
+          <a:lnRef idx="0">
+            <a:scrgbClr r="0" g="0" b="0"/>
+          </a:lnRef>
+          <a:fillRef idx="0">
+            <a:scrgbClr r="0" g="0" b="0"/>
+          </a:fillRef>
+          <a:effectRef idx="0">
+            <a:scrgbClr r="0" g="0" b="0"/>
+          </a:effectRef>
           <a:fontRef idx="minor"/>
         </p:style>
         <p:txBody>
-          <a:bodyPr lIns="90000" rIns="90000" tIns="45000" bIns="45000">
+          <a:bodyPr lIns="90000" tIns="45000" rIns="90000" bIns="45000">
             <a:noAutofit/>
           </a:bodyPr>
+          <a:lstStyle/>
           <a:p>
             <a:pPr>
               <a:lnSpc>
@@ -7172,15 +10488,15 @@
               </a:lnSpc>
             </a:pPr>
             <a:r>
-              <a:rPr b="0" lang="en-US" sz="4400" spc="-1" strike="noStrike">
-                <a:solidFill>
-                  <a:srgbClr val="432a30"/>
+              <a:rPr lang="en-US" sz="3600" b="0" strike="noStrike" spc="-1" dirty="0" err="1">
+                <a:solidFill>
+                  <a:srgbClr val="432A30"/>
                 </a:solidFill>
                 <a:latin typeface="Franklin Gothic Book"/>
               </a:rPr>
               <a:t>Гиперпараметры</a:t>
             </a:r>
-            <a:endParaRPr b="0" lang="ru-RU" sz="4400" spc="-1" strike="noStrike">
+            <a:endParaRPr lang="ru-RU" sz="3600" b="0" strike="noStrike" spc="-1" dirty="0">
               <a:latin typeface="Arial"/>
             </a:endParaRPr>
           </a:p>
@@ -7206,15 +10522,22 @@
           </a:ln>
         </p:spPr>
         <p:style>
-          <a:lnRef idx="0"/>
-          <a:fillRef idx="0"/>
-          <a:effectRef idx="0"/>
+          <a:lnRef idx="0">
+            <a:scrgbClr r="0" g="0" b="0"/>
+          </a:lnRef>
+          <a:fillRef idx="0">
+            <a:scrgbClr r="0" g="0" b="0"/>
+          </a:fillRef>
+          <a:effectRef idx="0">
+            <a:scrgbClr r="0" g="0" b="0"/>
+          </a:effectRef>
           <a:fontRef idx="minor"/>
         </p:style>
         <p:txBody>
-          <a:bodyPr lIns="90000" rIns="90000" tIns="45000" bIns="45000">
+          <a:bodyPr lIns="90000" tIns="45000" rIns="90000" bIns="45000">
             <a:noAutofit/>
           </a:bodyPr>
+          <a:lstStyle/>
           <a:p>
             <a:pPr marL="384120" indent="-383400">
               <a:lnSpc>
@@ -7227,21 +10550,21 @@
                 <a:spcPts val="201"/>
               </a:spcAft>
               <a:buClr>
-                <a:srgbClr val="432a30"/>
+                <a:srgbClr val="432A30"/>
               </a:buClr>
               <a:buFont typeface="Franklin Gothic Book"/>
               <a:buChar char="■"/>
             </a:pPr>
             <a:r>
-              <a:rPr b="0" lang="en-US" sz="2000" spc="-1" strike="noStrike">
-                <a:solidFill>
-                  <a:srgbClr val="432a30"/>
+              <a:rPr lang="en-US" sz="2000" b="0" strike="noStrike" spc="-1">
+                <a:solidFill>
+                  <a:srgbClr val="432A30"/>
                 </a:solidFill>
                 <a:latin typeface="Franklin Gothic Book"/>
               </a:rPr>
               <a:t>Подбор гиперпараметров проводился с помощью пакета hyperopt</a:t>
             </a:r>
-            <a:endParaRPr b="0" lang="ru-RU" sz="2000" spc="-1" strike="noStrike">
+            <a:endParaRPr lang="ru-RU" sz="2000" b="0" strike="noStrike" spc="-1">
               <a:latin typeface="Arial"/>
             </a:endParaRPr>
           </a:p>
@@ -7249,12 +10572,12 @@
       </p:sp>
       <p:pic>
         <p:nvPicPr>
-          <p:cNvPr id="141" name="Рисунок 4" descr=""/>
+          <p:cNvPr id="141" name="Рисунок 4"/>
           <p:cNvPicPr/>
           <p:nvPr/>
         </p:nvPicPr>
         <p:blipFill>
-          <a:blip r:embed="rId1"/>
+          <a:blip r:embed="rId2"/>
           <a:stretch/>
         </p:blipFill>
         <p:spPr>
@@ -7270,16 +10593,57 @@
           </a:ln>
         </p:spPr>
       </p:pic>
+      <p:sp>
+        <p:nvSpPr>
+          <p:cNvPr id="5" name="TextBox 4">
+            <a:extLst>
+              <a:ext uri="{FF2B5EF4-FFF2-40B4-BE49-F238E27FC236}">
+                <a16:creationId xmlns:a16="http://schemas.microsoft.com/office/drawing/2014/main" id="{68C8657B-2566-42D0-8FB8-AD8E3FBB5632}"/>
+              </a:ext>
+            </a:extLst>
+          </p:cNvPr>
+          <p:cNvSpPr txBox="1"/>
+          <p:nvPr/>
+        </p:nvSpPr>
+        <p:spPr>
+          <a:xfrm>
+            <a:off x="11603115" y="6401465"/>
+            <a:ext cx="588885" cy="456535"/>
+          </a:xfrm>
+          <a:prstGeom prst="rect">
+            <a:avLst/>
+          </a:prstGeom>
+          <a:noFill/>
+        </p:spPr>
+        <p:txBody>
+          <a:bodyPr wrap="square" rtlCol="0">
+            <a:spAutoFit/>
+          </a:bodyPr>
+          <a:lstStyle/>
+          <a:p>
+            <a:pPr algn="ctr">
+              <a:lnSpc>
+                <a:spcPct val="150000"/>
+              </a:lnSpc>
+              <a:spcBef>
+                <a:spcPts val="1200"/>
+              </a:spcBef>
+              <a:spcAft>
+                <a:spcPts val="1200"/>
+              </a:spcAft>
+            </a:pPr>
+            <a:r>
+              <a:rPr lang="ru-RU" dirty="0"/>
+              <a:t>9</a:t>
+            </a:r>
+          </a:p>
+        </p:txBody>
+      </p:sp>
     </p:spTree>
   </p:cSld>
-  <mc:AlternateContent>
-    <mc:Choice Requires="p14">
-      <p:transition spd="slow" p14:dur="2000"/>
-    </mc:Choice>
-    <mc:Fallback>
-      <p:transition spd="slow"/>
-    </mc:Fallback>
-  </mc:AlternateContent>
+  <p:clrMapOvr>
+    <a:masterClrMapping/>
+  </p:clrMapOvr>
 </p:sld>
 </file>
 
@@ -7294,34 +10658,34 @@
         <a:sysClr val="window" lastClr="FFFFFF"/>
       </a:lt1>
       <a:dk2>
-        <a:srgbClr val="432a30"/>
+        <a:srgbClr val="432A30"/>
       </a:dk2>
       <a:lt2>
-        <a:srgbClr val="f2f2f0"/>
+        <a:srgbClr val="F2F2F0"/>
       </a:lt2>
       <a:accent1>
-        <a:srgbClr val="836c9f"/>
+        <a:srgbClr val="836C9F"/>
       </a:accent1>
       <a:accent2>
-        <a:srgbClr val="bdab56"/>
+        <a:srgbClr val="BDAB56"/>
       </a:accent2>
       <a:accent3>
-        <a:srgbClr val="b0565d"/>
+        <a:srgbClr val="B0565D"/>
       </a:accent3>
       <a:accent4>
-        <a:srgbClr val="55b1bc"/>
+        <a:srgbClr val="55B1BC"/>
       </a:accent4>
       <a:accent5>
-        <a:srgbClr val="4d925f"/>
+        <a:srgbClr val="4D925F"/>
       </a:accent5>
       <a:accent6>
-        <a:srgbClr val="e08c4a"/>
+        <a:srgbClr val="E08C4A"/>
       </a:accent6>
       <a:hlink>
-        <a:srgbClr val="55b1bc"/>
+        <a:srgbClr val="55B1BC"/>
       </a:hlink>
       <a:folHlink>
-        <a:srgbClr val="836c9f"/>
+        <a:srgbClr val="836C9F"/>
       </a:folHlink>
     </a:clrScheme>
     <a:fontScheme name="Office">
@@ -7506,6 +10870,8 @@
       </a:bgFillStyleLst>
     </a:fmtScheme>
   </a:themeElements>
+  <a:objectDefaults/>
+  <a:extraClrSchemeLst/>
 </a:theme>
 </file>
 
@@ -7520,34 +10886,34 @@
         <a:sysClr val="window" lastClr="FFFFFF"/>
       </a:lt1>
       <a:dk2>
-        <a:srgbClr val="432a30"/>
+        <a:srgbClr val="432A30"/>
       </a:dk2>
       <a:lt2>
-        <a:srgbClr val="f2f2f0"/>
+        <a:srgbClr val="F2F2F0"/>
       </a:lt2>
       <a:accent1>
-        <a:srgbClr val="836c9f"/>
+        <a:srgbClr val="836C9F"/>
       </a:accent1>
       <a:accent2>
-        <a:srgbClr val="bdab56"/>
+        <a:srgbClr val="BDAB56"/>
       </a:accent2>
       <a:accent3>
-        <a:srgbClr val="b0565d"/>
+        <a:srgbClr val="B0565D"/>
       </a:accent3>
       <a:accent4>
-        <a:srgbClr val="55b1bc"/>
+        <a:srgbClr val="55B1BC"/>
       </a:accent4>
       <a:accent5>
-        <a:srgbClr val="4d925f"/>
+        <a:srgbClr val="4D925F"/>
       </a:accent5>
       <a:accent6>
-        <a:srgbClr val="e08c4a"/>
+        <a:srgbClr val="E08C4A"/>
       </a:accent6>
       <a:hlink>
-        <a:srgbClr val="55b1bc"/>
+        <a:srgbClr val="55B1BC"/>
       </a:hlink>
       <a:folHlink>
-        <a:srgbClr val="836c9f"/>
+        <a:srgbClr val="836C9F"/>
       </a:folHlink>
     </a:clrScheme>
     <a:fontScheme name="Office">
@@ -7732,6 +11098,8 @@
       </a:bgFillStyleLst>
     </a:fmtScheme>
   </a:themeElements>
+  <a:objectDefaults/>
+  <a:extraClrSchemeLst/>
 </a:theme>
 </file>
 
@@ -7746,34 +11114,34 @@
         <a:sysClr val="window" lastClr="FFFFFF"/>
       </a:lt1>
       <a:dk2>
-        <a:srgbClr val="432a30"/>
+        <a:srgbClr val="432A30"/>
       </a:dk2>
       <a:lt2>
-        <a:srgbClr val="f2f2f0"/>
+        <a:srgbClr val="F2F2F0"/>
       </a:lt2>
       <a:accent1>
-        <a:srgbClr val="836c9f"/>
+        <a:srgbClr val="836C9F"/>
       </a:accent1>
       <a:accent2>
-        <a:srgbClr val="bdab56"/>
+        <a:srgbClr val="BDAB56"/>
       </a:accent2>
       <a:accent3>
-        <a:srgbClr val="b0565d"/>
+        <a:srgbClr val="B0565D"/>
       </a:accent3>
       <a:accent4>
-        <a:srgbClr val="55b1bc"/>
+        <a:srgbClr val="55B1BC"/>
       </a:accent4>
       <a:accent5>
-        <a:srgbClr val="4d925f"/>
+        <a:srgbClr val="4D925F"/>
       </a:accent5>
       <a:accent6>
-        <a:srgbClr val="e08c4a"/>
+        <a:srgbClr val="E08C4A"/>
       </a:accent6>
       <a:hlink>
-        <a:srgbClr val="55b1bc"/>
+        <a:srgbClr val="55B1BC"/>
       </a:hlink>
       <a:folHlink>
-        <a:srgbClr val="836c9f"/>
+        <a:srgbClr val="836C9F"/>
       </a:folHlink>
     </a:clrScheme>
     <a:fontScheme name="Office">
@@ -7958,5 +11326,597 @@
       </a:bgFillStyleLst>
     </a:fmtScheme>
   </a:themeElements>
+  <a:objectDefaults/>
+  <a:extraClrSchemeLst/>
+</a:theme>
+</file>
+
+<file path=ppt/theme/theme4.xml><?xml version="1.0" encoding="utf-8"?>
+<a:theme xmlns:a="http://schemas.openxmlformats.org/drawingml/2006/main" name="Тема Office">
+  <a:themeElements>
+    <a:clrScheme name="Стандартная">
+      <a:dk1>
+        <a:sysClr val="windowText" lastClr="000000"/>
+      </a:dk1>
+      <a:lt1>
+        <a:sysClr val="window" lastClr="FFFFFF"/>
+      </a:lt1>
+      <a:dk2>
+        <a:srgbClr val="44546A"/>
+      </a:dk2>
+      <a:lt2>
+        <a:srgbClr val="E7E6E6"/>
+      </a:lt2>
+      <a:accent1>
+        <a:srgbClr val="4472C4"/>
+      </a:accent1>
+      <a:accent2>
+        <a:srgbClr val="ED7D31"/>
+      </a:accent2>
+      <a:accent3>
+        <a:srgbClr val="A5A5A5"/>
+      </a:accent3>
+      <a:accent4>
+        <a:srgbClr val="FFC000"/>
+      </a:accent4>
+      <a:accent5>
+        <a:srgbClr val="5B9BD5"/>
+      </a:accent5>
+      <a:accent6>
+        <a:srgbClr val="70AD47"/>
+      </a:accent6>
+      <a:hlink>
+        <a:srgbClr val="0563C1"/>
+      </a:hlink>
+      <a:folHlink>
+        <a:srgbClr val="954F72"/>
+      </a:folHlink>
+    </a:clrScheme>
+    <a:fontScheme name="Стандартная">
+      <a:majorFont>
+        <a:latin typeface="Calibri Light" panose="020F0302020204030204"/>
+        <a:ea typeface=""/>
+        <a:cs typeface=""/>
+        <a:font script="Jpan" typeface="游ゴシック Light"/>
+        <a:font script="Hang" typeface="맑은 고딕"/>
+        <a:font script="Hans" typeface="等线 Light"/>
+        <a:font script="Hant" typeface="新細明體"/>
+        <a:font script="Arab" typeface="Times New Roman"/>
+        <a:font script="Hebr" typeface="Times New Roman"/>
+        <a:font script="Thai" typeface="Angsana New"/>
+        <a:font script="Ethi" typeface="Nyala"/>
+        <a:font script="Beng" typeface="Vrinda"/>
+        <a:font script="Gujr" typeface="Shruti"/>
+        <a:font script="Khmr" typeface="MoolBoran"/>
+        <a:font script="Knda" typeface="Tunga"/>
+        <a:font script="Guru" typeface="Raavi"/>
+        <a:font script="Cans" typeface="Euphemia"/>
+        <a:font script="Cher" typeface="Plantagenet Cherokee"/>
+        <a:font script="Yiii" typeface="Microsoft Yi Baiti"/>
+        <a:font script="Tibt" typeface="Microsoft Himalaya"/>
+        <a:font script="Thaa" typeface="MV Boli"/>
+        <a:font script="Deva" typeface="Mangal"/>
+        <a:font script="Telu" typeface="Gautami"/>
+        <a:font script="Taml" typeface="Latha"/>
+        <a:font script="Syrc" typeface="Estrangelo Edessa"/>
+        <a:font script="Orya" typeface="Kalinga"/>
+        <a:font script="Mlym" typeface="Kartika"/>
+        <a:font script="Laoo" typeface="DokChampa"/>
+        <a:font script="Sinh" typeface="Iskoola Pota"/>
+        <a:font script="Mong" typeface="Mongolian Baiti"/>
+        <a:font script="Viet" typeface="Times New Roman"/>
+        <a:font script="Uigh" typeface="Microsoft Uighur"/>
+        <a:font script="Geor" typeface="Sylfaen"/>
+        <a:font script="Armn" typeface="Arial"/>
+        <a:font script="Bugi" typeface="Leelawadee UI"/>
+        <a:font script="Bopo" typeface="Microsoft JhengHei"/>
+        <a:font script="Java" typeface="Javanese Text"/>
+        <a:font script="Lisu" typeface="Segoe UI"/>
+        <a:font script="Mymr" typeface="Myanmar Text"/>
+        <a:font script="Nkoo" typeface="Ebrima"/>
+        <a:font script="Olck" typeface="Nirmala UI"/>
+        <a:font script="Osma" typeface="Ebrima"/>
+        <a:font script="Phag" typeface="Phagspa"/>
+        <a:font script="Syrn" typeface="Estrangelo Edessa"/>
+        <a:font script="Syrj" typeface="Estrangelo Edessa"/>
+        <a:font script="Syre" typeface="Estrangelo Edessa"/>
+        <a:font script="Sora" typeface="Nirmala UI"/>
+        <a:font script="Tale" typeface="Microsoft Tai Le"/>
+        <a:font script="Talu" typeface="Microsoft New Tai Lue"/>
+        <a:font script="Tfng" typeface="Ebrima"/>
+      </a:majorFont>
+      <a:minorFont>
+        <a:latin typeface="Calibri" panose="020F0502020204030204"/>
+        <a:ea typeface=""/>
+        <a:cs typeface=""/>
+        <a:font script="Jpan" typeface="游ゴシック"/>
+        <a:font script="Hang" typeface="맑은 고딕"/>
+        <a:font script="Hans" typeface="等线"/>
+        <a:font script="Hant" typeface="新細明體"/>
+        <a:font script="Arab" typeface="Arial"/>
+        <a:font script="Hebr" typeface="Arial"/>
+        <a:font script="Thai" typeface="Cordia New"/>
+        <a:font script="Ethi" typeface="Nyala"/>
+        <a:font script="Beng" typeface="Vrinda"/>
+        <a:font script="Gujr" typeface="Shruti"/>
+        <a:font script="Khmr" typeface="DaunPenh"/>
+        <a:font script="Knda" typeface="Tunga"/>
+        <a:font script="Guru" typeface="Raavi"/>
+        <a:font script="Cans" typeface="Euphemia"/>
+        <a:font script="Cher" typeface="Plantagenet Cherokee"/>
+        <a:font script="Yiii" typeface="Microsoft Yi Baiti"/>
+        <a:font script="Tibt" typeface="Microsoft Himalaya"/>
+        <a:font script="Thaa" typeface="MV Boli"/>
+        <a:font script="Deva" typeface="Mangal"/>
+        <a:font script="Telu" typeface="Gautami"/>
+        <a:font script="Taml" typeface="Latha"/>
+        <a:font script="Syrc" typeface="Estrangelo Edessa"/>
+        <a:font script="Orya" typeface="Kalinga"/>
+        <a:font script="Mlym" typeface="Kartika"/>
+        <a:font script="Laoo" typeface="DokChampa"/>
+        <a:font script="Sinh" typeface="Iskoola Pota"/>
+        <a:font script="Mong" typeface="Mongolian Baiti"/>
+        <a:font script="Viet" typeface="Arial"/>
+        <a:font script="Uigh" typeface="Microsoft Uighur"/>
+        <a:font script="Geor" typeface="Sylfaen"/>
+        <a:font script="Armn" typeface="Arial"/>
+        <a:font script="Bugi" typeface="Leelawadee UI"/>
+        <a:font script="Bopo" typeface="Microsoft JhengHei"/>
+        <a:font script="Java" typeface="Javanese Text"/>
+        <a:font script="Lisu" typeface="Segoe UI"/>
+        <a:font script="Mymr" typeface="Myanmar Text"/>
+        <a:font script="Nkoo" typeface="Ebrima"/>
+        <a:font script="Olck" typeface="Nirmala UI"/>
+        <a:font script="Osma" typeface="Ebrima"/>
+        <a:font script="Phag" typeface="Phagspa"/>
+        <a:font script="Syrn" typeface="Estrangelo Edessa"/>
+        <a:font script="Syrj" typeface="Estrangelo Edessa"/>
+        <a:font script="Syre" typeface="Estrangelo Edessa"/>
+        <a:font script="Sora" typeface="Nirmala UI"/>
+        <a:font script="Tale" typeface="Microsoft Tai Le"/>
+        <a:font script="Talu" typeface="Microsoft New Tai Lue"/>
+        <a:font script="Tfng" typeface="Ebrima"/>
+      </a:minorFont>
+    </a:fontScheme>
+    <a:fmtScheme name="Стандартная">
+      <a:fillStyleLst>
+        <a:solidFill>
+          <a:schemeClr val="phClr"/>
+        </a:solidFill>
+        <a:gradFill rotWithShape="1">
+          <a:gsLst>
+            <a:gs pos="0">
+              <a:schemeClr val="phClr">
+                <a:lumMod val="110000"/>
+                <a:satMod val="105000"/>
+                <a:tint val="67000"/>
+              </a:schemeClr>
+            </a:gs>
+            <a:gs pos="50000">
+              <a:schemeClr val="phClr">
+                <a:lumMod val="105000"/>
+                <a:satMod val="103000"/>
+                <a:tint val="73000"/>
+              </a:schemeClr>
+            </a:gs>
+            <a:gs pos="100000">
+              <a:schemeClr val="phClr">
+                <a:lumMod val="105000"/>
+                <a:satMod val="109000"/>
+                <a:tint val="81000"/>
+              </a:schemeClr>
+            </a:gs>
+          </a:gsLst>
+          <a:lin ang="5400000" scaled="0"/>
+        </a:gradFill>
+        <a:gradFill rotWithShape="1">
+          <a:gsLst>
+            <a:gs pos="0">
+              <a:schemeClr val="phClr">
+                <a:satMod val="103000"/>
+                <a:lumMod val="102000"/>
+                <a:tint val="94000"/>
+              </a:schemeClr>
+            </a:gs>
+            <a:gs pos="50000">
+              <a:schemeClr val="phClr">
+                <a:satMod val="110000"/>
+                <a:lumMod val="100000"/>
+                <a:shade val="100000"/>
+              </a:schemeClr>
+            </a:gs>
+            <a:gs pos="100000">
+              <a:schemeClr val="phClr">
+                <a:lumMod val="99000"/>
+                <a:satMod val="120000"/>
+                <a:shade val="78000"/>
+              </a:schemeClr>
+            </a:gs>
+          </a:gsLst>
+          <a:lin ang="5400000" scaled="0"/>
+        </a:gradFill>
+      </a:fillStyleLst>
+      <a:lnStyleLst>
+        <a:ln w="6350" cap="flat" cmpd="sng" algn="ctr">
+          <a:solidFill>
+            <a:schemeClr val="phClr"/>
+          </a:solidFill>
+          <a:prstDash val="solid"/>
+          <a:miter lim="800000"/>
+        </a:ln>
+        <a:ln w="12700" cap="flat" cmpd="sng" algn="ctr">
+          <a:solidFill>
+            <a:schemeClr val="phClr"/>
+          </a:solidFill>
+          <a:prstDash val="solid"/>
+          <a:miter lim="800000"/>
+        </a:ln>
+        <a:ln w="19050" cap="flat" cmpd="sng" algn="ctr">
+          <a:solidFill>
+            <a:schemeClr val="phClr"/>
+          </a:solidFill>
+          <a:prstDash val="solid"/>
+          <a:miter lim="800000"/>
+        </a:ln>
+      </a:lnStyleLst>
+      <a:effectStyleLst>
+        <a:effectStyle>
+          <a:effectLst/>
+        </a:effectStyle>
+        <a:effectStyle>
+          <a:effectLst/>
+        </a:effectStyle>
+        <a:effectStyle>
+          <a:effectLst>
+            <a:outerShdw blurRad="57150" dist="19050" dir="5400000" algn="ctr" rotWithShape="0">
+              <a:srgbClr val="000000">
+                <a:alpha val="63000"/>
+              </a:srgbClr>
+            </a:outerShdw>
+          </a:effectLst>
+        </a:effectStyle>
+      </a:effectStyleLst>
+      <a:bgFillStyleLst>
+        <a:solidFill>
+          <a:schemeClr val="phClr"/>
+        </a:solidFill>
+        <a:solidFill>
+          <a:schemeClr val="phClr">
+            <a:tint val="95000"/>
+            <a:satMod val="170000"/>
+          </a:schemeClr>
+        </a:solidFill>
+        <a:gradFill rotWithShape="1">
+          <a:gsLst>
+            <a:gs pos="0">
+              <a:schemeClr val="phClr">
+                <a:tint val="93000"/>
+                <a:satMod val="150000"/>
+                <a:shade val="98000"/>
+                <a:lumMod val="102000"/>
+              </a:schemeClr>
+            </a:gs>
+            <a:gs pos="50000">
+              <a:schemeClr val="phClr">
+                <a:tint val="98000"/>
+                <a:satMod val="130000"/>
+                <a:shade val="90000"/>
+                <a:lumMod val="103000"/>
+              </a:schemeClr>
+            </a:gs>
+            <a:gs pos="100000">
+              <a:schemeClr val="phClr">
+                <a:shade val="63000"/>
+                <a:satMod val="120000"/>
+              </a:schemeClr>
+            </a:gs>
+          </a:gsLst>
+          <a:lin ang="5400000" scaled="0"/>
+        </a:gradFill>
+      </a:bgFillStyleLst>
+    </a:fmtScheme>
+  </a:themeElements>
+  <a:objectDefaults/>
+  <a:extraClrSchemeLst/>
+  <a:extLst>
+    <a:ext uri="{05A4C25C-085E-4340-85A3-A5531E510DB2}">
+      <thm15:themeFamily xmlns:thm15="http://schemas.microsoft.com/office/thememl/2012/main" name="Office Theme" id="{62F939B6-93AF-4DB8-9C6B-D6C7DFDC589F}" vid="{4A3C46E8-61CC-4603-A589-7422A47A8E4A}"/>
+    </a:ext>
+  </a:extLst>
+</a:theme>
+</file>
+
+<file path=ppt/theme/theme5.xml><?xml version="1.0" encoding="utf-8"?>
+<a:theme xmlns:a="http://schemas.openxmlformats.org/drawingml/2006/main" name="Тема Office">
+  <a:themeElements>
+    <a:clrScheme name="Стандартная">
+      <a:dk1>
+        <a:sysClr val="windowText" lastClr="000000"/>
+      </a:dk1>
+      <a:lt1>
+        <a:sysClr val="window" lastClr="FFFFFF"/>
+      </a:lt1>
+      <a:dk2>
+        <a:srgbClr val="44546A"/>
+      </a:dk2>
+      <a:lt2>
+        <a:srgbClr val="E7E6E6"/>
+      </a:lt2>
+      <a:accent1>
+        <a:srgbClr val="4472C4"/>
+      </a:accent1>
+      <a:accent2>
+        <a:srgbClr val="ED7D31"/>
+      </a:accent2>
+      <a:accent3>
+        <a:srgbClr val="A5A5A5"/>
+      </a:accent3>
+      <a:accent4>
+        <a:srgbClr val="FFC000"/>
+      </a:accent4>
+      <a:accent5>
+        <a:srgbClr val="5B9BD5"/>
+      </a:accent5>
+      <a:accent6>
+        <a:srgbClr val="70AD47"/>
+      </a:accent6>
+      <a:hlink>
+        <a:srgbClr val="0563C1"/>
+      </a:hlink>
+      <a:folHlink>
+        <a:srgbClr val="954F72"/>
+      </a:folHlink>
+    </a:clrScheme>
+    <a:fontScheme name="Стандартная">
+      <a:majorFont>
+        <a:latin typeface="Calibri Light" panose="020F0302020204030204"/>
+        <a:ea typeface=""/>
+        <a:cs typeface=""/>
+        <a:font script="Jpan" typeface="游ゴシック Light"/>
+        <a:font script="Hang" typeface="맑은 고딕"/>
+        <a:font script="Hans" typeface="等线 Light"/>
+        <a:font script="Hant" typeface="新細明體"/>
+        <a:font script="Arab" typeface="Times New Roman"/>
+        <a:font script="Hebr" typeface="Times New Roman"/>
+        <a:font script="Thai" typeface="Angsana New"/>
+        <a:font script="Ethi" typeface="Nyala"/>
+        <a:font script="Beng" typeface="Vrinda"/>
+        <a:font script="Gujr" typeface="Shruti"/>
+        <a:font script="Khmr" typeface="MoolBoran"/>
+        <a:font script="Knda" typeface="Tunga"/>
+        <a:font script="Guru" typeface="Raavi"/>
+        <a:font script="Cans" typeface="Euphemia"/>
+        <a:font script="Cher" typeface="Plantagenet Cherokee"/>
+        <a:font script="Yiii" typeface="Microsoft Yi Baiti"/>
+        <a:font script="Tibt" typeface="Microsoft Himalaya"/>
+        <a:font script="Thaa" typeface="MV Boli"/>
+        <a:font script="Deva" typeface="Mangal"/>
+        <a:font script="Telu" typeface="Gautami"/>
+        <a:font script="Taml" typeface="Latha"/>
+        <a:font script="Syrc" typeface="Estrangelo Edessa"/>
+        <a:font script="Orya" typeface="Kalinga"/>
+        <a:font script="Mlym" typeface="Kartika"/>
+        <a:font script="Laoo" typeface="DokChampa"/>
+        <a:font script="Sinh" typeface="Iskoola Pota"/>
+        <a:font script="Mong" typeface="Mongolian Baiti"/>
+        <a:font script="Viet" typeface="Times New Roman"/>
+        <a:font script="Uigh" typeface="Microsoft Uighur"/>
+        <a:font script="Geor" typeface="Sylfaen"/>
+        <a:font script="Armn" typeface="Arial"/>
+        <a:font script="Bugi" typeface="Leelawadee UI"/>
+        <a:font script="Bopo" typeface="Microsoft JhengHei"/>
+        <a:font script="Java" typeface="Javanese Text"/>
+        <a:font script="Lisu" typeface="Segoe UI"/>
+        <a:font script="Mymr" typeface="Myanmar Text"/>
+        <a:font script="Nkoo" typeface="Ebrima"/>
+        <a:font script="Olck" typeface="Nirmala UI"/>
+        <a:font script="Osma" typeface="Ebrima"/>
+        <a:font script="Phag" typeface="Phagspa"/>
+        <a:font script="Syrn" typeface="Estrangelo Edessa"/>
+        <a:font script="Syrj" typeface="Estrangelo Edessa"/>
+        <a:font script="Syre" typeface="Estrangelo Edessa"/>
+        <a:font script="Sora" typeface="Nirmala UI"/>
+        <a:font script="Tale" typeface="Microsoft Tai Le"/>
+        <a:font script="Talu" typeface="Microsoft New Tai Lue"/>
+        <a:font script="Tfng" typeface="Ebrima"/>
+      </a:majorFont>
+      <a:minorFont>
+        <a:latin typeface="Calibri" panose="020F0502020204030204"/>
+        <a:ea typeface=""/>
+        <a:cs typeface=""/>
+        <a:font script="Jpan" typeface="游ゴシック"/>
+        <a:font script="Hang" typeface="맑은 고딕"/>
+        <a:font script="Hans" typeface="等线"/>
+        <a:font script="Hant" typeface="新細明體"/>
+        <a:font script="Arab" typeface="Arial"/>
+        <a:font script="Hebr" typeface="Arial"/>
+        <a:font script="Thai" typeface="Cordia New"/>
+        <a:font script="Ethi" typeface="Nyala"/>
+        <a:font script="Beng" typeface="Vrinda"/>
+        <a:font script="Gujr" typeface="Shruti"/>
+        <a:font script="Khmr" typeface="DaunPenh"/>
+        <a:font script="Knda" typeface="Tunga"/>
+        <a:font script="Guru" typeface="Raavi"/>
+        <a:font script="Cans" typeface="Euphemia"/>
+        <a:font script="Cher" typeface="Plantagenet Cherokee"/>
+        <a:font script="Yiii" typeface="Microsoft Yi Baiti"/>
+        <a:font script="Tibt" typeface="Microsoft Himalaya"/>
+        <a:font script="Thaa" typeface="MV Boli"/>
+        <a:font script="Deva" typeface="Mangal"/>
+        <a:font script="Telu" typeface="Gautami"/>
+        <a:font script="Taml" typeface="Latha"/>
+        <a:font script="Syrc" typeface="Estrangelo Edessa"/>
+        <a:font script="Orya" typeface="Kalinga"/>
+        <a:font script="Mlym" typeface="Kartika"/>
+        <a:font script="Laoo" typeface="DokChampa"/>
+        <a:font script="Sinh" typeface="Iskoola Pota"/>
+        <a:font script="Mong" typeface="Mongolian Baiti"/>
+        <a:font script="Viet" typeface="Arial"/>
+        <a:font script="Uigh" typeface="Microsoft Uighur"/>
+        <a:font script="Geor" typeface="Sylfaen"/>
+        <a:font script="Armn" typeface="Arial"/>
+        <a:font script="Bugi" typeface="Leelawadee UI"/>
+        <a:font script="Bopo" typeface="Microsoft JhengHei"/>
+        <a:font script="Java" typeface="Javanese Text"/>
+        <a:font script="Lisu" typeface="Segoe UI"/>
+        <a:font script="Mymr" typeface="Myanmar Text"/>
+        <a:font script="Nkoo" typeface="Ebrima"/>
+        <a:font script="Olck" typeface="Nirmala UI"/>
+        <a:font script="Osma" typeface="Ebrima"/>
+        <a:font script="Phag" typeface="Phagspa"/>
+        <a:font script="Syrn" typeface="Estrangelo Edessa"/>
+        <a:font script="Syrj" typeface="Estrangelo Edessa"/>
+        <a:font script="Syre" typeface="Estrangelo Edessa"/>
+        <a:font script="Sora" typeface="Nirmala UI"/>
+        <a:font script="Tale" typeface="Microsoft Tai Le"/>
+        <a:font script="Talu" typeface="Microsoft New Tai Lue"/>
+        <a:font script="Tfng" typeface="Ebrima"/>
+      </a:minorFont>
+    </a:fontScheme>
+    <a:fmtScheme name="Стандартная">
+      <a:fillStyleLst>
+        <a:solidFill>
+          <a:schemeClr val="phClr"/>
+        </a:solidFill>
+        <a:gradFill rotWithShape="1">
+          <a:gsLst>
+            <a:gs pos="0">
+              <a:schemeClr val="phClr">
+                <a:lumMod val="110000"/>
+                <a:satMod val="105000"/>
+                <a:tint val="67000"/>
+              </a:schemeClr>
+            </a:gs>
+            <a:gs pos="50000">
+              <a:schemeClr val="phClr">
+                <a:lumMod val="105000"/>
+                <a:satMod val="103000"/>
+                <a:tint val="73000"/>
+              </a:schemeClr>
+            </a:gs>
+            <a:gs pos="100000">
+              <a:schemeClr val="phClr">
+                <a:lumMod val="105000"/>
+                <a:satMod val="109000"/>
+                <a:tint val="81000"/>
+              </a:schemeClr>
+            </a:gs>
+          </a:gsLst>
+          <a:lin ang="5400000" scaled="0"/>
+        </a:gradFill>
+        <a:gradFill rotWithShape="1">
+          <a:gsLst>
+            <a:gs pos="0">
+              <a:schemeClr val="phClr">
+                <a:satMod val="103000"/>
+                <a:lumMod val="102000"/>
+                <a:tint val="94000"/>
+              </a:schemeClr>
+            </a:gs>
+            <a:gs pos="50000">
+              <a:schemeClr val="phClr">
+                <a:satMod val="110000"/>
+                <a:lumMod val="100000"/>
+                <a:shade val="100000"/>
+              </a:schemeClr>
+            </a:gs>
+            <a:gs pos="100000">
+              <a:schemeClr val="phClr">
+                <a:lumMod val="99000"/>
+                <a:satMod val="120000"/>
+                <a:shade val="78000"/>
+              </a:schemeClr>
+            </a:gs>
+          </a:gsLst>
+          <a:lin ang="5400000" scaled="0"/>
+        </a:gradFill>
+      </a:fillStyleLst>
+      <a:lnStyleLst>
+        <a:ln w="6350" cap="flat" cmpd="sng" algn="ctr">
+          <a:solidFill>
+            <a:schemeClr val="phClr"/>
+          </a:solidFill>
+          <a:prstDash val="solid"/>
+          <a:miter lim="800000"/>
+        </a:ln>
+        <a:ln w="12700" cap="flat" cmpd="sng" algn="ctr">
+          <a:solidFill>
+            <a:schemeClr val="phClr"/>
+          </a:solidFill>
+          <a:prstDash val="solid"/>
+          <a:miter lim="800000"/>
+        </a:ln>
+        <a:ln w="19050" cap="flat" cmpd="sng" algn="ctr">
+          <a:solidFill>
+            <a:schemeClr val="phClr"/>
+          </a:solidFill>
+          <a:prstDash val="solid"/>
+          <a:miter lim="800000"/>
+        </a:ln>
+      </a:lnStyleLst>
+      <a:effectStyleLst>
+        <a:effectStyle>
+          <a:effectLst/>
+        </a:effectStyle>
+        <a:effectStyle>
+          <a:effectLst/>
+        </a:effectStyle>
+        <a:effectStyle>
+          <a:effectLst>
+            <a:outerShdw blurRad="57150" dist="19050" dir="5400000" algn="ctr" rotWithShape="0">
+              <a:srgbClr val="000000">
+                <a:alpha val="63000"/>
+              </a:srgbClr>
+            </a:outerShdw>
+          </a:effectLst>
+        </a:effectStyle>
+      </a:effectStyleLst>
+      <a:bgFillStyleLst>
+        <a:solidFill>
+          <a:schemeClr val="phClr"/>
+        </a:solidFill>
+        <a:solidFill>
+          <a:schemeClr val="phClr">
+            <a:tint val="95000"/>
+            <a:satMod val="170000"/>
+          </a:schemeClr>
+        </a:solidFill>
+        <a:gradFill rotWithShape="1">
+          <a:gsLst>
+            <a:gs pos="0">
+              <a:schemeClr val="phClr">
+                <a:tint val="93000"/>
+                <a:satMod val="150000"/>
+                <a:shade val="98000"/>
+                <a:lumMod val="102000"/>
+              </a:schemeClr>
+            </a:gs>
+            <a:gs pos="50000">
+              <a:schemeClr val="phClr">
+                <a:tint val="98000"/>
+                <a:satMod val="130000"/>
+                <a:shade val="90000"/>
+                <a:lumMod val="103000"/>
+              </a:schemeClr>
+            </a:gs>
+            <a:gs pos="100000">
+              <a:schemeClr val="phClr">
+                <a:shade val="63000"/>
+                <a:satMod val="120000"/>
+              </a:schemeClr>
+            </a:gs>
+          </a:gsLst>
+          <a:lin ang="5400000" scaled="0"/>
+        </a:gradFill>
+      </a:bgFillStyleLst>
+    </a:fmtScheme>
+  </a:themeElements>
+  <a:objectDefaults/>
+  <a:extraClrSchemeLst/>
+  <a:extLst>
+    <a:ext uri="{05A4C25C-085E-4340-85A3-A5531E510DB2}">
+      <thm15:themeFamily xmlns:thm15="http://schemas.microsoft.com/office/thememl/2012/main" name="Office Theme" id="{62F939B6-93AF-4DB8-9C6B-D6C7DFDC589F}" vid="{4A3C46E8-61CC-4603-A589-7422A47A8E4A}"/>
+    </a:ext>
+  </a:extLst>
 </a:theme>
 </file>